--- a/Presentations/EMR Interroperability V0.2.pptx
+++ b/Presentations/EMR Interroperability V0.2.pptx
@@ -7,7 +7,7 @@
     <p:sldMasterId id="2147483674" r:id="rId3"/>
   </p:sldMasterIdLst>
   <p:notesMasterIdLst>
-    <p:notesMasterId r:id="rId19"/>
+    <p:notesMasterId r:id="rId20"/>
   </p:notesMasterIdLst>
   <p:sldIdLst>
     <p:sldId id="256" r:id="rId4"/>
@@ -24,7 +24,8 @@
     <p:sldId id="267" r:id="rId15"/>
     <p:sldId id="268" r:id="rId16"/>
     <p:sldId id="269" r:id="rId17"/>
-    <p:sldId id="270" r:id="rId18"/>
+    <p:sldId id="271" r:id="rId18"/>
+    <p:sldId id="270" r:id="rId19"/>
   </p:sldIdLst>
   <p:sldSz cx="12192000" cy="6858000"/>
   <p:notesSz cx="6797675" cy="9929813"/>
@@ -129,6 +130,860 @@
     </p:ext>
   </p:extLst>
 </p:presentation>
+</file>
+
+<file path=ppt/charts/chart1.xml><?xml version="1.0" encoding="utf-8"?>
+<c:chartSpace xmlns:c="http://schemas.openxmlformats.org/drawingml/2006/chart" xmlns:a="http://schemas.openxmlformats.org/drawingml/2006/main" xmlns:r="http://schemas.openxmlformats.org/officeDocument/2006/relationships" xmlns:c16r2="http://schemas.microsoft.com/office/drawing/2015/06/chart">
+  <c:date1904 val="0"/>
+  <c:lang val="en-US"/>
+  <c:roundedCorners val="0"/>
+  <mc:AlternateContent xmlns:mc="http://schemas.openxmlformats.org/markup-compatibility/2006">
+    <mc:Choice xmlns:c14="http://schemas.microsoft.com/office/drawing/2007/8/2/chart" Requires="c14">
+      <c14:style val="102"/>
+    </mc:Choice>
+    <mc:Fallback>
+      <c:style val="2"/>
+    </mc:Fallback>
+  </mc:AlternateContent>
+  <c:chart>
+    <c:autoTitleDeleted val="1"/>
+    <c:plotArea>
+      <c:layout/>
+      <c:barChart>
+        <c:barDir val="col"/>
+        <c:grouping val="clustered"/>
+        <c:varyColors val="0"/>
+        <c:ser>
+          <c:idx val="0"/>
+          <c:order val="0"/>
+          <c:tx>
+            <c:strRef>
+              <c:f>KappaInterAnnotatorAgrement!$B$1</c:f>
+              <c:strCache>
+                <c:ptCount val="1"/>
+                <c:pt idx="0">
+                  <c:v>Kappa Score</c:v>
+                </c:pt>
+              </c:strCache>
+            </c:strRef>
+          </c:tx>
+          <c:spPr>
+            <a:solidFill>
+              <a:schemeClr val="accent1"/>
+            </a:solidFill>
+            <a:ln>
+              <a:solidFill>
+                <a:schemeClr val="tx1"/>
+              </a:solidFill>
+            </a:ln>
+            <a:effectLst/>
+          </c:spPr>
+          <c:invertIfNegative val="0"/>
+          <c:dLbls>
+            <c:spPr>
+              <a:noFill/>
+              <a:ln>
+                <a:noFill/>
+              </a:ln>
+              <a:effectLst/>
+            </c:spPr>
+            <c:txPr>
+              <a:bodyPr rot="0" spcFirstLastPara="1" vertOverflow="ellipsis" vert="horz" wrap="square" lIns="38100" tIns="19050" rIns="38100" bIns="19050" anchor="ctr" anchorCtr="1">
+                <a:spAutoFit/>
+              </a:bodyPr>
+              <a:lstStyle/>
+              <a:p>
+                <a:pPr>
+                  <a:defRPr sz="1000" b="0" i="0" u="none" strike="noStrike" kern="1200" baseline="0">
+                    <a:solidFill>
+                      <a:schemeClr val="tx1"/>
+                    </a:solidFill>
+                    <a:latin typeface="Calibri" panose="020F0502020204030204" pitchFamily="34" charset="0"/>
+                    <a:ea typeface="+mn-ea"/>
+                    <a:cs typeface="Calibri" panose="020F0502020204030204" pitchFamily="34" charset="0"/>
+                  </a:defRPr>
+                </a:pPr>
+                <a:endParaRPr lang="en-US"/>
+              </a:p>
+            </c:txPr>
+            <c:dLblPos val="outEnd"/>
+            <c:showLegendKey val="0"/>
+            <c:showVal val="1"/>
+            <c:showCatName val="0"/>
+            <c:showSerName val="0"/>
+            <c:showPercent val="0"/>
+            <c:showBubbleSize val="0"/>
+            <c:showLeaderLines val="0"/>
+            <c:extLst>
+              <c:ext xmlns:c15="http://schemas.microsoft.com/office/drawing/2012/chart" uri="{CE6537A1-D6FC-4f65-9D91-7224C49458BB}">
+                <c15:layout/>
+                <c15:showLeaderLines val="1"/>
+                <c15:leaderLines>
+                  <c:spPr>
+                    <a:ln w="9525" cap="flat" cmpd="sng" algn="ctr">
+                      <a:solidFill>
+                        <a:schemeClr val="tx1">
+                          <a:lumMod val="35000"/>
+                          <a:lumOff val="65000"/>
+                        </a:schemeClr>
+                      </a:solidFill>
+                      <a:round/>
+                    </a:ln>
+                    <a:effectLst/>
+                  </c:spPr>
+                </c15:leaderLines>
+              </c:ext>
+            </c:extLst>
+          </c:dLbls>
+          <c:cat>
+            <c:strRef>
+              <c:f>KappaInterAnnotatorAgrement!$A$2:$A$7</c:f>
+              <c:strCache>
+                <c:ptCount val="6"/>
+                <c:pt idx="0">
+                  <c:v>Annotator1 vs Annnotator2</c:v>
+                </c:pt>
+                <c:pt idx="1">
+                  <c:v>Annotator1 vs Annnotator3</c:v>
+                </c:pt>
+                <c:pt idx="2">
+                  <c:v>Annotator1 vs Annnotator4</c:v>
+                </c:pt>
+                <c:pt idx="3">
+                  <c:v>Annotator2 vs Annnotator3</c:v>
+                </c:pt>
+                <c:pt idx="4">
+                  <c:v>Annotator2 vs Annnotator4</c:v>
+                </c:pt>
+                <c:pt idx="5">
+                  <c:v>Annotator3 vs Annnotator4</c:v>
+                </c:pt>
+              </c:strCache>
+            </c:strRef>
+          </c:cat>
+          <c:val>
+            <c:numRef>
+              <c:f>KappaInterAnnotatorAgrement!$B$2:$B$7</c:f>
+              <c:numCache>
+                <c:formatCode>General</c:formatCode>
+                <c:ptCount val="6"/>
+                <c:pt idx="0">
+                  <c:v>0.7</c:v>
+                </c:pt>
+                <c:pt idx="1">
+                  <c:v>0.18</c:v>
+                </c:pt>
+                <c:pt idx="2">
+                  <c:v>0.8</c:v>
+                </c:pt>
+                <c:pt idx="3">
+                  <c:v>0.16</c:v>
+                </c:pt>
+                <c:pt idx="4">
+                  <c:v>0.77</c:v>
+                </c:pt>
+                <c:pt idx="5">
+                  <c:v>0.17</c:v>
+                </c:pt>
+              </c:numCache>
+            </c:numRef>
+          </c:val>
+          <c:extLst>
+            <c:ext xmlns:c16="http://schemas.microsoft.com/office/drawing/2014/chart" uri="{C3380CC4-5D6E-409C-BE32-E72D297353CC}">
+              <c16:uniqueId val="{00000000-C6E2-4295-8400-0064C72CC87E}"/>
+            </c:ext>
+          </c:extLst>
+        </c:ser>
+        <c:dLbls>
+          <c:dLblPos val="outEnd"/>
+          <c:showLegendKey val="0"/>
+          <c:showVal val="1"/>
+          <c:showCatName val="0"/>
+          <c:showSerName val="0"/>
+          <c:showPercent val="0"/>
+          <c:showBubbleSize val="0"/>
+        </c:dLbls>
+        <c:gapWidth val="219"/>
+        <c:overlap val="-27"/>
+        <c:axId val="405814240"/>
+        <c:axId val="405815904"/>
+      </c:barChart>
+      <c:catAx>
+        <c:axId val="405814240"/>
+        <c:scaling>
+          <c:orientation val="minMax"/>
+        </c:scaling>
+        <c:delete val="0"/>
+        <c:axPos val="b"/>
+        <c:numFmt formatCode="General" sourceLinked="1"/>
+        <c:majorTickMark val="none"/>
+        <c:minorTickMark val="none"/>
+        <c:tickLblPos val="nextTo"/>
+        <c:spPr>
+          <a:noFill/>
+          <a:ln w="9525" cap="flat" cmpd="sng" algn="ctr">
+            <a:solidFill>
+              <a:schemeClr val="tx1"/>
+            </a:solidFill>
+            <a:round/>
+          </a:ln>
+          <a:effectLst/>
+        </c:spPr>
+        <c:txPr>
+          <a:bodyPr rot="-60000000" spcFirstLastPara="1" vertOverflow="ellipsis" vert="horz" wrap="square" anchor="ctr" anchorCtr="1"/>
+          <a:lstStyle/>
+          <a:p>
+            <a:pPr>
+              <a:defRPr sz="1000" b="0" i="0" u="none" strike="noStrike" kern="1200" baseline="0">
+                <a:solidFill>
+                  <a:schemeClr val="tx1"/>
+                </a:solidFill>
+                <a:latin typeface="Calibri" panose="020F0502020204030204" pitchFamily="34" charset="0"/>
+                <a:ea typeface="+mn-ea"/>
+                <a:cs typeface="Calibri" panose="020F0502020204030204" pitchFamily="34" charset="0"/>
+              </a:defRPr>
+            </a:pPr>
+            <a:endParaRPr lang="en-US"/>
+          </a:p>
+        </c:txPr>
+        <c:crossAx val="405815904"/>
+        <c:crosses val="autoZero"/>
+        <c:auto val="1"/>
+        <c:lblAlgn val="ctr"/>
+        <c:lblOffset val="100"/>
+        <c:noMultiLvlLbl val="0"/>
+      </c:catAx>
+      <c:valAx>
+        <c:axId val="405815904"/>
+        <c:scaling>
+          <c:orientation val="minMax"/>
+          <c:max val="1"/>
+          <c:min val="0"/>
+        </c:scaling>
+        <c:delete val="0"/>
+        <c:axPos val="l"/>
+        <c:majorGridlines>
+          <c:spPr>
+            <a:ln w="9525" cap="flat" cmpd="sng" algn="ctr">
+              <a:solidFill>
+                <a:schemeClr val="tx1">
+                  <a:lumMod val="15000"/>
+                  <a:lumOff val="85000"/>
+                </a:schemeClr>
+              </a:solidFill>
+              <a:round/>
+            </a:ln>
+            <a:effectLst/>
+          </c:spPr>
+        </c:majorGridlines>
+        <c:numFmt formatCode="General" sourceLinked="1"/>
+        <c:majorTickMark val="none"/>
+        <c:minorTickMark val="none"/>
+        <c:tickLblPos val="nextTo"/>
+        <c:spPr>
+          <a:noFill/>
+          <a:ln>
+            <a:noFill/>
+          </a:ln>
+          <a:effectLst/>
+        </c:spPr>
+        <c:txPr>
+          <a:bodyPr rot="-60000000" spcFirstLastPara="1" vertOverflow="ellipsis" vert="horz" wrap="square" anchor="ctr" anchorCtr="1"/>
+          <a:lstStyle/>
+          <a:p>
+            <a:pPr>
+              <a:defRPr sz="1050" b="0" i="0" u="none" strike="noStrike" kern="1200" baseline="0">
+                <a:solidFill>
+                  <a:schemeClr val="tx1"/>
+                </a:solidFill>
+                <a:latin typeface="Calibri" panose="020F0502020204030204" pitchFamily="34" charset="0"/>
+                <a:ea typeface="+mn-ea"/>
+                <a:cs typeface="Calibri" panose="020F0502020204030204" pitchFamily="34" charset="0"/>
+              </a:defRPr>
+            </a:pPr>
+            <a:endParaRPr lang="en-US"/>
+          </a:p>
+        </c:txPr>
+        <c:crossAx val="405814240"/>
+        <c:crosses val="autoZero"/>
+        <c:crossBetween val="between"/>
+      </c:valAx>
+      <c:spPr>
+        <a:noFill/>
+        <a:ln>
+          <a:noFill/>
+        </a:ln>
+        <a:effectLst/>
+      </c:spPr>
+    </c:plotArea>
+    <c:plotVisOnly val="1"/>
+    <c:dispBlanksAs val="gap"/>
+    <c:showDLblsOverMax val="0"/>
+  </c:chart>
+  <c:spPr>
+    <a:noFill/>
+    <a:ln>
+      <a:noFill/>
+    </a:ln>
+    <a:effectLst/>
+  </c:spPr>
+  <c:txPr>
+    <a:bodyPr/>
+    <a:lstStyle/>
+    <a:p>
+      <a:pPr>
+        <a:defRPr/>
+      </a:pPr>
+      <a:endParaRPr lang="en-US"/>
+    </a:p>
+  </c:txPr>
+  <c:externalData r:id="rId3">
+    <c:autoUpdate val="0"/>
+  </c:externalData>
+</c:chartSpace>
+</file>
+
+<file path=ppt/charts/colors1.xml><?xml version="1.0" encoding="utf-8"?>
+<cs:colorStyle xmlns:cs="http://schemas.microsoft.com/office/drawing/2012/chartStyle" xmlns:a="http://schemas.openxmlformats.org/drawingml/2006/main" meth="cycle" id="10">
+  <a:schemeClr val="accent1"/>
+  <a:schemeClr val="accent2"/>
+  <a:schemeClr val="accent3"/>
+  <a:schemeClr val="accent4"/>
+  <a:schemeClr val="accent5"/>
+  <a:schemeClr val="accent6"/>
+  <cs:variation/>
+  <cs:variation>
+    <a:lumMod val="60000"/>
+  </cs:variation>
+  <cs:variation>
+    <a:lumMod val="80000"/>
+    <a:lumOff val="20000"/>
+  </cs:variation>
+  <cs:variation>
+    <a:lumMod val="80000"/>
+  </cs:variation>
+  <cs:variation>
+    <a:lumMod val="60000"/>
+    <a:lumOff val="40000"/>
+  </cs:variation>
+  <cs:variation>
+    <a:lumMod val="50000"/>
+  </cs:variation>
+  <cs:variation>
+    <a:lumMod val="70000"/>
+    <a:lumOff val="30000"/>
+  </cs:variation>
+  <cs:variation>
+    <a:lumMod val="70000"/>
+  </cs:variation>
+  <cs:variation>
+    <a:lumMod val="50000"/>
+    <a:lumOff val="50000"/>
+  </cs:variation>
+</cs:colorStyle>
+</file>
+
+<file path=ppt/charts/style1.xml><?xml version="1.0" encoding="utf-8"?>
+<cs:chartStyle xmlns:cs="http://schemas.microsoft.com/office/drawing/2012/chartStyle" xmlns:a="http://schemas.openxmlformats.org/drawingml/2006/main" id="201">
+  <cs:axisTitle>
+    <cs:lnRef idx="0"/>
+    <cs:fillRef idx="0"/>
+    <cs:effectRef idx="0"/>
+    <cs:fontRef idx="minor">
+      <a:schemeClr val="tx1">
+        <a:lumMod val="65000"/>
+        <a:lumOff val="35000"/>
+      </a:schemeClr>
+    </cs:fontRef>
+    <cs:defRPr sz="1000" kern="1200"/>
+  </cs:axisTitle>
+  <cs:categoryAxis>
+    <cs:lnRef idx="0"/>
+    <cs:fillRef idx="0"/>
+    <cs:effectRef idx="0"/>
+    <cs:fontRef idx="minor">
+      <a:schemeClr val="tx1">
+        <a:lumMod val="65000"/>
+        <a:lumOff val="35000"/>
+      </a:schemeClr>
+    </cs:fontRef>
+    <cs:spPr>
+      <a:ln w="9525" cap="flat" cmpd="sng" algn="ctr">
+        <a:solidFill>
+          <a:schemeClr val="tx1">
+            <a:lumMod val="15000"/>
+            <a:lumOff val="85000"/>
+          </a:schemeClr>
+        </a:solidFill>
+        <a:round/>
+      </a:ln>
+    </cs:spPr>
+    <cs:defRPr sz="900" kern="1200"/>
+  </cs:categoryAxis>
+  <cs:chartArea mods="allowNoFillOverride allowNoLineOverride">
+    <cs:lnRef idx="0"/>
+    <cs:fillRef idx="0"/>
+    <cs:effectRef idx="0"/>
+    <cs:fontRef idx="minor">
+      <a:schemeClr val="tx1"/>
+    </cs:fontRef>
+    <cs:spPr>
+      <a:solidFill>
+        <a:schemeClr val="bg1"/>
+      </a:solidFill>
+      <a:ln w="9525" cap="flat" cmpd="sng" algn="ctr">
+        <a:solidFill>
+          <a:schemeClr val="tx1">
+            <a:lumMod val="15000"/>
+            <a:lumOff val="85000"/>
+          </a:schemeClr>
+        </a:solidFill>
+        <a:round/>
+      </a:ln>
+    </cs:spPr>
+    <cs:defRPr sz="1000" kern="1200"/>
+  </cs:chartArea>
+  <cs:dataLabel>
+    <cs:lnRef idx="0"/>
+    <cs:fillRef idx="0"/>
+    <cs:effectRef idx="0"/>
+    <cs:fontRef idx="minor">
+      <a:schemeClr val="tx1">
+        <a:lumMod val="75000"/>
+        <a:lumOff val="25000"/>
+      </a:schemeClr>
+    </cs:fontRef>
+    <cs:defRPr sz="900" kern="1200"/>
+  </cs:dataLabel>
+  <cs:dataLabelCallout>
+    <cs:lnRef idx="0"/>
+    <cs:fillRef idx="0"/>
+    <cs:effectRef idx="0"/>
+    <cs:fontRef idx="minor">
+      <a:schemeClr val="dk1">
+        <a:lumMod val="65000"/>
+        <a:lumOff val="35000"/>
+      </a:schemeClr>
+    </cs:fontRef>
+    <cs:spPr>
+      <a:solidFill>
+        <a:schemeClr val="lt1"/>
+      </a:solidFill>
+      <a:ln>
+        <a:solidFill>
+          <a:schemeClr val="dk1">
+            <a:lumMod val="25000"/>
+            <a:lumOff val="75000"/>
+          </a:schemeClr>
+        </a:solidFill>
+      </a:ln>
+    </cs:spPr>
+    <cs:defRPr sz="900" kern="1200"/>
+    <cs:bodyPr rot="0" spcFirstLastPara="1" vertOverflow="clip" horzOverflow="clip" vert="horz" wrap="square" lIns="36576" tIns="18288" rIns="36576" bIns="18288" anchor="ctr" anchorCtr="1">
+      <a:spAutoFit/>
+    </cs:bodyPr>
+  </cs:dataLabelCallout>
+  <cs:dataPoint>
+    <cs:lnRef idx="0"/>
+    <cs:fillRef idx="1">
+      <cs:styleClr val="auto"/>
+    </cs:fillRef>
+    <cs:effectRef idx="0"/>
+    <cs:fontRef idx="minor">
+      <a:schemeClr val="tx1"/>
+    </cs:fontRef>
+  </cs:dataPoint>
+  <cs:dataPoint3D>
+    <cs:lnRef idx="0"/>
+    <cs:fillRef idx="1">
+      <cs:styleClr val="auto"/>
+    </cs:fillRef>
+    <cs:effectRef idx="0"/>
+    <cs:fontRef idx="minor">
+      <a:schemeClr val="tx1"/>
+    </cs:fontRef>
+  </cs:dataPoint3D>
+  <cs:dataPointLine>
+    <cs:lnRef idx="0">
+      <cs:styleClr val="auto"/>
+    </cs:lnRef>
+    <cs:fillRef idx="1"/>
+    <cs:effectRef idx="0"/>
+    <cs:fontRef idx="minor">
+      <a:schemeClr val="tx1"/>
+    </cs:fontRef>
+    <cs:spPr>
+      <a:ln w="28575" cap="rnd">
+        <a:solidFill>
+          <a:schemeClr val="phClr"/>
+        </a:solidFill>
+        <a:round/>
+      </a:ln>
+    </cs:spPr>
+  </cs:dataPointLine>
+  <cs:dataPointMarker>
+    <cs:lnRef idx="0">
+      <cs:styleClr val="auto"/>
+    </cs:lnRef>
+    <cs:fillRef idx="1">
+      <cs:styleClr val="auto"/>
+    </cs:fillRef>
+    <cs:effectRef idx="0"/>
+    <cs:fontRef idx="minor">
+      <a:schemeClr val="tx1"/>
+    </cs:fontRef>
+    <cs:spPr>
+      <a:ln w="9525">
+        <a:solidFill>
+          <a:schemeClr val="phClr"/>
+        </a:solidFill>
+      </a:ln>
+    </cs:spPr>
+  </cs:dataPointMarker>
+  <cs:dataPointMarkerLayout symbol="circle" size="5"/>
+  <cs:dataPointWireframe>
+    <cs:lnRef idx="0">
+      <cs:styleClr val="auto"/>
+    </cs:lnRef>
+    <cs:fillRef idx="1"/>
+    <cs:effectRef idx="0"/>
+    <cs:fontRef idx="minor">
+      <a:schemeClr val="tx1"/>
+    </cs:fontRef>
+    <cs:spPr>
+      <a:ln w="9525" cap="rnd">
+        <a:solidFill>
+          <a:schemeClr val="phClr"/>
+        </a:solidFill>
+        <a:round/>
+      </a:ln>
+    </cs:spPr>
+  </cs:dataPointWireframe>
+  <cs:dataTable>
+    <cs:lnRef idx="0"/>
+    <cs:fillRef idx="0"/>
+    <cs:effectRef idx="0"/>
+    <cs:fontRef idx="minor">
+      <a:schemeClr val="tx1">
+        <a:lumMod val="65000"/>
+        <a:lumOff val="35000"/>
+      </a:schemeClr>
+    </cs:fontRef>
+    <cs:spPr>
+      <a:noFill/>
+      <a:ln w="9525" cap="flat" cmpd="sng" algn="ctr">
+        <a:solidFill>
+          <a:schemeClr val="tx1">
+            <a:lumMod val="15000"/>
+            <a:lumOff val="85000"/>
+          </a:schemeClr>
+        </a:solidFill>
+        <a:round/>
+      </a:ln>
+    </cs:spPr>
+    <cs:defRPr sz="900" kern="1200"/>
+  </cs:dataTable>
+  <cs:downBar>
+    <cs:lnRef idx="0"/>
+    <cs:fillRef idx="0"/>
+    <cs:effectRef idx="0"/>
+    <cs:fontRef idx="minor">
+      <a:schemeClr val="dk1"/>
+    </cs:fontRef>
+    <cs:spPr>
+      <a:solidFill>
+        <a:schemeClr val="dk1">
+          <a:lumMod val="65000"/>
+          <a:lumOff val="35000"/>
+        </a:schemeClr>
+      </a:solidFill>
+      <a:ln w="9525">
+        <a:solidFill>
+          <a:schemeClr val="tx1">
+            <a:lumMod val="65000"/>
+            <a:lumOff val="35000"/>
+          </a:schemeClr>
+        </a:solidFill>
+      </a:ln>
+    </cs:spPr>
+  </cs:downBar>
+  <cs:dropLine>
+    <cs:lnRef idx="0"/>
+    <cs:fillRef idx="0"/>
+    <cs:effectRef idx="0"/>
+    <cs:fontRef idx="minor">
+      <a:schemeClr val="tx1"/>
+    </cs:fontRef>
+    <cs:spPr>
+      <a:ln w="9525" cap="flat" cmpd="sng" algn="ctr">
+        <a:solidFill>
+          <a:schemeClr val="tx1">
+            <a:lumMod val="35000"/>
+            <a:lumOff val="65000"/>
+          </a:schemeClr>
+        </a:solidFill>
+        <a:round/>
+      </a:ln>
+    </cs:spPr>
+  </cs:dropLine>
+  <cs:errorBar>
+    <cs:lnRef idx="0"/>
+    <cs:fillRef idx="0"/>
+    <cs:effectRef idx="0"/>
+    <cs:fontRef idx="minor">
+      <a:schemeClr val="tx1"/>
+    </cs:fontRef>
+    <cs:spPr>
+      <a:ln w="9525" cap="flat" cmpd="sng" algn="ctr">
+        <a:solidFill>
+          <a:schemeClr val="tx1">
+            <a:lumMod val="65000"/>
+            <a:lumOff val="35000"/>
+          </a:schemeClr>
+        </a:solidFill>
+        <a:round/>
+      </a:ln>
+    </cs:spPr>
+  </cs:errorBar>
+  <cs:floor>
+    <cs:lnRef idx="0"/>
+    <cs:fillRef idx="0"/>
+    <cs:effectRef idx="0"/>
+    <cs:fontRef idx="minor">
+      <a:schemeClr val="tx1"/>
+    </cs:fontRef>
+    <cs:spPr>
+      <a:noFill/>
+      <a:ln>
+        <a:noFill/>
+      </a:ln>
+    </cs:spPr>
+  </cs:floor>
+  <cs:gridlineMajor>
+    <cs:lnRef idx="0"/>
+    <cs:fillRef idx="0"/>
+    <cs:effectRef idx="0"/>
+    <cs:fontRef idx="minor">
+      <a:schemeClr val="tx1"/>
+    </cs:fontRef>
+    <cs:spPr>
+      <a:ln w="9525" cap="flat" cmpd="sng" algn="ctr">
+        <a:solidFill>
+          <a:schemeClr val="tx1">
+            <a:lumMod val="15000"/>
+            <a:lumOff val="85000"/>
+          </a:schemeClr>
+        </a:solidFill>
+        <a:round/>
+      </a:ln>
+    </cs:spPr>
+  </cs:gridlineMajor>
+  <cs:gridlineMinor>
+    <cs:lnRef idx="0"/>
+    <cs:fillRef idx="0"/>
+    <cs:effectRef idx="0"/>
+    <cs:fontRef idx="minor">
+      <a:schemeClr val="tx1"/>
+    </cs:fontRef>
+    <cs:spPr>
+      <a:ln w="9525" cap="flat" cmpd="sng" algn="ctr">
+        <a:solidFill>
+          <a:schemeClr val="tx1">
+            <a:lumMod val="5000"/>
+            <a:lumOff val="95000"/>
+          </a:schemeClr>
+        </a:solidFill>
+        <a:round/>
+      </a:ln>
+    </cs:spPr>
+  </cs:gridlineMinor>
+  <cs:hiLoLine>
+    <cs:lnRef idx="0"/>
+    <cs:fillRef idx="0"/>
+    <cs:effectRef idx="0"/>
+    <cs:fontRef idx="minor">
+      <a:schemeClr val="tx1"/>
+    </cs:fontRef>
+    <cs:spPr>
+      <a:ln w="9525" cap="flat" cmpd="sng" algn="ctr">
+        <a:solidFill>
+          <a:schemeClr val="tx1">
+            <a:lumMod val="75000"/>
+            <a:lumOff val="25000"/>
+          </a:schemeClr>
+        </a:solidFill>
+        <a:round/>
+      </a:ln>
+    </cs:spPr>
+  </cs:hiLoLine>
+  <cs:leaderLine>
+    <cs:lnRef idx="0"/>
+    <cs:fillRef idx="0"/>
+    <cs:effectRef idx="0"/>
+    <cs:fontRef idx="minor">
+      <a:schemeClr val="tx1"/>
+    </cs:fontRef>
+    <cs:spPr>
+      <a:ln w="9525" cap="flat" cmpd="sng" algn="ctr">
+        <a:solidFill>
+          <a:schemeClr val="tx1">
+            <a:lumMod val="35000"/>
+            <a:lumOff val="65000"/>
+          </a:schemeClr>
+        </a:solidFill>
+        <a:round/>
+      </a:ln>
+    </cs:spPr>
+  </cs:leaderLine>
+  <cs:legend>
+    <cs:lnRef idx="0"/>
+    <cs:fillRef idx="0"/>
+    <cs:effectRef idx="0"/>
+    <cs:fontRef idx="minor">
+      <a:schemeClr val="tx1">
+        <a:lumMod val="65000"/>
+        <a:lumOff val="35000"/>
+      </a:schemeClr>
+    </cs:fontRef>
+    <cs:defRPr sz="900" kern="1200"/>
+  </cs:legend>
+  <cs:plotArea mods="allowNoFillOverride allowNoLineOverride">
+    <cs:lnRef idx="0"/>
+    <cs:fillRef idx="0"/>
+    <cs:effectRef idx="0"/>
+    <cs:fontRef idx="minor">
+      <a:schemeClr val="tx1"/>
+    </cs:fontRef>
+  </cs:plotArea>
+  <cs:plotArea3D mods="allowNoFillOverride allowNoLineOverride">
+    <cs:lnRef idx="0"/>
+    <cs:fillRef idx="0"/>
+    <cs:effectRef idx="0"/>
+    <cs:fontRef idx="minor">
+      <a:schemeClr val="tx1"/>
+    </cs:fontRef>
+  </cs:plotArea3D>
+  <cs:seriesAxis>
+    <cs:lnRef idx="0"/>
+    <cs:fillRef idx="0"/>
+    <cs:effectRef idx="0"/>
+    <cs:fontRef idx="minor">
+      <a:schemeClr val="tx1">
+        <a:lumMod val="65000"/>
+        <a:lumOff val="35000"/>
+      </a:schemeClr>
+    </cs:fontRef>
+    <cs:defRPr sz="900" kern="1200"/>
+  </cs:seriesAxis>
+  <cs:seriesLine>
+    <cs:lnRef idx="0"/>
+    <cs:fillRef idx="0"/>
+    <cs:effectRef idx="0"/>
+    <cs:fontRef idx="minor">
+      <a:schemeClr val="tx1"/>
+    </cs:fontRef>
+    <cs:spPr>
+      <a:ln w="9525" cap="flat" cmpd="sng" algn="ctr">
+        <a:solidFill>
+          <a:schemeClr val="tx1">
+            <a:lumMod val="35000"/>
+            <a:lumOff val="65000"/>
+          </a:schemeClr>
+        </a:solidFill>
+        <a:round/>
+      </a:ln>
+    </cs:spPr>
+  </cs:seriesLine>
+  <cs:title>
+    <cs:lnRef idx="0"/>
+    <cs:fillRef idx="0"/>
+    <cs:effectRef idx="0"/>
+    <cs:fontRef idx="minor">
+      <a:schemeClr val="tx1">
+        <a:lumMod val="65000"/>
+        <a:lumOff val="35000"/>
+      </a:schemeClr>
+    </cs:fontRef>
+    <cs:defRPr sz="1400" b="0" kern="1200" spc="0" baseline="0"/>
+  </cs:title>
+  <cs:trendline>
+    <cs:lnRef idx="0">
+      <cs:styleClr val="auto"/>
+    </cs:lnRef>
+    <cs:fillRef idx="0"/>
+    <cs:effectRef idx="0"/>
+    <cs:fontRef idx="minor">
+      <a:schemeClr val="tx1"/>
+    </cs:fontRef>
+    <cs:spPr>
+      <a:ln w="19050" cap="rnd">
+        <a:solidFill>
+          <a:schemeClr val="phClr"/>
+        </a:solidFill>
+        <a:prstDash val="sysDot"/>
+      </a:ln>
+    </cs:spPr>
+  </cs:trendline>
+  <cs:trendlineLabel>
+    <cs:lnRef idx="0"/>
+    <cs:fillRef idx="0"/>
+    <cs:effectRef idx="0"/>
+    <cs:fontRef idx="minor">
+      <a:schemeClr val="tx1">
+        <a:lumMod val="65000"/>
+        <a:lumOff val="35000"/>
+      </a:schemeClr>
+    </cs:fontRef>
+    <cs:defRPr sz="900" kern="1200"/>
+  </cs:trendlineLabel>
+  <cs:upBar>
+    <cs:lnRef idx="0"/>
+    <cs:fillRef idx="0"/>
+    <cs:effectRef idx="0"/>
+    <cs:fontRef idx="minor">
+      <a:schemeClr val="dk1"/>
+    </cs:fontRef>
+    <cs:spPr>
+      <a:solidFill>
+        <a:schemeClr val="lt1"/>
+      </a:solidFill>
+      <a:ln w="9525">
+        <a:solidFill>
+          <a:schemeClr val="tx1">
+            <a:lumMod val="15000"/>
+            <a:lumOff val="85000"/>
+          </a:schemeClr>
+        </a:solidFill>
+      </a:ln>
+    </cs:spPr>
+  </cs:upBar>
+  <cs:valueAxis>
+    <cs:lnRef idx="0"/>
+    <cs:fillRef idx="0"/>
+    <cs:effectRef idx="0"/>
+    <cs:fontRef idx="minor">
+      <a:schemeClr val="tx1">
+        <a:lumMod val="65000"/>
+        <a:lumOff val="35000"/>
+      </a:schemeClr>
+    </cs:fontRef>
+    <cs:defRPr sz="900" kern="1200"/>
+  </cs:valueAxis>
+  <cs:wall>
+    <cs:lnRef idx="0"/>
+    <cs:fillRef idx="0"/>
+    <cs:effectRef idx="0"/>
+    <cs:fontRef idx="minor">
+      <a:schemeClr val="tx1"/>
+    </cs:fontRef>
+    <cs:spPr>
+      <a:noFill/>
+      <a:ln>
+        <a:noFill/>
+      </a:ln>
+    </cs:spPr>
+  </cs:wall>
+</cs:chartStyle>
 </file>
 
 <file path=ppt/notesMasters/notesMaster1.xml><?xml version="1.0" encoding="utf-8"?>
@@ -15007,7 +15862,7 @@
     <mc:Choice Requires="p14">
       <p:transition spd="slow" p14:dur="2000"/>
     </mc:Choice>
-    <mc:Fallback xmlns:p15="http://schemas.microsoft.com/office/powerpoint/2012/main" xmlns="">
+    <mc:Fallback xmlns="" xmlns:p15="http://schemas.microsoft.com/office/powerpoint/2012/main">
       <p:transition spd="slow"/>
     </mc:Fallback>
   </mc:AlternateContent>
@@ -16544,7 +17399,7 @@
     <mc:Choice Requires="p14">
       <p:transition spd="slow" p14:dur="2000"/>
     </mc:Choice>
-    <mc:Fallback xmlns:p15="http://schemas.microsoft.com/office/powerpoint/2012/main" xmlns="">
+    <mc:Fallback xmlns="" xmlns:p15="http://schemas.microsoft.com/office/powerpoint/2012/main">
       <p:transition spd="slow"/>
     </mc:Fallback>
   </mc:AlternateContent>
@@ -17179,7 +18034,7 @@
     <mc:Choice Requires="p14">
       <p:transition spd="slow" p14:dur="2000"/>
     </mc:Choice>
-    <mc:Fallback xmlns:p15="http://schemas.microsoft.com/office/powerpoint/2012/main" xmlns="">
+    <mc:Fallback xmlns="" xmlns:p15="http://schemas.microsoft.com/office/powerpoint/2012/main">
       <p:transition spd="slow"/>
     </mc:Fallback>
   </mc:AlternateContent>
@@ -20700,7 +21555,7 @@
     <mc:Choice Requires="p14">
       <p:transition spd="slow" p14:dur="2000"/>
     </mc:Choice>
-    <mc:Fallback xmlns:p15="http://schemas.microsoft.com/office/powerpoint/2012/main" xmlns="">
+    <mc:Fallback xmlns="" xmlns:p15="http://schemas.microsoft.com/office/powerpoint/2012/main">
       <p:transition spd="slow"/>
     </mc:Fallback>
   </mc:AlternateContent>
@@ -22970,7 +23825,7 @@
     <mc:Choice Requires="p14">
       <p:transition spd="slow" p14:dur="2000"/>
     </mc:Choice>
-    <mc:Fallback xmlns:p15="http://schemas.microsoft.com/office/powerpoint/2012/main" xmlns="">
+    <mc:Fallback xmlns="" xmlns:p15="http://schemas.microsoft.com/office/powerpoint/2012/main">
       <p:transition spd="slow"/>
     </mc:Fallback>
   </mc:AlternateContent>
@@ -25230,7 +26085,7 @@
     <mc:Choice Requires="p14">
       <p:transition spd="slow" p14:dur="2000"/>
     </mc:Choice>
-    <mc:Fallback xmlns:p15="http://schemas.microsoft.com/office/powerpoint/2012/main" xmlns="">
+    <mc:Fallback xmlns="" xmlns:p15="http://schemas.microsoft.com/office/powerpoint/2012/main">
       <p:transition spd="slow"/>
     </mc:Fallback>
   </mc:AlternateContent>
@@ -25245,6 +26100,60 @@
 </file>
 
 <file path=ppt/slides/slide15.xml><?xml version="1.0" encoding="utf-8"?>
+<p:sld xmlns:a="http://schemas.openxmlformats.org/drawingml/2006/main" xmlns:r="http://schemas.openxmlformats.org/officeDocument/2006/relationships" xmlns:p="http://schemas.openxmlformats.org/presentationml/2006/main">
+  <p:cSld>
+    <p:spTree>
+      <p:nvGrpSpPr>
+        <p:cNvPr id="1" name=""/>
+        <p:cNvGrpSpPr/>
+        <p:nvPr/>
+      </p:nvGrpSpPr>
+      <p:grpSpPr>
+        <a:xfrm>
+          <a:off x="0" y="0"/>
+          <a:ext cx="0" cy="0"/>
+          <a:chOff x="0" y="0"/>
+          <a:chExt cx="0" cy="0"/>
+        </a:xfrm>
+      </p:grpSpPr>
+      <p:graphicFrame>
+        <p:nvGraphicFramePr>
+          <p:cNvPr id="4" name="Chart 3"/>
+          <p:cNvGraphicFramePr>
+            <a:graphicFrameLocks/>
+          </p:cNvGraphicFramePr>
+          <p:nvPr>
+            <p:extLst>
+              <p:ext uri="{D42A27DB-BD31-4B8C-83A1-F6EECF244321}">
+                <p14:modId xmlns:p14="http://schemas.microsoft.com/office/powerpoint/2010/main" val="1303911657"/>
+              </p:ext>
+            </p:extLst>
+          </p:nvPr>
+        </p:nvGraphicFramePr>
+        <p:xfrm>
+          <a:off x="3667125" y="2057400"/>
+          <a:ext cx="4857750" cy="2743200"/>
+        </p:xfrm>
+        <a:graphic>
+          <a:graphicData uri="http://schemas.openxmlformats.org/drawingml/2006/chart">
+            <c:chart xmlns:c="http://schemas.openxmlformats.org/drawingml/2006/chart" xmlns:r="http://schemas.openxmlformats.org/officeDocument/2006/relationships" r:id="rId2"/>
+          </a:graphicData>
+        </a:graphic>
+      </p:graphicFrame>
+    </p:spTree>
+    <p:extLst>
+      <p:ext uri="{BB962C8B-B14F-4D97-AF65-F5344CB8AC3E}">
+        <p14:creationId xmlns:p14="http://schemas.microsoft.com/office/powerpoint/2010/main" val="2492298328"/>
+      </p:ext>
+    </p:extLst>
+  </p:cSld>
+  <p:clrMapOvr>
+    <a:masterClrMapping/>
+  </p:clrMapOvr>
+</p:sld>
+</file>
+
+<file path=ppt/slides/slide16.xml><?xml version="1.0" encoding="utf-8"?>
 <p:sld xmlns:a="http://schemas.openxmlformats.org/drawingml/2006/main" xmlns:r="http://schemas.openxmlformats.org/officeDocument/2006/relationships" xmlns:p="http://schemas.openxmlformats.org/presentationml/2006/main">
   <p:cSld>
     <p:spTree>
@@ -25615,7 +26524,7 @@
     <mc:Choice Requires="p14">
       <p:transition spd="slow" p14:dur="2000"/>
     </mc:Choice>
-    <mc:Fallback xmlns:p15="http://schemas.microsoft.com/office/powerpoint/2012/main" xmlns="">
+    <mc:Fallback xmlns="" xmlns:p15="http://schemas.microsoft.com/office/powerpoint/2012/main">
       <p:transition spd="slow"/>
     </mc:Fallback>
   </mc:AlternateContent>
@@ -28519,7 +29428,7 @@
     <mc:Choice Requires="p14">
       <p:transition spd="slow" p14:dur="2000"/>
     </mc:Choice>
-    <mc:Fallback xmlns:p15="http://schemas.microsoft.com/office/powerpoint/2012/main" xmlns="">
+    <mc:Fallback xmlns="" xmlns:p15="http://schemas.microsoft.com/office/powerpoint/2012/main">
       <p:transition spd="slow"/>
     </mc:Fallback>
   </mc:AlternateContent>
@@ -31180,7 +32089,7 @@
     <mc:Choice Requires="p14">
       <p:transition spd="slow" p14:dur="2000"/>
     </mc:Choice>
-    <mc:Fallback xmlns:p15="http://schemas.microsoft.com/office/powerpoint/2012/main" xmlns="">
+    <mc:Fallback xmlns="" xmlns:p15="http://schemas.microsoft.com/office/powerpoint/2012/main">
       <p:transition spd="slow"/>
     </mc:Fallback>
   </mc:AlternateContent>
@@ -37780,7 +38689,7 @@
     <mc:Choice Requires="p14">
       <p:transition spd="slow" p14:dur="2000"/>
     </mc:Choice>
-    <mc:Fallback xmlns:p15="http://schemas.microsoft.com/office/powerpoint/2012/main" xmlns="">
+    <mc:Fallback xmlns="" xmlns:p15="http://schemas.microsoft.com/office/powerpoint/2012/main">
       <p:transition spd="slow"/>
     </mc:Fallback>
   </mc:AlternateContent>
@@ -42833,7 +43742,7 @@
     <mc:Choice Requires="p14">
       <p:transition spd="slow" p14:dur="2000"/>
     </mc:Choice>
-    <mc:Fallback xmlns:p15="http://schemas.microsoft.com/office/powerpoint/2012/main" xmlns="">
+    <mc:Fallback xmlns="" xmlns:p15="http://schemas.microsoft.com/office/powerpoint/2012/main">
       <p:transition spd="slow"/>
     </mc:Fallback>
   </mc:AlternateContent>
@@ -42981,7 +43890,7 @@
     <mc:Choice Requires="p14">
       <p:transition spd="slow" p14:dur="2000"/>
     </mc:Choice>
-    <mc:Fallback xmlns:p15="http://schemas.microsoft.com/office/powerpoint/2012/main" xmlns="">
+    <mc:Fallback xmlns="" xmlns:p15="http://schemas.microsoft.com/office/powerpoint/2012/main">
       <p:transition spd="slow"/>
     </mc:Fallback>
   </mc:AlternateContent>
@@ -43544,7 +44453,7 @@
     <mc:Choice Requires="p14">
       <p:transition spd="slow" p14:dur="2000"/>
     </mc:Choice>
-    <mc:Fallback xmlns:p15="http://schemas.microsoft.com/office/powerpoint/2012/main" xmlns="">
+    <mc:Fallback xmlns="" xmlns:p15="http://schemas.microsoft.com/office/powerpoint/2012/main">
       <p:transition spd="slow"/>
     </mc:Fallback>
   </mc:AlternateContent>
@@ -45441,7 +46350,7 @@
     <mc:Choice Requires="p14">
       <p:transition spd="slow" p14:dur="2000"/>
     </mc:Choice>
-    <mc:Fallback xmlns:p15="http://schemas.microsoft.com/office/powerpoint/2012/main" xmlns="">
+    <mc:Fallback xmlns="" xmlns:p15="http://schemas.microsoft.com/office/powerpoint/2012/main">
       <p:transition spd="slow"/>
     </mc:Fallback>
   </mc:AlternateContent>
@@ -48244,7 +49153,7 @@
     <mc:Choice Requires="p14">
       <p:transition spd="slow" p14:dur="2000"/>
     </mc:Choice>
-    <mc:Fallback xmlns:p15="http://schemas.microsoft.com/office/powerpoint/2012/main" xmlns="">
+    <mc:Fallback xmlns="" xmlns:p15="http://schemas.microsoft.com/office/powerpoint/2012/main">
       <p:transition spd="slow"/>
     </mc:Fallback>
   </mc:AlternateContent>

--- a/Presentations/EMR Interroperability V0.2.pptx
+++ b/Presentations/EMR Interroperability V0.2.pptx
@@ -7,7 +7,7 @@
     <p:sldMasterId id="2147483674" r:id="rId3"/>
   </p:sldMasterIdLst>
   <p:notesMasterIdLst>
-    <p:notesMasterId r:id="rId20"/>
+    <p:notesMasterId r:id="rId21"/>
   </p:notesMasterIdLst>
   <p:sldIdLst>
     <p:sldId id="256" r:id="rId4"/>
@@ -25,7 +25,8 @@
     <p:sldId id="268" r:id="rId16"/>
     <p:sldId id="269" r:id="rId17"/>
     <p:sldId id="271" r:id="rId18"/>
-    <p:sldId id="270" r:id="rId19"/>
+    <p:sldId id="272" r:id="rId19"/>
+    <p:sldId id="270" r:id="rId20"/>
   </p:sldIdLst>
   <p:sldSz cx="12192000" cy="6858000"/>
   <p:notesSz cx="6797675" cy="9929813"/>
@@ -443,7 +444,4629 @@
 </c:chartSpace>
 </file>
 
+<file path=ppt/charts/chart2.xml><?xml version="1.0" encoding="utf-8"?>
+<c:chartSpace xmlns:c="http://schemas.openxmlformats.org/drawingml/2006/chart" xmlns:a="http://schemas.openxmlformats.org/drawingml/2006/main" xmlns:r="http://schemas.openxmlformats.org/officeDocument/2006/relationships" xmlns:c16r2="http://schemas.microsoft.com/office/drawing/2015/06/chart">
+  <c:date1904 val="0"/>
+  <c:lang val="en-US"/>
+  <c:roundedCorners val="0"/>
+  <mc:AlternateContent xmlns:mc="http://schemas.openxmlformats.org/markup-compatibility/2006">
+    <mc:Choice xmlns:c14="http://schemas.microsoft.com/office/drawing/2007/8/2/chart" Requires="c14">
+      <c14:style val="102"/>
+    </mc:Choice>
+    <mc:Fallback>
+      <c:style val="2"/>
+    </mc:Fallback>
+  </mc:AlternateContent>
+  <c:chart>
+    <c:autoTitleDeleted val="1"/>
+    <c:plotArea>
+      <c:layout/>
+      <c:lineChart>
+        <c:grouping val="standard"/>
+        <c:varyColors val="0"/>
+        <c:ser>
+          <c:idx val="0"/>
+          <c:order val="0"/>
+          <c:tx>
+            <c:v>MCC-0</c:v>
+          </c:tx>
+          <c:spPr>
+            <a:ln w="19050" cap="rnd">
+              <a:solidFill>
+                <a:schemeClr val="accent1"/>
+              </a:solidFill>
+              <a:round/>
+            </a:ln>
+            <a:effectLst/>
+          </c:spPr>
+          <c:marker>
+            <c:symbol val="none"/>
+          </c:marker>
+          <c:cat>
+            <c:strRef>
+              <c:f>'FUZZY-MATCH'!$A$2:$A$211</c:f>
+              <c:strCache>
+                <c:ptCount val="210"/>
+                <c:pt idx="0">
+                  <c:v>0.0_0.05</c:v>
+                </c:pt>
+                <c:pt idx="1">
+                  <c:v>0.0_0.1</c:v>
+                </c:pt>
+                <c:pt idx="2">
+                  <c:v>0.0_0.15</c:v>
+                </c:pt>
+                <c:pt idx="3">
+                  <c:v>0.0_0.2</c:v>
+                </c:pt>
+                <c:pt idx="4">
+                  <c:v>0.0_0.25</c:v>
+                </c:pt>
+                <c:pt idx="5">
+                  <c:v>0.0_0.3</c:v>
+                </c:pt>
+                <c:pt idx="6">
+                  <c:v>0.0_0.35</c:v>
+                </c:pt>
+                <c:pt idx="7">
+                  <c:v>0.0_0.4</c:v>
+                </c:pt>
+                <c:pt idx="8">
+                  <c:v>0.0_0.45</c:v>
+                </c:pt>
+                <c:pt idx="9">
+                  <c:v>0.0_0.5</c:v>
+                </c:pt>
+                <c:pt idx="10">
+                  <c:v>0.0_0.55</c:v>
+                </c:pt>
+                <c:pt idx="11">
+                  <c:v>0.0_0.6</c:v>
+                </c:pt>
+                <c:pt idx="12">
+                  <c:v>0.0_0.65</c:v>
+                </c:pt>
+                <c:pt idx="13">
+                  <c:v>0.0_0.7</c:v>
+                </c:pt>
+                <c:pt idx="14">
+                  <c:v>0.0_0.75</c:v>
+                </c:pt>
+                <c:pt idx="15">
+                  <c:v>0.0_0.8</c:v>
+                </c:pt>
+                <c:pt idx="16">
+                  <c:v>0.0_0.85</c:v>
+                </c:pt>
+                <c:pt idx="17">
+                  <c:v>0.0_0.9</c:v>
+                </c:pt>
+                <c:pt idx="18">
+                  <c:v>0.0_0.95</c:v>
+                </c:pt>
+                <c:pt idx="19">
+                  <c:v>0.0_1.0</c:v>
+                </c:pt>
+                <c:pt idx="20">
+                  <c:v>0.05_0.1</c:v>
+                </c:pt>
+                <c:pt idx="21">
+                  <c:v>0.05_0.15</c:v>
+                </c:pt>
+                <c:pt idx="22">
+                  <c:v>0.05_0.2</c:v>
+                </c:pt>
+                <c:pt idx="23">
+                  <c:v>0.05_0.25</c:v>
+                </c:pt>
+                <c:pt idx="24">
+                  <c:v>0.05_0.3</c:v>
+                </c:pt>
+                <c:pt idx="25">
+                  <c:v>0.05_0.35</c:v>
+                </c:pt>
+                <c:pt idx="26">
+                  <c:v>0.05_0.4</c:v>
+                </c:pt>
+                <c:pt idx="27">
+                  <c:v>0.05_0.45</c:v>
+                </c:pt>
+                <c:pt idx="28">
+                  <c:v>0.05_0.5</c:v>
+                </c:pt>
+                <c:pt idx="29">
+                  <c:v>0.05_0.55</c:v>
+                </c:pt>
+                <c:pt idx="30">
+                  <c:v>0.05_0.6</c:v>
+                </c:pt>
+                <c:pt idx="31">
+                  <c:v>0.05_0.65</c:v>
+                </c:pt>
+                <c:pt idx="32">
+                  <c:v>0.05_0.7</c:v>
+                </c:pt>
+                <c:pt idx="33">
+                  <c:v>0.05_0.75</c:v>
+                </c:pt>
+                <c:pt idx="34">
+                  <c:v>0.05_0.8</c:v>
+                </c:pt>
+                <c:pt idx="35">
+                  <c:v>0.05_0.85</c:v>
+                </c:pt>
+                <c:pt idx="36">
+                  <c:v>0.05_0.9</c:v>
+                </c:pt>
+                <c:pt idx="37">
+                  <c:v>0.05_0.95</c:v>
+                </c:pt>
+                <c:pt idx="38">
+                  <c:v>0.05_1.0</c:v>
+                </c:pt>
+                <c:pt idx="39">
+                  <c:v>0.1_0.15</c:v>
+                </c:pt>
+                <c:pt idx="40">
+                  <c:v>0.1_0.2</c:v>
+                </c:pt>
+                <c:pt idx="41">
+                  <c:v>0.1_0.25</c:v>
+                </c:pt>
+                <c:pt idx="42">
+                  <c:v>0.1_0.3</c:v>
+                </c:pt>
+                <c:pt idx="43">
+                  <c:v>0.1_0.35</c:v>
+                </c:pt>
+                <c:pt idx="44">
+                  <c:v>0.1_0.4</c:v>
+                </c:pt>
+                <c:pt idx="45">
+                  <c:v>0.1_0.45</c:v>
+                </c:pt>
+                <c:pt idx="46">
+                  <c:v>0.1_0.5</c:v>
+                </c:pt>
+                <c:pt idx="47">
+                  <c:v>0.1_0.55</c:v>
+                </c:pt>
+                <c:pt idx="48">
+                  <c:v>0.1_0.6</c:v>
+                </c:pt>
+                <c:pt idx="49">
+                  <c:v>0.1_0.65</c:v>
+                </c:pt>
+                <c:pt idx="50">
+                  <c:v>0.1_0.7</c:v>
+                </c:pt>
+                <c:pt idx="51">
+                  <c:v>0.1_0.75</c:v>
+                </c:pt>
+                <c:pt idx="52">
+                  <c:v>0.1_0.8</c:v>
+                </c:pt>
+                <c:pt idx="53">
+                  <c:v>0.1_0.85</c:v>
+                </c:pt>
+                <c:pt idx="54">
+                  <c:v>0.1_0.9</c:v>
+                </c:pt>
+                <c:pt idx="55">
+                  <c:v>0.1_0.95</c:v>
+                </c:pt>
+                <c:pt idx="56">
+                  <c:v>0.1_1.0</c:v>
+                </c:pt>
+                <c:pt idx="57">
+                  <c:v>0.15_0.2</c:v>
+                </c:pt>
+                <c:pt idx="58">
+                  <c:v>0.15_0.25</c:v>
+                </c:pt>
+                <c:pt idx="59">
+                  <c:v>0.15_0.3</c:v>
+                </c:pt>
+                <c:pt idx="60">
+                  <c:v>0.15_0.35</c:v>
+                </c:pt>
+                <c:pt idx="61">
+                  <c:v>0.15_0.4</c:v>
+                </c:pt>
+                <c:pt idx="62">
+                  <c:v>0.15_0.45</c:v>
+                </c:pt>
+                <c:pt idx="63">
+                  <c:v>0.15_0.5</c:v>
+                </c:pt>
+                <c:pt idx="64">
+                  <c:v>0.15_0.55</c:v>
+                </c:pt>
+                <c:pt idx="65">
+                  <c:v>0.15_0.6</c:v>
+                </c:pt>
+                <c:pt idx="66">
+                  <c:v>0.15_0.65</c:v>
+                </c:pt>
+                <c:pt idx="67">
+                  <c:v>0.15_0.7</c:v>
+                </c:pt>
+                <c:pt idx="68">
+                  <c:v>0.15_0.75</c:v>
+                </c:pt>
+                <c:pt idx="69">
+                  <c:v>0.15_0.8</c:v>
+                </c:pt>
+                <c:pt idx="70">
+                  <c:v>0.15_0.85</c:v>
+                </c:pt>
+                <c:pt idx="71">
+                  <c:v>0.15_0.9</c:v>
+                </c:pt>
+                <c:pt idx="72">
+                  <c:v>0.15_0.95</c:v>
+                </c:pt>
+                <c:pt idx="73">
+                  <c:v>0.15_1.0</c:v>
+                </c:pt>
+                <c:pt idx="74">
+                  <c:v>0.2_0.25</c:v>
+                </c:pt>
+                <c:pt idx="75">
+                  <c:v>0.2_0.3</c:v>
+                </c:pt>
+                <c:pt idx="76">
+                  <c:v>0.2_0.35</c:v>
+                </c:pt>
+                <c:pt idx="77">
+                  <c:v>0.2_0.4</c:v>
+                </c:pt>
+                <c:pt idx="78">
+                  <c:v>0.2_0.45</c:v>
+                </c:pt>
+                <c:pt idx="79">
+                  <c:v>0.2_0.5</c:v>
+                </c:pt>
+                <c:pt idx="80">
+                  <c:v>0.2_0.55</c:v>
+                </c:pt>
+                <c:pt idx="81">
+                  <c:v>0.2_0.6</c:v>
+                </c:pt>
+                <c:pt idx="82">
+                  <c:v>0.2_0.65</c:v>
+                </c:pt>
+                <c:pt idx="83">
+                  <c:v>0.2_0.7</c:v>
+                </c:pt>
+                <c:pt idx="84">
+                  <c:v>0.2_0.75</c:v>
+                </c:pt>
+                <c:pt idx="85">
+                  <c:v>0.2_0.8</c:v>
+                </c:pt>
+                <c:pt idx="86">
+                  <c:v>0.2_0.85</c:v>
+                </c:pt>
+                <c:pt idx="87">
+                  <c:v>0.2_0.9</c:v>
+                </c:pt>
+                <c:pt idx="88">
+                  <c:v>0.2_0.95</c:v>
+                </c:pt>
+                <c:pt idx="89">
+                  <c:v>0.2_1.0</c:v>
+                </c:pt>
+                <c:pt idx="90">
+                  <c:v>0.25_0.3</c:v>
+                </c:pt>
+                <c:pt idx="91">
+                  <c:v>0.25_0.35</c:v>
+                </c:pt>
+                <c:pt idx="92">
+                  <c:v>0.25_0.4</c:v>
+                </c:pt>
+                <c:pt idx="93">
+                  <c:v>0.25_0.45</c:v>
+                </c:pt>
+                <c:pt idx="94">
+                  <c:v>0.25_0.5</c:v>
+                </c:pt>
+                <c:pt idx="95">
+                  <c:v>0.25_0.55</c:v>
+                </c:pt>
+                <c:pt idx="96">
+                  <c:v>0.25_0.6</c:v>
+                </c:pt>
+                <c:pt idx="97">
+                  <c:v>0.25_0.65</c:v>
+                </c:pt>
+                <c:pt idx="98">
+                  <c:v>0.25_0.7</c:v>
+                </c:pt>
+                <c:pt idx="99">
+                  <c:v>0.25_0.75</c:v>
+                </c:pt>
+                <c:pt idx="100">
+                  <c:v>0.25_0.8</c:v>
+                </c:pt>
+                <c:pt idx="101">
+                  <c:v>0.25_0.85</c:v>
+                </c:pt>
+                <c:pt idx="102">
+                  <c:v>0.25_0.9</c:v>
+                </c:pt>
+                <c:pt idx="103">
+                  <c:v>0.25_0.95</c:v>
+                </c:pt>
+                <c:pt idx="104">
+                  <c:v>0.25_1.0</c:v>
+                </c:pt>
+                <c:pt idx="105">
+                  <c:v>0.3_0.35</c:v>
+                </c:pt>
+                <c:pt idx="106">
+                  <c:v>0.3_0.4</c:v>
+                </c:pt>
+                <c:pt idx="107">
+                  <c:v>0.3_0.45</c:v>
+                </c:pt>
+                <c:pt idx="108">
+                  <c:v>0.3_0.5</c:v>
+                </c:pt>
+                <c:pt idx="109">
+                  <c:v>0.3_0.55</c:v>
+                </c:pt>
+                <c:pt idx="110">
+                  <c:v>0.3_0.6</c:v>
+                </c:pt>
+                <c:pt idx="111">
+                  <c:v>0.3_0.65</c:v>
+                </c:pt>
+                <c:pt idx="112">
+                  <c:v>0.3_0.7</c:v>
+                </c:pt>
+                <c:pt idx="113">
+                  <c:v>0.3_0.75</c:v>
+                </c:pt>
+                <c:pt idx="114">
+                  <c:v>0.3_0.8</c:v>
+                </c:pt>
+                <c:pt idx="115">
+                  <c:v>0.3_0.85</c:v>
+                </c:pt>
+                <c:pt idx="116">
+                  <c:v>0.3_0.9</c:v>
+                </c:pt>
+                <c:pt idx="117">
+                  <c:v>0.3_0.95</c:v>
+                </c:pt>
+                <c:pt idx="118">
+                  <c:v>0.3_1.0</c:v>
+                </c:pt>
+                <c:pt idx="119">
+                  <c:v>0.35_0.4</c:v>
+                </c:pt>
+                <c:pt idx="120">
+                  <c:v>0.35_0.45</c:v>
+                </c:pt>
+                <c:pt idx="121">
+                  <c:v>0.35_0.5</c:v>
+                </c:pt>
+                <c:pt idx="122">
+                  <c:v>0.35_0.55</c:v>
+                </c:pt>
+                <c:pt idx="123">
+                  <c:v>0.35_0.6</c:v>
+                </c:pt>
+                <c:pt idx="124">
+                  <c:v>0.35_0.65</c:v>
+                </c:pt>
+                <c:pt idx="125">
+                  <c:v>0.35_0.7</c:v>
+                </c:pt>
+                <c:pt idx="126">
+                  <c:v>0.35_0.75</c:v>
+                </c:pt>
+                <c:pt idx="127">
+                  <c:v>0.35_0.8</c:v>
+                </c:pt>
+                <c:pt idx="128">
+                  <c:v>0.35_0.85</c:v>
+                </c:pt>
+                <c:pt idx="129">
+                  <c:v>0.35_0.9</c:v>
+                </c:pt>
+                <c:pt idx="130">
+                  <c:v>0.35_0.95</c:v>
+                </c:pt>
+                <c:pt idx="131">
+                  <c:v>0.35_1.0</c:v>
+                </c:pt>
+                <c:pt idx="132">
+                  <c:v>0.4_0.45</c:v>
+                </c:pt>
+                <c:pt idx="133">
+                  <c:v>0.4_0.5</c:v>
+                </c:pt>
+                <c:pt idx="134">
+                  <c:v>0.4_0.55</c:v>
+                </c:pt>
+                <c:pt idx="135">
+                  <c:v>0.4_0.6</c:v>
+                </c:pt>
+                <c:pt idx="136">
+                  <c:v>0.4_0.65</c:v>
+                </c:pt>
+                <c:pt idx="137">
+                  <c:v>0.4_0.7</c:v>
+                </c:pt>
+                <c:pt idx="138">
+                  <c:v>0.4_0.75</c:v>
+                </c:pt>
+                <c:pt idx="139">
+                  <c:v>0.4_0.8</c:v>
+                </c:pt>
+                <c:pt idx="140">
+                  <c:v>0.4_0.85</c:v>
+                </c:pt>
+                <c:pt idx="141">
+                  <c:v>0.4_0.9</c:v>
+                </c:pt>
+                <c:pt idx="142">
+                  <c:v>0.4_0.95</c:v>
+                </c:pt>
+                <c:pt idx="143">
+                  <c:v>0.4_1.0</c:v>
+                </c:pt>
+                <c:pt idx="144">
+                  <c:v>0.45_0.5</c:v>
+                </c:pt>
+                <c:pt idx="145">
+                  <c:v>0.45_0.55</c:v>
+                </c:pt>
+                <c:pt idx="146">
+                  <c:v>0.45_0.6</c:v>
+                </c:pt>
+                <c:pt idx="147">
+                  <c:v>0.45_0.65</c:v>
+                </c:pt>
+                <c:pt idx="148">
+                  <c:v>0.45_0.7</c:v>
+                </c:pt>
+                <c:pt idx="149">
+                  <c:v>0.45_0.75</c:v>
+                </c:pt>
+                <c:pt idx="150">
+                  <c:v>0.45_0.8</c:v>
+                </c:pt>
+                <c:pt idx="151">
+                  <c:v>0.45_0.85</c:v>
+                </c:pt>
+                <c:pt idx="152">
+                  <c:v>0.45_0.9</c:v>
+                </c:pt>
+                <c:pt idx="153">
+                  <c:v>0.45_0.95</c:v>
+                </c:pt>
+                <c:pt idx="154">
+                  <c:v>0.45_1.0</c:v>
+                </c:pt>
+                <c:pt idx="155">
+                  <c:v>0.5_0.55</c:v>
+                </c:pt>
+                <c:pt idx="156">
+                  <c:v>0.5_0.6</c:v>
+                </c:pt>
+                <c:pt idx="157">
+                  <c:v>0.5_0.65</c:v>
+                </c:pt>
+                <c:pt idx="158">
+                  <c:v>0.5_0.7</c:v>
+                </c:pt>
+                <c:pt idx="159">
+                  <c:v>0.5_0.75</c:v>
+                </c:pt>
+                <c:pt idx="160">
+                  <c:v>0.5_0.8</c:v>
+                </c:pt>
+                <c:pt idx="161">
+                  <c:v>0.5_0.85</c:v>
+                </c:pt>
+                <c:pt idx="162">
+                  <c:v>0.5_0.9</c:v>
+                </c:pt>
+                <c:pt idx="163">
+                  <c:v>0.5_0.95</c:v>
+                </c:pt>
+                <c:pt idx="164">
+                  <c:v>0.5_1.0</c:v>
+                </c:pt>
+                <c:pt idx="165">
+                  <c:v>0.55_0.6</c:v>
+                </c:pt>
+                <c:pt idx="166">
+                  <c:v>0.55_0.65</c:v>
+                </c:pt>
+                <c:pt idx="167">
+                  <c:v>0.55_0.7</c:v>
+                </c:pt>
+                <c:pt idx="168">
+                  <c:v>0.55_0.75</c:v>
+                </c:pt>
+                <c:pt idx="169">
+                  <c:v>0.55_0.8</c:v>
+                </c:pt>
+                <c:pt idx="170">
+                  <c:v>0.55_0.85</c:v>
+                </c:pt>
+                <c:pt idx="171">
+                  <c:v>0.55_0.9</c:v>
+                </c:pt>
+                <c:pt idx="172">
+                  <c:v>0.55_0.95</c:v>
+                </c:pt>
+                <c:pt idx="173">
+                  <c:v>0.55_1.0</c:v>
+                </c:pt>
+                <c:pt idx="174">
+                  <c:v>0.6_0.65</c:v>
+                </c:pt>
+                <c:pt idx="175">
+                  <c:v>0.6_0.7</c:v>
+                </c:pt>
+                <c:pt idx="176">
+                  <c:v>0.6_0.75</c:v>
+                </c:pt>
+                <c:pt idx="177">
+                  <c:v>0.6_0.8</c:v>
+                </c:pt>
+                <c:pt idx="178">
+                  <c:v>0.6_0.85</c:v>
+                </c:pt>
+                <c:pt idx="179">
+                  <c:v>0.6_0.9</c:v>
+                </c:pt>
+                <c:pt idx="180">
+                  <c:v>0.6_0.95</c:v>
+                </c:pt>
+                <c:pt idx="181">
+                  <c:v>0.6_1.0</c:v>
+                </c:pt>
+                <c:pt idx="182">
+                  <c:v>0.65_0.7</c:v>
+                </c:pt>
+                <c:pt idx="183">
+                  <c:v>0.65_0.75</c:v>
+                </c:pt>
+                <c:pt idx="184">
+                  <c:v>0.65_0.8</c:v>
+                </c:pt>
+                <c:pt idx="185">
+                  <c:v>0.65_0.85</c:v>
+                </c:pt>
+                <c:pt idx="186">
+                  <c:v>0.65_0.9</c:v>
+                </c:pt>
+                <c:pt idx="187">
+                  <c:v>0.65_0.95</c:v>
+                </c:pt>
+                <c:pt idx="188">
+                  <c:v>0.65_1.0</c:v>
+                </c:pt>
+                <c:pt idx="189">
+                  <c:v>0.7_0.75</c:v>
+                </c:pt>
+                <c:pt idx="190">
+                  <c:v>0.7_0.8</c:v>
+                </c:pt>
+                <c:pt idx="191">
+                  <c:v>0.7_0.85</c:v>
+                </c:pt>
+                <c:pt idx="192">
+                  <c:v>0.7_0.9</c:v>
+                </c:pt>
+                <c:pt idx="193">
+                  <c:v>0.7_0.95</c:v>
+                </c:pt>
+                <c:pt idx="194">
+                  <c:v>0.7_1.0</c:v>
+                </c:pt>
+                <c:pt idx="195">
+                  <c:v>0.75_0.8</c:v>
+                </c:pt>
+                <c:pt idx="196">
+                  <c:v>0.75_0.85</c:v>
+                </c:pt>
+                <c:pt idx="197">
+                  <c:v>0.75_0.9</c:v>
+                </c:pt>
+                <c:pt idx="198">
+                  <c:v>0.75_0.95</c:v>
+                </c:pt>
+                <c:pt idx="199">
+                  <c:v>0.75_1.0</c:v>
+                </c:pt>
+                <c:pt idx="200">
+                  <c:v>0.8_0.85</c:v>
+                </c:pt>
+                <c:pt idx="201">
+                  <c:v>0.8_0.9</c:v>
+                </c:pt>
+                <c:pt idx="202">
+                  <c:v>0.8_0.95</c:v>
+                </c:pt>
+                <c:pt idx="203">
+                  <c:v>0.8_1.0</c:v>
+                </c:pt>
+                <c:pt idx="204">
+                  <c:v>0.85_0.9</c:v>
+                </c:pt>
+                <c:pt idx="205">
+                  <c:v>0.85_0.95</c:v>
+                </c:pt>
+                <c:pt idx="206">
+                  <c:v>0.85_1.0</c:v>
+                </c:pt>
+                <c:pt idx="207">
+                  <c:v>0.9_0.95</c:v>
+                </c:pt>
+                <c:pt idx="208">
+                  <c:v>0.9_1.0</c:v>
+                </c:pt>
+                <c:pt idx="209">
+                  <c:v>0.95_1.0</c:v>
+                </c:pt>
+              </c:strCache>
+            </c:strRef>
+          </c:cat>
+          <c:val>
+            <c:numRef>
+              <c:f>'FUZZY-MATCH'!$B$2:$B$211</c:f>
+              <c:numCache>
+                <c:formatCode>General</c:formatCode>
+                <c:ptCount val="210"/>
+                <c:pt idx="0">
+                  <c:v>-0.43117294499999997</c:v>
+                </c:pt>
+                <c:pt idx="1">
+                  <c:v>-0.43117294499999997</c:v>
+                </c:pt>
+                <c:pt idx="2">
+                  <c:v>-0.423590311</c:v>
+                </c:pt>
+                <c:pt idx="3">
+                  <c:v>-0.423590311</c:v>
+                </c:pt>
+                <c:pt idx="4">
+                  <c:v>-0.41574322899999999</c:v>
+                </c:pt>
+                <c:pt idx="5">
+                  <c:v>-0.403435877</c:v>
+                </c:pt>
+                <c:pt idx="6">
+                  <c:v>-0.37181099699999998</c:v>
+                </c:pt>
+                <c:pt idx="7">
+                  <c:v>-0.36189813900000001</c:v>
+                </c:pt>
+                <c:pt idx="8">
+                  <c:v>-0.33501340899999998</c:v>
+                </c:pt>
+                <c:pt idx="9">
+                  <c:v>-0.32922415900000002</c:v>
+                </c:pt>
+                <c:pt idx="10">
+                  <c:v>-0.29773536499999997</c:v>
+                </c:pt>
+                <c:pt idx="11">
+                  <c:v>-0.29773536499999997</c:v>
+                </c:pt>
+                <c:pt idx="12">
+                  <c:v>-0.24388283999999999</c:v>
+                </c:pt>
+                <c:pt idx="13">
+                  <c:v>-0.24388283999999999</c:v>
+                </c:pt>
+                <c:pt idx="14">
+                  <c:v>-0.24388283999999999</c:v>
+                </c:pt>
+                <c:pt idx="15">
+                  <c:v>-0.23485682299999999</c:v>
+                </c:pt>
+                <c:pt idx="16">
+                  <c:v>-0.23485682299999999</c:v>
+                </c:pt>
+                <c:pt idx="17">
+                  <c:v>-0.20481930400000001</c:v>
+                </c:pt>
+                <c:pt idx="18">
+                  <c:v>-0.20481930400000001</c:v>
+                </c:pt>
+                <c:pt idx="19">
+                  <c:v>-0.20481930400000001</c:v>
+                </c:pt>
+                <c:pt idx="20">
+                  <c:v>-2.6077353000000001E-2</c:v>
+                </c:pt>
+                <c:pt idx="21">
+                  <c:v>-2.4084411E-2</c:v>
+                </c:pt>
+                <c:pt idx="22">
+                  <c:v>-2.4084411E-2</c:v>
+                </c:pt>
+                <c:pt idx="23">
+                  <c:v>-2.2074412000000002E-2</c:v>
+                </c:pt>
+                <c:pt idx="24">
+                  <c:v>-1.9026764000000002E-2</c:v>
+                </c:pt>
+                <c:pt idx="25">
+                  <c:v>-1.1757593E-2</c:v>
+                </c:pt>
+                <c:pt idx="26">
+                  <c:v>-9.6385459999999996E-3</c:v>
+                </c:pt>
+                <c:pt idx="27">
+                  <c:v>-4.255338E-3</c:v>
+                </c:pt>
+                <c:pt idx="28">
+                  <c:v>-3.1636469999999999E-3</c:v>
+                </c:pt>
+                <c:pt idx="29">
+                  <c:v>2.3727660000000001E-3</c:v>
+                </c:pt>
+                <c:pt idx="30">
+                  <c:v>2.3727660000000001E-3</c:v>
+                </c:pt>
+                <c:pt idx="31">
+                  <c:v>1.0351627E-2</c:v>
+                </c:pt>
+                <c:pt idx="32">
+                  <c:v>1.0351627E-2</c:v>
+                </c:pt>
+                <c:pt idx="33">
+                  <c:v>1.0351627E-2</c:v>
+                </c:pt>
+                <c:pt idx="34">
+                  <c:v>1.1514129999999999E-2</c:v>
+                </c:pt>
+                <c:pt idx="35">
+                  <c:v>1.1514129999999999E-2</c:v>
+                </c:pt>
+                <c:pt idx="36">
+                  <c:v>1.5036937E-2</c:v>
+                </c:pt>
+                <c:pt idx="37">
+                  <c:v>1.5036937E-2</c:v>
+                </c:pt>
+                <c:pt idx="38">
+                  <c:v>1.5036937E-2</c:v>
+                </c:pt>
+                <c:pt idx="39">
+                  <c:v>-2.3245017E-2</c:v>
+                </c:pt>
+                <c:pt idx="40">
+                  <c:v>-2.3245017E-2</c:v>
+                </c:pt>
+                <c:pt idx="41">
+                  <c:v>-2.1253998999999999E-2</c:v>
+                </c:pt>
+                <c:pt idx="42">
+                  <c:v>-1.8235159000000001E-2</c:v>
+                </c:pt>
+                <c:pt idx="43">
+                  <c:v>-1.1034844E-2</c:v>
+                </c:pt>
+                <c:pt idx="44">
+                  <c:v>-8.9359049999999992E-3</c:v>
+                </c:pt>
+                <c:pt idx="45">
+                  <c:v>-3.6038509999999999E-3</c:v>
+                </c:pt>
+                <c:pt idx="46">
+                  <c:v>-2.5225460000000001E-3</c:v>
+                </c:pt>
+                <c:pt idx="47">
+                  <c:v>2.9611360000000001E-3</c:v>
+                </c:pt>
+                <c:pt idx="48">
+                  <c:v>2.9611360000000001E-3</c:v>
+                </c:pt>
+                <c:pt idx="49">
+                  <c:v>1.0863832E-2</c:v>
+                </c:pt>
+                <c:pt idx="50">
+                  <c:v>1.0863832E-2</c:v>
+                </c:pt>
+                <c:pt idx="51">
+                  <c:v>1.0863832E-2</c:v>
+                </c:pt>
+                <c:pt idx="52">
+                  <c:v>1.2015222000000001E-2</c:v>
+                </c:pt>
+                <c:pt idx="53">
+                  <c:v>1.2015222000000001E-2</c:v>
+                </c:pt>
+                <c:pt idx="54">
+                  <c:v>1.5504329000000001E-2</c:v>
+                </c:pt>
+                <c:pt idx="55">
+                  <c:v>1.5504329000000001E-2</c:v>
+                </c:pt>
+                <c:pt idx="56">
+                  <c:v>1.5504329000000001E-2</c:v>
+                </c:pt>
+                <c:pt idx="57">
+                  <c:v>-1.0580528000000001E-2</c:v>
+                </c:pt>
+                <c:pt idx="58">
+                  <c:v>-8.9035629999999998E-3</c:v>
+                </c:pt>
+                <c:pt idx="59">
+                  <c:v>-6.3612260000000002E-3</c:v>
+                </c:pt>
+                <c:pt idx="60">
+                  <c:v>-2.98955E-4</c:v>
+                </c:pt>
+                <c:pt idx="61">
+                  <c:v>1.467849E-3</c:v>
+                </c:pt>
+                <c:pt idx="62">
+                  <c:v>5.955414E-3</c:v>
+                </c:pt>
+                <c:pt idx="63">
+                  <c:v>6.8653350000000002E-3</c:v>
+                </c:pt>
+                <c:pt idx="64">
+                  <c:v>1.147924E-2</c:v>
+                </c:pt>
+                <c:pt idx="65">
+                  <c:v>1.147924E-2</c:v>
+                </c:pt>
+                <c:pt idx="66">
+                  <c:v>1.8126718999999999E-2</c:v>
+                </c:pt>
+                <c:pt idx="67">
+                  <c:v>1.8126718999999999E-2</c:v>
+                </c:pt>
+                <c:pt idx="68">
+                  <c:v>1.8126718999999999E-2</c:v>
+                </c:pt>
+                <c:pt idx="69">
+                  <c:v>1.9095066000000001E-2</c:v>
+                </c:pt>
+                <c:pt idx="70">
+                  <c:v>1.9095066000000001E-2</c:v>
+                </c:pt>
+                <c:pt idx="71">
+                  <c:v>2.2029246999999998E-2</c:v>
+                </c:pt>
+                <c:pt idx="72">
+                  <c:v>2.2029246999999998E-2</c:v>
+                </c:pt>
+                <c:pt idx="73">
+                  <c:v>2.2029246999999998E-2</c:v>
+                </c:pt>
+                <c:pt idx="74">
+                  <c:v>2.5902490000000002E-3</c:v>
+                </c:pt>
+                <c:pt idx="75">
+                  <c:v>4.8300069999999999E-3</c:v>
+                </c:pt>
+                <c:pt idx="76">
+                  <c:v>1.0171796E-2</c:v>
+                </c:pt>
+                <c:pt idx="77">
+                  <c:v>1.1728908E-2</c:v>
+                </c:pt>
+                <c:pt idx="78">
+                  <c:v>1.5684485000000001E-2</c:v>
+                </c:pt>
+                <c:pt idx="79">
+                  <c:v>1.6486649999999999E-2</c:v>
+                </c:pt>
+                <c:pt idx="80">
+                  <c:v>2.0554757E-2</c:v>
+                </c:pt>
+                <c:pt idx="81">
+                  <c:v>2.0554757E-2</c:v>
+                </c:pt>
+                <c:pt idx="82">
+                  <c:v>2.6417741000000002E-2</c:v>
+                </c:pt>
+                <c:pt idx="83">
+                  <c:v>2.6417741000000002E-2</c:v>
+                </c:pt>
+                <c:pt idx="84">
+                  <c:v>2.6417741000000002E-2</c:v>
+                </c:pt>
+                <c:pt idx="85">
+                  <c:v>2.7272002E-2</c:v>
+                </c:pt>
+                <c:pt idx="86">
+                  <c:v>2.7272002E-2</c:v>
+                </c:pt>
+                <c:pt idx="87">
+                  <c:v>2.98608E-2</c:v>
+                </c:pt>
+                <c:pt idx="88">
+                  <c:v>2.98608E-2</c:v>
+                </c:pt>
+                <c:pt idx="89">
+                  <c:v>2.98608E-2</c:v>
+                </c:pt>
+                <c:pt idx="90">
+                  <c:v>2.1504833000000001E-2</c:v>
+                </c:pt>
+                <c:pt idx="91">
+                  <c:v>2.5931141000000001E-2</c:v>
+                </c:pt>
+                <c:pt idx="92">
+                  <c:v>2.7221773000000001E-2</c:v>
+                </c:pt>
+                <c:pt idx="93">
+                  <c:v>3.0501191E-2</c:v>
+                </c:pt>
+                <c:pt idx="94">
+                  <c:v>3.1166373000000001E-2</c:v>
+                </c:pt>
+                <c:pt idx="95">
+                  <c:v>3.4540524000000003E-2</c:v>
+                </c:pt>
+                <c:pt idx="96">
+                  <c:v>3.4540524000000003E-2</c:v>
+                </c:pt>
+                <c:pt idx="97">
+                  <c:v>3.9405562999999998E-2</c:v>
+                </c:pt>
+                <c:pt idx="98">
+                  <c:v>3.9405562999999998E-2</c:v>
+                </c:pt>
+                <c:pt idx="99">
+                  <c:v>3.9405562999999998E-2</c:v>
+                </c:pt>
+                <c:pt idx="100">
+                  <c:v>4.0114638000000001E-2</c:v>
+                </c:pt>
+                <c:pt idx="101">
+                  <c:v>4.0114638000000001E-2</c:v>
+                </c:pt>
+                <c:pt idx="102">
+                  <c:v>4.2263805000000002E-2</c:v>
+                </c:pt>
+                <c:pt idx="103">
+                  <c:v>4.2263805000000002E-2</c:v>
+                </c:pt>
+                <c:pt idx="104">
+                  <c:v>4.2263805000000002E-2</c:v>
+                </c:pt>
+                <c:pt idx="105">
+                  <c:v>4.7319117000000001E-2</c:v>
+                </c:pt>
+                <c:pt idx="106">
+                  <c:v>4.8398515000000003E-2</c:v>
+                </c:pt>
+                <c:pt idx="107">
+                  <c:v>5.1147621999999997E-2</c:v>
+                </c:pt>
+                <c:pt idx="108">
+                  <c:v>5.1706380000000003E-2</c:v>
+                </c:pt>
+                <c:pt idx="109">
+                  <c:v>5.454672E-2</c:v>
+                </c:pt>
+                <c:pt idx="110">
+                  <c:v>5.454672E-2</c:v>
+                </c:pt>
+                <c:pt idx="111">
+                  <c:v>5.8660244E-2</c:v>
+                </c:pt>
+                <c:pt idx="112">
+                  <c:v>5.8660244E-2</c:v>
+                </c:pt>
+                <c:pt idx="113">
+                  <c:v>5.8660244E-2</c:v>
+                </c:pt>
+                <c:pt idx="114">
+                  <c:v>5.9261619000000001E-2</c:v>
+                </c:pt>
+                <c:pt idx="115">
+                  <c:v>5.9261619000000001E-2</c:v>
+                </c:pt>
+                <c:pt idx="116">
+                  <c:v>6.1087256999999999E-2</c:v>
+                </c:pt>
+                <c:pt idx="117">
+                  <c:v>6.1087256999999999E-2</c:v>
+                </c:pt>
+                <c:pt idx="118">
+                  <c:v>6.1087256999999999E-2</c:v>
+                </c:pt>
+                <c:pt idx="119">
+                  <c:v>7.9680898E-2</c:v>
+                </c:pt>
+                <c:pt idx="120">
+                  <c:v>8.2134447999999999E-2</c:v>
+                </c:pt>
+                <c:pt idx="121">
+                  <c:v>8.2634287000000001E-2</c:v>
+                </c:pt>
+                <c:pt idx="122">
+                  <c:v>8.5181203999999996E-2</c:v>
+                </c:pt>
+                <c:pt idx="123">
+                  <c:v>8.5181203999999996E-2</c:v>
+                </c:pt>
+                <c:pt idx="124">
+                  <c:v>8.8887978000000006E-2</c:v>
+                </c:pt>
+                <c:pt idx="125">
+                  <c:v>8.8887978000000006E-2</c:v>
+                </c:pt>
+                <c:pt idx="126">
+                  <c:v>8.8887978000000006E-2</c:v>
+                </c:pt>
+                <c:pt idx="127">
+                  <c:v>8.9431710999999997E-2</c:v>
+                </c:pt>
+                <c:pt idx="128">
+                  <c:v>8.9431710999999997E-2</c:v>
+                </c:pt>
+                <c:pt idx="129">
+                  <c:v>9.1085236999999999E-2</c:v>
+                </c:pt>
+                <c:pt idx="130">
+                  <c:v>9.1085236999999999E-2</c:v>
+                </c:pt>
+                <c:pt idx="131">
+                  <c:v>9.1085236999999999E-2</c:v>
+                </c:pt>
+                <c:pt idx="132">
+                  <c:v>0.10197173800000001</c:v>
+                </c:pt>
+                <c:pt idx="133">
+                  <c:v>0.102472013</c:v>
+                </c:pt>
+                <c:pt idx="134">
+                  <c:v>0.10502309</c:v>
+                </c:pt>
+                <c:pt idx="135">
+                  <c:v>0.10502309</c:v>
+                </c:pt>
+                <c:pt idx="136">
+                  <c:v>0.108741621</c:v>
+                </c:pt>
+                <c:pt idx="137">
+                  <c:v>0.108741621</c:v>
+                </c:pt>
+                <c:pt idx="138">
+                  <c:v>0.108741621</c:v>
+                </c:pt>
+                <c:pt idx="139">
+                  <c:v>0.10928764000000001</c:v>
+                </c:pt>
+                <c:pt idx="140">
+                  <c:v>0.10928764000000001</c:v>
+                </c:pt>
+                <c:pt idx="141">
+                  <c:v>0.110948985</c:v>
+                </c:pt>
+                <c:pt idx="142">
+                  <c:v>0.110948985</c:v>
+                </c:pt>
+                <c:pt idx="143">
+                  <c:v>0.110948985</c:v>
+                </c:pt>
+                <c:pt idx="144">
+                  <c:v>0.132126302</c:v>
+                </c:pt>
+                <c:pt idx="145">
+                  <c:v>0.13482549799999999</c:v>
+                </c:pt>
+                <c:pt idx="146">
+                  <c:v>0.13482549799999999</c:v>
+                </c:pt>
+                <c:pt idx="147">
+                  <c:v>0.13877241800000001</c:v>
+                </c:pt>
+                <c:pt idx="148">
+                  <c:v>0.13877241800000001</c:v>
+                </c:pt>
+                <c:pt idx="149">
+                  <c:v>0.13877241800000001</c:v>
+                </c:pt>
+                <c:pt idx="150">
+                  <c:v>0.139353217</c:v>
+                </c:pt>
+                <c:pt idx="151">
+                  <c:v>0.139353217</c:v>
+                </c:pt>
+                <c:pt idx="152">
+                  <c:v>0.14112234400000001</c:v>
+                </c:pt>
+                <c:pt idx="153">
+                  <c:v>0.14112234400000001</c:v>
+                </c:pt>
+                <c:pt idx="154">
+                  <c:v>0.14112234400000001</c:v>
+                </c:pt>
+                <c:pt idx="155">
+                  <c:v>0.14091737500000001</c:v>
+                </c:pt>
+                <c:pt idx="156">
+                  <c:v>0.14091737500000001</c:v>
+                </c:pt>
+                <c:pt idx="157">
+                  <c:v>0.144920148</c:v>
+                </c:pt>
+                <c:pt idx="158">
+                  <c:v>0.144920148</c:v>
+                </c:pt>
+                <c:pt idx="159">
+                  <c:v>0.144920148</c:v>
+                </c:pt>
+                <c:pt idx="160">
+                  <c:v>0.14550929400000001</c:v>
+                </c:pt>
+                <c:pt idx="161">
+                  <c:v>0.14550929400000001</c:v>
+                </c:pt>
+                <c:pt idx="162">
+                  <c:v>0.147304043</c:v>
+                </c:pt>
+                <c:pt idx="163">
+                  <c:v>0.147304043</c:v>
+                </c:pt>
+                <c:pt idx="164">
+                  <c:v>0.147304043</c:v>
+                </c:pt>
+                <c:pt idx="165">
+                  <c:v>0.23664091500000001</c:v>
+                </c:pt>
+                <c:pt idx="166">
+                  <c:v>0.24226135700000001</c:v>
+                </c:pt>
+                <c:pt idx="167">
+                  <c:v>0.24226135700000001</c:v>
+                </c:pt>
+                <c:pt idx="168">
+                  <c:v>0.24226135700000001</c:v>
+                </c:pt>
+                <c:pt idx="169">
+                  <c:v>0.24309197299999999</c:v>
+                </c:pt>
+                <c:pt idx="170">
+                  <c:v>0.24309197299999999</c:v>
+                </c:pt>
+                <c:pt idx="171">
+                  <c:v>0.24562766799999999</c:v>
+                </c:pt>
+                <c:pt idx="172">
+                  <c:v>0.24562766799999999</c:v>
+                </c:pt>
+                <c:pt idx="173">
+                  <c:v>0.24562766799999999</c:v>
+                </c:pt>
+                <c:pt idx="174">
+                  <c:v>0.27467317099999999</c:v>
+                </c:pt>
+                <c:pt idx="175">
+                  <c:v>0.27467317099999999</c:v>
+                </c:pt>
+                <c:pt idx="176">
+                  <c:v>0.27467317099999999</c:v>
+                </c:pt>
+                <c:pt idx="177">
+                  <c:v>0.27559821099999998</c:v>
+                </c:pt>
+                <c:pt idx="178">
+                  <c:v>0.27559821099999998</c:v>
+                </c:pt>
+                <c:pt idx="179">
+                  <c:v>0.27842322400000002</c:v>
+                </c:pt>
+                <c:pt idx="180">
+                  <c:v>0.27842322400000002</c:v>
+                </c:pt>
+                <c:pt idx="181">
+                  <c:v>0.27842322400000002</c:v>
+                </c:pt>
+                <c:pt idx="182">
+                  <c:v>0.30020780800000002</c:v>
+                </c:pt>
+                <c:pt idx="183">
+                  <c:v>0.30020780800000002</c:v>
+                </c:pt>
+                <c:pt idx="184">
+                  <c:v>0.30121927999999998</c:v>
+                </c:pt>
+                <c:pt idx="185">
+                  <c:v>0.30121927999999998</c:v>
+                </c:pt>
+                <c:pt idx="186">
+                  <c:v>0.30431005700000002</c:v>
+                </c:pt>
+                <c:pt idx="187">
+                  <c:v>0.30431005700000002</c:v>
+                </c:pt>
+                <c:pt idx="188">
+                  <c:v>0.30431005700000002</c:v>
+                </c:pt>
+                <c:pt idx="189">
+                  <c:v>0.35337000899999998</c:v>
+                </c:pt>
+                <c:pt idx="190">
+                  <c:v>0.35463729100000002</c:v>
+                </c:pt>
+                <c:pt idx="191">
+                  <c:v>0.35463729100000002</c:v>
+                </c:pt>
+                <c:pt idx="192">
+                  <c:v>0.35851734899999999</c:v>
+                </c:pt>
+                <c:pt idx="193">
+                  <c:v>0.35851734899999999</c:v>
+                </c:pt>
+                <c:pt idx="194">
+                  <c:v>0.35851734899999999</c:v>
+                </c:pt>
+                <c:pt idx="195">
+                  <c:v>0.36304798399999999</c:v>
+                </c:pt>
+                <c:pt idx="196">
+                  <c:v>0.36304798399999999</c:v>
+                </c:pt>
+                <c:pt idx="197">
+                  <c:v>0.36701084499999997</c:v>
+                </c:pt>
+                <c:pt idx="198">
+                  <c:v>0.36701084499999997</c:v>
+                </c:pt>
+                <c:pt idx="199">
+                  <c:v>0.36701084499999997</c:v>
+                </c:pt>
+                <c:pt idx="200">
+                  <c:v>0.36710500200000001</c:v>
+                </c:pt>
+                <c:pt idx="201">
+                  <c:v>0.37270068200000001</c:v>
+                </c:pt>
+                <c:pt idx="202">
+                  <c:v>0.37270068200000001</c:v>
+                </c:pt>
+                <c:pt idx="203">
+                  <c:v>0.37270068200000001</c:v>
+                </c:pt>
+                <c:pt idx="204">
+                  <c:v>0.36471753000000001</c:v>
+                </c:pt>
+                <c:pt idx="205">
+                  <c:v>0.36471753000000001</c:v>
+                </c:pt>
+                <c:pt idx="206">
+                  <c:v>0.36471753000000001</c:v>
+                </c:pt>
+                <c:pt idx="207">
+                  <c:v>0.25434381099999998</c:v>
+                </c:pt>
+                <c:pt idx="208">
+                  <c:v>0.25434381099999998</c:v>
+                </c:pt>
+                <c:pt idx="209">
+                  <c:v>0.25310038200000001</c:v>
+                </c:pt>
+              </c:numCache>
+            </c:numRef>
+          </c:val>
+          <c:smooth val="0"/>
+          <c:extLst>
+            <c:ext xmlns:c16="http://schemas.microsoft.com/office/drawing/2014/chart" uri="{C3380CC4-5D6E-409C-BE32-E72D297353CC}">
+              <c16:uniqueId val="{00000000-56B9-41D7-9C23-361238023ECA}"/>
+            </c:ext>
+          </c:extLst>
+        </c:ser>
+        <c:ser>
+          <c:idx val="1"/>
+          <c:order val="1"/>
+          <c:tx>
+            <c:v>MCC-0.5</c:v>
+          </c:tx>
+          <c:spPr>
+            <a:ln w="19050" cap="rnd">
+              <a:solidFill>
+                <a:schemeClr val="accent2"/>
+              </a:solidFill>
+              <a:round/>
+            </a:ln>
+            <a:effectLst/>
+          </c:spPr>
+          <c:marker>
+            <c:symbol val="none"/>
+          </c:marker>
+          <c:cat>
+            <c:strRef>
+              <c:f>'FUZZY-MATCH'!$A$2:$A$211</c:f>
+              <c:strCache>
+                <c:ptCount val="210"/>
+                <c:pt idx="0">
+                  <c:v>0.0_0.05</c:v>
+                </c:pt>
+                <c:pt idx="1">
+                  <c:v>0.0_0.1</c:v>
+                </c:pt>
+                <c:pt idx="2">
+                  <c:v>0.0_0.15</c:v>
+                </c:pt>
+                <c:pt idx="3">
+                  <c:v>0.0_0.2</c:v>
+                </c:pt>
+                <c:pt idx="4">
+                  <c:v>0.0_0.25</c:v>
+                </c:pt>
+                <c:pt idx="5">
+                  <c:v>0.0_0.3</c:v>
+                </c:pt>
+                <c:pt idx="6">
+                  <c:v>0.0_0.35</c:v>
+                </c:pt>
+                <c:pt idx="7">
+                  <c:v>0.0_0.4</c:v>
+                </c:pt>
+                <c:pt idx="8">
+                  <c:v>0.0_0.45</c:v>
+                </c:pt>
+                <c:pt idx="9">
+                  <c:v>0.0_0.5</c:v>
+                </c:pt>
+                <c:pt idx="10">
+                  <c:v>0.0_0.55</c:v>
+                </c:pt>
+                <c:pt idx="11">
+                  <c:v>0.0_0.6</c:v>
+                </c:pt>
+                <c:pt idx="12">
+                  <c:v>0.0_0.65</c:v>
+                </c:pt>
+                <c:pt idx="13">
+                  <c:v>0.0_0.7</c:v>
+                </c:pt>
+                <c:pt idx="14">
+                  <c:v>0.0_0.75</c:v>
+                </c:pt>
+                <c:pt idx="15">
+                  <c:v>0.0_0.8</c:v>
+                </c:pt>
+                <c:pt idx="16">
+                  <c:v>0.0_0.85</c:v>
+                </c:pt>
+                <c:pt idx="17">
+                  <c:v>0.0_0.9</c:v>
+                </c:pt>
+                <c:pt idx="18">
+                  <c:v>0.0_0.95</c:v>
+                </c:pt>
+                <c:pt idx="19">
+                  <c:v>0.0_1.0</c:v>
+                </c:pt>
+                <c:pt idx="20">
+                  <c:v>0.05_0.1</c:v>
+                </c:pt>
+                <c:pt idx="21">
+                  <c:v>0.05_0.15</c:v>
+                </c:pt>
+                <c:pt idx="22">
+                  <c:v>0.05_0.2</c:v>
+                </c:pt>
+                <c:pt idx="23">
+                  <c:v>0.05_0.25</c:v>
+                </c:pt>
+                <c:pt idx="24">
+                  <c:v>0.05_0.3</c:v>
+                </c:pt>
+                <c:pt idx="25">
+                  <c:v>0.05_0.35</c:v>
+                </c:pt>
+                <c:pt idx="26">
+                  <c:v>0.05_0.4</c:v>
+                </c:pt>
+                <c:pt idx="27">
+                  <c:v>0.05_0.45</c:v>
+                </c:pt>
+                <c:pt idx="28">
+                  <c:v>0.05_0.5</c:v>
+                </c:pt>
+                <c:pt idx="29">
+                  <c:v>0.05_0.55</c:v>
+                </c:pt>
+                <c:pt idx="30">
+                  <c:v>0.05_0.6</c:v>
+                </c:pt>
+                <c:pt idx="31">
+                  <c:v>0.05_0.65</c:v>
+                </c:pt>
+                <c:pt idx="32">
+                  <c:v>0.05_0.7</c:v>
+                </c:pt>
+                <c:pt idx="33">
+                  <c:v>0.05_0.75</c:v>
+                </c:pt>
+                <c:pt idx="34">
+                  <c:v>0.05_0.8</c:v>
+                </c:pt>
+                <c:pt idx="35">
+                  <c:v>0.05_0.85</c:v>
+                </c:pt>
+                <c:pt idx="36">
+                  <c:v>0.05_0.9</c:v>
+                </c:pt>
+                <c:pt idx="37">
+                  <c:v>0.05_0.95</c:v>
+                </c:pt>
+                <c:pt idx="38">
+                  <c:v>0.05_1.0</c:v>
+                </c:pt>
+                <c:pt idx="39">
+                  <c:v>0.1_0.15</c:v>
+                </c:pt>
+                <c:pt idx="40">
+                  <c:v>0.1_0.2</c:v>
+                </c:pt>
+                <c:pt idx="41">
+                  <c:v>0.1_0.25</c:v>
+                </c:pt>
+                <c:pt idx="42">
+                  <c:v>0.1_0.3</c:v>
+                </c:pt>
+                <c:pt idx="43">
+                  <c:v>0.1_0.35</c:v>
+                </c:pt>
+                <c:pt idx="44">
+                  <c:v>0.1_0.4</c:v>
+                </c:pt>
+                <c:pt idx="45">
+                  <c:v>0.1_0.45</c:v>
+                </c:pt>
+                <c:pt idx="46">
+                  <c:v>0.1_0.5</c:v>
+                </c:pt>
+                <c:pt idx="47">
+                  <c:v>0.1_0.55</c:v>
+                </c:pt>
+                <c:pt idx="48">
+                  <c:v>0.1_0.6</c:v>
+                </c:pt>
+                <c:pt idx="49">
+                  <c:v>0.1_0.65</c:v>
+                </c:pt>
+                <c:pt idx="50">
+                  <c:v>0.1_0.7</c:v>
+                </c:pt>
+                <c:pt idx="51">
+                  <c:v>0.1_0.75</c:v>
+                </c:pt>
+                <c:pt idx="52">
+                  <c:v>0.1_0.8</c:v>
+                </c:pt>
+                <c:pt idx="53">
+                  <c:v>0.1_0.85</c:v>
+                </c:pt>
+                <c:pt idx="54">
+                  <c:v>0.1_0.9</c:v>
+                </c:pt>
+                <c:pt idx="55">
+                  <c:v>0.1_0.95</c:v>
+                </c:pt>
+                <c:pt idx="56">
+                  <c:v>0.1_1.0</c:v>
+                </c:pt>
+                <c:pt idx="57">
+                  <c:v>0.15_0.2</c:v>
+                </c:pt>
+                <c:pt idx="58">
+                  <c:v>0.15_0.25</c:v>
+                </c:pt>
+                <c:pt idx="59">
+                  <c:v>0.15_0.3</c:v>
+                </c:pt>
+                <c:pt idx="60">
+                  <c:v>0.15_0.35</c:v>
+                </c:pt>
+                <c:pt idx="61">
+                  <c:v>0.15_0.4</c:v>
+                </c:pt>
+                <c:pt idx="62">
+                  <c:v>0.15_0.45</c:v>
+                </c:pt>
+                <c:pt idx="63">
+                  <c:v>0.15_0.5</c:v>
+                </c:pt>
+                <c:pt idx="64">
+                  <c:v>0.15_0.55</c:v>
+                </c:pt>
+                <c:pt idx="65">
+                  <c:v>0.15_0.6</c:v>
+                </c:pt>
+                <c:pt idx="66">
+                  <c:v>0.15_0.65</c:v>
+                </c:pt>
+                <c:pt idx="67">
+                  <c:v>0.15_0.7</c:v>
+                </c:pt>
+                <c:pt idx="68">
+                  <c:v>0.15_0.75</c:v>
+                </c:pt>
+                <c:pt idx="69">
+                  <c:v>0.15_0.8</c:v>
+                </c:pt>
+                <c:pt idx="70">
+                  <c:v>0.15_0.85</c:v>
+                </c:pt>
+                <c:pt idx="71">
+                  <c:v>0.15_0.9</c:v>
+                </c:pt>
+                <c:pt idx="72">
+                  <c:v>0.15_0.95</c:v>
+                </c:pt>
+                <c:pt idx="73">
+                  <c:v>0.15_1.0</c:v>
+                </c:pt>
+                <c:pt idx="74">
+                  <c:v>0.2_0.25</c:v>
+                </c:pt>
+                <c:pt idx="75">
+                  <c:v>0.2_0.3</c:v>
+                </c:pt>
+                <c:pt idx="76">
+                  <c:v>0.2_0.35</c:v>
+                </c:pt>
+                <c:pt idx="77">
+                  <c:v>0.2_0.4</c:v>
+                </c:pt>
+                <c:pt idx="78">
+                  <c:v>0.2_0.45</c:v>
+                </c:pt>
+                <c:pt idx="79">
+                  <c:v>0.2_0.5</c:v>
+                </c:pt>
+                <c:pt idx="80">
+                  <c:v>0.2_0.55</c:v>
+                </c:pt>
+                <c:pt idx="81">
+                  <c:v>0.2_0.6</c:v>
+                </c:pt>
+                <c:pt idx="82">
+                  <c:v>0.2_0.65</c:v>
+                </c:pt>
+                <c:pt idx="83">
+                  <c:v>0.2_0.7</c:v>
+                </c:pt>
+                <c:pt idx="84">
+                  <c:v>0.2_0.75</c:v>
+                </c:pt>
+                <c:pt idx="85">
+                  <c:v>0.2_0.8</c:v>
+                </c:pt>
+                <c:pt idx="86">
+                  <c:v>0.2_0.85</c:v>
+                </c:pt>
+                <c:pt idx="87">
+                  <c:v>0.2_0.9</c:v>
+                </c:pt>
+                <c:pt idx="88">
+                  <c:v>0.2_0.95</c:v>
+                </c:pt>
+                <c:pt idx="89">
+                  <c:v>0.2_1.0</c:v>
+                </c:pt>
+                <c:pt idx="90">
+                  <c:v>0.25_0.3</c:v>
+                </c:pt>
+                <c:pt idx="91">
+                  <c:v>0.25_0.35</c:v>
+                </c:pt>
+                <c:pt idx="92">
+                  <c:v>0.25_0.4</c:v>
+                </c:pt>
+                <c:pt idx="93">
+                  <c:v>0.25_0.45</c:v>
+                </c:pt>
+                <c:pt idx="94">
+                  <c:v>0.25_0.5</c:v>
+                </c:pt>
+                <c:pt idx="95">
+                  <c:v>0.25_0.55</c:v>
+                </c:pt>
+                <c:pt idx="96">
+                  <c:v>0.25_0.6</c:v>
+                </c:pt>
+                <c:pt idx="97">
+                  <c:v>0.25_0.65</c:v>
+                </c:pt>
+                <c:pt idx="98">
+                  <c:v>0.25_0.7</c:v>
+                </c:pt>
+                <c:pt idx="99">
+                  <c:v>0.25_0.75</c:v>
+                </c:pt>
+                <c:pt idx="100">
+                  <c:v>0.25_0.8</c:v>
+                </c:pt>
+                <c:pt idx="101">
+                  <c:v>0.25_0.85</c:v>
+                </c:pt>
+                <c:pt idx="102">
+                  <c:v>0.25_0.9</c:v>
+                </c:pt>
+                <c:pt idx="103">
+                  <c:v>0.25_0.95</c:v>
+                </c:pt>
+                <c:pt idx="104">
+                  <c:v>0.25_1.0</c:v>
+                </c:pt>
+                <c:pt idx="105">
+                  <c:v>0.3_0.35</c:v>
+                </c:pt>
+                <c:pt idx="106">
+                  <c:v>0.3_0.4</c:v>
+                </c:pt>
+                <c:pt idx="107">
+                  <c:v>0.3_0.45</c:v>
+                </c:pt>
+                <c:pt idx="108">
+                  <c:v>0.3_0.5</c:v>
+                </c:pt>
+                <c:pt idx="109">
+                  <c:v>0.3_0.55</c:v>
+                </c:pt>
+                <c:pt idx="110">
+                  <c:v>0.3_0.6</c:v>
+                </c:pt>
+                <c:pt idx="111">
+                  <c:v>0.3_0.65</c:v>
+                </c:pt>
+                <c:pt idx="112">
+                  <c:v>0.3_0.7</c:v>
+                </c:pt>
+                <c:pt idx="113">
+                  <c:v>0.3_0.75</c:v>
+                </c:pt>
+                <c:pt idx="114">
+                  <c:v>0.3_0.8</c:v>
+                </c:pt>
+                <c:pt idx="115">
+                  <c:v>0.3_0.85</c:v>
+                </c:pt>
+                <c:pt idx="116">
+                  <c:v>0.3_0.9</c:v>
+                </c:pt>
+                <c:pt idx="117">
+                  <c:v>0.3_0.95</c:v>
+                </c:pt>
+                <c:pt idx="118">
+                  <c:v>0.3_1.0</c:v>
+                </c:pt>
+                <c:pt idx="119">
+                  <c:v>0.35_0.4</c:v>
+                </c:pt>
+                <c:pt idx="120">
+                  <c:v>0.35_0.45</c:v>
+                </c:pt>
+                <c:pt idx="121">
+                  <c:v>0.35_0.5</c:v>
+                </c:pt>
+                <c:pt idx="122">
+                  <c:v>0.35_0.55</c:v>
+                </c:pt>
+                <c:pt idx="123">
+                  <c:v>0.35_0.6</c:v>
+                </c:pt>
+                <c:pt idx="124">
+                  <c:v>0.35_0.65</c:v>
+                </c:pt>
+                <c:pt idx="125">
+                  <c:v>0.35_0.7</c:v>
+                </c:pt>
+                <c:pt idx="126">
+                  <c:v>0.35_0.75</c:v>
+                </c:pt>
+                <c:pt idx="127">
+                  <c:v>0.35_0.8</c:v>
+                </c:pt>
+                <c:pt idx="128">
+                  <c:v>0.35_0.85</c:v>
+                </c:pt>
+                <c:pt idx="129">
+                  <c:v>0.35_0.9</c:v>
+                </c:pt>
+                <c:pt idx="130">
+                  <c:v>0.35_0.95</c:v>
+                </c:pt>
+                <c:pt idx="131">
+                  <c:v>0.35_1.0</c:v>
+                </c:pt>
+                <c:pt idx="132">
+                  <c:v>0.4_0.45</c:v>
+                </c:pt>
+                <c:pt idx="133">
+                  <c:v>0.4_0.5</c:v>
+                </c:pt>
+                <c:pt idx="134">
+                  <c:v>0.4_0.55</c:v>
+                </c:pt>
+                <c:pt idx="135">
+                  <c:v>0.4_0.6</c:v>
+                </c:pt>
+                <c:pt idx="136">
+                  <c:v>0.4_0.65</c:v>
+                </c:pt>
+                <c:pt idx="137">
+                  <c:v>0.4_0.7</c:v>
+                </c:pt>
+                <c:pt idx="138">
+                  <c:v>0.4_0.75</c:v>
+                </c:pt>
+                <c:pt idx="139">
+                  <c:v>0.4_0.8</c:v>
+                </c:pt>
+                <c:pt idx="140">
+                  <c:v>0.4_0.85</c:v>
+                </c:pt>
+                <c:pt idx="141">
+                  <c:v>0.4_0.9</c:v>
+                </c:pt>
+                <c:pt idx="142">
+                  <c:v>0.4_0.95</c:v>
+                </c:pt>
+                <c:pt idx="143">
+                  <c:v>0.4_1.0</c:v>
+                </c:pt>
+                <c:pt idx="144">
+                  <c:v>0.45_0.5</c:v>
+                </c:pt>
+                <c:pt idx="145">
+                  <c:v>0.45_0.55</c:v>
+                </c:pt>
+                <c:pt idx="146">
+                  <c:v>0.45_0.6</c:v>
+                </c:pt>
+                <c:pt idx="147">
+                  <c:v>0.45_0.65</c:v>
+                </c:pt>
+                <c:pt idx="148">
+                  <c:v>0.45_0.7</c:v>
+                </c:pt>
+                <c:pt idx="149">
+                  <c:v>0.45_0.75</c:v>
+                </c:pt>
+                <c:pt idx="150">
+                  <c:v>0.45_0.8</c:v>
+                </c:pt>
+                <c:pt idx="151">
+                  <c:v>0.45_0.85</c:v>
+                </c:pt>
+                <c:pt idx="152">
+                  <c:v>0.45_0.9</c:v>
+                </c:pt>
+                <c:pt idx="153">
+                  <c:v>0.45_0.95</c:v>
+                </c:pt>
+                <c:pt idx="154">
+                  <c:v>0.45_1.0</c:v>
+                </c:pt>
+                <c:pt idx="155">
+                  <c:v>0.5_0.55</c:v>
+                </c:pt>
+                <c:pt idx="156">
+                  <c:v>0.5_0.6</c:v>
+                </c:pt>
+                <c:pt idx="157">
+                  <c:v>0.5_0.65</c:v>
+                </c:pt>
+                <c:pt idx="158">
+                  <c:v>0.5_0.7</c:v>
+                </c:pt>
+                <c:pt idx="159">
+                  <c:v>0.5_0.75</c:v>
+                </c:pt>
+                <c:pt idx="160">
+                  <c:v>0.5_0.8</c:v>
+                </c:pt>
+                <c:pt idx="161">
+                  <c:v>0.5_0.85</c:v>
+                </c:pt>
+                <c:pt idx="162">
+                  <c:v>0.5_0.9</c:v>
+                </c:pt>
+                <c:pt idx="163">
+                  <c:v>0.5_0.95</c:v>
+                </c:pt>
+                <c:pt idx="164">
+                  <c:v>0.5_1.0</c:v>
+                </c:pt>
+                <c:pt idx="165">
+                  <c:v>0.55_0.6</c:v>
+                </c:pt>
+                <c:pt idx="166">
+                  <c:v>0.55_0.65</c:v>
+                </c:pt>
+                <c:pt idx="167">
+                  <c:v>0.55_0.7</c:v>
+                </c:pt>
+                <c:pt idx="168">
+                  <c:v>0.55_0.75</c:v>
+                </c:pt>
+                <c:pt idx="169">
+                  <c:v>0.55_0.8</c:v>
+                </c:pt>
+                <c:pt idx="170">
+                  <c:v>0.55_0.85</c:v>
+                </c:pt>
+                <c:pt idx="171">
+                  <c:v>0.55_0.9</c:v>
+                </c:pt>
+                <c:pt idx="172">
+                  <c:v>0.55_0.95</c:v>
+                </c:pt>
+                <c:pt idx="173">
+                  <c:v>0.55_1.0</c:v>
+                </c:pt>
+                <c:pt idx="174">
+                  <c:v>0.6_0.65</c:v>
+                </c:pt>
+                <c:pt idx="175">
+                  <c:v>0.6_0.7</c:v>
+                </c:pt>
+                <c:pt idx="176">
+                  <c:v>0.6_0.75</c:v>
+                </c:pt>
+                <c:pt idx="177">
+                  <c:v>0.6_0.8</c:v>
+                </c:pt>
+                <c:pt idx="178">
+                  <c:v>0.6_0.85</c:v>
+                </c:pt>
+                <c:pt idx="179">
+                  <c:v>0.6_0.9</c:v>
+                </c:pt>
+                <c:pt idx="180">
+                  <c:v>0.6_0.95</c:v>
+                </c:pt>
+                <c:pt idx="181">
+                  <c:v>0.6_1.0</c:v>
+                </c:pt>
+                <c:pt idx="182">
+                  <c:v>0.65_0.7</c:v>
+                </c:pt>
+                <c:pt idx="183">
+                  <c:v>0.65_0.75</c:v>
+                </c:pt>
+                <c:pt idx="184">
+                  <c:v>0.65_0.8</c:v>
+                </c:pt>
+                <c:pt idx="185">
+                  <c:v>0.65_0.85</c:v>
+                </c:pt>
+                <c:pt idx="186">
+                  <c:v>0.65_0.9</c:v>
+                </c:pt>
+                <c:pt idx="187">
+                  <c:v>0.65_0.95</c:v>
+                </c:pt>
+                <c:pt idx="188">
+                  <c:v>0.65_1.0</c:v>
+                </c:pt>
+                <c:pt idx="189">
+                  <c:v>0.7_0.75</c:v>
+                </c:pt>
+                <c:pt idx="190">
+                  <c:v>0.7_0.8</c:v>
+                </c:pt>
+                <c:pt idx="191">
+                  <c:v>0.7_0.85</c:v>
+                </c:pt>
+                <c:pt idx="192">
+                  <c:v>0.7_0.9</c:v>
+                </c:pt>
+                <c:pt idx="193">
+                  <c:v>0.7_0.95</c:v>
+                </c:pt>
+                <c:pt idx="194">
+                  <c:v>0.7_1.0</c:v>
+                </c:pt>
+                <c:pt idx="195">
+                  <c:v>0.75_0.8</c:v>
+                </c:pt>
+                <c:pt idx="196">
+                  <c:v>0.75_0.85</c:v>
+                </c:pt>
+                <c:pt idx="197">
+                  <c:v>0.75_0.9</c:v>
+                </c:pt>
+                <c:pt idx="198">
+                  <c:v>0.75_0.95</c:v>
+                </c:pt>
+                <c:pt idx="199">
+                  <c:v>0.75_1.0</c:v>
+                </c:pt>
+                <c:pt idx="200">
+                  <c:v>0.8_0.85</c:v>
+                </c:pt>
+                <c:pt idx="201">
+                  <c:v>0.8_0.9</c:v>
+                </c:pt>
+                <c:pt idx="202">
+                  <c:v>0.8_0.95</c:v>
+                </c:pt>
+                <c:pt idx="203">
+                  <c:v>0.8_1.0</c:v>
+                </c:pt>
+                <c:pt idx="204">
+                  <c:v>0.85_0.9</c:v>
+                </c:pt>
+                <c:pt idx="205">
+                  <c:v>0.85_0.95</c:v>
+                </c:pt>
+                <c:pt idx="206">
+                  <c:v>0.85_1.0</c:v>
+                </c:pt>
+                <c:pt idx="207">
+                  <c:v>0.9_0.95</c:v>
+                </c:pt>
+                <c:pt idx="208">
+                  <c:v>0.9_1.0</c:v>
+                </c:pt>
+                <c:pt idx="209">
+                  <c:v>0.95_1.0</c:v>
+                </c:pt>
+              </c:strCache>
+            </c:strRef>
+          </c:cat>
+          <c:val>
+            <c:numRef>
+              <c:f>'FUZZY-MATCH'!$C$2:$C$211</c:f>
+              <c:numCache>
+                <c:formatCode>General</c:formatCode>
+                <c:ptCount val="210"/>
+                <c:pt idx="0">
+                  <c:v>0.21179958300000001</c:v>
+                </c:pt>
+                <c:pt idx="1">
+                  <c:v>0.211798766</c:v>
+                </c:pt>
+                <c:pt idx="2">
+                  <c:v>0.28828939100000001</c:v>
+                </c:pt>
+                <c:pt idx="3">
+                  <c:v>0.249435249</c:v>
+                </c:pt>
+                <c:pt idx="4">
+                  <c:v>0.31239766200000002</c:v>
+                </c:pt>
+                <c:pt idx="5">
+                  <c:v>0.244159285</c:v>
+                </c:pt>
+                <c:pt idx="6">
+                  <c:v>0.332977886</c:v>
+                </c:pt>
+                <c:pt idx="7">
+                  <c:v>0.36442037599999999</c:v>
+                </c:pt>
+                <c:pt idx="8">
+                  <c:v>0.42045392700000001</c:v>
+                </c:pt>
+                <c:pt idx="9">
+                  <c:v>0.43432082999999999</c:v>
+                </c:pt>
+                <c:pt idx="10">
+                  <c:v>0.45213420199999999</c:v>
+                </c:pt>
+                <c:pt idx="11">
+                  <c:v>0.439470843</c:v>
+                </c:pt>
+                <c:pt idx="12">
+                  <c:v>0.50732725700000003</c:v>
+                </c:pt>
+                <c:pt idx="13">
+                  <c:v>0.44288182399999998</c:v>
+                </c:pt>
+                <c:pt idx="14">
+                  <c:v>0.44015572800000002</c:v>
+                </c:pt>
+                <c:pt idx="15">
+                  <c:v>0.270836507</c:v>
+                </c:pt>
+                <c:pt idx="16">
+                  <c:v>0.24133196900000001</c:v>
+                </c:pt>
+                <c:pt idx="17">
+                  <c:v>0.241035267</c:v>
+                </c:pt>
+                <c:pt idx="18">
+                  <c:v>0.22231125099999999</c:v>
+                </c:pt>
+                <c:pt idx="19">
+                  <c:v>0.22231125099999999</c:v>
+                </c:pt>
+                <c:pt idx="20">
+                  <c:v>-2.4896800000000002E-4</c:v>
+                </c:pt>
+                <c:pt idx="21">
+                  <c:v>0.163007121</c:v>
+                </c:pt>
+                <c:pt idx="22">
+                  <c:v>0.126011863</c:v>
+                </c:pt>
+                <c:pt idx="23">
+                  <c:v>0.21326182099999999</c:v>
+                </c:pt>
+                <c:pt idx="24">
+                  <c:v>0.179006848</c:v>
+                </c:pt>
+                <c:pt idx="25">
+                  <c:v>0.28292494200000001</c:v>
+                </c:pt>
+                <c:pt idx="26">
+                  <c:v>0.31663865499999999</c:v>
+                </c:pt>
+                <c:pt idx="27">
+                  <c:v>0.37898585600000001</c:v>
+                </c:pt>
+                <c:pt idx="28">
+                  <c:v>0.39380603400000003</c:v>
+                </c:pt>
+                <c:pt idx="29">
+                  <c:v>0.42769269300000001</c:v>
+                </c:pt>
+                <c:pt idx="30">
+                  <c:v>0.42142654000000002</c:v>
+                </c:pt>
+                <c:pt idx="31">
+                  <c:v>0.49892578500000001</c:v>
+                </c:pt>
+                <c:pt idx="32">
+                  <c:v>0.46179090099999998</c:v>
+                </c:pt>
+                <c:pt idx="33">
+                  <c:v>0.46173269</c:v>
+                </c:pt>
+                <c:pt idx="34">
+                  <c:v>0.39348895099999998</c:v>
+                </c:pt>
+                <c:pt idx="35">
+                  <c:v>0.385011406</c:v>
+                </c:pt>
+                <c:pt idx="36">
+                  <c:v>0.39458305900000001</c:v>
+                </c:pt>
+                <c:pt idx="37">
+                  <c:v>0.39206479799999999</c:v>
+                </c:pt>
+                <c:pt idx="38">
+                  <c:v>0.39206479799999999</c:v>
+                </c:pt>
+                <c:pt idx="39">
+                  <c:v>0.16300778699999999</c:v>
+                </c:pt>
+                <c:pt idx="40">
+                  <c:v>0.12601301500000001</c:v>
+                </c:pt>
+                <c:pt idx="41">
+                  <c:v>0.21326328899999999</c:v>
+                </c:pt>
+                <c:pt idx="42">
+                  <c:v>0.17901273500000001</c:v>
+                </c:pt>
+                <c:pt idx="43">
+                  <c:v>0.28293925199999997</c:v>
+                </c:pt>
+                <c:pt idx="44">
+                  <c:v>0.31665913299999998</c:v>
+                </c:pt>
+                <c:pt idx="45">
+                  <c:v>0.379021524</c:v>
+                </c:pt>
+                <c:pt idx="46">
+                  <c:v>0.39384448500000002</c:v>
+                </c:pt>
+                <c:pt idx="47">
+                  <c:v>0.42779139999999999</c:v>
+                </c:pt>
+                <c:pt idx="48">
+                  <c:v>0.42154276200000002</c:v>
+                </c:pt>
+                <c:pt idx="49">
+                  <c:v>0.49904684999999999</c:v>
+                </c:pt>
+                <c:pt idx="50">
+                  <c:v>0.46195127600000002</c:v>
+                </c:pt>
+                <c:pt idx="51">
+                  <c:v>0.46189497899999998</c:v>
+                </c:pt>
+                <c:pt idx="52">
+                  <c:v>0.39372721900000002</c:v>
+                </c:pt>
+                <c:pt idx="53">
+                  <c:v>0.38525961399999997</c:v>
+                </c:pt>
+                <c:pt idx="54">
+                  <c:v>0.39483443899999998</c:v>
+                </c:pt>
+                <c:pt idx="55">
+                  <c:v>0.39232044500000002</c:v>
+                </c:pt>
+                <c:pt idx="56">
+                  <c:v>0.39232044500000002</c:v>
+                </c:pt>
+                <c:pt idx="57">
+                  <c:v>-4.5201099999999999E-4</c:v>
+                </c:pt>
+                <c:pt idx="58">
+                  <c:v>0.12598601400000001</c:v>
+                </c:pt>
+                <c:pt idx="59">
+                  <c:v>0.13198307500000001</c:v>
+                </c:pt>
+                <c:pt idx="60">
+                  <c:v>0.24758279</c:v>
+                </c:pt>
+                <c:pt idx="61">
+                  <c:v>0.282725901</c:v>
+                </c:pt>
+                <c:pt idx="62">
+                  <c:v>0.34894813200000002</c:v>
+                </c:pt>
+                <c:pt idx="63">
+                  <c:v>0.364266541</c:v>
+                </c:pt>
+                <c:pt idx="64">
+                  <c:v>0.40227713399999998</c:v>
+                </c:pt>
+                <c:pt idx="65">
+                  <c:v>0.39647200300000002</c:v>
+                </c:pt>
+                <c:pt idx="66">
+                  <c:v>0.476247857</c:v>
+                </c:pt>
+                <c:pt idx="67">
+                  <c:v>0.44069608900000001</c:v>
+                </c:pt>
+                <c:pt idx="68">
+                  <c:v>0.44066375800000002</c:v>
+                </c:pt>
+                <c:pt idx="69">
+                  <c:v>0.37628436999999998</c:v>
+                </c:pt>
+                <c:pt idx="70">
+                  <c:v>0.36825495899999999</c:v>
+                </c:pt>
+                <c:pt idx="71">
+                  <c:v>0.37892754200000001</c:v>
+                </c:pt>
+                <c:pt idx="72">
+                  <c:v>0.376553425</c:v>
+                </c:pt>
+                <c:pt idx="73">
+                  <c:v>0.376553425</c:v>
+                </c:pt>
+                <c:pt idx="74">
+                  <c:v>0.12601282999999999</c:v>
+                </c:pt>
+                <c:pt idx="75">
+                  <c:v>0.13209091000000001</c:v>
+                </c:pt>
+                <c:pt idx="76">
+                  <c:v>0.24782300800000001</c:v>
+                </c:pt>
+                <c:pt idx="77">
+                  <c:v>0.28305066600000001</c:v>
+                </c:pt>
+                <c:pt idx="78">
+                  <c:v>0.34946021599999999</c:v>
+                </c:pt>
+                <c:pt idx="79">
+                  <c:v>0.36480859700000001</c:v>
+                </c:pt>
+                <c:pt idx="80">
+                  <c:v>0.403389106</c:v>
+                </c:pt>
+                <c:pt idx="81">
+                  <c:v>0.39772574399999999</c:v>
+                </c:pt>
+                <c:pt idx="82">
+                  <c:v>0.477504015</c:v>
+                </c:pt>
+                <c:pt idx="83">
+                  <c:v>0.44227221</c:v>
+                </c:pt>
+                <c:pt idx="84">
+                  <c:v>0.44225221300000001</c:v>
+                </c:pt>
+                <c:pt idx="85">
+                  <c:v>0.37849922800000002</c:v>
+                </c:pt>
+                <c:pt idx="86">
+                  <c:v>0.37055114</c:v>
+                </c:pt>
+                <c:pt idx="87">
+                  <c:v>0.38125431799999998</c:v>
+                </c:pt>
+                <c:pt idx="88">
+                  <c:v>0.37891207300000002</c:v>
+                </c:pt>
+                <c:pt idx="89">
+                  <c:v>0.37891207300000002</c:v>
+                </c:pt>
+                <c:pt idx="90">
+                  <c:v>8.1811061000000004E-2</c:v>
+                </c:pt>
+                <c:pt idx="91">
+                  <c:v>0.211116304</c:v>
+                </c:pt>
+                <c:pt idx="92">
+                  <c:v>0.24790241199999999</c:v>
+                </c:pt>
+                <c:pt idx="93">
+                  <c:v>0.318516629</c:v>
+                </c:pt>
+                <c:pt idx="94">
+                  <c:v>0.33438561300000003</c:v>
+                </c:pt>
+                <c:pt idx="95">
+                  <c:v>0.37701034999999999</c:v>
+                </c:pt>
+                <c:pt idx="96">
+                  <c:v>0.37170025600000001</c:v>
+                </c:pt>
+                <c:pt idx="97">
+                  <c:v>0.45383125699999999</c:v>
+                </c:pt>
+                <c:pt idx="98">
+                  <c:v>0.41999146199999998</c:v>
+                </c:pt>
+                <c:pt idx="99">
+                  <c:v>0.41998110999999999</c:v>
+                </c:pt>
+                <c:pt idx="100">
+                  <c:v>0.35974290799999997</c:v>
+                </c:pt>
+                <c:pt idx="101">
+                  <c:v>0.352190004</c:v>
+                </c:pt>
+                <c:pt idx="102">
+                  <c:v>0.36402841499999999</c:v>
+                </c:pt>
+                <c:pt idx="103">
+                  <c:v>0.36180234</c:v>
+                </c:pt>
+                <c:pt idx="104">
+                  <c:v>0.36180234</c:v>
+                </c:pt>
+                <c:pt idx="105">
+                  <c:v>0.152909935</c:v>
+                </c:pt>
+                <c:pt idx="106">
+                  <c:v>0.19226906299999999</c:v>
+                </c:pt>
+                <c:pt idx="107">
+                  <c:v>0.26986808400000001</c:v>
+                </c:pt>
+                <c:pt idx="108">
+                  <c:v>0.28657185699999999</c:v>
+                </c:pt>
+                <c:pt idx="109">
+                  <c:v>0.33545415099999998</c:v>
+                </c:pt>
+                <c:pt idx="110">
+                  <c:v>0.33061448399999999</c:v>
+                </c:pt>
+                <c:pt idx="111">
+                  <c:v>0.41656220300000002</c:v>
+                </c:pt>
+                <c:pt idx="112">
+                  <c:v>0.38475399500000002</c:v>
+                </c:pt>
+                <c:pt idx="113">
+                  <c:v>0.38474935500000002</c:v>
+                </c:pt>
+                <c:pt idx="114">
+                  <c:v>0.32967291399999998</c:v>
+                </c:pt>
+                <c:pt idx="115">
+                  <c:v>0.32268486800000001</c:v>
+                </c:pt>
+                <c:pt idx="116">
+                  <c:v>0.33629482599999999</c:v>
+                </c:pt>
+                <c:pt idx="117">
+                  <c:v>0.33422769499999999</c:v>
+                </c:pt>
+                <c:pt idx="118">
+                  <c:v>0.33422769499999999</c:v>
+                </c:pt>
+                <c:pt idx="119">
+                  <c:v>4.5605172999999999E-2</c:v>
+                </c:pt>
+                <c:pt idx="120">
+                  <c:v>0.144240853</c:v>
+                </c:pt>
+                <c:pt idx="121">
+                  <c:v>0.16330334799999999</c:v>
+                </c:pt>
+                <c:pt idx="122">
+                  <c:v>0.229558928</c:v>
+                </c:pt>
+                <c:pt idx="123">
+                  <c:v>0.22589342900000001</c:v>
+                </c:pt>
+                <c:pt idx="124">
+                  <c:v>0.322401883</c:v>
+                </c:pt>
+                <c:pt idx="125">
+                  <c:v>0.29581846299999998</c:v>
+                </c:pt>
+                <c:pt idx="126">
+                  <c:v>0.295815889</c:v>
+                </c:pt>
+                <c:pt idx="127">
+                  <c:v>0.25358566900000001</c:v>
+                </c:pt>
+                <c:pt idx="128">
+                  <c:v>0.24794437899999999</c:v>
+                </c:pt>
+                <c:pt idx="129">
+                  <c:v>0.266053447</c:v>
+                </c:pt>
+                <c:pt idx="130">
+                  <c:v>0.26435013099999999</c:v>
+                </c:pt>
+                <c:pt idx="131">
+                  <c:v>0.26435013099999999</c:v>
+                </c:pt>
+                <c:pt idx="132">
+                  <c:v>0.104988185</c:v>
+                </c:pt>
+                <c:pt idx="133">
+                  <c:v>0.124875529</c:v>
+                </c:pt>
+                <c:pt idx="134">
+                  <c:v>0.19725664600000001</c:v>
+                </c:pt>
+                <c:pt idx="135">
+                  <c:v>0.19400366099999999</c:v>
+                </c:pt>
+                <c:pt idx="136">
+                  <c:v>0.29401785699999999</c:v>
+                </c:pt>
+                <c:pt idx="137">
+                  <c:v>0.26920118799999998</c:v>
+                </c:pt>
+                <c:pt idx="138">
+                  <c:v>0.269199032</c:v>
+                </c:pt>
+                <c:pt idx="139">
+                  <c:v>0.23112059800000001</c:v>
+                </c:pt>
+                <c:pt idx="140">
+                  <c:v>0.225903254</c:v>
+                </c:pt>
+                <c:pt idx="141">
+                  <c:v>0.24541373399999999</c:v>
+                </c:pt>
+                <c:pt idx="142">
+                  <c:v>0.24382314199999999</c:v>
+                </c:pt>
+                <c:pt idx="143">
+                  <c:v>0.24382314199999999</c:v>
+                </c:pt>
+                <c:pt idx="144">
+                  <c:v>2.0807083000000001E-2</c:v>
+                </c:pt>
+                <c:pt idx="145">
+                  <c:v>0.11154840000000001</c:v>
+                </c:pt>
+                <c:pt idx="146">
+                  <c:v>0.109515892</c:v>
+                </c:pt>
+                <c:pt idx="147">
+                  <c:v>0.219493038</c:v>
+                </c:pt>
+                <c:pt idx="148">
+                  <c:v>0.19972145799999999</c:v>
+                </c:pt>
+                <c:pt idx="149">
+                  <c:v>0.199719594</c:v>
+                </c:pt>
+                <c:pt idx="150">
+                  <c:v>0.17304518899999999</c:v>
+                </c:pt>
+                <c:pt idx="151">
+                  <c:v>0.16896408800000001</c:v>
+                </c:pt>
+                <c:pt idx="152">
+                  <c:v>0.19221940300000001</c:v>
+                </c:pt>
+                <c:pt idx="153">
+                  <c:v>0.190926398</c:v>
+                </c:pt>
+                <c:pt idx="154">
+                  <c:v>0.190926398</c:v>
+                </c:pt>
+                <c:pt idx="155">
+                  <c:v>9.3509376000000005E-2</c:v>
+                </c:pt>
+                <c:pt idx="156">
+                  <c:v>9.1761797000000006E-2</c:v>
+                </c:pt>
+                <c:pt idx="157">
+                  <c:v>0.203965911</c:v>
+                </c:pt>
+                <c:pt idx="158">
+                  <c:v>0.18533301199999999</c:v>
+                </c:pt>
+                <c:pt idx="159">
+                  <c:v>0.18533117599999999</c:v>
+                </c:pt>
+                <c:pt idx="160">
+                  <c:v>0.16114577599999999</c:v>
+                </c:pt>
+                <c:pt idx="161">
+                  <c:v>0.15730787099999999</c:v>
+                </c:pt>
+                <c:pt idx="162">
+                  <c:v>0.181357618</c:v>
+                </c:pt>
+                <c:pt idx="163">
+                  <c:v>0.18012760799999999</c:v>
+                </c:pt>
+                <c:pt idx="164">
+                  <c:v>0.18012760799999999</c:v>
+                </c:pt>
+                <c:pt idx="165">
+                  <c:v>-1.810217E-3</c:v>
+                </c:pt>
+                <c:pt idx="166">
+                  <c:v>0.122960288</c:v>
+                </c:pt>
+                <c:pt idx="167">
+                  <c:v>0.11082344399999999</c:v>
+                </c:pt>
+                <c:pt idx="168">
+                  <c:v>0.110821853</c:v>
+                </c:pt>
+                <c:pt idx="169">
+                  <c:v>0.100323052</c:v>
+                </c:pt>
+                <c:pt idx="170">
+                  <c:v>9.7795498999999994E-2</c:v>
+                </c:pt>
+                <c:pt idx="171">
+                  <c:v>0.126072563</c:v>
+                </c:pt>
+                <c:pt idx="172">
+                  <c:v>0.12517837500000001</c:v>
+                </c:pt>
+                <c:pt idx="173">
+                  <c:v>0.12517837500000001</c:v>
+                </c:pt>
+                <c:pt idx="174">
+                  <c:v>0.122980355</c:v>
+                </c:pt>
+                <c:pt idx="175">
+                  <c:v>0.11084637999999999</c:v>
+                </c:pt>
+                <c:pt idx="176">
+                  <c:v>0.11084482499999999</c:v>
+                </c:pt>
+                <c:pt idx="177">
+                  <c:v>0.100352462</c:v>
+                </c:pt>
+                <c:pt idx="178">
+                  <c:v>9.782573E-2</c:v>
+                </c:pt>
+                <c:pt idx="179">
+                  <c:v>0.12610368399999999</c:v>
+                </c:pt>
+                <c:pt idx="180">
+                  <c:v>0.125209761</c:v>
+                </c:pt>
+                <c:pt idx="181">
+                  <c:v>0.125209761</c:v>
+                </c:pt>
+                <c:pt idx="182">
+                  <c:v>-2.0988679999999998E-3</c:v>
+                </c:pt>
+                <c:pt idx="183">
+                  <c:v>-2.1005080000000001E-3</c:v>
+                </c:pt>
+                <c:pt idx="184">
+                  <c:v>1.0579277E-2</c:v>
+                </c:pt>
+                <c:pt idx="185">
+                  <c:v>1.0171872E-2</c:v>
+                </c:pt>
+                <c:pt idx="186">
+                  <c:v>4.5152949999999997E-2</c:v>
+                </c:pt>
+                <c:pt idx="187">
+                  <c:v>4.4789027000000002E-2</c:v>
+                </c:pt>
+                <c:pt idx="188">
+                  <c:v>4.4789027000000002E-2</c:v>
+                </c:pt>
+                <c:pt idx="189">
+                  <c:v>-2.0775670000000002E-3</c:v>
+                </c:pt>
+                <c:pt idx="190">
+                  <c:v>1.0608655999999999E-2</c:v>
+                </c:pt>
+                <c:pt idx="191">
+                  <c:v>1.0202068999999999E-2</c:v>
+                </c:pt>
+                <c:pt idx="192">
+                  <c:v>4.5184149999999999E-2</c:v>
+                </c:pt>
+                <c:pt idx="193">
+                  <c:v>4.4820490999999997E-2</c:v>
+                </c:pt>
+                <c:pt idx="194">
+                  <c:v>4.4820490999999997E-2</c:v>
+                </c:pt>
+                <c:pt idx="195">
+                  <c:v>1.0610710000000001E-2</c:v>
+                </c:pt>
+                <c:pt idx="196">
+                  <c:v>1.0204179000000001E-2</c:v>
+                </c:pt>
+                <c:pt idx="197">
+                  <c:v>4.5186331000000003E-2</c:v>
+                </c:pt>
+                <c:pt idx="198">
+                  <c:v>4.4822690999999998E-2</c:v>
+                </c:pt>
+                <c:pt idx="199">
+                  <c:v>4.4822690999999998E-2</c:v>
+                </c:pt>
+                <c:pt idx="200">
+                  <c:v>-2.7067739999999999E-3</c:v>
+                </c:pt>
+                <c:pt idx="201">
+                  <c:v>3.3318836999999997E-2</c:v>
+                </c:pt>
+                <c:pt idx="202">
+                  <c:v>3.3037806000000003E-2</c:v>
+                </c:pt>
+                <c:pt idx="203">
+                  <c:v>3.3037806000000003E-2</c:v>
+                </c:pt>
+                <c:pt idx="204">
+                  <c:v>3.3321290000000003E-2</c:v>
+                </c:pt>
+                <c:pt idx="205">
+                  <c:v>3.3040278999999999E-2</c:v>
+                </c:pt>
+                <c:pt idx="206">
+                  <c:v>3.3040278999999999E-2</c:v>
+                </c:pt>
+                <c:pt idx="207">
+                  <c:v>-2.90245E-3</c:v>
+                </c:pt>
+                <c:pt idx="208">
+                  <c:v>-2.90245E-3</c:v>
+                </c:pt>
+                <c:pt idx="209">
+                  <c:v>-2.9008229999999999E-3</c:v>
+                </c:pt>
+              </c:numCache>
+            </c:numRef>
+          </c:val>
+          <c:smooth val="0"/>
+          <c:extLst>
+            <c:ext xmlns:c16="http://schemas.microsoft.com/office/drawing/2014/chart" uri="{C3380CC4-5D6E-409C-BE32-E72D297353CC}">
+              <c16:uniqueId val="{00000001-56B9-41D7-9C23-361238023ECA}"/>
+            </c:ext>
+          </c:extLst>
+        </c:ser>
+        <c:ser>
+          <c:idx val="2"/>
+          <c:order val="2"/>
+          <c:tx>
+            <c:v>MCC-1</c:v>
+          </c:tx>
+          <c:spPr>
+            <a:ln w="19050" cap="rnd">
+              <a:solidFill>
+                <a:schemeClr val="accent6">
+                  <a:lumMod val="50000"/>
+                </a:schemeClr>
+              </a:solidFill>
+              <a:round/>
+            </a:ln>
+            <a:effectLst/>
+          </c:spPr>
+          <c:marker>
+            <c:symbol val="none"/>
+          </c:marker>
+          <c:dPt>
+            <c:idx val="189"/>
+            <c:marker>
+              <c:symbol val="circle"/>
+              <c:size val="10"/>
+              <c:spPr>
+                <a:solidFill>
+                  <a:srgbClr val="FF0000"/>
+                </a:solidFill>
+                <a:ln w="9525">
+                  <a:solidFill>
+                    <a:schemeClr val="tx1"/>
+                  </a:solidFill>
+                </a:ln>
+                <a:effectLst/>
+              </c:spPr>
+            </c:marker>
+            <c:bubble3D val="0"/>
+            <c:extLst>
+              <c:ext xmlns:c16="http://schemas.microsoft.com/office/drawing/2014/chart" uri="{C3380CC4-5D6E-409C-BE32-E72D297353CC}">
+                <c16:uniqueId val="{00000002-56B9-41D7-9C23-361238023ECA}"/>
+              </c:ext>
+            </c:extLst>
+          </c:dPt>
+          <c:dLbls>
+            <c:dLbl>
+              <c:idx val="189"/>
+              <c:layout>
+                <c:manualLayout>
+                  <c:x val="-2.4008625315887648E-2"/>
+                  <c:y val="-0.16305469556243551"/>
+                </c:manualLayout>
+              </c:layout>
+              <c:tx>
+                <c:rich>
+                  <a:bodyPr rot="0" spcFirstLastPara="1" vertOverflow="clip" horzOverflow="clip" vert="horz" wrap="square" lIns="38100" tIns="19050" rIns="38100" bIns="19050" anchor="ctr" anchorCtr="1">
+                    <a:noAutofit/>
+                  </a:bodyPr>
+                  <a:lstStyle/>
+                  <a:p>
+                    <a:pPr>
+                      <a:defRPr sz="900" b="0" i="0" u="none" strike="noStrike" kern="1200" baseline="0">
+                        <a:solidFill>
+                          <a:schemeClr val="dk1">
+                            <a:lumMod val="65000"/>
+                            <a:lumOff val="35000"/>
+                          </a:schemeClr>
+                        </a:solidFill>
+                        <a:latin typeface="+mn-lt"/>
+                        <a:ea typeface="+mn-ea"/>
+                        <a:cs typeface="+mn-cs"/>
+                      </a:defRPr>
+                    </a:pPr>
+                    <a:r>
+                      <a:rPr lang="en-US" sz="1100" dirty="0">
+                        <a:solidFill>
+                          <a:sysClr val="windowText" lastClr="000000"/>
+                        </a:solidFill>
+                      </a:rPr>
+                      <a:t>t</a:t>
+                    </a:r>
+                    <a:r>
+                      <a:rPr lang="en-US" sz="1100" baseline="-25000" dirty="0">
+                        <a:solidFill>
+                          <a:sysClr val="windowText" lastClr="000000"/>
+                        </a:solidFill>
+                      </a:rPr>
+                      <a:t>1</a:t>
+                    </a:r>
+                    <a:r>
+                      <a:rPr lang="en-US" sz="1100" dirty="0">
+                        <a:solidFill>
+                          <a:sysClr val="windowText" lastClr="000000"/>
+                        </a:solidFill>
+                      </a:rPr>
+                      <a:t> = 0.7</a:t>
+                    </a:r>
+                    <a:r>
+                      <a:rPr lang="en-US" sz="1100" baseline="0" dirty="0">
+                        <a:solidFill>
+                          <a:sysClr val="windowText" lastClr="000000"/>
+                        </a:solidFill>
+                      </a:rPr>
+                      <a:t>, t</a:t>
+                    </a:r>
+                    <a:r>
+                      <a:rPr lang="en-US" sz="1100" baseline="-25000" dirty="0">
+                        <a:solidFill>
+                          <a:sysClr val="windowText" lastClr="000000"/>
+                        </a:solidFill>
+                      </a:rPr>
+                      <a:t>2</a:t>
+                    </a:r>
+                    <a:r>
+                      <a:rPr lang="en-US" sz="1100" baseline="0" dirty="0">
+                        <a:solidFill>
+                          <a:sysClr val="windowText" lastClr="000000"/>
+                        </a:solidFill>
+                      </a:rPr>
+                      <a:t>=0.75</a:t>
+                    </a:r>
+                    <a:r>
+                      <a:rPr lang="en-US" sz="1100" dirty="0">
+                        <a:solidFill>
+                          <a:sysClr val="windowText" lastClr="000000"/>
+                        </a:solidFill>
+                      </a:rPr>
+                      <a:t> =&gt; C</a:t>
+                    </a:r>
+                    <a:r>
+                      <a:rPr lang="en-US" sz="1100" baseline="-25000" dirty="0">
+                        <a:solidFill>
+                          <a:sysClr val="windowText" lastClr="000000"/>
+                        </a:solidFill>
+                      </a:rPr>
+                      <a:t>0</a:t>
+                    </a:r>
+                    <a:r>
+                      <a:rPr lang="en-US" sz="1100" dirty="0">
+                        <a:solidFill>
+                          <a:sysClr val="windowText" lastClr="000000"/>
+                        </a:solidFill>
+                      </a:rPr>
+                      <a:t> (</a:t>
+                    </a:r>
+                    <a:r>
+                      <a:rPr lang="en-US" sz="1100" b="0" i="0" u="none" strike="noStrike" baseline="0" dirty="0">
+                        <a:solidFill>
+                          <a:sysClr val="windowText" lastClr="000000"/>
+                        </a:solidFill>
+                        <a:effectLst/>
+                      </a:rPr>
+                      <a:t>0.3537</a:t>
+                    </a:r>
+                    <a:r>
+                      <a:rPr lang="en-US" sz="1100" b="0" i="0" u="none" strike="noStrike" baseline="0" dirty="0">
+                        <a:solidFill>
+                          <a:sysClr val="windowText" lastClr="000000"/>
+                        </a:solidFill>
+                      </a:rPr>
+                      <a:t> ), C</a:t>
+                    </a:r>
+                    <a:r>
+                      <a:rPr lang="en-US" sz="1100" b="0" i="0" u="none" strike="noStrike" baseline="-25000" dirty="0">
+                        <a:solidFill>
+                          <a:sysClr val="windowText" lastClr="000000"/>
+                        </a:solidFill>
+                      </a:rPr>
+                      <a:t>0.5</a:t>
+                    </a:r>
+                    <a:r>
+                      <a:rPr lang="en-US" sz="1100" b="0" i="0" u="none" strike="noStrike" baseline="0" dirty="0">
+                        <a:solidFill>
+                          <a:sysClr val="windowText" lastClr="000000"/>
+                        </a:solidFill>
+                      </a:rPr>
+                      <a:t> (</a:t>
+                    </a:r>
+                    <a:r>
+                      <a:rPr lang="en-US" sz="1100" b="0" i="0" u="none" strike="noStrike" baseline="0" dirty="0">
+                        <a:solidFill>
+                          <a:sysClr val="windowText" lastClr="000000"/>
+                        </a:solidFill>
+                        <a:effectLst/>
+                      </a:rPr>
+                      <a:t>-0.00208), C</a:t>
+                    </a:r>
+                    <a:r>
+                      <a:rPr lang="en-US" sz="1100" b="0" i="0" u="none" strike="noStrike" baseline="-25000" dirty="0">
+                        <a:solidFill>
+                          <a:sysClr val="windowText" lastClr="000000"/>
+                        </a:solidFill>
+                        <a:effectLst/>
+                      </a:rPr>
+                      <a:t>1</a:t>
+                    </a:r>
+                    <a:r>
+                      <a:rPr lang="en-US" sz="1100" b="0" i="0" u="none" strike="noStrike" baseline="0" dirty="0">
+                        <a:solidFill>
+                          <a:sysClr val="windowText" lastClr="000000"/>
+                        </a:solidFill>
+                        <a:effectLst/>
+                      </a:rPr>
+                      <a:t> (0.301477</a:t>
+                    </a:r>
+                    <a:r>
+                      <a:rPr lang="en-US" sz="1100" b="0" i="0" u="none" strike="noStrike" baseline="0" dirty="0">
+                        <a:solidFill>
+                          <a:sysClr val="windowText" lastClr="000000"/>
+                        </a:solidFill>
+                      </a:rPr>
+                      <a:t>)</a:t>
+                    </a:r>
+                    <a:endParaRPr lang="en-US" sz="1100" dirty="0">
+                      <a:solidFill>
+                        <a:sysClr val="windowText" lastClr="000000"/>
+                      </a:solidFill>
+                    </a:endParaRPr>
+                  </a:p>
+                </c:rich>
+              </c:tx>
+              <c:spPr>
+                <a:solidFill>
+                  <a:sysClr val="window" lastClr="FFFFFF"/>
+                </a:solidFill>
+                <a:ln>
+                  <a:solidFill>
+                    <a:sysClr val="windowText" lastClr="000000"/>
+                  </a:solidFill>
+                </a:ln>
+                <a:effectLst/>
+              </c:spPr>
+              <c:txPr>
+                <a:bodyPr rot="0" spcFirstLastPara="1" vertOverflow="clip" horzOverflow="clip" vert="horz" wrap="square" lIns="38100" tIns="19050" rIns="38100" bIns="19050" anchor="ctr" anchorCtr="1">
+                  <a:noAutofit/>
+                </a:bodyPr>
+                <a:lstStyle/>
+                <a:p>
+                  <a:pPr>
+                    <a:defRPr sz="900" b="0" i="0" u="none" strike="noStrike" kern="1200" baseline="0">
+                      <a:solidFill>
+                        <a:schemeClr val="dk1">
+                          <a:lumMod val="65000"/>
+                          <a:lumOff val="35000"/>
+                        </a:schemeClr>
+                      </a:solidFill>
+                      <a:latin typeface="+mn-lt"/>
+                      <a:ea typeface="+mn-ea"/>
+                      <a:cs typeface="+mn-cs"/>
+                    </a:defRPr>
+                  </a:pPr>
+                  <a:endParaRPr lang="en-US"/>
+                </a:p>
+              </c:txPr>
+              <c:showLegendKey val="0"/>
+              <c:showVal val="1"/>
+              <c:showCatName val="1"/>
+              <c:showSerName val="0"/>
+              <c:showPercent val="0"/>
+              <c:showBubbleSize val="0"/>
+              <c:extLst>
+                <c:ext xmlns:c15="http://schemas.microsoft.com/office/drawing/2012/chart" uri="{CE6537A1-D6FC-4f65-9D91-7224C49458BB}">
+                  <c15:spPr xmlns:c15="http://schemas.microsoft.com/office/drawing/2012/chart">
+                    <a:prstGeom prst="wedgeRectCallout">
+                      <a:avLst/>
+                    </a:prstGeom>
+                    <a:noFill/>
+                    <a:ln>
+                      <a:noFill/>
+                    </a:ln>
+                  </c15:spPr>
+                  <c15:layout>
+                    <c:manualLayout>
+                      <c:w val="0.35377211212910653"/>
+                      <c:h val="9.5445097226623768E-2"/>
+                    </c:manualLayout>
+                  </c15:layout>
+                </c:ext>
+                <c:ext xmlns:c16="http://schemas.microsoft.com/office/drawing/2014/chart" uri="{C3380CC4-5D6E-409C-BE32-E72D297353CC}">
+                  <c16:uniqueId val="{00000002-56B9-41D7-9C23-361238023ECA}"/>
+                </c:ext>
+              </c:extLst>
+            </c:dLbl>
+            <c:spPr>
+              <a:solidFill>
+                <a:sysClr val="window" lastClr="FFFFFF"/>
+              </a:solidFill>
+              <a:ln>
+                <a:solidFill>
+                  <a:schemeClr val="tx1"/>
+                </a:solidFill>
+              </a:ln>
+              <a:effectLst/>
+            </c:spPr>
+            <c:txPr>
+              <a:bodyPr rot="0" spcFirstLastPara="1" vertOverflow="clip" horzOverflow="clip" vert="horz" wrap="square" lIns="38100" tIns="19050" rIns="38100" bIns="19050" anchor="ctr" anchorCtr="1">
+                <a:spAutoFit/>
+              </a:bodyPr>
+              <a:lstStyle/>
+              <a:p>
+                <a:pPr>
+                  <a:defRPr sz="900" b="0" i="0" u="none" strike="noStrike" kern="1200" baseline="0">
+                    <a:solidFill>
+                      <a:schemeClr val="dk1">
+                        <a:lumMod val="65000"/>
+                        <a:lumOff val="35000"/>
+                      </a:schemeClr>
+                    </a:solidFill>
+                    <a:latin typeface="+mn-lt"/>
+                    <a:ea typeface="+mn-ea"/>
+                    <a:cs typeface="+mn-cs"/>
+                  </a:defRPr>
+                </a:pPr>
+                <a:endParaRPr lang="en-US"/>
+              </a:p>
+            </c:txPr>
+            <c:showLegendKey val="0"/>
+            <c:showVal val="0"/>
+            <c:showCatName val="0"/>
+            <c:showSerName val="0"/>
+            <c:showPercent val="0"/>
+            <c:showBubbleSize val="0"/>
+            <c:extLst>
+              <c:ext xmlns:c15="http://schemas.microsoft.com/office/drawing/2012/chart" uri="{CE6537A1-D6FC-4f65-9D91-7224C49458BB}">
+                <c15:spPr xmlns:c15="http://schemas.microsoft.com/office/drawing/2012/chart">
+                  <a:prstGeom prst="wedgeRectCallout">
+                    <a:avLst/>
+                  </a:prstGeom>
+                  <a:noFill/>
+                  <a:ln>
+                    <a:noFill/>
+                  </a:ln>
+                </c15:spPr>
+                <c15:showLeaderLines val="0"/>
+              </c:ext>
+            </c:extLst>
+          </c:dLbls>
+          <c:cat>
+            <c:strRef>
+              <c:f>'FUZZY-MATCH'!$A$2:$A$211</c:f>
+              <c:strCache>
+                <c:ptCount val="210"/>
+                <c:pt idx="0">
+                  <c:v>0.0_0.05</c:v>
+                </c:pt>
+                <c:pt idx="1">
+                  <c:v>0.0_0.1</c:v>
+                </c:pt>
+                <c:pt idx="2">
+                  <c:v>0.0_0.15</c:v>
+                </c:pt>
+                <c:pt idx="3">
+                  <c:v>0.0_0.2</c:v>
+                </c:pt>
+                <c:pt idx="4">
+                  <c:v>0.0_0.25</c:v>
+                </c:pt>
+                <c:pt idx="5">
+                  <c:v>0.0_0.3</c:v>
+                </c:pt>
+                <c:pt idx="6">
+                  <c:v>0.0_0.35</c:v>
+                </c:pt>
+                <c:pt idx="7">
+                  <c:v>0.0_0.4</c:v>
+                </c:pt>
+                <c:pt idx="8">
+                  <c:v>0.0_0.45</c:v>
+                </c:pt>
+                <c:pt idx="9">
+                  <c:v>0.0_0.5</c:v>
+                </c:pt>
+                <c:pt idx="10">
+                  <c:v>0.0_0.55</c:v>
+                </c:pt>
+                <c:pt idx="11">
+                  <c:v>0.0_0.6</c:v>
+                </c:pt>
+                <c:pt idx="12">
+                  <c:v>0.0_0.65</c:v>
+                </c:pt>
+                <c:pt idx="13">
+                  <c:v>0.0_0.7</c:v>
+                </c:pt>
+                <c:pt idx="14">
+                  <c:v>0.0_0.75</c:v>
+                </c:pt>
+                <c:pt idx="15">
+                  <c:v>0.0_0.8</c:v>
+                </c:pt>
+                <c:pt idx="16">
+                  <c:v>0.0_0.85</c:v>
+                </c:pt>
+                <c:pt idx="17">
+                  <c:v>0.0_0.9</c:v>
+                </c:pt>
+                <c:pt idx="18">
+                  <c:v>0.0_0.95</c:v>
+                </c:pt>
+                <c:pt idx="19">
+                  <c:v>0.0_1.0</c:v>
+                </c:pt>
+                <c:pt idx="20">
+                  <c:v>0.05_0.1</c:v>
+                </c:pt>
+                <c:pt idx="21">
+                  <c:v>0.05_0.15</c:v>
+                </c:pt>
+                <c:pt idx="22">
+                  <c:v>0.05_0.2</c:v>
+                </c:pt>
+                <c:pt idx="23">
+                  <c:v>0.05_0.25</c:v>
+                </c:pt>
+                <c:pt idx="24">
+                  <c:v>0.05_0.3</c:v>
+                </c:pt>
+                <c:pt idx="25">
+                  <c:v>0.05_0.35</c:v>
+                </c:pt>
+                <c:pt idx="26">
+                  <c:v>0.05_0.4</c:v>
+                </c:pt>
+                <c:pt idx="27">
+                  <c:v>0.05_0.45</c:v>
+                </c:pt>
+                <c:pt idx="28">
+                  <c:v>0.05_0.5</c:v>
+                </c:pt>
+                <c:pt idx="29">
+                  <c:v>0.05_0.55</c:v>
+                </c:pt>
+                <c:pt idx="30">
+                  <c:v>0.05_0.6</c:v>
+                </c:pt>
+                <c:pt idx="31">
+                  <c:v>0.05_0.65</c:v>
+                </c:pt>
+                <c:pt idx="32">
+                  <c:v>0.05_0.7</c:v>
+                </c:pt>
+                <c:pt idx="33">
+                  <c:v>0.05_0.75</c:v>
+                </c:pt>
+                <c:pt idx="34">
+                  <c:v>0.05_0.8</c:v>
+                </c:pt>
+                <c:pt idx="35">
+                  <c:v>0.05_0.85</c:v>
+                </c:pt>
+                <c:pt idx="36">
+                  <c:v>0.05_0.9</c:v>
+                </c:pt>
+                <c:pt idx="37">
+                  <c:v>0.05_0.95</c:v>
+                </c:pt>
+                <c:pt idx="38">
+                  <c:v>0.05_1.0</c:v>
+                </c:pt>
+                <c:pt idx="39">
+                  <c:v>0.1_0.15</c:v>
+                </c:pt>
+                <c:pt idx="40">
+                  <c:v>0.1_0.2</c:v>
+                </c:pt>
+                <c:pt idx="41">
+                  <c:v>0.1_0.25</c:v>
+                </c:pt>
+                <c:pt idx="42">
+                  <c:v>0.1_0.3</c:v>
+                </c:pt>
+                <c:pt idx="43">
+                  <c:v>0.1_0.35</c:v>
+                </c:pt>
+                <c:pt idx="44">
+                  <c:v>0.1_0.4</c:v>
+                </c:pt>
+                <c:pt idx="45">
+                  <c:v>0.1_0.45</c:v>
+                </c:pt>
+                <c:pt idx="46">
+                  <c:v>0.1_0.5</c:v>
+                </c:pt>
+                <c:pt idx="47">
+                  <c:v>0.1_0.55</c:v>
+                </c:pt>
+                <c:pt idx="48">
+                  <c:v>0.1_0.6</c:v>
+                </c:pt>
+                <c:pt idx="49">
+                  <c:v>0.1_0.65</c:v>
+                </c:pt>
+                <c:pt idx="50">
+                  <c:v>0.1_0.7</c:v>
+                </c:pt>
+                <c:pt idx="51">
+                  <c:v>0.1_0.75</c:v>
+                </c:pt>
+                <c:pt idx="52">
+                  <c:v>0.1_0.8</c:v>
+                </c:pt>
+                <c:pt idx="53">
+                  <c:v>0.1_0.85</c:v>
+                </c:pt>
+                <c:pt idx="54">
+                  <c:v>0.1_0.9</c:v>
+                </c:pt>
+                <c:pt idx="55">
+                  <c:v>0.1_0.95</c:v>
+                </c:pt>
+                <c:pt idx="56">
+                  <c:v>0.1_1.0</c:v>
+                </c:pt>
+                <c:pt idx="57">
+                  <c:v>0.15_0.2</c:v>
+                </c:pt>
+                <c:pt idx="58">
+                  <c:v>0.15_0.25</c:v>
+                </c:pt>
+                <c:pt idx="59">
+                  <c:v>0.15_0.3</c:v>
+                </c:pt>
+                <c:pt idx="60">
+                  <c:v>0.15_0.35</c:v>
+                </c:pt>
+                <c:pt idx="61">
+                  <c:v>0.15_0.4</c:v>
+                </c:pt>
+                <c:pt idx="62">
+                  <c:v>0.15_0.45</c:v>
+                </c:pt>
+                <c:pt idx="63">
+                  <c:v>0.15_0.5</c:v>
+                </c:pt>
+                <c:pt idx="64">
+                  <c:v>0.15_0.55</c:v>
+                </c:pt>
+                <c:pt idx="65">
+                  <c:v>0.15_0.6</c:v>
+                </c:pt>
+                <c:pt idx="66">
+                  <c:v>0.15_0.65</c:v>
+                </c:pt>
+                <c:pt idx="67">
+                  <c:v>0.15_0.7</c:v>
+                </c:pt>
+                <c:pt idx="68">
+                  <c:v>0.15_0.75</c:v>
+                </c:pt>
+                <c:pt idx="69">
+                  <c:v>0.15_0.8</c:v>
+                </c:pt>
+                <c:pt idx="70">
+                  <c:v>0.15_0.85</c:v>
+                </c:pt>
+                <c:pt idx="71">
+                  <c:v>0.15_0.9</c:v>
+                </c:pt>
+                <c:pt idx="72">
+                  <c:v>0.15_0.95</c:v>
+                </c:pt>
+                <c:pt idx="73">
+                  <c:v>0.15_1.0</c:v>
+                </c:pt>
+                <c:pt idx="74">
+                  <c:v>0.2_0.25</c:v>
+                </c:pt>
+                <c:pt idx="75">
+                  <c:v>0.2_0.3</c:v>
+                </c:pt>
+                <c:pt idx="76">
+                  <c:v>0.2_0.35</c:v>
+                </c:pt>
+                <c:pt idx="77">
+                  <c:v>0.2_0.4</c:v>
+                </c:pt>
+                <c:pt idx="78">
+                  <c:v>0.2_0.45</c:v>
+                </c:pt>
+                <c:pt idx="79">
+                  <c:v>0.2_0.5</c:v>
+                </c:pt>
+                <c:pt idx="80">
+                  <c:v>0.2_0.55</c:v>
+                </c:pt>
+                <c:pt idx="81">
+                  <c:v>0.2_0.6</c:v>
+                </c:pt>
+                <c:pt idx="82">
+                  <c:v>0.2_0.65</c:v>
+                </c:pt>
+                <c:pt idx="83">
+                  <c:v>0.2_0.7</c:v>
+                </c:pt>
+                <c:pt idx="84">
+                  <c:v>0.2_0.75</c:v>
+                </c:pt>
+                <c:pt idx="85">
+                  <c:v>0.2_0.8</c:v>
+                </c:pt>
+                <c:pt idx="86">
+                  <c:v>0.2_0.85</c:v>
+                </c:pt>
+                <c:pt idx="87">
+                  <c:v>0.2_0.9</c:v>
+                </c:pt>
+                <c:pt idx="88">
+                  <c:v>0.2_0.95</c:v>
+                </c:pt>
+                <c:pt idx="89">
+                  <c:v>0.2_1.0</c:v>
+                </c:pt>
+                <c:pt idx="90">
+                  <c:v>0.25_0.3</c:v>
+                </c:pt>
+                <c:pt idx="91">
+                  <c:v>0.25_0.35</c:v>
+                </c:pt>
+                <c:pt idx="92">
+                  <c:v>0.25_0.4</c:v>
+                </c:pt>
+                <c:pt idx="93">
+                  <c:v>0.25_0.45</c:v>
+                </c:pt>
+                <c:pt idx="94">
+                  <c:v>0.25_0.5</c:v>
+                </c:pt>
+                <c:pt idx="95">
+                  <c:v>0.25_0.55</c:v>
+                </c:pt>
+                <c:pt idx="96">
+                  <c:v>0.25_0.6</c:v>
+                </c:pt>
+                <c:pt idx="97">
+                  <c:v>0.25_0.65</c:v>
+                </c:pt>
+                <c:pt idx="98">
+                  <c:v>0.25_0.7</c:v>
+                </c:pt>
+                <c:pt idx="99">
+                  <c:v>0.25_0.75</c:v>
+                </c:pt>
+                <c:pt idx="100">
+                  <c:v>0.25_0.8</c:v>
+                </c:pt>
+                <c:pt idx="101">
+                  <c:v>0.25_0.85</c:v>
+                </c:pt>
+                <c:pt idx="102">
+                  <c:v>0.25_0.9</c:v>
+                </c:pt>
+                <c:pt idx="103">
+                  <c:v>0.25_0.95</c:v>
+                </c:pt>
+                <c:pt idx="104">
+                  <c:v>0.25_1.0</c:v>
+                </c:pt>
+                <c:pt idx="105">
+                  <c:v>0.3_0.35</c:v>
+                </c:pt>
+                <c:pt idx="106">
+                  <c:v>0.3_0.4</c:v>
+                </c:pt>
+                <c:pt idx="107">
+                  <c:v>0.3_0.45</c:v>
+                </c:pt>
+                <c:pt idx="108">
+                  <c:v>0.3_0.5</c:v>
+                </c:pt>
+                <c:pt idx="109">
+                  <c:v>0.3_0.55</c:v>
+                </c:pt>
+                <c:pt idx="110">
+                  <c:v>0.3_0.6</c:v>
+                </c:pt>
+                <c:pt idx="111">
+                  <c:v>0.3_0.65</c:v>
+                </c:pt>
+                <c:pt idx="112">
+                  <c:v>0.3_0.7</c:v>
+                </c:pt>
+                <c:pt idx="113">
+                  <c:v>0.3_0.75</c:v>
+                </c:pt>
+                <c:pt idx="114">
+                  <c:v>0.3_0.8</c:v>
+                </c:pt>
+                <c:pt idx="115">
+                  <c:v>0.3_0.85</c:v>
+                </c:pt>
+                <c:pt idx="116">
+                  <c:v>0.3_0.9</c:v>
+                </c:pt>
+                <c:pt idx="117">
+                  <c:v>0.3_0.95</c:v>
+                </c:pt>
+                <c:pt idx="118">
+                  <c:v>0.3_1.0</c:v>
+                </c:pt>
+                <c:pt idx="119">
+                  <c:v>0.35_0.4</c:v>
+                </c:pt>
+                <c:pt idx="120">
+                  <c:v>0.35_0.45</c:v>
+                </c:pt>
+                <c:pt idx="121">
+                  <c:v>0.35_0.5</c:v>
+                </c:pt>
+                <c:pt idx="122">
+                  <c:v>0.35_0.55</c:v>
+                </c:pt>
+                <c:pt idx="123">
+                  <c:v>0.35_0.6</c:v>
+                </c:pt>
+                <c:pt idx="124">
+                  <c:v>0.35_0.65</c:v>
+                </c:pt>
+                <c:pt idx="125">
+                  <c:v>0.35_0.7</c:v>
+                </c:pt>
+                <c:pt idx="126">
+                  <c:v>0.35_0.75</c:v>
+                </c:pt>
+                <c:pt idx="127">
+                  <c:v>0.35_0.8</c:v>
+                </c:pt>
+                <c:pt idx="128">
+                  <c:v>0.35_0.85</c:v>
+                </c:pt>
+                <c:pt idx="129">
+                  <c:v>0.35_0.9</c:v>
+                </c:pt>
+                <c:pt idx="130">
+                  <c:v>0.35_0.95</c:v>
+                </c:pt>
+                <c:pt idx="131">
+                  <c:v>0.35_1.0</c:v>
+                </c:pt>
+                <c:pt idx="132">
+                  <c:v>0.4_0.45</c:v>
+                </c:pt>
+                <c:pt idx="133">
+                  <c:v>0.4_0.5</c:v>
+                </c:pt>
+                <c:pt idx="134">
+                  <c:v>0.4_0.55</c:v>
+                </c:pt>
+                <c:pt idx="135">
+                  <c:v>0.4_0.6</c:v>
+                </c:pt>
+                <c:pt idx="136">
+                  <c:v>0.4_0.65</c:v>
+                </c:pt>
+                <c:pt idx="137">
+                  <c:v>0.4_0.7</c:v>
+                </c:pt>
+                <c:pt idx="138">
+                  <c:v>0.4_0.75</c:v>
+                </c:pt>
+                <c:pt idx="139">
+                  <c:v>0.4_0.8</c:v>
+                </c:pt>
+                <c:pt idx="140">
+                  <c:v>0.4_0.85</c:v>
+                </c:pt>
+                <c:pt idx="141">
+                  <c:v>0.4_0.9</c:v>
+                </c:pt>
+                <c:pt idx="142">
+                  <c:v>0.4_0.95</c:v>
+                </c:pt>
+                <c:pt idx="143">
+                  <c:v>0.4_1.0</c:v>
+                </c:pt>
+                <c:pt idx="144">
+                  <c:v>0.45_0.5</c:v>
+                </c:pt>
+                <c:pt idx="145">
+                  <c:v>0.45_0.55</c:v>
+                </c:pt>
+                <c:pt idx="146">
+                  <c:v>0.45_0.6</c:v>
+                </c:pt>
+                <c:pt idx="147">
+                  <c:v>0.45_0.65</c:v>
+                </c:pt>
+                <c:pt idx="148">
+                  <c:v>0.45_0.7</c:v>
+                </c:pt>
+                <c:pt idx="149">
+                  <c:v>0.45_0.75</c:v>
+                </c:pt>
+                <c:pt idx="150">
+                  <c:v>0.45_0.8</c:v>
+                </c:pt>
+                <c:pt idx="151">
+                  <c:v>0.45_0.85</c:v>
+                </c:pt>
+                <c:pt idx="152">
+                  <c:v>0.45_0.9</c:v>
+                </c:pt>
+                <c:pt idx="153">
+                  <c:v>0.45_0.95</c:v>
+                </c:pt>
+                <c:pt idx="154">
+                  <c:v>0.45_1.0</c:v>
+                </c:pt>
+                <c:pt idx="155">
+                  <c:v>0.5_0.55</c:v>
+                </c:pt>
+                <c:pt idx="156">
+                  <c:v>0.5_0.6</c:v>
+                </c:pt>
+                <c:pt idx="157">
+                  <c:v>0.5_0.65</c:v>
+                </c:pt>
+                <c:pt idx="158">
+                  <c:v>0.5_0.7</c:v>
+                </c:pt>
+                <c:pt idx="159">
+                  <c:v>0.5_0.75</c:v>
+                </c:pt>
+                <c:pt idx="160">
+                  <c:v>0.5_0.8</c:v>
+                </c:pt>
+                <c:pt idx="161">
+                  <c:v>0.5_0.85</c:v>
+                </c:pt>
+                <c:pt idx="162">
+                  <c:v>0.5_0.9</c:v>
+                </c:pt>
+                <c:pt idx="163">
+                  <c:v>0.5_0.95</c:v>
+                </c:pt>
+                <c:pt idx="164">
+                  <c:v>0.5_1.0</c:v>
+                </c:pt>
+                <c:pt idx="165">
+                  <c:v>0.55_0.6</c:v>
+                </c:pt>
+                <c:pt idx="166">
+                  <c:v>0.55_0.65</c:v>
+                </c:pt>
+                <c:pt idx="167">
+                  <c:v>0.55_0.7</c:v>
+                </c:pt>
+                <c:pt idx="168">
+                  <c:v>0.55_0.75</c:v>
+                </c:pt>
+                <c:pt idx="169">
+                  <c:v>0.55_0.8</c:v>
+                </c:pt>
+                <c:pt idx="170">
+                  <c:v>0.55_0.85</c:v>
+                </c:pt>
+                <c:pt idx="171">
+                  <c:v>0.55_0.9</c:v>
+                </c:pt>
+                <c:pt idx="172">
+                  <c:v>0.55_0.95</c:v>
+                </c:pt>
+                <c:pt idx="173">
+                  <c:v>0.55_1.0</c:v>
+                </c:pt>
+                <c:pt idx="174">
+                  <c:v>0.6_0.65</c:v>
+                </c:pt>
+                <c:pt idx="175">
+                  <c:v>0.6_0.7</c:v>
+                </c:pt>
+                <c:pt idx="176">
+                  <c:v>0.6_0.75</c:v>
+                </c:pt>
+                <c:pt idx="177">
+                  <c:v>0.6_0.8</c:v>
+                </c:pt>
+                <c:pt idx="178">
+                  <c:v>0.6_0.85</c:v>
+                </c:pt>
+                <c:pt idx="179">
+                  <c:v>0.6_0.9</c:v>
+                </c:pt>
+                <c:pt idx="180">
+                  <c:v>0.6_0.95</c:v>
+                </c:pt>
+                <c:pt idx="181">
+                  <c:v>0.6_1.0</c:v>
+                </c:pt>
+                <c:pt idx="182">
+                  <c:v>0.65_0.7</c:v>
+                </c:pt>
+                <c:pt idx="183">
+                  <c:v>0.65_0.75</c:v>
+                </c:pt>
+                <c:pt idx="184">
+                  <c:v>0.65_0.8</c:v>
+                </c:pt>
+                <c:pt idx="185">
+                  <c:v>0.65_0.85</c:v>
+                </c:pt>
+                <c:pt idx="186">
+                  <c:v>0.65_0.9</c:v>
+                </c:pt>
+                <c:pt idx="187">
+                  <c:v>0.65_0.95</c:v>
+                </c:pt>
+                <c:pt idx="188">
+                  <c:v>0.65_1.0</c:v>
+                </c:pt>
+                <c:pt idx="189">
+                  <c:v>0.7_0.75</c:v>
+                </c:pt>
+                <c:pt idx="190">
+                  <c:v>0.7_0.8</c:v>
+                </c:pt>
+                <c:pt idx="191">
+                  <c:v>0.7_0.85</c:v>
+                </c:pt>
+                <c:pt idx="192">
+                  <c:v>0.7_0.9</c:v>
+                </c:pt>
+                <c:pt idx="193">
+                  <c:v>0.7_0.95</c:v>
+                </c:pt>
+                <c:pt idx="194">
+                  <c:v>0.7_1.0</c:v>
+                </c:pt>
+                <c:pt idx="195">
+                  <c:v>0.75_0.8</c:v>
+                </c:pt>
+                <c:pt idx="196">
+                  <c:v>0.75_0.85</c:v>
+                </c:pt>
+                <c:pt idx="197">
+                  <c:v>0.75_0.9</c:v>
+                </c:pt>
+                <c:pt idx="198">
+                  <c:v>0.75_0.95</c:v>
+                </c:pt>
+                <c:pt idx="199">
+                  <c:v>0.75_1.0</c:v>
+                </c:pt>
+                <c:pt idx="200">
+                  <c:v>0.8_0.85</c:v>
+                </c:pt>
+                <c:pt idx="201">
+                  <c:v>0.8_0.9</c:v>
+                </c:pt>
+                <c:pt idx="202">
+                  <c:v>0.8_0.95</c:v>
+                </c:pt>
+                <c:pt idx="203">
+                  <c:v>0.8_1.0</c:v>
+                </c:pt>
+                <c:pt idx="204">
+                  <c:v>0.85_0.9</c:v>
+                </c:pt>
+                <c:pt idx="205">
+                  <c:v>0.85_0.95</c:v>
+                </c:pt>
+                <c:pt idx="206">
+                  <c:v>0.85_1.0</c:v>
+                </c:pt>
+                <c:pt idx="207">
+                  <c:v>0.9_0.95</c:v>
+                </c:pt>
+                <c:pt idx="208">
+                  <c:v>0.9_1.0</c:v>
+                </c:pt>
+                <c:pt idx="209">
+                  <c:v>0.95_1.0</c:v>
+                </c:pt>
+              </c:strCache>
+            </c:strRef>
+          </c:cat>
+          <c:val>
+            <c:numRef>
+              <c:f>'FUZZY-MATCH'!$D$2:$D$211</c:f>
+              <c:numCache>
+                <c:formatCode>General</c:formatCode>
+                <c:ptCount val="210"/>
+                <c:pt idx="0">
+                  <c:v>2.1818005000000001E-2</c:v>
+                </c:pt>
+                <c:pt idx="1">
+                  <c:v>2.2035697999999999E-2</c:v>
+                </c:pt>
+                <c:pt idx="2">
+                  <c:v>2.6039874000000001E-2</c:v>
+                </c:pt>
+                <c:pt idx="3">
+                  <c:v>2.7096927999999999E-2</c:v>
+                </c:pt>
+                <c:pt idx="4">
+                  <c:v>3.2516283999999999E-2</c:v>
+                </c:pt>
+                <c:pt idx="5">
+                  <c:v>2.2379873000000002E-2</c:v>
+                </c:pt>
+                <c:pt idx="6">
+                  <c:v>2.1386252000000001E-2</c:v>
+                </c:pt>
+                <c:pt idx="7">
+                  <c:v>2.3632707999999999E-2</c:v>
+                </c:pt>
+                <c:pt idx="8">
+                  <c:v>2.2343249999999999E-2</c:v>
+                </c:pt>
+                <c:pt idx="9">
+                  <c:v>2.2641428000000002E-2</c:v>
+                </c:pt>
+                <c:pt idx="10">
+                  <c:v>1.7234039E-2</c:v>
+                </c:pt>
+                <c:pt idx="11">
+                  <c:v>1.6127382999999999E-2</c:v>
+                </c:pt>
+                <c:pt idx="12">
+                  <c:v>1.3657581E-2</c:v>
+                </c:pt>
+                <c:pt idx="13">
+                  <c:v>4.4085620000000004E-3</c:v>
+                </c:pt>
+                <c:pt idx="14">
+                  <c:v>4.4282460000000003E-3</c:v>
+                </c:pt>
+                <c:pt idx="15">
+                  <c:v>-2.4450743E-2</c:v>
+                </c:pt>
+                <c:pt idx="16">
+                  <c:v>-2.8486935000000001E-2</c:v>
+                </c:pt>
+                <c:pt idx="17">
+                  <c:v>-3.9300228999999999E-2</c:v>
+                </c:pt>
+                <c:pt idx="18">
+                  <c:v>-4.063485E-2</c:v>
+                </c:pt>
+                <c:pt idx="19">
+                  <c:v>-4.063485E-2</c:v>
+                </c:pt>
+                <c:pt idx="20">
+                  <c:v>2.4805529999999999E-2</c:v>
+                </c:pt>
+                <c:pt idx="21">
+                  <c:v>2.9189158E-2</c:v>
+                </c:pt>
+                <c:pt idx="22">
+                  <c:v>3.0521283E-2</c:v>
+                </c:pt>
+                <c:pt idx="23">
+                  <c:v>3.6348564999999999E-2</c:v>
+                </c:pt>
+                <c:pt idx="24">
+                  <c:v>2.6306216E-2</c:v>
+                </c:pt>
+                <c:pt idx="25">
+                  <c:v>2.5330674000000001E-2</c:v>
+                </c:pt>
+                <c:pt idx="26">
+                  <c:v>2.7619411999999999E-2</c:v>
+                </c:pt>
+                <c:pt idx="27">
+                  <c:v>2.6266563E-2</c:v>
+                </c:pt>
+                <c:pt idx="28">
+                  <c:v>2.6568416000000001E-2</c:v>
+                </c:pt>
+                <c:pt idx="29">
+                  <c:v>2.0958807999999999E-2</c:v>
+                </c:pt>
+                <c:pt idx="30">
+                  <c:v>1.9812585000000001E-2</c:v>
+                </c:pt>
+                <c:pt idx="31">
+                  <c:v>1.7261652999999998E-2</c:v>
+                </c:pt>
+                <c:pt idx="32">
+                  <c:v>7.7241310000000004E-3</c:v>
+                </c:pt>
+                <c:pt idx="33">
+                  <c:v>7.743822E-3</c:v>
+                </c:pt>
+                <c:pt idx="34">
+                  <c:v>-2.2029647999999999E-2</c:v>
+                </c:pt>
+                <c:pt idx="35">
+                  <c:v>-2.6191274E-2</c:v>
+                </c:pt>
+                <c:pt idx="36">
+                  <c:v>-3.7339287999999998E-2</c:v>
+                </c:pt>
+                <c:pt idx="37">
+                  <c:v>-3.8715964999999998E-2</c:v>
+                </c:pt>
+                <c:pt idx="38">
+                  <c:v>-3.8715964999999998E-2</c:v>
+                </c:pt>
+                <c:pt idx="39">
+                  <c:v>2.9258337999999998E-2</c:v>
+                </c:pt>
+                <c:pt idx="40">
+                  <c:v>3.0596354999999999E-2</c:v>
+                </c:pt>
+                <c:pt idx="41">
+                  <c:v>3.6432302999999999E-2</c:v>
+                </c:pt>
+                <c:pt idx="42">
+                  <c:v>2.6391569E-2</c:v>
+                </c:pt>
+                <c:pt idx="43">
+                  <c:v>2.5416039000000001E-2</c:v>
+                </c:pt>
+                <c:pt idx="44">
+                  <c:v>2.7705594E-2</c:v>
+                </c:pt>
+                <c:pt idx="45">
+                  <c:v>2.6351255000000001E-2</c:v>
+                </c:pt>
+                <c:pt idx="46">
+                  <c:v>2.6653174000000002E-2</c:v>
+                </c:pt>
+                <c:pt idx="47">
+                  <c:v>2.1039062000000001E-2</c:v>
+                </c:pt>
+                <c:pt idx="48">
+                  <c:v>1.9891966000000001E-2</c:v>
+                </c:pt>
+                <c:pt idx="49">
+                  <c:v>1.7339255000000001E-2</c:v>
+                </c:pt>
+                <c:pt idx="50">
+                  <c:v>7.7954340000000004E-3</c:v>
+                </c:pt>
+                <c:pt idx="51">
+                  <c:v>7.8151230000000002E-3</c:v>
+                </c:pt>
+                <c:pt idx="52">
+                  <c:v>-2.1977862000000001E-2</c:v>
+                </c:pt>
+                <c:pt idx="53">
+                  <c:v>-2.6142223999999999E-2</c:v>
+                </c:pt>
+                <c:pt idx="54">
+                  <c:v>-3.7297540999999997E-2</c:v>
+                </c:pt>
+                <c:pt idx="55">
+                  <c:v>-3.8675134999999999E-2</c:v>
+                </c:pt>
+                <c:pt idx="56">
+                  <c:v>-3.8675134999999999E-2</c:v>
+                </c:pt>
+                <c:pt idx="57">
+                  <c:v>3.2253130999999997E-2</c:v>
+                </c:pt>
+                <c:pt idx="58">
+                  <c:v>3.8277383999999998E-2</c:v>
+                </c:pt>
+                <c:pt idx="59">
+                  <c:v>2.8267606000000001E-2</c:v>
+                </c:pt>
+                <c:pt idx="60">
+                  <c:v>2.7288434E-2</c:v>
+                </c:pt>
+                <c:pt idx="61">
+                  <c:v>2.9594901E-2</c:v>
+                </c:pt>
+                <c:pt idx="62">
+                  <c:v>2.820667E-2</c:v>
+                </c:pt>
+                <c:pt idx="63">
+                  <c:v>2.8509929999999999E-2</c:v>
+                </c:pt>
+                <c:pt idx="64">
+                  <c:v>2.2795732999999999E-2</c:v>
+                </c:pt>
+                <c:pt idx="65">
+                  <c:v>2.1629325000000001E-2</c:v>
+                </c:pt>
+                <c:pt idx="66">
+                  <c:v>1.9037366999999999E-2</c:v>
+                </c:pt>
+                <c:pt idx="67">
+                  <c:v>9.3547609999999996E-3</c:v>
+                </c:pt>
+                <c:pt idx="68">
+                  <c:v>9.3744350000000004E-3</c:v>
+                </c:pt>
+                <c:pt idx="69">
+                  <c:v>-2.0848274999999999E-2</c:v>
+                </c:pt>
+                <c:pt idx="70">
+                  <c:v>-2.5072898E-2</c:v>
+                </c:pt>
+                <c:pt idx="71">
+                  <c:v>-3.6389007000000001E-2</c:v>
+                </c:pt>
+                <c:pt idx="72">
+                  <c:v>-3.7786813000000002E-2</c:v>
+                </c:pt>
+                <c:pt idx="73">
+                  <c:v>-3.7786813000000002E-2</c:v>
+                </c:pt>
+                <c:pt idx="74">
+                  <c:v>4.0416228999999998E-2</c:v>
+                </c:pt>
+                <c:pt idx="75">
+                  <c:v>3.043154E-2</c:v>
+                </c:pt>
+                <c:pt idx="76">
+                  <c:v>2.9439146999999999E-2</c:v>
+                </c:pt>
+                <c:pt idx="77">
+                  <c:v>3.1762771000000002E-2</c:v>
+                </c:pt>
+                <c:pt idx="78">
+                  <c:v>3.0332876000000002E-2</c:v>
+                </c:pt>
+                <c:pt idx="79">
+                  <c:v>3.063739E-2</c:v>
+                </c:pt>
+                <c:pt idx="80">
+                  <c:v>2.4805282000000001E-2</c:v>
+                </c:pt>
+                <c:pt idx="81">
+                  <c:v>2.3616307999999999E-2</c:v>
+                </c:pt>
+                <c:pt idx="82">
+                  <c:v>2.0978726E-2</c:v>
+                </c:pt>
+                <c:pt idx="83">
+                  <c:v>1.1135318999999999E-2</c:v>
+                </c:pt>
+                <c:pt idx="84">
+                  <c:v>1.1154961E-2</c:v>
+                </c:pt>
+                <c:pt idx="85">
+                  <c:v>-1.9565267000000001E-2</c:v>
+                </c:pt>
+                <c:pt idx="86">
+                  <c:v>-2.3859658999999998E-2</c:v>
+                </c:pt>
+                <c:pt idx="87">
+                  <c:v>-3.5361926000000002E-2</c:v>
+                </c:pt>
+                <c:pt idx="88">
+                  <c:v>-3.6783138999999999E-2</c:v>
+                </c:pt>
+                <c:pt idx="89">
+                  <c:v>-3.6783138999999999E-2</c:v>
+                </c:pt>
+                <c:pt idx="90">
+                  <c:v>3.5375438000000002E-2</c:v>
+                </c:pt>
+                <c:pt idx="91">
+                  <c:v>3.4318939E-2</c:v>
+                </c:pt>
+                <c:pt idx="92">
+                  <c:v>3.6673175000000002E-2</c:v>
+                </c:pt>
+                <c:pt idx="93">
+                  <c:v>3.5138709999999997E-2</c:v>
+                </c:pt>
+                <c:pt idx="94">
+                  <c:v>3.5445047E-2</c:v>
+                </c:pt>
+                <c:pt idx="95">
+                  <c:v>2.9334542000000002E-2</c:v>
+                </c:pt>
+                <c:pt idx="96">
+                  <c:v>2.8092941999999999E-2</c:v>
+                </c:pt>
+                <c:pt idx="97">
+                  <c:v>2.5349790000000001E-2</c:v>
+                </c:pt>
+                <c:pt idx="98">
+                  <c:v>1.5136161E-2</c:v>
+                </c:pt>
+                <c:pt idx="99">
+                  <c:v>1.5155686E-2</c:v>
+                </c:pt>
+                <c:pt idx="100">
+                  <c:v>-1.6708756000000002E-2</c:v>
+                </c:pt>
+                <c:pt idx="101">
+                  <c:v>-2.1163617999999999E-2</c:v>
+                </c:pt>
+                <c:pt idx="102">
+                  <c:v>-3.3094041999999997E-2</c:v>
+                </c:pt>
+                <c:pt idx="103">
+                  <c:v>-3.4569112999999999E-2</c:v>
+                </c:pt>
+                <c:pt idx="104">
+                  <c:v>-3.4569112999999999E-2</c:v>
+                </c:pt>
+                <c:pt idx="105">
+                  <c:v>4.6426356000000002E-2</c:v>
+                </c:pt>
+                <c:pt idx="106">
+                  <c:v>4.8814599E-2</c:v>
+                </c:pt>
+                <c:pt idx="107">
+                  <c:v>4.6969634000000003E-2</c:v>
+                </c:pt>
+                <c:pt idx="108">
+                  <c:v>4.7275530000000003E-2</c:v>
+                </c:pt>
+                <c:pt idx="109">
+                  <c:v>4.0418397000000002E-2</c:v>
+                </c:pt>
+                <c:pt idx="110">
+                  <c:v>3.9038767000000002E-2</c:v>
+                </c:pt>
+                <c:pt idx="111">
+                  <c:v>3.6022508000000002E-2</c:v>
+                </c:pt>
+                <c:pt idx="112">
+                  <c:v>2.4859576000000001E-2</c:v>
+                </c:pt>
+                <c:pt idx="113">
+                  <c:v>2.4878603999999999E-2</c:v>
+                </c:pt>
+                <c:pt idx="114">
+                  <c:v>-9.9147709999999993E-3</c:v>
+                </c:pt>
+                <c:pt idx="115">
+                  <c:v>-1.4780557E-2</c:v>
+                </c:pt>
+                <c:pt idx="116">
+                  <c:v>-2.7807505E-2</c:v>
+                </c:pt>
+                <c:pt idx="117">
+                  <c:v>-2.9420611999999999E-2</c:v>
+                </c:pt>
+                <c:pt idx="118">
+                  <c:v>-2.9420611999999999E-2</c:v>
+                </c:pt>
+                <c:pt idx="119">
+                  <c:v>7.5079150999999997E-2</c:v>
+                </c:pt>
+                <c:pt idx="120">
+                  <c:v>7.2385503000000004E-2</c:v>
+                </c:pt>
+                <c:pt idx="121">
+                  <c:v>7.2675543999999995E-2</c:v>
+                </c:pt>
+                <c:pt idx="122">
+                  <c:v>6.3996959000000006E-2</c:v>
+                </c:pt>
+                <c:pt idx="123">
+                  <c:v>6.2289529000000003E-2</c:v>
+                </c:pt>
+                <c:pt idx="124">
+                  <c:v>5.8634499999999999E-2</c:v>
+                </c:pt>
+                <c:pt idx="125">
+                  <c:v>4.5272320999999997E-2</c:v>
+                </c:pt>
+                <c:pt idx="126">
+                  <c:v>4.5289727000000002E-2</c:v>
+                </c:pt>
+                <c:pt idx="127">
+                  <c:v>3.7146890000000002E-3</c:v>
+                </c:pt>
+                <c:pt idx="128">
+                  <c:v>-2.104107E-3</c:v>
+                </c:pt>
+                <c:pt idx="129">
+                  <c:v>-1.7676118000000001E-2</c:v>
+                </c:pt>
+                <c:pt idx="130">
+                  <c:v>-1.9609916000000002E-2</c:v>
+                </c:pt>
+                <c:pt idx="131">
+                  <c:v>-1.9609916000000002E-2</c:v>
+                </c:pt>
+                <c:pt idx="132">
+                  <c:v>8.8815014999999997E-2</c:v>
+                </c:pt>
+                <c:pt idx="133">
+                  <c:v>8.9089553000000002E-2</c:v>
+                </c:pt>
+                <c:pt idx="134">
+                  <c:v>7.9128540999999997E-2</c:v>
+                </c:pt>
+                <c:pt idx="135">
+                  <c:v>7.7193166999999993E-2</c:v>
+                </c:pt>
+                <c:pt idx="136">
+                  <c:v>7.3096243000000005E-2</c:v>
+                </c:pt>
+                <c:pt idx="137">
+                  <c:v>5.8216433999999997E-2</c:v>
+                </c:pt>
+                <c:pt idx="138">
+                  <c:v>5.8232659999999999E-2</c:v>
+                </c:pt>
+                <c:pt idx="139">
+                  <c:v>1.196729E-2</c:v>
+                </c:pt>
+                <c:pt idx="140">
+                  <c:v>5.4876100000000004E-3</c:v>
+                </c:pt>
+                <c:pt idx="141">
+                  <c:v>-1.1851812E-2</c:v>
+                </c:pt>
+                <c:pt idx="142">
+                  <c:v>-1.4008457E-2</c:v>
+                </c:pt>
+                <c:pt idx="143">
+                  <c:v>-1.4008457E-2</c:v>
+                </c:pt>
+                <c:pt idx="144">
+                  <c:v>0.12052592600000001</c:v>
+                </c:pt>
+                <c:pt idx="145">
+                  <c:v>0.10798087100000001</c:v>
+                </c:pt>
+                <c:pt idx="146">
+                  <c:v>0.10558734</c:v>
+                </c:pt>
+                <c:pt idx="147">
+                  <c:v>0.10060092399999999</c:v>
+                </c:pt>
+                <c:pt idx="148">
+                  <c:v>8.2658776000000003E-2</c:v>
+                </c:pt>
+                <c:pt idx="149">
+                  <c:v>8.2672831000000002E-2</c:v>
+                </c:pt>
+                <c:pt idx="150">
+                  <c:v>2.6894619000000002E-2</c:v>
+                </c:pt>
+                <c:pt idx="151">
+                  <c:v>1.9068867E-2</c:v>
+                </c:pt>
+                <c:pt idx="152">
+                  <c:v>-1.8782339999999999E-3</c:v>
+                </c:pt>
+                <c:pt idx="153">
+                  <c:v>-4.4901339999999998E-3</c:v>
+                </c:pt>
+                <c:pt idx="154">
+                  <c:v>-4.4901339999999998E-3</c:v>
+                </c:pt>
+                <c:pt idx="155">
+                  <c:v>0.113820593</c:v>
+                </c:pt>
+                <c:pt idx="156">
+                  <c:v>0.111331819</c:v>
+                </c:pt>
+                <c:pt idx="157">
+                  <c:v>0.106159985</c:v>
+                </c:pt>
+                <c:pt idx="158">
+                  <c:v>8.7577480999999999E-2</c:v>
+                </c:pt>
+                <c:pt idx="159">
+                  <c:v>8.7591128000000004E-2</c:v>
+                </c:pt>
+                <c:pt idx="160">
+                  <c:v>2.9813870999999999E-2</c:v>
+                </c:pt>
+                <c:pt idx="161">
+                  <c:v>2.1704147E-2</c:v>
+                </c:pt>
+                <c:pt idx="162" formatCode="0.00E+00">
+                  <c:v>-5.5400000000000003E-6</c:v>
+                </c:pt>
+                <c:pt idx="163">
+                  <c:v>-2.7137490000000001E-3</c:v>
+                </c:pt>
+                <c:pt idx="164">
+                  <c:v>-2.7137490000000001E-3</c:v>
+                </c:pt>
+                <c:pt idx="165">
+                  <c:v>0.20752168100000001</c:v>
+                </c:pt>
+                <c:pt idx="166">
+                  <c:v>0.19915823099999999</c:v>
+                </c:pt>
+                <c:pt idx="167">
+                  <c:v>0.16942623400000001</c:v>
+                </c:pt>
+                <c:pt idx="168">
+                  <c:v>0.16943487600000001</c:v>
+                </c:pt>
+                <c:pt idx="169">
+                  <c:v>7.6112873999999997E-2</c:v>
+                </c:pt>
+                <c:pt idx="170">
+                  <c:v>6.2866978000000004E-2</c:v>
+                </c:pt>
+                <c:pt idx="171">
+                  <c:v>2.7250132999999999E-2</c:v>
+                </c:pt>
+                <c:pt idx="172">
+                  <c:v>2.2776390000000001E-2</c:v>
+                </c:pt>
+                <c:pt idx="173">
+                  <c:v>2.2776390000000001E-2</c:v>
+                </c:pt>
+                <c:pt idx="174">
+                  <c:v>0.22904715</c:v>
+                </c:pt>
+                <c:pt idx="175">
+                  <c:v>0.195731183</c:v>
+                </c:pt>
+                <c:pt idx="176">
+                  <c:v>0.195738781</c:v>
+                </c:pt>
+                <c:pt idx="177">
+                  <c:v>9.0604618999999997E-2</c:v>
+                </c:pt>
+                <c:pt idx="178">
+                  <c:v>7.5604347000000002E-2</c:v>
+                </c:pt>
+                <c:pt idx="179">
+                  <c:v>3.5174887000000002E-2</c:v>
+                </c:pt>
+                <c:pt idx="180">
+                  <c:v>3.0084406000000001E-2</c:v>
+                </c:pt>
+                <c:pt idx="181">
+                  <c:v>3.0084406000000001E-2</c:v>
+                </c:pt>
+                <c:pt idx="182">
+                  <c:v>0.23397298699999999</c:v>
+                </c:pt>
+                <c:pt idx="183">
+                  <c:v>0.23397937399999999</c:v>
+                </c:pt>
+                <c:pt idx="184">
+                  <c:v>0.111725571</c:v>
+                </c:pt>
+                <c:pt idx="185">
+                  <c:v>9.4125310000000004E-2</c:v>
+                </c:pt>
+                <c:pt idx="186">
+                  <c:v>4.6486939999999997E-2</c:v>
+                </c:pt>
+                <c:pt idx="187">
+                  <c:v>4.0464907000000001E-2</c:v>
+                </c:pt>
+                <c:pt idx="188">
+                  <c:v>4.0464907000000001E-2</c:v>
+                </c:pt>
+                <c:pt idx="189">
+                  <c:v>0.30147734999999998</c:v>
+                </c:pt>
+                <c:pt idx="190">
+                  <c:v>0.14980974599999999</c:v>
+                </c:pt>
+                <c:pt idx="191">
+                  <c:v>0.12753194700000001</c:v>
+                </c:pt>
+                <c:pt idx="192">
+                  <c:v>6.6627983000000002E-2</c:v>
+                </c:pt>
+                <c:pt idx="193">
+                  <c:v>5.8860455999999998E-2</c:v>
+                </c:pt>
+                <c:pt idx="194">
+                  <c:v>5.8860455999999998E-2</c:v>
+                </c:pt>
+                <c:pt idx="195">
+                  <c:v>0.15409592499999999</c:v>
+                </c:pt>
+                <c:pt idx="196">
+                  <c:v>0.13129995999999999</c:v>
+                </c:pt>
+                <c:pt idx="197">
+                  <c:v>6.8897641999999995E-2</c:v>
+                </c:pt>
+                <c:pt idx="198">
+                  <c:v>6.0929863000000001E-2</c:v>
+                </c:pt>
+                <c:pt idx="199">
+                  <c:v>6.0929863000000001E-2</c:v>
+                </c:pt>
+                <c:pt idx="200">
+                  <c:v>0.20498308100000001</c:v>
+                </c:pt>
+                <c:pt idx="201">
+                  <c:v>0.114239495</c:v>
+                </c:pt>
+                <c:pt idx="202">
+                  <c:v>0.102311232</c:v>
+                </c:pt>
+                <c:pt idx="203">
+                  <c:v>0.102311232</c:v>
+                </c:pt>
+                <c:pt idx="204">
+                  <c:v>0.12209010300000001</c:v>
+                </c:pt>
+                <c:pt idx="205">
+                  <c:v>0.109504976</c:v>
+                </c:pt>
+                <c:pt idx="206">
+                  <c:v>0.109504976</c:v>
+                </c:pt>
+                <c:pt idx="207">
+                  <c:v>0.11076804699999999</c:v>
+                </c:pt>
+                <c:pt idx="208">
+                  <c:v>0.11076804699999999</c:v>
+                </c:pt>
+                <c:pt idx="209">
+                  <c:v>0.117226596</c:v>
+                </c:pt>
+              </c:numCache>
+            </c:numRef>
+          </c:val>
+          <c:smooth val="0"/>
+          <c:extLst>
+            <c:ext xmlns:c16="http://schemas.microsoft.com/office/drawing/2014/chart" uri="{C3380CC4-5D6E-409C-BE32-E72D297353CC}">
+              <c16:uniqueId val="{00000003-56B9-41D7-9C23-361238023ECA}"/>
+            </c:ext>
+          </c:extLst>
+        </c:ser>
+        <c:dLbls>
+          <c:showLegendKey val="0"/>
+          <c:showVal val="0"/>
+          <c:showCatName val="0"/>
+          <c:showSerName val="0"/>
+          <c:showPercent val="0"/>
+          <c:showBubbleSize val="0"/>
+        </c:dLbls>
+        <c:smooth val="0"/>
+        <c:axId val="1565387487"/>
+        <c:axId val="1565382079"/>
+      </c:lineChart>
+      <c:catAx>
+        <c:axId val="1565387487"/>
+        <c:scaling>
+          <c:orientation val="minMax"/>
+        </c:scaling>
+        <c:delete val="0"/>
+        <c:axPos val="b"/>
+        <c:title>
+          <c:tx>
+            <c:rich>
+              <a:bodyPr rot="0" spcFirstLastPara="1" vertOverflow="ellipsis" vert="horz" wrap="square" anchor="ctr" anchorCtr="1"/>
+              <a:lstStyle/>
+              <a:p>
+                <a:pPr>
+                  <a:defRPr sz="1000" b="0" i="0" u="none" strike="noStrike" kern="1200" baseline="0">
+                    <a:solidFill>
+                      <a:schemeClr val="tx1">
+                        <a:lumMod val="65000"/>
+                        <a:lumOff val="35000"/>
+                      </a:schemeClr>
+                    </a:solidFill>
+                    <a:latin typeface="+mn-lt"/>
+                    <a:ea typeface="+mn-ea"/>
+                    <a:cs typeface="+mn-cs"/>
+                  </a:defRPr>
+                </a:pPr>
+                <a:r>
+                  <a:rPr lang="en-US">
+                    <a:solidFill>
+                      <a:sysClr val="windowText" lastClr="000000"/>
+                    </a:solidFill>
+                  </a:rPr>
+                  <a:t>Thresholds (t</a:t>
+                </a:r>
+                <a:r>
+                  <a:rPr lang="en-US" baseline="-25000">
+                    <a:solidFill>
+                      <a:sysClr val="windowText" lastClr="000000"/>
+                    </a:solidFill>
+                  </a:rPr>
+                  <a:t>1</a:t>
+                </a:r>
+                <a:r>
+                  <a:rPr lang="en-US">
+                    <a:solidFill>
+                      <a:sysClr val="windowText" lastClr="000000"/>
+                    </a:solidFill>
+                  </a:rPr>
+                  <a:t>_t</a:t>
+                </a:r>
+                <a:r>
+                  <a:rPr lang="en-US" baseline="-25000">
+                    <a:solidFill>
+                      <a:sysClr val="windowText" lastClr="000000"/>
+                    </a:solidFill>
+                  </a:rPr>
+                  <a:t>2</a:t>
+                </a:r>
+                <a:r>
+                  <a:rPr lang="en-US" baseline="0">
+                    <a:solidFill>
+                      <a:sysClr val="windowText" lastClr="000000"/>
+                    </a:solidFill>
+                  </a:rPr>
+                  <a:t>)</a:t>
+                </a:r>
+                <a:endParaRPr lang="en-US" baseline="-25000">
+                  <a:solidFill>
+                    <a:sysClr val="windowText" lastClr="000000"/>
+                  </a:solidFill>
+                </a:endParaRPr>
+              </a:p>
+            </c:rich>
+          </c:tx>
+          <c:layout/>
+          <c:overlay val="0"/>
+          <c:spPr>
+            <a:noFill/>
+            <a:ln>
+              <a:noFill/>
+            </a:ln>
+            <a:effectLst/>
+          </c:spPr>
+          <c:txPr>
+            <a:bodyPr rot="0" spcFirstLastPara="1" vertOverflow="ellipsis" vert="horz" wrap="square" anchor="ctr" anchorCtr="1"/>
+            <a:lstStyle/>
+            <a:p>
+              <a:pPr>
+                <a:defRPr sz="1000" b="0" i="0" u="none" strike="noStrike" kern="1200" baseline="0">
+                  <a:solidFill>
+                    <a:schemeClr val="tx1">
+                      <a:lumMod val="65000"/>
+                      <a:lumOff val="35000"/>
+                    </a:schemeClr>
+                  </a:solidFill>
+                  <a:latin typeface="+mn-lt"/>
+                  <a:ea typeface="+mn-ea"/>
+                  <a:cs typeface="+mn-cs"/>
+                </a:defRPr>
+              </a:pPr>
+              <a:endParaRPr lang="en-US"/>
+            </a:p>
+          </c:txPr>
+        </c:title>
+        <c:numFmt formatCode="General" sourceLinked="1"/>
+        <c:majorTickMark val="none"/>
+        <c:minorTickMark val="none"/>
+        <c:tickLblPos val="low"/>
+        <c:spPr>
+          <a:noFill/>
+          <a:ln w="9525" cap="flat" cmpd="sng" algn="ctr">
+            <a:solidFill>
+              <a:schemeClr val="tx1">
+                <a:lumMod val="15000"/>
+                <a:lumOff val="85000"/>
+              </a:schemeClr>
+            </a:solidFill>
+            <a:round/>
+          </a:ln>
+          <a:effectLst/>
+        </c:spPr>
+        <c:txPr>
+          <a:bodyPr rot="-60000000" spcFirstLastPara="1" vertOverflow="ellipsis" vert="horz" wrap="square" anchor="ctr" anchorCtr="1"/>
+          <a:lstStyle/>
+          <a:p>
+            <a:pPr>
+              <a:defRPr sz="1000" b="0" i="0" u="none" strike="noStrike" kern="1200" baseline="0">
+                <a:solidFill>
+                  <a:schemeClr val="tx1"/>
+                </a:solidFill>
+                <a:latin typeface="+mn-lt"/>
+                <a:ea typeface="+mn-ea"/>
+                <a:cs typeface="+mn-cs"/>
+              </a:defRPr>
+            </a:pPr>
+            <a:endParaRPr lang="en-US"/>
+          </a:p>
+        </c:txPr>
+        <c:crossAx val="1565382079"/>
+        <c:crosses val="autoZero"/>
+        <c:auto val="1"/>
+        <c:lblAlgn val="ctr"/>
+        <c:lblOffset val="100"/>
+        <c:tickLblSkip val="10"/>
+        <c:noMultiLvlLbl val="0"/>
+      </c:catAx>
+      <c:valAx>
+        <c:axId val="1565382079"/>
+        <c:scaling>
+          <c:orientation val="minMax"/>
+          <c:max val="1"/>
+          <c:min val="-1"/>
+        </c:scaling>
+        <c:delete val="0"/>
+        <c:axPos val="l"/>
+        <c:title>
+          <c:tx>
+            <c:rich>
+              <a:bodyPr rot="-5400000" spcFirstLastPara="1" vertOverflow="ellipsis" vert="horz" wrap="square" anchor="ctr" anchorCtr="1"/>
+              <a:lstStyle/>
+              <a:p>
+                <a:pPr>
+                  <a:defRPr sz="1000" b="0" i="0" u="none" strike="noStrike" kern="1200" baseline="0">
+                    <a:solidFill>
+                      <a:schemeClr val="tx1">
+                        <a:lumMod val="65000"/>
+                        <a:lumOff val="35000"/>
+                      </a:schemeClr>
+                    </a:solidFill>
+                    <a:latin typeface="+mn-lt"/>
+                    <a:ea typeface="+mn-ea"/>
+                    <a:cs typeface="+mn-cs"/>
+                  </a:defRPr>
+                </a:pPr>
+                <a:r>
+                  <a:rPr lang="en-US">
+                    <a:solidFill>
+                      <a:sysClr val="windowText" lastClr="000000"/>
+                    </a:solidFill>
+                  </a:rPr>
+                  <a:t>MCC</a:t>
+                </a:r>
+                <a:r>
+                  <a:rPr lang="en-US" baseline="0">
+                    <a:solidFill>
+                      <a:sysClr val="windowText" lastClr="000000"/>
+                    </a:solidFill>
+                  </a:rPr>
+                  <a:t> Score</a:t>
+                </a:r>
+                <a:endParaRPr lang="en-US">
+                  <a:solidFill>
+                    <a:sysClr val="windowText" lastClr="000000"/>
+                  </a:solidFill>
+                </a:endParaRPr>
+              </a:p>
+            </c:rich>
+          </c:tx>
+          <c:layout/>
+          <c:overlay val="0"/>
+          <c:spPr>
+            <a:noFill/>
+            <a:ln>
+              <a:noFill/>
+            </a:ln>
+            <a:effectLst/>
+          </c:spPr>
+          <c:txPr>
+            <a:bodyPr rot="-5400000" spcFirstLastPara="1" vertOverflow="ellipsis" vert="horz" wrap="square" anchor="ctr" anchorCtr="1"/>
+            <a:lstStyle/>
+            <a:p>
+              <a:pPr>
+                <a:defRPr sz="1000" b="0" i="0" u="none" strike="noStrike" kern="1200" baseline="0">
+                  <a:solidFill>
+                    <a:schemeClr val="tx1">
+                      <a:lumMod val="65000"/>
+                      <a:lumOff val="35000"/>
+                    </a:schemeClr>
+                  </a:solidFill>
+                  <a:latin typeface="+mn-lt"/>
+                  <a:ea typeface="+mn-ea"/>
+                  <a:cs typeface="+mn-cs"/>
+                </a:defRPr>
+              </a:pPr>
+              <a:endParaRPr lang="en-US"/>
+            </a:p>
+          </c:txPr>
+        </c:title>
+        <c:numFmt formatCode="General" sourceLinked="1"/>
+        <c:majorTickMark val="none"/>
+        <c:minorTickMark val="none"/>
+        <c:tickLblPos val="nextTo"/>
+        <c:spPr>
+          <a:noFill/>
+          <a:ln>
+            <a:noFill/>
+          </a:ln>
+          <a:effectLst/>
+        </c:spPr>
+        <c:txPr>
+          <a:bodyPr rot="-60000000" spcFirstLastPara="1" vertOverflow="ellipsis" vert="horz" wrap="square" anchor="ctr" anchorCtr="1"/>
+          <a:lstStyle/>
+          <a:p>
+            <a:pPr>
+              <a:defRPr sz="1000" b="0" i="0" u="none" strike="noStrike" kern="1200" baseline="0">
+                <a:solidFill>
+                  <a:schemeClr val="tx1"/>
+                </a:solidFill>
+                <a:latin typeface="+mn-lt"/>
+                <a:ea typeface="+mn-ea"/>
+                <a:cs typeface="+mn-cs"/>
+              </a:defRPr>
+            </a:pPr>
+            <a:endParaRPr lang="en-US"/>
+          </a:p>
+        </c:txPr>
+        <c:crossAx val="1565387487"/>
+        <c:crosses val="autoZero"/>
+        <c:crossBetween val="between"/>
+        <c:majorUnit val="0.5"/>
+      </c:valAx>
+      <c:spPr>
+        <a:noFill/>
+        <a:ln>
+          <a:noFill/>
+        </a:ln>
+        <a:effectLst/>
+      </c:spPr>
+    </c:plotArea>
+    <c:legend>
+      <c:legendPos val="b"/>
+      <c:layout/>
+      <c:overlay val="0"/>
+      <c:spPr>
+        <a:noFill/>
+        <a:ln>
+          <a:noFill/>
+        </a:ln>
+        <a:effectLst/>
+      </c:spPr>
+      <c:txPr>
+        <a:bodyPr rot="0" spcFirstLastPara="1" vertOverflow="ellipsis" vert="horz" wrap="square" anchor="ctr" anchorCtr="1"/>
+        <a:lstStyle/>
+        <a:p>
+          <a:pPr>
+            <a:defRPr sz="1000" b="0" i="0" u="none" strike="noStrike" kern="1200" baseline="0">
+              <a:solidFill>
+                <a:schemeClr val="tx1"/>
+              </a:solidFill>
+              <a:latin typeface="+mn-lt"/>
+              <a:ea typeface="+mn-ea"/>
+              <a:cs typeface="+mn-cs"/>
+            </a:defRPr>
+          </a:pPr>
+          <a:endParaRPr lang="en-US"/>
+        </a:p>
+      </c:txPr>
+    </c:legend>
+    <c:plotVisOnly val="1"/>
+    <c:dispBlanksAs val="gap"/>
+    <c:showDLblsOverMax val="0"/>
+  </c:chart>
+  <c:spPr>
+    <a:noFill/>
+    <a:ln>
+      <a:noFill/>
+    </a:ln>
+    <a:effectLst/>
+  </c:spPr>
+  <c:txPr>
+    <a:bodyPr/>
+    <a:lstStyle/>
+    <a:p>
+      <a:pPr>
+        <a:defRPr/>
+      </a:pPr>
+      <a:endParaRPr lang="en-US"/>
+    </a:p>
+  </c:txPr>
+  <c:externalData r:id="rId3">
+    <c:autoUpdate val="0"/>
+  </c:externalData>
+</c:chartSpace>
+</file>
+
 <file path=ppt/charts/colors1.xml><?xml version="1.0" encoding="utf-8"?>
+<cs:colorStyle xmlns:cs="http://schemas.microsoft.com/office/drawing/2012/chartStyle" xmlns:a="http://schemas.openxmlformats.org/drawingml/2006/main" meth="cycle" id="10">
+  <a:schemeClr val="accent1"/>
+  <a:schemeClr val="accent2"/>
+  <a:schemeClr val="accent3"/>
+  <a:schemeClr val="accent4"/>
+  <a:schemeClr val="accent5"/>
+  <a:schemeClr val="accent6"/>
+  <cs:variation/>
+  <cs:variation>
+    <a:lumMod val="60000"/>
+  </cs:variation>
+  <cs:variation>
+    <a:lumMod val="80000"/>
+    <a:lumOff val="20000"/>
+  </cs:variation>
+  <cs:variation>
+    <a:lumMod val="80000"/>
+  </cs:variation>
+  <cs:variation>
+    <a:lumMod val="60000"/>
+    <a:lumOff val="40000"/>
+  </cs:variation>
+  <cs:variation>
+    <a:lumMod val="50000"/>
+  </cs:variation>
+  <cs:variation>
+    <a:lumMod val="70000"/>
+    <a:lumOff val="30000"/>
+  </cs:variation>
+  <cs:variation>
+    <a:lumMod val="70000"/>
+  </cs:variation>
+  <cs:variation>
+    <a:lumMod val="50000"/>
+    <a:lumOff val="50000"/>
+  </cs:variation>
+</cs:colorStyle>
+</file>
+
+<file path=ppt/charts/colors2.xml><?xml version="1.0" encoding="utf-8"?>
 <cs:colorStyle xmlns:cs="http://schemas.microsoft.com/office/drawing/2012/chartStyle" xmlns:a="http://schemas.openxmlformats.org/drawingml/2006/main" meth="cycle" id="10">
   <a:schemeClr val="accent1"/>
   <a:schemeClr val="accent2"/>
@@ -485,6 +5108,509 @@
 
 <file path=ppt/charts/style1.xml><?xml version="1.0" encoding="utf-8"?>
 <cs:chartStyle xmlns:cs="http://schemas.microsoft.com/office/drawing/2012/chartStyle" xmlns:a="http://schemas.openxmlformats.org/drawingml/2006/main" id="201">
+  <cs:axisTitle>
+    <cs:lnRef idx="0"/>
+    <cs:fillRef idx="0"/>
+    <cs:effectRef idx="0"/>
+    <cs:fontRef idx="minor">
+      <a:schemeClr val="tx1">
+        <a:lumMod val="65000"/>
+        <a:lumOff val="35000"/>
+      </a:schemeClr>
+    </cs:fontRef>
+    <cs:defRPr sz="1000" kern="1200"/>
+  </cs:axisTitle>
+  <cs:categoryAxis>
+    <cs:lnRef idx="0"/>
+    <cs:fillRef idx="0"/>
+    <cs:effectRef idx="0"/>
+    <cs:fontRef idx="minor">
+      <a:schemeClr val="tx1">
+        <a:lumMod val="65000"/>
+        <a:lumOff val="35000"/>
+      </a:schemeClr>
+    </cs:fontRef>
+    <cs:spPr>
+      <a:ln w="9525" cap="flat" cmpd="sng" algn="ctr">
+        <a:solidFill>
+          <a:schemeClr val="tx1">
+            <a:lumMod val="15000"/>
+            <a:lumOff val="85000"/>
+          </a:schemeClr>
+        </a:solidFill>
+        <a:round/>
+      </a:ln>
+    </cs:spPr>
+    <cs:defRPr sz="900" kern="1200"/>
+  </cs:categoryAxis>
+  <cs:chartArea mods="allowNoFillOverride allowNoLineOverride">
+    <cs:lnRef idx="0"/>
+    <cs:fillRef idx="0"/>
+    <cs:effectRef idx="0"/>
+    <cs:fontRef idx="minor">
+      <a:schemeClr val="tx1"/>
+    </cs:fontRef>
+    <cs:spPr>
+      <a:solidFill>
+        <a:schemeClr val="bg1"/>
+      </a:solidFill>
+      <a:ln w="9525" cap="flat" cmpd="sng" algn="ctr">
+        <a:solidFill>
+          <a:schemeClr val="tx1">
+            <a:lumMod val="15000"/>
+            <a:lumOff val="85000"/>
+          </a:schemeClr>
+        </a:solidFill>
+        <a:round/>
+      </a:ln>
+    </cs:spPr>
+    <cs:defRPr sz="1000" kern="1200"/>
+  </cs:chartArea>
+  <cs:dataLabel>
+    <cs:lnRef idx="0"/>
+    <cs:fillRef idx="0"/>
+    <cs:effectRef idx="0"/>
+    <cs:fontRef idx="minor">
+      <a:schemeClr val="tx1">
+        <a:lumMod val="75000"/>
+        <a:lumOff val="25000"/>
+      </a:schemeClr>
+    </cs:fontRef>
+    <cs:defRPr sz="900" kern="1200"/>
+  </cs:dataLabel>
+  <cs:dataLabelCallout>
+    <cs:lnRef idx="0"/>
+    <cs:fillRef idx="0"/>
+    <cs:effectRef idx="0"/>
+    <cs:fontRef idx="minor">
+      <a:schemeClr val="dk1">
+        <a:lumMod val="65000"/>
+        <a:lumOff val="35000"/>
+      </a:schemeClr>
+    </cs:fontRef>
+    <cs:spPr>
+      <a:solidFill>
+        <a:schemeClr val="lt1"/>
+      </a:solidFill>
+      <a:ln>
+        <a:solidFill>
+          <a:schemeClr val="dk1">
+            <a:lumMod val="25000"/>
+            <a:lumOff val="75000"/>
+          </a:schemeClr>
+        </a:solidFill>
+      </a:ln>
+    </cs:spPr>
+    <cs:defRPr sz="900" kern="1200"/>
+    <cs:bodyPr rot="0" spcFirstLastPara="1" vertOverflow="clip" horzOverflow="clip" vert="horz" wrap="square" lIns="36576" tIns="18288" rIns="36576" bIns="18288" anchor="ctr" anchorCtr="1">
+      <a:spAutoFit/>
+    </cs:bodyPr>
+  </cs:dataLabelCallout>
+  <cs:dataPoint>
+    <cs:lnRef idx="0"/>
+    <cs:fillRef idx="1">
+      <cs:styleClr val="auto"/>
+    </cs:fillRef>
+    <cs:effectRef idx="0"/>
+    <cs:fontRef idx="minor">
+      <a:schemeClr val="tx1"/>
+    </cs:fontRef>
+  </cs:dataPoint>
+  <cs:dataPoint3D>
+    <cs:lnRef idx="0"/>
+    <cs:fillRef idx="1">
+      <cs:styleClr val="auto"/>
+    </cs:fillRef>
+    <cs:effectRef idx="0"/>
+    <cs:fontRef idx="minor">
+      <a:schemeClr val="tx1"/>
+    </cs:fontRef>
+  </cs:dataPoint3D>
+  <cs:dataPointLine>
+    <cs:lnRef idx="0">
+      <cs:styleClr val="auto"/>
+    </cs:lnRef>
+    <cs:fillRef idx="1"/>
+    <cs:effectRef idx="0"/>
+    <cs:fontRef idx="minor">
+      <a:schemeClr val="tx1"/>
+    </cs:fontRef>
+    <cs:spPr>
+      <a:ln w="28575" cap="rnd">
+        <a:solidFill>
+          <a:schemeClr val="phClr"/>
+        </a:solidFill>
+        <a:round/>
+      </a:ln>
+    </cs:spPr>
+  </cs:dataPointLine>
+  <cs:dataPointMarker>
+    <cs:lnRef idx="0">
+      <cs:styleClr val="auto"/>
+    </cs:lnRef>
+    <cs:fillRef idx="1">
+      <cs:styleClr val="auto"/>
+    </cs:fillRef>
+    <cs:effectRef idx="0"/>
+    <cs:fontRef idx="minor">
+      <a:schemeClr val="tx1"/>
+    </cs:fontRef>
+    <cs:spPr>
+      <a:ln w="9525">
+        <a:solidFill>
+          <a:schemeClr val="phClr"/>
+        </a:solidFill>
+      </a:ln>
+    </cs:spPr>
+  </cs:dataPointMarker>
+  <cs:dataPointMarkerLayout symbol="circle" size="5"/>
+  <cs:dataPointWireframe>
+    <cs:lnRef idx="0">
+      <cs:styleClr val="auto"/>
+    </cs:lnRef>
+    <cs:fillRef idx="1"/>
+    <cs:effectRef idx="0"/>
+    <cs:fontRef idx="minor">
+      <a:schemeClr val="tx1"/>
+    </cs:fontRef>
+    <cs:spPr>
+      <a:ln w="9525" cap="rnd">
+        <a:solidFill>
+          <a:schemeClr val="phClr"/>
+        </a:solidFill>
+        <a:round/>
+      </a:ln>
+    </cs:spPr>
+  </cs:dataPointWireframe>
+  <cs:dataTable>
+    <cs:lnRef idx="0"/>
+    <cs:fillRef idx="0"/>
+    <cs:effectRef idx="0"/>
+    <cs:fontRef idx="minor">
+      <a:schemeClr val="tx1">
+        <a:lumMod val="65000"/>
+        <a:lumOff val="35000"/>
+      </a:schemeClr>
+    </cs:fontRef>
+    <cs:spPr>
+      <a:noFill/>
+      <a:ln w="9525" cap="flat" cmpd="sng" algn="ctr">
+        <a:solidFill>
+          <a:schemeClr val="tx1">
+            <a:lumMod val="15000"/>
+            <a:lumOff val="85000"/>
+          </a:schemeClr>
+        </a:solidFill>
+        <a:round/>
+      </a:ln>
+    </cs:spPr>
+    <cs:defRPr sz="900" kern="1200"/>
+  </cs:dataTable>
+  <cs:downBar>
+    <cs:lnRef idx="0"/>
+    <cs:fillRef idx="0"/>
+    <cs:effectRef idx="0"/>
+    <cs:fontRef idx="minor">
+      <a:schemeClr val="dk1"/>
+    </cs:fontRef>
+    <cs:spPr>
+      <a:solidFill>
+        <a:schemeClr val="dk1">
+          <a:lumMod val="65000"/>
+          <a:lumOff val="35000"/>
+        </a:schemeClr>
+      </a:solidFill>
+      <a:ln w="9525">
+        <a:solidFill>
+          <a:schemeClr val="tx1">
+            <a:lumMod val="65000"/>
+            <a:lumOff val="35000"/>
+          </a:schemeClr>
+        </a:solidFill>
+      </a:ln>
+    </cs:spPr>
+  </cs:downBar>
+  <cs:dropLine>
+    <cs:lnRef idx="0"/>
+    <cs:fillRef idx="0"/>
+    <cs:effectRef idx="0"/>
+    <cs:fontRef idx="minor">
+      <a:schemeClr val="tx1"/>
+    </cs:fontRef>
+    <cs:spPr>
+      <a:ln w="9525" cap="flat" cmpd="sng" algn="ctr">
+        <a:solidFill>
+          <a:schemeClr val="tx1">
+            <a:lumMod val="35000"/>
+            <a:lumOff val="65000"/>
+          </a:schemeClr>
+        </a:solidFill>
+        <a:round/>
+      </a:ln>
+    </cs:spPr>
+  </cs:dropLine>
+  <cs:errorBar>
+    <cs:lnRef idx="0"/>
+    <cs:fillRef idx="0"/>
+    <cs:effectRef idx="0"/>
+    <cs:fontRef idx="minor">
+      <a:schemeClr val="tx1"/>
+    </cs:fontRef>
+    <cs:spPr>
+      <a:ln w="9525" cap="flat" cmpd="sng" algn="ctr">
+        <a:solidFill>
+          <a:schemeClr val="tx1">
+            <a:lumMod val="65000"/>
+            <a:lumOff val="35000"/>
+          </a:schemeClr>
+        </a:solidFill>
+        <a:round/>
+      </a:ln>
+    </cs:spPr>
+  </cs:errorBar>
+  <cs:floor>
+    <cs:lnRef idx="0"/>
+    <cs:fillRef idx="0"/>
+    <cs:effectRef idx="0"/>
+    <cs:fontRef idx="minor">
+      <a:schemeClr val="tx1"/>
+    </cs:fontRef>
+    <cs:spPr>
+      <a:noFill/>
+      <a:ln>
+        <a:noFill/>
+      </a:ln>
+    </cs:spPr>
+  </cs:floor>
+  <cs:gridlineMajor>
+    <cs:lnRef idx="0"/>
+    <cs:fillRef idx="0"/>
+    <cs:effectRef idx="0"/>
+    <cs:fontRef idx="minor">
+      <a:schemeClr val="tx1"/>
+    </cs:fontRef>
+    <cs:spPr>
+      <a:ln w="9525" cap="flat" cmpd="sng" algn="ctr">
+        <a:solidFill>
+          <a:schemeClr val="tx1">
+            <a:lumMod val="15000"/>
+            <a:lumOff val="85000"/>
+          </a:schemeClr>
+        </a:solidFill>
+        <a:round/>
+      </a:ln>
+    </cs:spPr>
+  </cs:gridlineMajor>
+  <cs:gridlineMinor>
+    <cs:lnRef idx="0"/>
+    <cs:fillRef idx="0"/>
+    <cs:effectRef idx="0"/>
+    <cs:fontRef idx="minor">
+      <a:schemeClr val="tx1"/>
+    </cs:fontRef>
+    <cs:spPr>
+      <a:ln w="9525" cap="flat" cmpd="sng" algn="ctr">
+        <a:solidFill>
+          <a:schemeClr val="tx1">
+            <a:lumMod val="5000"/>
+            <a:lumOff val="95000"/>
+          </a:schemeClr>
+        </a:solidFill>
+        <a:round/>
+      </a:ln>
+    </cs:spPr>
+  </cs:gridlineMinor>
+  <cs:hiLoLine>
+    <cs:lnRef idx="0"/>
+    <cs:fillRef idx="0"/>
+    <cs:effectRef idx="0"/>
+    <cs:fontRef idx="minor">
+      <a:schemeClr val="tx1"/>
+    </cs:fontRef>
+    <cs:spPr>
+      <a:ln w="9525" cap="flat" cmpd="sng" algn="ctr">
+        <a:solidFill>
+          <a:schemeClr val="tx1">
+            <a:lumMod val="75000"/>
+            <a:lumOff val="25000"/>
+          </a:schemeClr>
+        </a:solidFill>
+        <a:round/>
+      </a:ln>
+    </cs:spPr>
+  </cs:hiLoLine>
+  <cs:leaderLine>
+    <cs:lnRef idx="0"/>
+    <cs:fillRef idx="0"/>
+    <cs:effectRef idx="0"/>
+    <cs:fontRef idx="minor">
+      <a:schemeClr val="tx1"/>
+    </cs:fontRef>
+    <cs:spPr>
+      <a:ln w="9525" cap="flat" cmpd="sng" algn="ctr">
+        <a:solidFill>
+          <a:schemeClr val="tx1">
+            <a:lumMod val="35000"/>
+            <a:lumOff val="65000"/>
+          </a:schemeClr>
+        </a:solidFill>
+        <a:round/>
+      </a:ln>
+    </cs:spPr>
+  </cs:leaderLine>
+  <cs:legend>
+    <cs:lnRef idx="0"/>
+    <cs:fillRef idx="0"/>
+    <cs:effectRef idx="0"/>
+    <cs:fontRef idx="minor">
+      <a:schemeClr val="tx1">
+        <a:lumMod val="65000"/>
+        <a:lumOff val="35000"/>
+      </a:schemeClr>
+    </cs:fontRef>
+    <cs:defRPr sz="900" kern="1200"/>
+  </cs:legend>
+  <cs:plotArea mods="allowNoFillOverride allowNoLineOverride">
+    <cs:lnRef idx="0"/>
+    <cs:fillRef idx="0"/>
+    <cs:effectRef idx="0"/>
+    <cs:fontRef idx="minor">
+      <a:schemeClr val="tx1"/>
+    </cs:fontRef>
+  </cs:plotArea>
+  <cs:plotArea3D mods="allowNoFillOverride allowNoLineOverride">
+    <cs:lnRef idx="0"/>
+    <cs:fillRef idx="0"/>
+    <cs:effectRef idx="0"/>
+    <cs:fontRef idx="minor">
+      <a:schemeClr val="tx1"/>
+    </cs:fontRef>
+  </cs:plotArea3D>
+  <cs:seriesAxis>
+    <cs:lnRef idx="0"/>
+    <cs:fillRef idx="0"/>
+    <cs:effectRef idx="0"/>
+    <cs:fontRef idx="minor">
+      <a:schemeClr val="tx1">
+        <a:lumMod val="65000"/>
+        <a:lumOff val="35000"/>
+      </a:schemeClr>
+    </cs:fontRef>
+    <cs:defRPr sz="900" kern="1200"/>
+  </cs:seriesAxis>
+  <cs:seriesLine>
+    <cs:lnRef idx="0"/>
+    <cs:fillRef idx="0"/>
+    <cs:effectRef idx="0"/>
+    <cs:fontRef idx="minor">
+      <a:schemeClr val="tx1"/>
+    </cs:fontRef>
+    <cs:spPr>
+      <a:ln w="9525" cap="flat" cmpd="sng" algn="ctr">
+        <a:solidFill>
+          <a:schemeClr val="tx1">
+            <a:lumMod val="35000"/>
+            <a:lumOff val="65000"/>
+          </a:schemeClr>
+        </a:solidFill>
+        <a:round/>
+      </a:ln>
+    </cs:spPr>
+  </cs:seriesLine>
+  <cs:title>
+    <cs:lnRef idx="0"/>
+    <cs:fillRef idx="0"/>
+    <cs:effectRef idx="0"/>
+    <cs:fontRef idx="minor">
+      <a:schemeClr val="tx1">
+        <a:lumMod val="65000"/>
+        <a:lumOff val="35000"/>
+      </a:schemeClr>
+    </cs:fontRef>
+    <cs:defRPr sz="1400" b="0" kern="1200" spc="0" baseline="0"/>
+  </cs:title>
+  <cs:trendline>
+    <cs:lnRef idx="0">
+      <cs:styleClr val="auto"/>
+    </cs:lnRef>
+    <cs:fillRef idx="0"/>
+    <cs:effectRef idx="0"/>
+    <cs:fontRef idx="minor">
+      <a:schemeClr val="tx1"/>
+    </cs:fontRef>
+    <cs:spPr>
+      <a:ln w="19050" cap="rnd">
+        <a:solidFill>
+          <a:schemeClr val="phClr"/>
+        </a:solidFill>
+        <a:prstDash val="sysDot"/>
+      </a:ln>
+    </cs:spPr>
+  </cs:trendline>
+  <cs:trendlineLabel>
+    <cs:lnRef idx="0"/>
+    <cs:fillRef idx="0"/>
+    <cs:effectRef idx="0"/>
+    <cs:fontRef idx="minor">
+      <a:schemeClr val="tx1">
+        <a:lumMod val="65000"/>
+        <a:lumOff val="35000"/>
+      </a:schemeClr>
+    </cs:fontRef>
+    <cs:defRPr sz="900" kern="1200"/>
+  </cs:trendlineLabel>
+  <cs:upBar>
+    <cs:lnRef idx="0"/>
+    <cs:fillRef idx="0"/>
+    <cs:effectRef idx="0"/>
+    <cs:fontRef idx="minor">
+      <a:schemeClr val="dk1"/>
+    </cs:fontRef>
+    <cs:spPr>
+      <a:solidFill>
+        <a:schemeClr val="lt1"/>
+      </a:solidFill>
+      <a:ln w="9525">
+        <a:solidFill>
+          <a:schemeClr val="tx1">
+            <a:lumMod val="15000"/>
+            <a:lumOff val="85000"/>
+          </a:schemeClr>
+        </a:solidFill>
+      </a:ln>
+    </cs:spPr>
+  </cs:upBar>
+  <cs:valueAxis>
+    <cs:lnRef idx="0"/>
+    <cs:fillRef idx="0"/>
+    <cs:effectRef idx="0"/>
+    <cs:fontRef idx="minor">
+      <a:schemeClr val="tx1">
+        <a:lumMod val="65000"/>
+        <a:lumOff val="35000"/>
+      </a:schemeClr>
+    </cs:fontRef>
+    <cs:defRPr sz="900" kern="1200"/>
+  </cs:valueAxis>
+  <cs:wall>
+    <cs:lnRef idx="0"/>
+    <cs:fillRef idx="0"/>
+    <cs:effectRef idx="0"/>
+    <cs:fontRef idx="minor">
+      <a:schemeClr val="tx1"/>
+    </cs:fontRef>
+    <cs:spPr>
+      <a:noFill/>
+      <a:ln>
+        <a:noFill/>
+      </a:ln>
+    </cs:spPr>
+  </cs:wall>
+</cs:chartStyle>
+</file>
+
+<file path=ppt/charts/style2.xml><?xml version="1.0" encoding="utf-8"?>
+<cs:chartStyle xmlns:cs="http://schemas.microsoft.com/office/drawing/2012/chartStyle" xmlns:a="http://schemas.openxmlformats.org/drawingml/2006/main" id="332">
   <cs:axisTitle>
     <cs:lnRef idx="0"/>
     <cs:fillRef idx="0"/>
@@ -15862,7 +20988,7 @@
     <mc:Choice Requires="p14">
       <p:transition spd="slow" p14:dur="2000"/>
     </mc:Choice>
-    <mc:Fallback xmlns="" xmlns:p15="http://schemas.microsoft.com/office/powerpoint/2012/main">
+    <mc:Fallback xmlns:p15="http://schemas.microsoft.com/office/powerpoint/2012/main" xmlns="">
       <p:transition spd="slow"/>
     </mc:Fallback>
   </mc:AlternateContent>
@@ -17399,7 +22525,7 @@
     <mc:Choice Requires="p14">
       <p:transition spd="slow" p14:dur="2000"/>
     </mc:Choice>
-    <mc:Fallback xmlns="" xmlns:p15="http://schemas.microsoft.com/office/powerpoint/2012/main">
+    <mc:Fallback xmlns:p15="http://schemas.microsoft.com/office/powerpoint/2012/main" xmlns="">
       <p:transition spd="slow"/>
     </mc:Fallback>
   </mc:AlternateContent>
@@ -18034,7 +23160,7 @@
     <mc:Choice Requires="p14">
       <p:transition spd="slow" p14:dur="2000"/>
     </mc:Choice>
-    <mc:Fallback xmlns="" xmlns:p15="http://schemas.microsoft.com/office/powerpoint/2012/main">
+    <mc:Fallback xmlns:p15="http://schemas.microsoft.com/office/powerpoint/2012/main" xmlns="">
       <p:transition spd="slow"/>
     </mc:Fallback>
   </mc:AlternateContent>
@@ -21555,7 +26681,7 @@
     <mc:Choice Requires="p14">
       <p:transition spd="slow" p14:dur="2000"/>
     </mc:Choice>
-    <mc:Fallback xmlns="" xmlns:p15="http://schemas.microsoft.com/office/powerpoint/2012/main">
+    <mc:Fallback xmlns:p15="http://schemas.microsoft.com/office/powerpoint/2012/main" xmlns="">
       <p:transition spd="slow"/>
     </mc:Fallback>
   </mc:AlternateContent>
@@ -23825,7 +28951,7 @@
     <mc:Choice Requires="p14">
       <p:transition spd="slow" p14:dur="2000"/>
     </mc:Choice>
-    <mc:Fallback xmlns="" xmlns:p15="http://schemas.microsoft.com/office/powerpoint/2012/main">
+    <mc:Fallback xmlns:p15="http://schemas.microsoft.com/office/powerpoint/2012/main" xmlns="">
       <p:transition spd="slow"/>
     </mc:Fallback>
   </mc:AlternateContent>
@@ -26085,7 +31211,7 @@
     <mc:Choice Requires="p14">
       <p:transition spd="slow" p14:dur="2000"/>
     </mc:Choice>
-    <mc:Fallback xmlns="" xmlns:p15="http://schemas.microsoft.com/office/powerpoint/2012/main">
+    <mc:Fallback xmlns:p15="http://schemas.microsoft.com/office/powerpoint/2012/main" xmlns="">
       <p:transition spd="slow"/>
     </mc:Fallback>
   </mc:AlternateContent>
@@ -26154,6 +31280,60 @@
 </file>
 
 <file path=ppt/slides/slide16.xml><?xml version="1.0" encoding="utf-8"?>
+<p:sld xmlns:a="http://schemas.openxmlformats.org/drawingml/2006/main" xmlns:r="http://schemas.openxmlformats.org/officeDocument/2006/relationships" xmlns:p="http://schemas.openxmlformats.org/presentationml/2006/main">
+  <p:cSld>
+    <p:spTree>
+      <p:nvGrpSpPr>
+        <p:cNvPr id="1" name=""/>
+        <p:cNvGrpSpPr/>
+        <p:nvPr/>
+      </p:nvGrpSpPr>
+      <p:grpSpPr>
+        <a:xfrm>
+          <a:off x="0" y="0"/>
+          <a:ext cx="0" cy="0"/>
+          <a:chOff x="0" y="0"/>
+          <a:chExt cx="0" cy="0"/>
+        </a:xfrm>
+      </p:grpSpPr>
+      <p:graphicFrame>
+        <p:nvGraphicFramePr>
+          <p:cNvPr id="8" name="Chart 7"/>
+          <p:cNvGraphicFramePr>
+            <a:graphicFrameLocks/>
+          </p:cNvGraphicFramePr>
+          <p:nvPr>
+            <p:extLst>
+              <p:ext uri="{D42A27DB-BD31-4B8C-83A1-F6EECF244321}">
+                <p14:modId xmlns:p14="http://schemas.microsoft.com/office/powerpoint/2010/main" val="4086800520"/>
+              </p:ext>
+            </p:extLst>
+          </p:nvPr>
+        </p:nvGraphicFramePr>
+        <p:xfrm>
+          <a:off x="945173" y="79497"/>
+          <a:ext cx="10248900" cy="3076575"/>
+        </p:xfrm>
+        <a:graphic>
+          <a:graphicData uri="http://schemas.openxmlformats.org/drawingml/2006/chart">
+            <c:chart xmlns:c="http://schemas.openxmlformats.org/drawingml/2006/chart" xmlns:r="http://schemas.openxmlformats.org/officeDocument/2006/relationships" r:id="rId2"/>
+          </a:graphicData>
+        </a:graphic>
+      </p:graphicFrame>
+    </p:spTree>
+    <p:extLst>
+      <p:ext uri="{BB962C8B-B14F-4D97-AF65-F5344CB8AC3E}">
+        <p14:creationId xmlns:p14="http://schemas.microsoft.com/office/powerpoint/2010/main" val="690151385"/>
+      </p:ext>
+    </p:extLst>
+  </p:cSld>
+  <p:clrMapOvr>
+    <a:masterClrMapping/>
+  </p:clrMapOvr>
+</p:sld>
+</file>
+
+<file path=ppt/slides/slide17.xml><?xml version="1.0" encoding="utf-8"?>
 <p:sld xmlns:a="http://schemas.openxmlformats.org/drawingml/2006/main" xmlns:r="http://schemas.openxmlformats.org/officeDocument/2006/relationships" xmlns:p="http://schemas.openxmlformats.org/presentationml/2006/main">
   <p:cSld>
     <p:spTree>
@@ -26524,7 +31704,7 @@
     <mc:Choice Requires="p14">
       <p:transition spd="slow" p14:dur="2000"/>
     </mc:Choice>
-    <mc:Fallback xmlns="" xmlns:p15="http://schemas.microsoft.com/office/powerpoint/2012/main">
+    <mc:Fallback xmlns:p15="http://schemas.microsoft.com/office/powerpoint/2012/main" xmlns="">
       <p:transition spd="slow"/>
     </mc:Fallback>
   </mc:AlternateContent>
@@ -29428,7 +34608,7 @@
     <mc:Choice Requires="p14">
       <p:transition spd="slow" p14:dur="2000"/>
     </mc:Choice>
-    <mc:Fallback xmlns="" xmlns:p15="http://schemas.microsoft.com/office/powerpoint/2012/main">
+    <mc:Fallback xmlns:p15="http://schemas.microsoft.com/office/powerpoint/2012/main" xmlns="">
       <p:transition spd="slow"/>
     </mc:Fallback>
   </mc:AlternateContent>
@@ -32089,7 +37269,7 @@
     <mc:Choice Requires="p14">
       <p:transition spd="slow" p14:dur="2000"/>
     </mc:Choice>
-    <mc:Fallback xmlns="" xmlns:p15="http://schemas.microsoft.com/office/powerpoint/2012/main">
+    <mc:Fallback xmlns:p15="http://schemas.microsoft.com/office/powerpoint/2012/main" xmlns="">
       <p:transition spd="slow"/>
     </mc:Fallback>
   </mc:AlternateContent>
@@ -38689,7 +43869,7 @@
     <mc:Choice Requires="p14">
       <p:transition spd="slow" p14:dur="2000"/>
     </mc:Choice>
-    <mc:Fallback xmlns="" xmlns:p15="http://schemas.microsoft.com/office/powerpoint/2012/main">
+    <mc:Fallback xmlns:p15="http://schemas.microsoft.com/office/powerpoint/2012/main" xmlns="">
       <p:transition spd="slow"/>
     </mc:Fallback>
   </mc:AlternateContent>
@@ -43742,7 +48922,7 @@
     <mc:Choice Requires="p14">
       <p:transition spd="slow" p14:dur="2000"/>
     </mc:Choice>
-    <mc:Fallback xmlns="" xmlns:p15="http://schemas.microsoft.com/office/powerpoint/2012/main">
+    <mc:Fallback xmlns:p15="http://schemas.microsoft.com/office/powerpoint/2012/main" xmlns="">
       <p:transition spd="slow"/>
     </mc:Fallback>
   </mc:AlternateContent>
@@ -43890,7 +49070,7 @@
     <mc:Choice Requires="p14">
       <p:transition spd="slow" p14:dur="2000"/>
     </mc:Choice>
-    <mc:Fallback xmlns="" xmlns:p15="http://schemas.microsoft.com/office/powerpoint/2012/main">
+    <mc:Fallback xmlns:p15="http://schemas.microsoft.com/office/powerpoint/2012/main" xmlns="">
       <p:transition spd="slow"/>
     </mc:Fallback>
   </mc:AlternateContent>
@@ -44453,7 +49633,7 @@
     <mc:Choice Requires="p14">
       <p:transition spd="slow" p14:dur="2000"/>
     </mc:Choice>
-    <mc:Fallback xmlns="" xmlns:p15="http://schemas.microsoft.com/office/powerpoint/2012/main">
+    <mc:Fallback xmlns:p15="http://schemas.microsoft.com/office/powerpoint/2012/main" xmlns="">
       <p:transition spd="slow"/>
     </mc:Fallback>
   </mc:AlternateContent>
@@ -46350,7 +51530,7 @@
     <mc:Choice Requires="p14">
       <p:transition spd="slow" p14:dur="2000"/>
     </mc:Choice>
-    <mc:Fallback xmlns="" xmlns:p15="http://schemas.microsoft.com/office/powerpoint/2012/main">
+    <mc:Fallback xmlns:p15="http://schemas.microsoft.com/office/powerpoint/2012/main" xmlns="">
       <p:transition spd="slow"/>
     </mc:Fallback>
   </mc:AlternateContent>
@@ -49153,7 +54333,7 @@
     <mc:Choice Requires="p14">
       <p:transition spd="slow" p14:dur="2000"/>
     </mc:Choice>
-    <mc:Fallback xmlns="" xmlns:p15="http://schemas.microsoft.com/office/powerpoint/2012/main">
+    <mc:Fallback xmlns:p15="http://schemas.microsoft.com/office/powerpoint/2012/main" xmlns="">
       <p:transition spd="slow"/>
     </mc:Fallback>
   </mc:AlternateContent>

--- a/Presentations/EMR Interroperability V0.2.pptx
+++ b/Presentations/EMR Interroperability V0.2.pptx
@@ -468,2913 +468,56 @@
           <c:idx val="0"/>
           <c:order val="0"/>
           <c:tx>
-            <c:v>MCC-0</c:v>
+            <c:strRef>
+              <c:f>Sheet2!$B$1</c:f>
+              <c:strCache>
+                <c:ptCount val="1"/>
+                <c:pt idx="0">
+                  <c:v>t1</c:v>
+                </c:pt>
+              </c:strCache>
+            </c:strRef>
           </c:tx>
           <c:spPr>
-            <a:ln w="19050" cap="rnd">
-              <a:solidFill>
-                <a:schemeClr val="accent1"/>
-              </a:solidFill>
+            <a:ln w="28575" cap="rnd">
+              <a:noFill/>
               <a:round/>
             </a:ln>
             <a:effectLst/>
           </c:spPr>
           <c:marker>
-            <c:symbol val="none"/>
-          </c:marker>
-          <c:cat>
-            <c:strRef>
-              <c:f>'FUZZY-MATCH'!$A$2:$A$211</c:f>
-              <c:strCache>
-                <c:ptCount val="210"/>
-                <c:pt idx="0">
-                  <c:v>0.0_0.05</c:v>
-                </c:pt>
-                <c:pt idx="1">
-                  <c:v>0.0_0.1</c:v>
-                </c:pt>
-                <c:pt idx="2">
-                  <c:v>0.0_0.15</c:v>
-                </c:pt>
-                <c:pt idx="3">
-                  <c:v>0.0_0.2</c:v>
-                </c:pt>
-                <c:pt idx="4">
-                  <c:v>0.0_0.25</c:v>
-                </c:pt>
-                <c:pt idx="5">
-                  <c:v>0.0_0.3</c:v>
-                </c:pt>
-                <c:pt idx="6">
-                  <c:v>0.0_0.35</c:v>
-                </c:pt>
-                <c:pt idx="7">
-                  <c:v>0.0_0.4</c:v>
-                </c:pt>
-                <c:pt idx="8">
-                  <c:v>0.0_0.45</c:v>
-                </c:pt>
-                <c:pt idx="9">
-                  <c:v>0.0_0.5</c:v>
-                </c:pt>
-                <c:pt idx="10">
-                  <c:v>0.0_0.55</c:v>
-                </c:pt>
-                <c:pt idx="11">
-                  <c:v>0.0_0.6</c:v>
-                </c:pt>
-                <c:pt idx="12">
-                  <c:v>0.0_0.65</c:v>
-                </c:pt>
-                <c:pt idx="13">
-                  <c:v>0.0_0.7</c:v>
-                </c:pt>
-                <c:pt idx="14">
-                  <c:v>0.0_0.75</c:v>
-                </c:pt>
-                <c:pt idx="15">
-                  <c:v>0.0_0.8</c:v>
-                </c:pt>
-                <c:pt idx="16">
-                  <c:v>0.0_0.85</c:v>
-                </c:pt>
-                <c:pt idx="17">
-                  <c:v>0.0_0.9</c:v>
-                </c:pt>
-                <c:pt idx="18">
-                  <c:v>0.0_0.95</c:v>
-                </c:pt>
-                <c:pt idx="19">
-                  <c:v>0.0_1.0</c:v>
-                </c:pt>
-                <c:pt idx="20">
-                  <c:v>0.05_0.1</c:v>
-                </c:pt>
-                <c:pt idx="21">
-                  <c:v>0.05_0.15</c:v>
-                </c:pt>
-                <c:pt idx="22">
-                  <c:v>0.05_0.2</c:v>
-                </c:pt>
-                <c:pt idx="23">
-                  <c:v>0.05_0.25</c:v>
-                </c:pt>
-                <c:pt idx="24">
-                  <c:v>0.05_0.3</c:v>
-                </c:pt>
-                <c:pt idx="25">
-                  <c:v>0.05_0.35</c:v>
-                </c:pt>
-                <c:pt idx="26">
-                  <c:v>0.05_0.4</c:v>
-                </c:pt>
-                <c:pt idx="27">
-                  <c:v>0.05_0.45</c:v>
-                </c:pt>
-                <c:pt idx="28">
-                  <c:v>0.05_0.5</c:v>
-                </c:pt>
-                <c:pt idx="29">
-                  <c:v>0.05_0.55</c:v>
-                </c:pt>
-                <c:pt idx="30">
-                  <c:v>0.05_0.6</c:v>
-                </c:pt>
-                <c:pt idx="31">
-                  <c:v>0.05_0.65</c:v>
-                </c:pt>
-                <c:pt idx="32">
-                  <c:v>0.05_0.7</c:v>
-                </c:pt>
-                <c:pt idx="33">
-                  <c:v>0.05_0.75</c:v>
-                </c:pt>
-                <c:pt idx="34">
-                  <c:v>0.05_0.8</c:v>
-                </c:pt>
-                <c:pt idx="35">
-                  <c:v>0.05_0.85</c:v>
-                </c:pt>
-                <c:pt idx="36">
-                  <c:v>0.05_0.9</c:v>
-                </c:pt>
-                <c:pt idx="37">
-                  <c:v>0.05_0.95</c:v>
-                </c:pt>
-                <c:pt idx="38">
-                  <c:v>0.05_1.0</c:v>
-                </c:pt>
-                <c:pt idx="39">
-                  <c:v>0.1_0.15</c:v>
-                </c:pt>
-                <c:pt idx="40">
-                  <c:v>0.1_0.2</c:v>
-                </c:pt>
-                <c:pt idx="41">
-                  <c:v>0.1_0.25</c:v>
-                </c:pt>
-                <c:pt idx="42">
-                  <c:v>0.1_0.3</c:v>
-                </c:pt>
-                <c:pt idx="43">
-                  <c:v>0.1_0.35</c:v>
-                </c:pt>
-                <c:pt idx="44">
-                  <c:v>0.1_0.4</c:v>
-                </c:pt>
-                <c:pt idx="45">
-                  <c:v>0.1_0.45</c:v>
-                </c:pt>
-                <c:pt idx="46">
-                  <c:v>0.1_0.5</c:v>
-                </c:pt>
-                <c:pt idx="47">
-                  <c:v>0.1_0.55</c:v>
-                </c:pt>
-                <c:pt idx="48">
-                  <c:v>0.1_0.6</c:v>
-                </c:pt>
-                <c:pt idx="49">
-                  <c:v>0.1_0.65</c:v>
-                </c:pt>
-                <c:pt idx="50">
-                  <c:v>0.1_0.7</c:v>
-                </c:pt>
-                <c:pt idx="51">
-                  <c:v>0.1_0.75</c:v>
-                </c:pt>
-                <c:pt idx="52">
-                  <c:v>0.1_0.8</c:v>
-                </c:pt>
-                <c:pt idx="53">
-                  <c:v>0.1_0.85</c:v>
-                </c:pt>
-                <c:pt idx="54">
-                  <c:v>0.1_0.9</c:v>
-                </c:pt>
-                <c:pt idx="55">
-                  <c:v>0.1_0.95</c:v>
-                </c:pt>
-                <c:pt idx="56">
-                  <c:v>0.1_1.0</c:v>
-                </c:pt>
-                <c:pt idx="57">
-                  <c:v>0.15_0.2</c:v>
-                </c:pt>
-                <c:pt idx="58">
-                  <c:v>0.15_0.25</c:v>
-                </c:pt>
-                <c:pt idx="59">
-                  <c:v>0.15_0.3</c:v>
-                </c:pt>
-                <c:pt idx="60">
-                  <c:v>0.15_0.35</c:v>
-                </c:pt>
-                <c:pt idx="61">
-                  <c:v>0.15_0.4</c:v>
-                </c:pt>
-                <c:pt idx="62">
-                  <c:v>0.15_0.45</c:v>
-                </c:pt>
-                <c:pt idx="63">
-                  <c:v>0.15_0.5</c:v>
-                </c:pt>
-                <c:pt idx="64">
-                  <c:v>0.15_0.55</c:v>
-                </c:pt>
-                <c:pt idx="65">
-                  <c:v>0.15_0.6</c:v>
-                </c:pt>
-                <c:pt idx="66">
-                  <c:v>0.15_0.65</c:v>
-                </c:pt>
-                <c:pt idx="67">
-                  <c:v>0.15_0.7</c:v>
-                </c:pt>
-                <c:pt idx="68">
-                  <c:v>0.15_0.75</c:v>
-                </c:pt>
-                <c:pt idx="69">
-                  <c:v>0.15_0.8</c:v>
-                </c:pt>
-                <c:pt idx="70">
-                  <c:v>0.15_0.85</c:v>
-                </c:pt>
-                <c:pt idx="71">
-                  <c:v>0.15_0.9</c:v>
-                </c:pt>
-                <c:pt idx="72">
-                  <c:v>0.15_0.95</c:v>
-                </c:pt>
-                <c:pt idx="73">
-                  <c:v>0.15_1.0</c:v>
-                </c:pt>
-                <c:pt idx="74">
-                  <c:v>0.2_0.25</c:v>
-                </c:pt>
-                <c:pt idx="75">
-                  <c:v>0.2_0.3</c:v>
-                </c:pt>
-                <c:pt idx="76">
-                  <c:v>0.2_0.35</c:v>
-                </c:pt>
-                <c:pt idx="77">
-                  <c:v>0.2_0.4</c:v>
-                </c:pt>
-                <c:pt idx="78">
-                  <c:v>0.2_0.45</c:v>
-                </c:pt>
-                <c:pt idx="79">
-                  <c:v>0.2_0.5</c:v>
-                </c:pt>
-                <c:pt idx="80">
-                  <c:v>0.2_0.55</c:v>
-                </c:pt>
-                <c:pt idx="81">
-                  <c:v>0.2_0.6</c:v>
-                </c:pt>
-                <c:pt idx="82">
-                  <c:v>0.2_0.65</c:v>
-                </c:pt>
-                <c:pt idx="83">
-                  <c:v>0.2_0.7</c:v>
-                </c:pt>
-                <c:pt idx="84">
-                  <c:v>0.2_0.75</c:v>
-                </c:pt>
-                <c:pt idx="85">
-                  <c:v>0.2_0.8</c:v>
-                </c:pt>
-                <c:pt idx="86">
-                  <c:v>0.2_0.85</c:v>
-                </c:pt>
-                <c:pt idx="87">
-                  <c:v>0.2_0.9</c:v>
-                </c:pt>
-                <c:pt idx="88">
-                  <c:v>0.2_0.95</c:v>
-                </c:pt>
-                <c:pt idx="89">
-                  <c:v>0.2_1.0</c:v>
-                </c:pt>
-                <c:pt idx="90">
-                  <c:v>0.25_0.3</c:v>
-                </c:pt>
-                <c:pt idx="91">
-                  <c:v>0.25_0.35</c:v>
-                </c:pt>
-                <c:pt idx="92">
-                  <c:v>0.25_0.4</c:v>
-                </c:pt>
-                <c:pt idx="93">
-                  <c:v>0.25_0.45</c:v>
-                </c:pt>
-                <c:pt idx="94">
-                  <c:v>0.25_0.5</c:v>
-                </c:pt>
-                <c:pt idx="95">
-                  <c:v>0.25_0.55</c:v>
-                </c:pt>
-                <c:pt idx="96">
-                  <c:v>0.25_0.6</c:v>
-                </c:pt>
-                <c:pt idx="97">
-                  <c:v>0.25_0.65</c:v>
-                </c:pt>
-                <c:pt idx="98">
-                  <c:v>0.25_0.7</c:v>
-                </c:pt>
-                <c:pt idx="99">
-                  <c:v>0.25_0.75</c:v>
-                </c:pt>
-                <c:pt idx="100">
-                  <c:v>0.25_0.8</c:v>
-                </c:pt>
-                <c:pt idx="101">
-                  <c:v>0.25_0.85</c:v>
-                </c:pt>
-                <c:pt idx="102">
-                  <c:v>0.25_0.9</c:v>
-                </c:pt>
-                <c:pt idx="103">
-                  <c:v>0.25_0.95</c:v>
-                </c:pt>
-                <c:pt idx="104">
-                  <c:v>0.25_1.0</c:v>
-                </c:pt>
-                <c:pt idx="105">
-                  <c:v>0.3_0.35</c:v>
-                </c:pt>
-                <c:pt idx="106">
-                  <c:v>0.3_0.4</c:v>
-                </c:pt>
-                <c:pt idx="107">
-                  <c:v>0.3_0.45</c:v>
-                </c:pt>
-                <c:pt idx="108">
-                  <c:v>0.3_0.5</c:v>
-                </c:pt>
-                <c:pt idx="109">
-                  <c:v>0.3_0.55</c:v>
-                </c:pt>
-                <c:pt idx="110">
-                  <c:v>0.3_0.6</c:v>
-                </c:pt>
-                <c:pt idx="111">
-                  <c:v>0.3_0.65</c:v>
-                </c:pt>
-                <c:pt idx="112">
-                  <c:v>0.3_0.7</c:v>
-                </c:pt>
-                <c:pt idx="113">
-                  <c:v>0.3_0.75</c:v>
-                </c:pt>
-                <c:pt idx="114">
-                  <c:v>0.3_0.8</c:v>
-                </c:pt>
-                <c:pt idx="115">
-                  <c:v>0.3_0.85</c:v>
-                </c:pt>
-                <c:pt idx="116">
-                  <c:v>0.3_0.9</c:v>
-                </c:pt>
-                <c:pt idx="117">
-                  <c:v>0.3_0.95</c:v>
-                </c:pt>
-                <c:pt idx="118">
-                  <c:v>0.3_1.0</c:v>
-                </c:pt>
-                <c:pt idx="119">
-                  <c:v>0.35_0.4</c:v>
-                </c:pt>
-                <c:pt idx="120">
-                  <c:v>0.35_0.45</c:v>
-                </c:pt>
-                <c:pt idx="121">
-                  <c:v>0.35_0.5</c:v>
-                </c:pt>
-                <c:pt idx="122">
-                  <c:v>0.35_0.55</c:v>
-                </c:pt>
-                <c:pt idx="123">
-                  <c:v>0.35_0.6</c:v>
-                </c:pt>
-                <c:pt idx="124">
-                  <c:v>0.35_0.65</c:v>
-                </c:pt>
-                <c:pt idx="125">
-                  <c:v>0.35_0.7</c:v>
-                </c:pt>
-                <c:pt idx="126">
-                  <c:v>0.35_0.75</c:v>
-                </c:pt>
-                <c:pt idx="127">
-                  <c:v>0.35_0.8</c:v>
-                </c:pt>
-                <c:pt idx="128">
-                  <c:v>0.35_0.85</c:v>
-                </c:pt>
-                <c:pt idx="129">
-                  <c:v>0.35_0.9</c:v>
-                </c:pt>
-                <c:pt idx="130">
-                  <c:v>0.35_0.95</c:v>
-                </c:pt>
-                <c:pt idx="131">
-                  <c:v>0.35_1.0</c:v>
-                </c:pt>
-                <c:pt idx="132">
-                  <c:v>0.4_0.45</c:v>
-                </c:pt>
-                <c:pt idx="133">
-                  <c:v>0.4_0.5</c:v>
-                </c:pt>
-                <c:pt idx="134">
-                  <c:v>0.4_0.55</c:v>
-                </c:pt>
-                <c:pt idx="135">
-                  <c:v>0.4_0.6</c:v>
-                </c:pt>
-                <c:pt idx="136">
-                  <c:v>0.4_0.65</c:v>
-                </c:pt>
-                <c:pt idx="137">
-                  <c:v>0.4_0.7</c:v>
-                </c:pt>
-                <c:pt idx="138">
-                  <c:v>0.4_0.75</c:v>
-                </c:pt>
-                <c:pt idx="139">
-                  <c:v>0.4_0.8</c:v>
-                </c:pt>
-                <c:pt idx="140">
-                  <c:v>0.4_0.85</c:v>
-                </c:pt>
-                <c:pt idx="141">
-                  <c:v>0.4_0.9</c:v>
-                </c:pt>
-                <c:pt idx="142">
-                  <c:v>0.4_0.95</c:v>
-                </c:pt>
-                <c:pt idx="143">
-                  <c:v>0.4_1.0</c:v>
-                </c:pt>
-                <c:pt idx="144">
-                  <c:v>0.45_0.5</c:v>
-                </c:pt>
-                <c:pt idx="145">
-                  <c:v>0.45_0.55</c:v>
-                </c:pt>
-                <c:pt idx="146">
-                  <c:v>0.45_0.6</c:v>
-                </c:pt>
-                <c:pt idx="147">
-                  <c:v>0.45_0.65</c:v>
-                </c:pt>
-                <c:pt idx="148">
-                  <c:v>0.45_0.7</c:v>
-                </c:pt>
-                <c:pt idx="149">
-                  <c:v>0.45_0.75</c:v>
-                </c:pt>
-                <c:pt idx="150">
-                  <c:v>0.45_0.8</c:v>
-                </c:pt>
-                <c:pt idx="151">
-                  <c:v>0.45_0.85</c:v>
-                </c:pt>
-                <c:pt idx="152">
-                  <c:v>0.45_0.9</c:v>
-                </c:pt>
-                <c:pt idx="153">
-                  <c:v>0.45_0.95</c:v>
-                </c:pt>
-                <c:pt idx="154">
-                  <c:v>0.45_1.0</c:v>
-                </c:pt>
-                <c:pt idx="155">
-                  <c:v>0.5_0.55</c:v>
-                </c:pt>
-                <c:pt idx="156">
-                  <c:v>0.5_0.6</c:v>
-                </c:pt>
-                <c:pt idx="157">
-                  <c:v>0.5_0.65</c:v>
-                </c:pt>
-                <c:pt idx="158">
-                  <c:v>0.5_0.7</c:v>
-                </c:pt>
-                <c:pt idx="159">
-                  <c:v>0.5_0.75</c:v>
-                </c:pt>
-                <c:pt idx="160">
-                  <c:v>0.5_0.8</c:v>
-                </c:pt>
-                <c:pt idx="161">
-                  <c:v>0.5_0.85</c:v>
-                </c:pt>
-                <c:pt idx="162">
-                  <c:v>0.5_0.9</c:v>
-                </c:pt>
-                <c:pt idx="163">
-                  <c:v>0.5_0.95</c:v>
-                </c:pt>
-                <c:pt idx="164">
-                  <c:v>0.5_1.0</c:v>
-                </c:pt>
-                <c:pt idx="165">
-                  <c:v>0.55_0.6</c:v>
-                </c:pt>
-                <c:pt idx="166">
-                  <c:v>0.55_0.65</c:v>
-                </c:pt>
-                <c:pt idx="167">
-                  <c:v>0.55_0.7</c:v>
-                </c:pt>
-                <c:pt idx="168">
-                  <c:v>0.55_0.75</c:v>
-                </c:pt>
-                <c:pt idx="169">
-                  <c:v>0.55_0.8</c:v>
-                </c:pt>
-                <c:pt idx="170">
-                  <c:v>0.55_0.85</c:v>
-                </c:pt>
-                <c:pt idx="171">
-                  <c:v>0.55_0.9</c:v>
-                </c:pt>
-                <c:pt idx="172">
-                  <c:v>0.55_0.95</c:v>
-                </c:pt>
-                <c:pt idx="173">
-                  <c:v>0.55_1.0</c:v>
-                </c:pt>
-                <c:pt idx="174">
-                  <c:v>0.6_0.65</c:v>
-                </c:pt>
-                <c:pt idx="175">
-                  <c:v>0.6_0.7</c:v>
-                </c:pt>
-                <c:pt idx="176">
-                  <c:v>0.6_0.75</c:v>
-                </c:pt>
-                <c:pt idx="177">
-                  <c:v>0.6_0.8</c:v>
-                </c:pt>
-                <c:pt idx="178">
-                  <c:v>0.6_0.85</c:v>
-                </c:pt>
-                <c:pt idx="179">
-                  <c:v>0.6_0.9</c:v>
-                </c:pt>
-                <c:pt idx="180">
-                  <c:v>0.6_0.95</c:v>
-                </c:pt>
-                <c:pt idx="181">
-                  <c:v>0.6_1.0</c:v>
-                </c:pt>
-                <c:pt idx="182">
-                  <c:v>0.65_0.7</c:v>
-                </c:pt>
-                <c:pt idx="183">
-                  <c:v>0.65_0.75</c:v>
-                </c:pt>
-                <c:pt idx="184">
-                  <c:v>0.65_0.8</c:v>
-                </c:pt>
-                <c:pt idx="185">
-                  <c:v>0.65_0.85</c:v>
-                </c:pt>
-                <c:pt idx="186">
-                  <c:v>0.65_0.9</c:v>
-                </c:pt>
-                <c:pt idx="187">
-                  <c:v>0.65_0.95</c:v>
-                </c:pt>
-                <c:pt idx="188">
-                  <c:v>0.65_1.0</c:v>
-                </c:pt>
-                <c:pt idx="189">
-                  <c:v>0.7_0.75</c:v>
-                </c:pt>
-                <c:pt idx="190">
-                  <c:v>0.7_0.8</c:v>
-                </c:pt>
-                <c:pt idx="191">
-                  <c:v>0.7_0.85</c:v>
-                </c:pt>
-                <c:pt idx="192">
-                  <c:v>0.7_0.9</c:v>
-                </c:pt>
-                <c:pt idx="193">
-                  <c:v>0.7_0.95</c:v>
-                </c:pt>
-                <c:pt idx="194">
-                  <c:v>0.7_1.0</c:v>
-                </c:pt>
-                <c:pt idx="195">
-                  <c:v>0.75_0.8</c:v>
-                </c:pt>
-                <c:pt idx="196">
-                  <c:v>0.75_0.85</c:v>
-                </c:pt>
-                <c:pt idx="197">
-                  <c:v>0.75_0.9</c:v>
-                </c:pt>
-                <c:pt idx="198">
-                  <c:v>0.75_0.95</c:v>
-                </c:pt>
-                <c:pt idx="199">
-                  <c:v>0.75_1.0</c:v>
-                </c:pt>
-                <c:pt idx="200">
-                  <c:v>0.8_0.85</c:v>
-                </c:pt>
-                <c:pt idx="201">
-                  <c:v>0.8_0.9</c:v>
-                </c:pt>
-                <c:pt idx="202">
-                  <c:v>0.8_0.95</c:v>
-                </c:pt>
-                <c:pt idx="203">
-                  <c:v>0.8_1.0</c:v>
-                </c:pt>
-                <c:pt idx="204">
-                  <c:v>0.85_0.9</c:v>
-                </c:pt>
-                <c:pt idx="205">
-                  <c:v>0.85_0.95</c:v>
-                </c:pt>
-                <c:pt idx="206">
-                  <c:v>0.85_1.0</c:v>
-                </c:pt>
-                <c:pt idx="207">
-                  <c:v>0.9_0.95</c:v>
-                </c:pt>
-                <c:pt idx="208">
-                  <c:v>0.9_1.0</c:v>
-                </c:pt>
-                <c:pt idx="209">
-                  <c:v>0.95_1.0</c:v>
-                </c:pt>
-              </c:strCache>
-            </c:strRef>
-          </c:cat>
-          <c:val>
-            <c:numRef>
-              <c:f>'FUZZY-MATCH'!$B$2:$B$211</c:f>
-              <c:numCache>
-                <c:formatCode>General</c:formatCode>
-                <c:ptCount val="210"/>
-                <c:pt idx="0">
-                  <c:v>-0.43117294499999997</c:v>
-                </c:pt>
-                <c:pt idx="1">
-                  <c:v>-0.43117294499999997</c:v>
-                </c:pt>
-                <c:pt idx="2">
-                  <c:v>-0.423590311</c:v>
-                </c:pt>
-                <c:pt idx="3">
-                  <c:v>-0.423590311</c:v>
-                </c:pt>
-                <c:pt idx="4">
-                  <c:v>-0.41574322899999999</c:v>
-                </c:pt>
-                <c:pt idx="5">
-                  <c:v>-0.403435877</c:v>
-                </c:pt>
-                <c:pt idx="6">
-                  <c:v>-0.37181099699999998</c:v>
-                </c:pt>
-                <c:pt idx="7">
-                  <c:v>-0.36189813900000001</c:v>
-                </c:pt>
-                <c:pt idx="8">
-                  <c:v>-0.33501340899999998</c:v>
-                </c:pt>
-                <c:pt idx="9">
-                  <c:v>-0.32922415900000002</c:v>
-                </c:pt>
-                <c:pt idx="10">
-                  <c:v>-0.29773536499999997</c:v>
-                </c:pt>
-                <c:pt idx="11">
-                  <c:v>-0.29773536499999997</c:v>
-                </c:pt>
-                <c:pt idx="12">
-                  <c:v>-0.24388283999999999</c:v>
-                </c:pt>
-                <c:pt idx="13">
-                  <c:v>-0.24388283999999999</c:v>
-                </c:pt>
-                <c:pt idx="14">
-                  <c:v>-0.24388283999999999</c:v>
-                </c:pt>
-                <c:pt idx="15">
-                  <c:v>-0.23485682299999999</c:v>
-                </c:pt>
-                <c:pt idx="16">
-                  <c:v>-0.23485682299999999</c:v>
-                </c:pt>
-                <c:pt idx="17">
-                  <c:v>-0.20481930400000001</c:v>
-                </c:pt>
-                <c:pt idx="18">
-                  <c:v>-0.20481930400000001</c:v>
-                </c:pt>
-                <c:pt idx="19">
-                  <c:v>-0.20481930400000001</c:v>
-                </c:pt>
-                <c:pt idx="20">
-                  <c:v>-2.6077353000000001E-2</c:v>
-                </c:pt>
-                <c:pt idx="21">
-                  <c:v>-2.4084411E-2</c:v>
-                </c:pt>
-                <c:pt idx="22">
-                  <c:v>-2.4084411E-2</c:v>
-                </c:pt>
-                <c:pt idx="23">
-                  <c:v>-2.2074412000000002E-2</c:v>
-                </c:pt>
-                <c:pt idx="24">
-                  <c:v>-1.9026764000000002E-2</c:v>
-                </c:pt>
-                <c:pt idx="25">
-                  <c:v>-1.1757593E-2</c:v>
-                </c:pt>
-                <c:pt idx="26">
-                  <c:v>-9.6385459999999996E-3</c:v>
-                </c:pt>
-                <c:pt idx="27">
-                  <c:v>-4.255338E-3</c:v>
-                </c:pt>
-                <c:pt idx="28">
-                  <c:v>-3.1636469999999999E-3</c:v>
-                </c:pt>
-                <c:pt idx="29">
-                  <c:v>2.3727660000000001E-3</c:v>
-                </c:pt>
-                <c:pt idx="30">
-                  <c:v>2.3727660000000001E-3</c:v>
-                </c:pt>
-                <c:pt idx="31">
-                  <c:v>1.0351627E-2</c:v>
-                </c:pt>
-                <c:pt idx="32">
-                  <c:v>1.0351627E-2</c:v>
-                </c:pt>
-                <c:pt idx="33">
-                  <c:v>1.0351627E-2</c:v>
-                </c:pt>
-                <c:pt idx="34">
-                  <c:v>1.1514129999999999E-2</c:v>
-                </c:pt>
-                <c:pt idx="35">
-                  <c:v>1.1514129999999999E-2</c:v>
-                </c:pt>
-                <c:pt idx="36">
-                  <c:v>1.5036937E-2</c:v>
-                </c:pt>
-                <c:pt idx="37">
-                  <c:v>1.5036937E-2</c:v>
-                </c:pt>
-                <c:pt idx="38">
-                  <c:v>1.5036937E-2</c:v>
-                </c:pt>
-                <c:pt idx="39">
-                  <c:v>-2.3245017E-2</c:v>
-                </c:pt>
-                <c:pt idx="40">
-                  <c:v>-2.3245017E-2</c:v>
-                </c:pt>
-                <c:pt idx="41">
-                  <c:v>-2.1253998999999999E-2</c:v>
-                </c:pt>
-                <c:pt idx="42">
-                  <c:v>-1.8235159000000001E-2</c:v>
-                </c:pt>
-                <c:pt idx="43">
-                  <c:v>-1.1034844E-2</c:v>
-                </c:pt>
-                <c:pt idx="44">
-                  <c:v>-8.9359049999999992E-3</c:v>
-                </c:pt>
-                <c:pt idx="45">
-                  <c:v>-3.6038509999999999E-3</c:v>
-                </c:pt>
-                <c:pt idx="46">
-                  <c:v>-2.5225460000000001E-3</c:v>
-                </c:pt>
-                <c:pt idx="47">
-                  <c:v>2.9611360000000001E-3</c:v>
-                </c:pt>
-                <c:pt idx="48">
-                  <c:v>2.9611360000000001E-3</c:v>
-                </c:pt>
-                <c:pt idx="49">
-                  <c:v>1.0863832E-2</c:v>
-                </c:pt>
-                <c:pt idx="50">
-                  <c:v>1.0863832E-2</c:v>
-                </c:pt>
-                <c:pt idx="51">
-                  <c:v>1.0863832E-2</c:v>
-                </c:pt>
-                <c:pt idx="52">
-                  <c:v>1.2015222000000001E-2</c:v>
-                </c:pt>
-                <c:pt idx="53">
-                  <c:v>1.2015222000000001E-2</c:v>
-                </c:pt>
-                <c:pt idx="54">
-                  <c:v>1.5504329000000001E-2</c:v>
-                </c:pt>
-                <c:pt idx="55">
-                  <c:v>1.5504329000000001E-2</c:v>
-                </c:pt>
-                <c:pt idx="56">
-                  <c:v>1.5504329000000001E-2</c:v>
-                </c:pt>
-                <c:pt idx="57">
-                  <c:v>-1.0580528000000001E-2</c:v>
-                </c:pt>
-                <c:pt idx="58">
-                  <c:v>-8.9035629999999998E-3</c:v>
-                </c:pt>
-                <c:pt idx="59">
-                  <c:v>-6.3612260000000002E-3</c:v>
-                </c:pt>
-                <c:pt idx="60">
-                  <c:v>-2.98955E-4</c:v>
-                </c:pt>
-                <c:pt idx="61">
-                  <c:v>1.467849E-3</c:v>
-                </c:pt>
-                <c:pt idx="62">
-                  <c:v>5.955414E-3</c:v>
-                </c:pt>
-                <c:pt idx="63">
-                  <c:v>6.8653350000000002E-3</c:v>
-                </c:pt>
-                <c:pt idx="64">
-                  <c:v>1.147924E-2</c:v>
-                </c:pt>
-                <c:pt idx="65">
-                  <c:v>1.147924E-2</c:v>
-                </c:pt>
-                <c:pt idx="66">
-                  <c:v>1.8126718999999999E-2</c:v>
-                </c:pt>
-                <c:pt idx="67">
-                  <c:v>1.8126718999999999E-2</c:v>
-                </c:pt>
-                <c:pt idx="68">
-                  <c:v>1.8126718999999999E-2</c:v>
-                </c:pt>
-                <c:pt idx="69">
-                  <c:v>1.9095066000000001E-2</c:v>
-                </c:pt>
-                <c:pt idx="70">
-                  <c:v>1.9095066000000001E-2</c:v>
-                </c:pt>
-                <c:pt idx="71">
-                  <c:v>2.2029246999999998E-2</c:v>
-                </c:pt>
-                <c:pt idx="72">
-                  <c:v>2.2029246999999998E-2</c:v>
-                </c:pt>
-                <c:pt idx="73">
-                  <c:v>2.2029246999999998E-2</c:v>
-                </c:pt>
-                <c:pt idx="74">
-                  <c:v>2.5902490000000002E-3</c:v>
-                </c:pt>
-                <c:pt idx="75">
-                  <c:v>4.8300069999999999E-3</c:v>
-                </c:pt>
-                <c:pt idx="76">
-                  <c:v>1.0171796E-2</c:v>
-                </c:pt>
-                <c:pt idx="77">
-                  <c:v>1.1728908E-2</c:v>
-                </c:pt>
-                <c:pt idx="78">
-                  <c:v>1.5684485000000001E-2</c:v>
-                </c:pt>
-                <c:pt idx="79">
-                  <c:v>1.6486649999999999E-2</c:v>
-                </c:pt>
-                <c:pt idx="80">
-                  <c:v>2.0554757E-2</c:v>
-                </c:pt>
-                <c:pt idx="81">
-                  <c:v>2.0554757E-2</c:v>
-                </c:pt>
-                <c:pt idx="82">
-                  <c:v>2.6417741000000002E-2</c:v>
-                </c:pt>
-                <c:pt idx="83">
-                  <c:v>2.6417741000000002E-2</c:v>
-                </c:pt>
-                <c:pt idx="84">
-                  <c:v>2.6417741000000002E-2</c:v>
-                </c:pt>
-                <c:pt idx="85">
-                  <c:v>2.7272002E-2</c:v>
-                </c:pt>
-                <c:pt idx="86">
-                  <c:v>2.7272002E-2</c:v>
-                </c:pt>
-                <c:pt idx="87">
-                  <c:v>2.98608E-2</c:v>
-                </c:pt>
-                <c:pt idx="88">
-                  <c:v>2.98608E-2</c:v>
-                </c:pt>
-                <c:pt idx="89">
-                  <c:v>2.98608E-2</c:v>
-                </c:pt>
-                <c:pt idx="90">
-                  <c:v>2.1504833000000001E-2</c:v>
-                </c:pt>
-                <c:pt idx="91">
-                  <c:v>2.5931141000000001E-2</c:v>
-                </c:pt>
-                <c:pt idx="92">
-                  <c:v>2.7221773000000001E-2</c:v>
-                </c:pt>
-                <c:pt idx="93">
-                  <c:v>3.0501191E-2</c:v>
-                </c:pt>
-                <c:pt idx="94">
-                  <c:v>3.1166373000000001E-2</c:v>
-                </c:pt>
-                <c:pt idx="95">
-                  <c:v>3.4540524000000003E-2</c:v>
-                </c:pt>
-                <c:pt idx="96">
-                  <c:v>3.4540524000000003E-2</c:v>
-                </c:pt>
-                <c:pt idx="97">
-                  <c:v>3.9405562999999998E-2</c:v>
-                </c:pt>
-                <c:pt idx="98">
-                  <c:v>3.9405562999999998E-2</c:v>
-                </c:pt>
-                <c:pt idx="99">
-                  <c:v>3.9405562999999998E-2</c:v>
-                </c:pt>
-                <c:pt idx="100">
-                  <c:v>4.0114638000000001E-2</c:v>
-                </c:pt>
-                <c:pt idx="101">
-                  <c:v>4.0114638000000001E-2</c:v>
-                </c:pt>
-                <c:pt idx="102">
-                  <c:v>4.2263805000000002E-2</c:v>
-                </c:pt>
-                <c:pt idx="103">
-                  <c:v>4.2263805000000002E-2</c:v>
-                </c:pt>
-                <c:pt idx="104">
-                  <c:v>4.2263805000000002E-2</c:v>
-                </c:pt>
-                <c:pt idx="105">
-                  <c:v>4.7319117000000001E-2</c:v>
-                </c:pt>
-                <c:pt idx="106">
-                  <c:v>4.8398515000000003E-2</c:v>
-                </c:pt>
-                <c:pt idx="107">
-                  <c:v>5.1147621999999997E-2</c:v>
-                </c:pt>
-                <c:pt idx="108">
-                  <c:v>5.1706380000000003E-2</c:v>
-                </c:pt>
-                <c:pt idx="109">
-                  <c:v>5.454672E-2</c:v>
-                </c:pt>
-                <c:pt idx="110">
-                  <c:v>5.454672E-2</c:v>
-                </c:pt>
-                <c:pt idx="111">
-                  <c:v>5.8660244E-2</c:v>
-                </c:pt>
-                <c:pt idx="112">
-                  <c:v>5.8660244E-2</c:v>
-                </c:pt>
-                <c:pt idx="113">
-                  <c:v>5.8660244E-2</c:v>
-                </c:pt>
-                <c:pt idx="114">
-                  <c:v>5.9261619000000001E-2</c:v>
-                </c:pt>
-                <c:pt idx="115">
-                  <c:v>5.9261619000000001E-2</c:v>
-                </c:pt>
-                <c:pt idx="116">
-                  <c:v>6.1087256999999999E-2</c:v>
-                </c:pt>
-                <c:pt idx="117">
-                  <c:v>6.1087256999999999E-2</c:v>
-                </c:pt>
-                <c:pt idx="118">
-                  <c:v>6.1087256999999999E-2</c:v>
-                </c:pt>
-                <c:pt idx="119">
-                  <c:v>7.9680898E-2</c:v>
-                </c:pt>
-                <c:pt idx="120">
-                  <c:v>8.2134447999999999E-2</c:v>
-                </c:pt>
-                <c:pt idx="121">
-                  <c:v>8.2634287000000001E-2</c:v>
-                </c:pt>
-                <c:pt idx="122">
-                  <c:v>8.5181203999999996E-2</c:v>
-                </c:pt>
-                <c:pt idx="123">
-                  <c:v>8.5181203999999996E-2</c:v>
-                </c:pt>
-                <c:pt idx="124">
-                  <c:v>8.8887978000000006E-2</c:v>
-                </c:pt>
-                <c:pt idx="125">
-                  <c:v>8.8887978000000006E-2</c:v>
-                </c:pt>
-                <c:pt idx="126">
-                  <c:v>8.8887978000000006E-2</c:v>
-                </c:pt>
-                <c:pt idx="127">
-                  <c:v>8.9431710999999997E-2</c:v>
-                </c:pt>
-                <c:pt idx="128">
-                  <c:v>8.9431710999999997E-2</c:v>
-                </c:pt>
-                <c:pt idx="129">
-                  <c:v>9.1085236999999999E-2</c:v>
-                </c:pt>
-                <c:pt idx="130">
-                  <c:v>9.1085236999999999E-2</c:v>
-                </c:pt>
-                <c:pt idx="131">
-                  <c:v>9.1085236999999999E-2</c:v>
-                </c:pt>
-                <c:pt idx="132">
-                  <c:v>0.10197173800000001</c:v>
-                </c:pt>
-                <c:pt idx="133">
-                  <c:v>0.102472013</c:v>
-                </c:pt>
-                <c:pt idx="134">
-                  <c:v>0.10502309</c:v>
-                </c:pt>
-                <c:pt idx="135">
-                  <c:v>0.10502309</c:v>
-                </c:pt>
-                <c:pt idx="136">
-                  <c:v>0.108741621</c:v>
-                </c:pt>
-                <c:pt idx="137">
-                  <c:v>0.108741621</c:v>
-                </c:pt>
-                <c:pt idx="138">
-                  <c:v>0.108741621</c:v>
-                </c:pt>
-                <c:pt idx="139">
-                  <c:v>0.10928764000000001</c:v>
-                </c:pt>
-                <c:pt idx="140">
-                  <c:v>0.10928764000000001</c:v>
-                </c:pt>
-                <c:pt idx="141">
-                  <c:v>0.110948985</c:v>
-                </c:pt>
-                <c:pt idx="142">
-                  <c:v>0.110948985</c:v>
-                </c:pt>
-                <c:pt idx="143">
-                  <c:v>0.110948985</c:v>
-                </c:pt>
-                <c:pt idx="144">
-                  <c:v>0.132126302</c:v>
-                </c:pt>
-                <c:pt idx="145">
-                  <c:v>0.13482549799999999</c:v>
-                </c:pt>
-                <c:pt idx="146">
-                  <c:v>0.13482549799999999</c:v>
-                </c:pt>
-                <c:pt idx="147">
-                  <c:v>0.13877241800000001</c:v>
-                </c:pt>
-                <c:pt idx="148">
-                  <c:v>0.13877241800000001</c:v>
-                </c:pt>
-                <c:pt idx="149">
-                  <c:v>0.13877241800000001</c:v>
-                </c:pt>
-                <c:pt idx="150">
-                  <c:v>0.139353217</c:v>
-                </c:pt>
-                <c:pt idx="151">
-                  <c:v>0.139353217</c:v>
-                </c:pt>
-                <c:pt idx="152">
-                  <c:v>0.14112234400000001</c:v>
-                </c:pt>
-                <c:pt idx="153">
-                  <c:v>0.14112234400000001</c:v>
-                </c:pt>
-                <c:pt idx="154">
-                  <c:v>0.14112234400000001</c:v>
-                </c:pt>
-                <c:pt idx="155">
-                  <c:v>0.14091737500000001</c:v>
-                </c:pt>
-                <c:pt idx="156">
-                  <c:v>0.14091737500000001</c:v>
-                </c:pt>
-                <c:pt idx="157">
-                  <c:v>0.144920148</c:v>
-                </c:pt>
-                <c:pt idx="158">
-                  <c:v>0.144920148</c:v>
-                </c:pt>
-                <c:pt idx="159">
-                  <c:v>0.144920148</c:v>
-                </c:pt>
-                <c:pt idx="160">
-                  <c:v>0.14550929400000001</c:v>
-                </c:pt>
-                <c:pt idx="161">
-                  <c:v>0.14550929400000001</c:v>
-                </c:pt>
-                <c:pt idx="162">
-                  <c:v>0.147304043</c:v>
-                </c:pt>
-                <c:pt idx="163">
-                  <c:v>0.147304043</c:v>
-                </c:pt>
-                <c:pt idx="164">
-                  <c:v>0.147304043</c:v>
-                </c:pt>
-                <c:pt idx="165">
-                  <c:v>0.23664091500000001</c:v>
-                </c:pt>
-                <c:pt idx="166">
-                  <c:v>0.24226135700000001</c:v>
-                </c:pt>
-                <c:pt idx="167">
-                  <c:v>0.24226135700000001</c:v>
-                </c:pt>
-                <c:pt idx="168">
-                  <c:v>0.24226135700000001</c:v>
-                </c:pt>
-                <c:pt idx="169">
-                  <c:v>0.24309197299999999</c:v>
-                </c:pt>
-                <c:pt idx="170">
-                  <c:v>0.24309197299999999</c:v>
-                </c:pt>
-                <c:pt idx="171">
-                  <c:v>0.24562766799999999</c:v>
-                </c:pt>
-                <c:pt idx="172">
-                  <c:v>0.24562766799999999</c:v>
-                </c:pt>
-                <c:pt idx="173">
-                  <c:v>0.24562766799999999</c:v>
-                </c:pt>
-                <c:pt idx="174">
-                  <c:v>0.27467317099999999</c:v>
-                </c:pt>
-                <c:pt idx="175">
-                  <c:v>0.27467317099999999</c:v>
-                </c:pt>
-                <c:pt idx="176">
-                  <c:v>0.27467317099999999</c:v>
-                </c:pt>
-                <c:pt idx="177">
-                  <c:v>0.27559821099999998</c:v>
-                </c:pt>
-                <c:pt idx="178">
-                  <c:v>0.27559821099999998</c:v>
-                </c:pt>
-                <c:pt idx="179">
-                  <c:v>0.27842322400000002</c:v>
-                </c:pt>
-                <c:pt idx="180">
-                  <c:v>0.27842322400000002</c:v>
-                </c:pt>
-                <c:pt idx="181">
-                  <c:v>0.27842322400000002</c:v>
-                </c:pt>
-                <c:pt idx="182">
-                  <c:v>0.30020780800000002</c:v>
-                </c:pt>
-                <c:pt idx="183">
-                  <c:v>0.30020780800000002</c:v>
-                </c:pt>
-                <c:pt idx="184">
-                  <c:v>0.30121927999999998</c:v>
-                </c:pt>
-                <c:pt idx="185">
-                  <c:v>0.30121927999999998</c:v>
-                </c:pt>
-                <c:pt idx="186">
-                  <c:v>0.30431005700000002</c:v>
-                </c:pt>
-                <c:pt idx="187">
-                  <c:v>0.30431005700000002</c:v>
-                </c:pt>
-                <c:pt idx="188">
-                  <c:v>0.30431005700000002</c:v>
-                </c:pt>
-                <c:pt idx="189">
-                  <c:v>0.35337000899999998</c:v>
-                </c:pt>
-                <c:pt idx="190">
-                  <c:v>0.35463729100000002</c:v>
-                </c:pt>
-                <c:pt idx="191">
-                  <c:v>0.35463729100000002</c:v>
-                </c:pt>
-                <c:pt idx="192">
-                  <c:v>0.35851734899999999</c:v>
-                </c:pt>
-                <c:pt idx="193">
-                  <c:v>0.35851734899999999</c:v>
-                </c:pt>
-                <c:pt idx="194">
-                  <c:v>0.35851734899999999</c:v>
-                </c:pt>
-                <c:pt idx="195">
-                  <c:v>0.36304798399999999</c:v>
-                </c:pt>
-                <c:pt idx="196">
-                  <c:v>0.36304798399999999</c:v>
-                </c:pt>
-                <c:pt idx="197">
-                  <c:v>0.36701084499999997</c:v>
-                </c:pt>
-                <c:pt idx="198">
-                  <c:v>0.36701084499999997</c:v>
-                </c:pt>
-                <c:pt idx="199">
-                  <c:v>0.36701084499999997</c:v>
-                </c:pt>
-                <c:pt idx="200">
-                  <c:v>0.36710500200000001</c:v>
-                </c:pt>
-                <c:pt idx="201">
-                  <c:v>0.37270068200000001</c:v>
-                </c:pt>
-                <c:pt idx="202">
-                  <c:v>0.37270068200000001</c:v>
-                </c:pt>
-                <c:pt idx="203">
-                  <c:v>0.37270068200000001</c:v>
-                </c:pt>
-                <c:pt idx="204">
-                  <c:v>0.36471753000000001</c:v>
-                </c:pt>
-                <c:pt idx="205">
-                  <c:v>0.36471753000000001</c:v>
-                </c:pt>
-                <c:pt idx="206">
-                  <c:v>0.36471753000000001</c:v>
-                </c:pt>
-                <c:pt idx="207">
-                  <c:v>0.25434381099999998</c:v>
-                </c:pt>
-                <c:pt idx="208">
-                  <c:v>0.25434381099999998</c:v>
-                </c:pt>
-                <c:pt idx="209">
-                  <c:v>0.25310038200000001</c:v>
-                </c:pt>
-              </c:numCache>
-            </c:numRef>
-          </c:val>
-          <c:smooth val="0"/>
-          <c:extLst>
-            <c:ext xmlns:c16="http://schemas.microsoft.com/office/drawing/2014/chart" uri="{C3380CC4-5D6E-409C-BE32-E72D297353CC}">
-              <c16:uniqueId val="{00000000-56B9-41D7-9C23-361238023ECA}"/>
-            </c:ext>
-          </c:extLst>
-        </c:ser>
-        <c:ser>
-          <c:idx val="1"/>
-          <c:order val="1"/>
-          <c:tx>
-            <c:v>MCC-0.5</c:v>
-          </c:tx>
-          <c:spPr>
-            <a:ln w="19050" cap="rnd">
-              <a:solidFill>
-                <a:schemeClr val="accent2"/>
-              </a:solidFill>
-              <a:round/>
-            </a:ln>
-            <a:effectLst/>
-          </c:spPr>
-          <c:marker>
-            <c:symbol val="none"/>
-          </c:marker>
-          <c:cat>
-            <c:strRef>
-              <c:f>'FUZZY-MATCH'!$A$2:$A$211</c:f>
-              <c:strCache>
-                <c:ptCount val="210"/>
-                <c:pt idx="0">
-                  <c:v>0.0_0.05</c:v>
-                </c:pt>
-                <c:pt idx="1">
-                  <c:v>0.0_0.1</c:v>
-                </c:pt>
-                <c:pt idx="2">
-                  <c:v>0.0_0.15</c:v>
-                </c:pt>
-                <c:pt idx="3">
-                  <c:v>0.0_0.2</c:v>
-                </c:pt>
-                <c:pt idx="4">
-                  <c:v>0.0_0.25</c:v>
-                </c:pt>
-                <c:pt idx="5">
-                  <c:v>0.0_0.3</c:v>
-                </c:pt>
-                <c:pt idx="6">
-                  <c:v>0.0_0.35</c:v>
-                </c:pt>
-                <c:pt idx="7">
-                  <c:v>0.0_0.4</c:v>
-                </c:pt>
-                <c:pt idx="8">
-                  <c:v>0.0_0.45</c:v>
-                </c:pt>
-                <c:pt idx="9">
-                  <c:v>0.0_0.5</c:v>
-                </c:pt>
-                <c:pt idx="10">
-                  <c:v>0.0_0.55</c:v>
-                </c:pt>
-                <c:pt idx="11">
-                  <c:v>0.0_0.6</c:v>
-                </c:pt>
-                <c:pt idx="12">
-                  <c:v>0.0_0.65</c:v>
-                </c:pt>
-                <c:pt idx="13">
-                  <c:v>0.0_0.7</c:v>
-                </c:pt>
-                <c:pt idx="14">
-                  <c:v>0.0_0.75</c:v>
-                </c:pt>
-                <c:pt idx="15">
-                  <c:v>0.0_0.8</c:v>
-                </c:pt>
-                <c:pt idx="16">
-                  <c:v>0.0_0.85</c:v>
-                </c:pt>
-                <c:pt idx="17">
-                  <c:v>0.0_0.9</c:v>
-                </c:pt>
-                <c:pt idx="18">
-                  <c:v>0.0_0.95</c:v>
-                </c:pt>
-                <c:pt idx="19">
-                  <c:v>0.0_1.0</c:v>
-                </c:pt>
-                <c:pt idx="20">
-                  <c:v>0.05_0.1</c:v>
-                </c:pt>
-                <c:pt idx="21">
-                  <c:v>0.05_0.15</c:v>
-                </c:pt>
-                <c:pt idx="22">
-                  <c:v>0.05_0.2</c:v>
-                </c:pt>
-                <c:pt idx="23">
-                  <c:v>0.05_0.25</c:v>
-                </c:pt>
-                <c:pt idx="24">
-                  <c:v>0.05_0.3</c:v>
-                </c:pt>
-                <c:pt idx="25">
-                  <c:v>0.05_0.35</c:v>
-                </c:pt>
-                <c:pt idx="26">
-                  <c:v>0.05_0.4</c:v>
-                </c:pt>
-                <c:pt idx="27">
-                  <c:v>0.05_0.45</c:v>
-                </c:pt>
-                <c:pt idx="28">
-                  <c:v>0.05_0.5</c:v>
-                </c:pt>
-                <c:pt idx="29">
-                  <c:v>0.05_0.55</c:v>
-                </c:pt>
-                <c:pt idx="30">
-                  <c:v>0.05_0.6</c:v>
-                </c:pt>
-                <c:pt idx="31">
-                  <c:v>0.05_0.65</c:v>
-                </c:pt>
-                <c:pt idx="32">
-                  <c:v>0.05_0.7</c:v>
-                </c:pt>
-                <c:pt idx="33">
-                  <c:v>0.05_0.75</c:v>
-                </c:pt>
-                <c:pt idx="34">
-                  <c:v>0.05_0.8</c:v>
-                </c:pt>
-                <c:pt idx="35">
-                  <c:v>0.05_0.85</c:v>
-                </c:pt>
-                <c:pt idx="36">
-                  <c:v>0.05_0.9</c:v>
-                </c:pt>
-                <c:pt idx="37">
-                  <c:v>0.05_0.95</c:v>
-                </c:pt>
-                <c:pt idx="38">
-                  <c:v>0.05_1.0</c:v>
-                </c:pt>
-                <c:pt idx="39">
-                  <c:v>0.1_0.15</c:v>
-                </c:pt>
-                <c:pt idx="40">
-                  <c:v>0.1_0.2</c:v>
-                </c:pt>
-                <c:pt idx="41">
-                  <c:v>0.1_0.25</c:v>
-                </c:pt>
-                <c:pt idx="42">
-                  <c:v>0.1_0.3</c:v>
-                </c:pt>
-                <c:pt idx="43">
-                  <c:v>0.1_0.35</c:v>
-                </c:pt>
-                <c:pt idx="44">
-                  <c:v>0.1_0.4</c:v>
-                </c:pt>
-                <c:pt idx="45">
-                  <c:v>0.1_0.45</c:v>
-                </c:pt>
-                <c:pt idx="46">
-                  <c:v>0.1_0.5</c:v>
-                </c:pt>
-                <c:pt idx="47">
-                  <c:v>0.1_0.55</c:v>
-                </c:pt>
-                <c:pt idx="48">
-                  <c:v>0.1_0.6</c:v>
-                </c:pt>
-                <c:pt idx="49">
-                  <c:v>0.1_0.65</c:v>
-                </c:pt>
-                <c:pt idx="50">
-                  <c:v>0.1_0.7</c:v>
-                </c:pt>
-                <c:pt idx="51">
-                  <c:v>0.1_0.75</c:v>
-                </c:pt>
-                <c:pt idx="52">
-                  <c:v>0.1_0.8</c:v>
-                </c:pt>
-                <c:pt idx="53">
-                  <c:v>0.1_0.85</c:v>
-                </c:pt>
-                <c:pt idx="54">
-                  <c:v>0.1_0.9</c:v>
-                </c:pt>
-                <c:pt idx="55">
-                  <c:v>0.1_0.95</c:v>
-                </c:pt>
-                <c:pt idx="56">
-                  <c:v>0.1_1.0</c:v>
-                </c:pt>
-                <c:pt idx="57">
-                  <c:v>0.15_0.2</c:v>
-                </c:pt>
-                <c:pt idx="58">
-                  <c:v>0.15_0.25</c:v>
-                </c:pt>
-                <c:pt idx="59">
-                  <c:v>0.15_0.3</c:v>
-                </c:pt>
-                <c:pt idx="60">
-                  <c:v>0.15_0.35</c:v>
-                </c:pt>
-                <c:pt idx="61">
-                  <c:v>0.15_0.4</c:v>
-                </c:pt>
-                <c:pt idx="62">
-                  <c:v>0.15_0.45</c:v>
-                </c:pt>
-                <c:pt idx="63">
-                  <c:v>0.15_0.5</c:v>
-                </c:pt>
-                <c:pt idx="64">
-                  <c:v>0.15_0.55</c:v>
-                </c:pt>
-                <c:pt idx="65">
-                  <c:v>0.15_0.6</c:v>
-                </c:pt>
-                <c:pt idx="66">
-                  <c:v>0.15_0.65</c:v>
-                </c:pt>
-                <c:pt idx="67">
-                  <c:v>0.15_0.7</c:v>
-                </c:pt>
-                <c:pt idx="68">
-                  <c:v>0.15_0.75</c:v>
-                </c:pt>
-                <c:pt idx="69">
-                  <c:v>0.15_0.8</c:v>
-                </c:pt>
-                <c:pt idx="70">
-                  <c:v>0.15_0.85</c:v>
-                </c:pt>
-                <c:pt idx="71">
-                  <c:v>0.15_0.9</c:v>
-                </c:pt>
-                <c:pt idx="72">
-                  <c:v>0.15_0.95</c:v>
-                </c:pt>
-                <c:pt idx="73">
-                  <c:v>0.15_1.0</c:v>
-                </c:pt>
-                <c:pt idx="74">
-                  <c:v>0.2_0.25</c:v>
-                </c:pt>
-                <c:pt idx="75">
-                  <c:v>0.2_0.3</c:v>
-                </c:pt>
-                <c:pt idx="76">
-                  <c:v>0.2_0.35</c:v>
-                </c:pt>
-                <c:pt idx="77">
-                  <c:v>0.2_0.4</c:v>
-                </c:pt>
-                <c:pt idx="78">
-                  <c:v>0.2_0.45</c:v>
-                </c:pt>
-                <c:pt idx="79">
-                  <c:v>0.2_0.5</c:v>
-                </c:pt>
-                <c:pt idx="80">
-                  <c:v>0.2_0.55</c:v>
-                </c:pt>
-                <c:pt idx="81">
-                  <c:v>0.2_0.6</c:v>
-                </c:pt>
-                <c:pt idx="82">
-                  <c:v>0.2_0.65</c:v>
-                </c:pt>
-                <c:pt idx="83">
-                  <c:v>0.2_0.7</c:v>
-                </c:pt>
-                <c:pt idx="84">
-                  <c:v>0.2_0.75</c:v>
-                </c:pt>
-                <c:pt idx="85">
-                  <c:v>0.2_0.8</c:v>
-                </c:pt>
-                <c:pt idx="86">
-                  <c:v>0.2_0.85</c:v>
-                </c:pt>
-                <c:pt idx="87">
-                  <c:v>0.2_0.9</c:v>
-                </c:pt>
-                <c:pt idx="88">
-                  <c:v>0.2_0.95</c:v>
-                </c:pt>
-                <c:pt idx="89">
-                  <c:v>0.2_1.0</c:v>
-                </c:pt>
-                <c:pt idx="90">
-                  <c:v>0.25_0.3</c:v>
-                </c:pt>
-                <c:pt idx="91">
-                  <c:v>0.25_0.35</c:v>
-                </c:pt>
-                <c:pt idx="92">
-                  <c:v>0.25_0.4</c:v>
-                </c:pt>
-                <c:pt idx="93">
-                  <c:v>0.25_0.45</c:v>
-                </c:pt>
-                <c:pt idx="94">
-                  <c:v>0.25_0.5</c:v>
-                </c:pt>
-                <c:pt idx="95">
-                  <c:v>0.25_0.55</c:v>
-                </c:pt>
-                <c:pt idx="96">
-                  <c:v>0.25_0.6</c:v>
-                </c:pt>
-                <c:pt idx="97">
-                  <c:v>0.25_0.65</c:v>
-                </c:pt>
-                <c:pt idx="98">
-                  <c:v>0.25_0.7</c:v>
-                </c:pt>
-                <c:pt idx="99">
-                  <c:v>0.25_0.75</c:v>
-                </c:pt>
-                <c:pt idx="100">
-                  <c:v>0.25_0.8</c:v>
-                </c:pt>
-                <c:pt idx="101">
-                  <c:v>0.25_0.85</c:v>
-                </c:pt>
-                <c:pt idx="102">
-                  <c:v>0.25_0.9</c:v>
-                </c:pt>
-                <c:pt idx="103">
-                  <c:v>0.25_0.95</c:v>
-                </c:pt>
-                <c:pt idx="104">
-                  <c:v>0.25_1.0</c:v>
-                </c:pt>
-                <c:pt idx="105">
-                  <c:v>0.3_0.35</c:v>
-                </c:pt>
-                <c:pt idx="106">
-                  <c:v>0.3_0.4</c:v>
-                </c:pt>
-                <c:pt idx="107">
-                  <c:v>0.3_0.45</c:v>
-                </c:pt>
-                <c:pt idx="108">
-                  <c:v>0.3_0.5</c:v>
-                </c:pt>
-                <c:pt idx="109">
-                  <c:v>0.3_0.55</c:v>
-                </c:pt>
-                <c:pt idx="110">
-                  <c:v>0.3_0.6</c:v>
-                </c:pt>
-                <c:pt idx="111">
-                  <c:v>0.3_0.65</c:v>
-                </c:pt>
-                <c:pt idx="112">
-                  <c:v>0.3_0.7</c:v>
-                </c:pt>
-                <c:pt idx="113">
-                  <c:v>0.3_0.75</c:v>
-                </c:pt>
-                <c:pt idx="114">
-                  <c:v>0.3_0.8</c:v>
-                </c:pt>
-                <c:pt idx="115">
-                  <c:v>0.3_0.85</c:v>
-                </c:pt>
-                <c:pt idx="116">
-                  <c:v>0.3_0.9</c:v>
-                </c:pt>
-                <c:pt idx="117">
-                  <c:v>0.3_0.95</c:v>
-                </c:pt>
-                <c:pt idx="118">
-                  <c:v>0.3_1.0</c:v>
-                </c:pt>
-                <c:pt idx="119">
-                  <c:v>0.35_0.4</c:v>
-                </c:pt>
-                <c:pt idx="120">
-                  <c:v>0.35_0.45</c:v>
-                </c:pt>
-                <c:pt idx="121">
-                  <c:v>0.35_0.5</c:v>
-                </c:pt>
-                <c:pt idx="122">
-                  <c:v>0.35_0.55</c:v>
-                </c:pt>
-                <c:pt idx="123">
-                  <c:v>0.35_0.6</c:v>
-                </c:pt>
-                <c:pt idx="124">
-                  <c:v>0.35_0.65</c:v>
-                </c:pt>
-                <c:pt idx="125">
-                  <c:v>0.35_0.7</c:v>
-                </c:pt>
-                <c:pt idx="126">
-                  <c:v>0.35_0.75</c:v>
-                </c:pt>
-                <c:pt idx="127">
-                  <c:v>0.35_0.8</c:v>
-                </c:pt>
-                <c:pt idx="128">
-                  <c:v>0.35_0.85</c:v>
-                </c:pt>
-                <c:pt idx="129">
-                  <c:v>0.35_0.9</c:v>
-                </c:pt>
-                <c:pt idx="130">
-                  <c:v>0.35_0.95</c:v>
-                </c:pt>
-                <c:pt idx="131">
-                  <c:v>0.35_1.0</c:v>
-                </c:pt>
-                <c:pt idx="132">
-                  <c:v>0.4_0.45</c:v>
-                </c:pt>
-                <c:pt idx="133">
-                  <c:v>0.4_0.5</c:v>
-                </c:pt>
-                <c:pt idx="134">
-                  <c:v>0.4_0.55</c:v>
-                </c:pt>
-                <c:pt idx="135">
-                  <c:v>0.4_0.6</c:v>
-                </c:pt>
-                <c:pt idx="136">
-                  <c:v>0.4_0.65</c:v>
-                </c:pt>
-                <c:pt idx="137">
-                  <c:v>0.4_0.7</c:v>
-                </c:pt>
-                <c:pt idx="138">
-                  <c:v>0.4_0.75</c:v>
-                </c:pt>
-                <c:pt idx="139">
-                  <c:v>0.4_0.8</c:v>
-                </c:pt>
-                <c:pt idx="140">
-                  <c:v>0.4_0.85</c:v>
-                </c:pt>
-                <c:pt idx="141">
-                  <c:v>0.4_0.9</c:v>
-                </c:pt>
-                <c:pt idx="142">
-                  <c:v>0.4_0.95</c:v>
-                </c:pt>
-                <c:pt idx="143">
-                  <c:v>0.4_1.0</c:v>
-                </c:pt>
-                <c:pt idx="144">
-                  <c:v>0.45_0.5</c:v>
-                </c:pt>
-                <c:pt idx="145">
-                  <c:v>0.45_0.55</c:v>
-                </c:pt>
-                <c:pt idx="146">
-                  <c:v>0.45_0.6</c:v>
-                </c:pt>
-                <c:pt idx="147">
-                  <c:v>0.45_0.65</c:v>
-                </c:pt>
-                <c:pt idx="148">
-                  <c:v>0.45_0.7</c:v>
-                </c:pt>
-                <c:pt idx="149">
-                  <c:v>0.45_0.75</c:v>
-                </c:pt>
-                <c:pt idx="150">
-                  <c:v>0.45_0.8</c:v>
-                </c:pt>
-                <c:pt idx="151">
-                  <c:v>0.45_0.85</c:v>
-                </c:pt>
-                <c:pt idx="152">
-                  <c:v>0.45_0.9</c:v>
-                </c:pt>
-                <c:pt idx="153">
-                  <c:v>0.45_0.95</c:v>
-                </c:pt>
-                <c:pt idx="154">
-                  <c:v>0.45_1.0</c:v>
-                </c:pt>
-                <c:pt idx="155">
-                  <c:v>0.5_0.55</c:v>
-                </c:pt>
-                <c:pt idx="156">
-                  <c:v>0.5_0.6</c:v>
-                </c:pt>
-                <c:pt idx="157">
-                  <c:v>0.5_0.65</c:v>
-                </c:pt>
-                <c:pt idx="158">
-                  <c:v>0.5_0.7</c:v>
-                </c:pt>
-                <c:pt idx="159">
-                  <c:v>0.5_0.75</c:v>
-                </c:pt>
-                <c:pt idx="160">
-                  <c:v>0.5_0.8</c:v>
-                </c:pt>
-                <c:pt idx="161">
-                  <c:v>0.5_0.85</c:v>
-                </c:pt>
-                <c:pt idx="162">
-                  <c:v>0.5_0.9</c:v>
-                </c:pt>
-                <c:pt idx="163">
-                  <c:v>0.5_0.95</c:v>
-                </c:pt>
-                <c:pt idx="164">
-                  <c:v>0.5_1.0</c:v>
-                </c:pt>
-                <c:pt idx="165">
-                  <c:v>0.55_0.6</c:v>
-                </c:pt>
-                <c:pt idx="166">
-                  <c:v>0.55_0.65</c:v>
-                </c:pt>
-                <c:pt idx="167">
-                  <c:v>0.55_0.7</c:v>
-                </c:pt>
-                <c:pt idx="168">
-                  <c:v>0.55_0.75</c:v>
-                </c:pt>
-                <c:pt idx="169">
-                  <c:v>0.55_0.8</c:v>
-                </c:pt>
-                <c:pt idx="170">
-                  <c:v>0.55_0.85</c:v>
-                </c:pt>
-                <c:pt idx="171">
-                  <c:v>0.55_0.9</c:v>
-                </c:pt>
-                <c:pt idx="172">
-                  <c:v>0.55_0.95</c:v>
-                </c:pt>
-                <c:pt idx="173">
-                  <c:v>0.55_1.0</c:v>
-                </c:pt>
-                <c:pt idx="174">
-                  <c:v>0.6_0.65</c:v>
-                </c:pt>
-                <c:pt idx="175">
-                  <c:v>0.6_0.7</c:v>
-                </c:pt>
-                <c:pt idx="176">
-                  <c:v>0.6_0.75</c:v>
-                </c:pt>
-                <c:pt idx="177">
-                  <c:v>0.6_0.8</c:v>
-                </c:pt>
-                <c:pt idx="178">
-                  <c:v>0.6_0.85</c:v>
-                </c:pt>
-                <c:pt idx="179">
-                  <c:v>0.6_0.9</c:v>
-                </c:pt>
-                <c:pt idx="180">
-                  <c:v>0.6_0.95</c:v>
-                </c:pt>
-                <c:pt idx="181">
-                  <c:v>0.6_1.0</c:v>
-                </c:pt>
-                <c:pt idx="182">
-                  <c:v>0.65_0.7</c:v>
-                </c:pt>
-                <c:pt idx="183">
-                  <c:v>0.65_0.75</c:v>
-                </c:pt>
-                <c:pt idx="184">
-                  <c:v>0.65_0.8</c:v>
-                </c:pt>
-                <c:pt idx="185">
-                  <c:v>0.65_0.85</c:v>
-                </c:pt>
-                <c:pt idx="186">
-                  <c:v>0.65_0.9</c:v>
-                </c:pt>
-                <c:pt idx="187">
-                  <c:v>0.65_0.95</c:v>
-                </c:pt>
-                <c:pt idx="188">
-                  <c:v>0.65_1.0</c:v>
-                </c:pt>
-                <c:pt idx="189">
-                  <c:v>0.7_0.75</c:v>
-                </c:pt>
-                <c:pt idx="190">
-                  <c:v>0.7_0.8</c:v>
-                </c:pt>
-                <c:pt idx="191">
-                  <c:v>0.7_0.85</c:v>
-                </c:pt>
-                <c:pt idx="192">
-                  <c:v>0.7_0.9</c:v>
-                </c:pt>
-                <c:pt idx="193">
-                  <c:v>0.7_0.95</c:v>
-                </c:pt>
-                <c:pt idx="194">
-                  <c:v>0.7_1.0</c:v>
-                </c:pt>
-                <c:pt idx="195">
-                  <c:v>0.75_0.8</c:v>
-                </c:pt>
-                <c:pt idx="196">
-                  <c:v>0.75_0.85</c:v>
-                </c:pt>
-                <c:pt idx="197">
-                  <c:v>0.75_0.9</c:v>
-                </c:pt>
-                <c:pt idx="198">
-                  <c:v>0.75_0.95</c:v>
-                </c:pt>
-                <c:pt idx="199">
-                  <c:v>0.75_1.0</c:v>
-                </c:pt>
-                <c:pt idx="200">
-                  <c:v>0.8_0.85</c:v>
-                </c:pt>
-                <c:pt idx="201">
-                  <c:v>0.8_0.9</c:v>
-                </c:pt>
-                <c:pt idx="202">
-                  <c:v>0.8_0.95</c:v>
-                </c:pt>
-                <c:pt idx="203">
-                  <c:v>0.8_1.0</c:v>
-                </c:pt>
-                <c:pt idx="204">
-                  <c:v>0.85_0.9</c:v>
-                </c:pt>
-                <c:pt idx="205">
-                  <c:v>0.85_0.95</c:v>
-                </c:pt>
-                <c:pt idx="206">
-                  <c:v>0.85_1.0</c:v>
-                </c:pt>
-                <c:pt idx="207">
-                  <c:v>0.9_0.95</c:v>
-                </c:pt>
-                <c:pt idx="208">
-                  <c:v>0.9_1.0</c:v>
-                </c:pt>
-                <c:pt idx="209">
-                  <c:v>0.95_1.0</c:v>
-                </c:pt>
-              </c:strCache>
-            </c:strRef>
-          </c:cat>
-          <c:val>
-            <c:numRef>
-              <c:f>'FUZZY-MATCH'!$C$2:$C$211</c:f>
-              <c:numCache>
-                <c:formatCode>General</c:formatCode>
-                <c:ptCount val="210"/>
-                <c:pt idx="0">
-                  <c:v>0.21179958300000001</c:v>
-                </c:pt>
-                <c:pt idx="1">
-                  <c:v>0.211798766</c:v>
-                </c:pt>
-                <c:pt idx="2">
-                  <c:v>0.28828939100000001</c:v>
-                </c:pt>
-                <c:pt idx="3">
-                  <c:v>0.249435249</c:v>
-                </c:pt>
-                <c:pt idx="4">
-                  <c:v>0.31239766200000002</c:v>
-                </c:pt>
-                <c:pt idx="5">
-                  <c:v>0.244159285</c:v>
-                </c:pt>
-                <c:pt idx="6">
-                  <c:v>0.332977886</c:v>
-                </c:pt>
-                <c:pt idx="7">
-                  <c:v>0.36442037599999999</c:v>
-                </c:pt>
-                <c:pt idx="8">
-                  <c:v>0.42045392700000001</c:v>
-                </c:pt>
-                <c:pt idx="9">
-                  <c:v>0.43432082999999999</c:v>
-                </c:pt>
-                <c:pt idx="10">
-                  <c:v>0.45213420199999999</c:v>
-                </c:pt>
-                <c:pt idx="11">
-                  <c:v>0.439470843</c:v>
-                </c:pt>
-                <c:pt idx="12">
-                  <c:v>0.50732725700000003</c:v>
-                </c:pt>
-                <c:pt idx="13">
-                  <c:v>0.44288182399999998</c:v>
-                </c:pt>
-                <c:pt idx="14">
-                  <c:v>0.44015572800000002</c:v>
-                </c:pt>
-                <c:pt idx="15">
-                  <c:v>0.270836507</c:v>
-                </c:pt>
-                <c:pt idx="16">
-                  <c:v>0.24133196900000001</c:v>
-                </c:pt>
-                <c:pt idx="17">
-                  <c:v>0.241035267</c:v>
-                </c:pt>
-                <c:pt idx="18">
-                  <c:v>0.22231125099999999</c:v>
-                </c:pt>
-                <c:pt idx="19">
-                  <c:v>0.22231125099999999</c:v>
-                </c:pt>
-                <c:pt idx="20">
-                  <c:v>-2.4896800000000002E-4</c:v>
-                </c:pt>
-                <c:pt idx="21">
-                  <c:v>0.163007121</c:v>
-                </c:pt>
-                <c:pt idx="22">
-                  <c:v>0.126011863</c:v>
-                </c:pt>
-                <c:pt idx="23">
-                  <c:v>0.21326182099999999</c:v>
-                </c:pt>
-                <c:pt idx="24">
-                  <c:v>0.179006848</c:v>
-                </c:pt>
-                <c:pt idx="25">
-                  <c:v>0.28292494200000001</c:v>
-                </c:pt>
-                <c:pt idx="26">
-                  <c:v>0.31663865499999999</c:v>
-                </c:pt>
-                <c:pt idx="27">
-                  <c:v>0.37898585600000001</c:v>
-                </c:pt>
-                <c:pt idx="28">
-                  <c:v>0.39380603400000003</c:v>
-                </c:pt>
-                <c:pt idx="29">
-                  <c:v>0.42769269300000001</c:v>
-                </c:pt>
-                <c:pt idx="30">
-                  <c:v>0.42142654000000002</c:v>
-                </c:pt>
-                <c:pt idx="31">
-                  <c:v>0.49892578500000001</c:v>
-                </c:pt>
-                <c:pt idx="32">
-                  <c:v>0.46179090099999998</c:v>
-                </c:pt>
-                <c:pt idx="33">
-                  <c:v>0.46173269</c:v>
-                </c:pt>
-                <c:pt idx="34">
-                  <c:v>0.39348895099999998</c:v>
-                </c:pt>
-                <c:pt idx="35">
-                  <c:v>0.385011406</c:v>
-                </c:pt>
-                <c:pt idx="36">
-                  <c:v>0.39458305900000001</c:v>
-                </c:pt>
-                <c:pt idx="37">
-                  <c:v>0.39206479799999999</c:v>
-                </c:pt>
-                <c:pt idx="38">
-                  <c:v>0.39206479799999999</c:v>
-                </c:pt>
-                <c:pt idx="39">
-                  <c:v>0.16300778699999999</c:v>
-                </c:pt>
-                <c:pt idx="40">
-                  <c:v>0.12601301500000001</c:v>
-                </c:pt>
-                <c:pt idx="41">
-                  <c:v>0.21326328899999999</c:v>
-                </c:pt>
-                <c:pt idx="42">
-                  <c:v>0.17901273500000001</c:v>
-                </c:pt>
-                <c:pt idx="43">
-                  <c:v>0.28293925199999997</c:v>
-                </c:pt>
-                <c:pt idx="44">
-                  <c:v>0.31665913299999998</c:v>
-                </c:pt>
-                <c:pt idx="45">
-                  <c:v>0.379021524</c:v>
-                </c:pt>
-                <c:pt idx="46">
-                  <c:v>0.39384448500000002</c:v>
-                </c:pt>
-                <c:pt idx="47">
-                  <c:v>0.42779139999999999</c:v>
-                </c:pt>
-                <c:pt idx="48">
-                  <c:v>0.42154276200000002</c:v>
-                </c:pt>
-                <c:pt idx="49">
-                  <c:v>0.49904684999999999</c:v>
-                </c:pt>
-                <c:pt idx="50">
-                  <c:v>0.46195127600000002</c:v>
-                </c:pt>
-                <c:pt idx="51">
-                  <c:v>0.46189497899999998</c:v>
-                </c:pt>
-                <c:pt idx="52">
-                  <c:v>0.39372721900000002</c:v>
-                </c:pt>
-                <c:pt idx="53">
-                  <c:v>0.38525961399999997</c:v>
-                </c:pt>
-                <c:pt idx="54">
-                  <c:v>0.39483443899999998</c:v>
-                </c:pt>
-                <c:pt idx="55">
-                  <c:v>0.39232044500000002</c:v>
-                </c:pt>
-                <c:pt idx="56">
-                  <c:v>0.39232044500000002</c:v>
-                </c:pt>
-                <c:pt idx="57">
-                  <c:v>-4.5201099999999999E-4</c:v>
-                </c:pt>
-                <c:pt idx="58">
-                  <c:v>0.12598601400000001</c:v>
-                </c:pt>
-                <c:pt idx="59">
-                  <c:v>0.13198307500000001</c:v>
-                </c:pt>
-                <c:pt idx="60">
-                  <c:v>0.24758279</c:v>
-                </c:pt>
-                <c:pt idx="61">
-                  <c:v>0.282725901</c:v>
-                </c:pt>
-                <c:pt idx="62">
-                  <c:v>0.34894813200000002</c:v>
-                </c:pt>
-                <c:pt idx="63">
-                  <c:v>0.364266541</c:v>
-                </c:pt>
-                <c:pt idx="64">
-                  <c:v>0.40227713399999998</c:v>
-                </c:pt>
-                <c:pt idx="65">
-                  <c:v>0.39647200300000002</c:v>
-                </c:pt>
-                <c:pt idx="66">
-                  <c:v>0.476247857</c:v>
-                </c:pt>
-                <c:pt idx="67">
-                  <c:v>0.44069608900000001</c:v>
-                </c:pt>
-                <c:pt idx="68">
-                  <c:v>0.44066375800000002</c:v>
-                </c:pt>
-                <c:pt idx="69">
-                  <c:v>0.37628436999999998</c:v>
-                </c:pt>
-                <c:pt idx="70">
-                  <c:v>0.36825495899999999</c:v>
-                </c:pt>
-                <c:pt idx="71">
-                  <c:v>0.37892754200000001</c:v>
-                </c:pt>
-                <c:pt idx="72">
-                  <c:v>0.376553425</c:v>
-                </c:pt>
-                <c:pt idx="73">
-                  <c:v>0.376553425</c:v>
-                </c:pt>
-                <c:pt idx="74">
-                  <c:v>0.12601282999999999</c:v>
-                </c:pt>
-                <c:pt idx="75">
-                  <c:v>0.13209091000000001</c:v>
-                </c:pt>
-                <c:pt idx="76">
-                  <c:v>0.24782300800000001</c:v>
-                </c:pt>
-                <c:pt idx="77">
-                  <c:v>0.28305066600000001</c:v>
-                </c:pt>
-                <c:pt idx="78">
-                  <c:v>0.34946021599999999</c:v>
-                </c:pt>
-                <c:pt idx="79">
-                  <c:v>0.36480859700000001</c:v>
-                </c:pt>
-                <c:pt idx="80">
-                  <c:v>0.403389106</c:v>
-                </c:pt>
-                <c:pt idx="81">
-                  <c:v>0.39772574399999999</c:v>
-                </c:pt>
-                <c:pt idx="82">
-                  <c:v>0.477504015</c:v>
-                </c:pt>
-                <c:pt idx="83">
-                  <c:v>0.44227221</c:v>
-                </c:pt>
-                <c:pt idx="84">
-                  <c:v>0.44225221300000001</c:v>
-                </c:pt>
-                <c:pt idx="85">
-                  <c:v>0.37849922800000002</c:v>
-                </c:pt>
-                <c:pt idx="86">
-                  <c:v>0.37055114</c:v>
-                </c:pt>
-                <c:pt idx="87">
-                  <c:v>0.38125431799999998</c:v>
-                </c:pt>
-                <c:pt idx="88">
-                  <c:v>0.37891207300000002</c:v>
-                </c:pt>
-                <c:pt idx="89">
-                  <c:v>0.37891207300000002</c:v>
-                </c:pt>
-                <c:pt idx="90">
-                  <c:v>8.1811061000000004E-2</c:v>
-                </c:pt>
-                <c:pt idx="91">
-                  <c:v>0.211116304</c:v>
-                </c:pt>
-                <c:pt idx="92">
-                  <c:v>0.24790241199999999</c:v>
-                </c:pt>
-                <c:pt idx="93">
-                  <c:v>0.318516629</c:v>
-                </c:pt>
-                <c:pt idx="94">
-                  <c:v>0.33438561300000003</c:v>
-                </c:pt>
-                <c:pt idx="95">
-                  <c:v>0.37701034999999999</c:v>
-                </c:pt>
-                <c:pt idx="96">
-                  <c:v>0.37170025600000001</c:v>
-                </c:pt>
-                <c:pt idx="97">
-                  <c:v>0.45383125699999999</c:v>
-                </c:pt>
-                <c:pt idx="98">
-                  <c:v>0.41999146199999998</c:v>
-                </c:pt>
-                <c:pt idx="99">
-                  <c:v>0.41998110999999999</c:v>
-                </c:pt>
-                <c:pt idx="100">
-                  <c:v>0.35974290799999997</c:v>
-                </c:pt>
-                <c:pt idx="101">
-                  <c:v>0.352190004</c:v>
-                </c:pt>
-                <c:pt idx="102">
-                  <c:v>0.36402841499999999</c:v>
-                </c:pt>
-                <c:pt idx="103">
-                  <c:v>0.36180234</c:v>
-                </c:pt>
-                <c:pt idx="104">
-                  <c:v>0.36180234</c:v>
-                </c:pt>
-                <c:pt idx="105">
-                  <c:v>0.152909935</c:v>
-                </c:pt>
-                <c:pt idx="106">
-                  <c:v>0.19226906299999999</c:v>
-                </c:pt>
-                <c:pt idx="107">
-                  <c:v>0.26986808400000001</c:v>
-                </c:pt>
-                <c:pt idx="108">
-                  <c:v>0.28657185699999999</c:v>
-                </c:pt>
-                <c:pt idx="109">
-                  <c:v>0.33545415099999998</c:v>
-                </c:pt>
-                <c:pt idx="110">
-                  <c:v>0.33061448399999999</c:v>
-                </c:pt>
-                <c:pt idx="111">
-                  <c:v>0.41656220300000002</c:v>
-                </c:pt>
-                <c:pt idx="112">
-                  <c:v>0.38475399500000002</c:v>
-                </c:pt>
-                <c:pt idx="113">
-                  <c:v>0.38474935500000002</c:v>
-                </c:pt>
-                <c:pt idx="114">
-                  <c:v>0.32967291399999998</c:v>
-                </c:pt>
-                <c:pt idx="115">
-                  <c:v>0.32268486800000001</c:v>
-                </c:pt>
-                <c:pt idx="116">
-                  <c:v>0.33629482599999999</c:v>
-                </c:pt>
-                <c:pt idx="117">
-                  <c:v>0.33422769499999999</c:v>
-                </c:pt>
-                <c:pt idx="118">
-                  <c:v>0.33422769499999999</c:v>
-                </c:pt>
-                <c:pt idx="119">
-                  <c:v>4.5605172999999999E-2</c:v>
-                </c:pt>
-                <c:pt idx="120">
-                  <c:v>0.144240853</c:v>
-                </c:pt>
-                <c:pt idx="121">
-                  <c:v>0.16330334799999999</c:v>
-                </c:pt>
-                <c:pt idx="122">
-                  <c:v>0.229558928</c:v>
-                </c:pt>
-                <c:pt idx="123">
-                  <c:v>0.22589342900000001</c:v>
-                </c:pt>
-                <c:pt idx="124">
-                  <c:v>0.322401883</c:v>
-                </c:pt>
-                <c:pt idx="125">
-                  <c:v>0.29581846299999998</c:v>
-                </c:pt>
-                <c:pt idx="126">
-                  <c:v>0.295815889</c:v>
-                </c:pt>
-                <c:pt idx="127">
-                  <c:v>0.25358566900000001</c:v>
-                </c:pt>
-                <c:pt idx="128">
-                  <c:v>0.24794437899999999</c:v>
-                </c:pt>
-                <c:pt idx="129">
-                  <c:v>0.266053447</c:v>
-                </c:pt>
-                <c:pt idx="130">
-                  <c:v>0.26435013099999999</c:v>
-                </c:pt>
-                <c:pt idx="131">
-                  <c:v>0.26435013099999999</c:v>
-                </c:pt>
-                <c:pt idx="132">
-                  <c:v>0.104988185</c:v>
-                </c:pt>
-                <c:pt idx="133">
-                  <c:v>0.124875529</c:v>
-                </c:pt>
-                <c:pt idx="134">
-                  <c:v>0.19725664600000001</c:v>
-                </c:pt>
-                <c:pt idx="135">
-                  <c:v>0.19400366099999999</c:v>
-                </c:pt>
-                <c:pt idx="136">
-                  <c:v>0.29401785699999999</c:v>
-                </c:pt>
-                <c:pt idx="137">
-                  <c:v>0.26920118799999998</c:v>
-                </c:pt>
-                <c:pt idx="138">
-                  <c:v>0.269199032</c:v>
-                </c:pt>
-                <c:pt idx="139">
-                  <c:v>0.23112059800000001</c:v>
-                </c:pt>
-                <c:pt idx="140">
-                  <c:v>0.225903254</c:v>
-                </c:pt>
-                <c:pt idx="141">
-                  <c:v>0.24541373399999999</c:v>
-                </c:pt>
-                <c:pt idx="142">
-                  <c:v>0.24382314199999999</c:v>
-                </c:pt>
-                <c:pt idx="143">
-                  <c:v>0.24382314199999999</c:v>
-                </c:pt>
-                <c:pt idx="144">
-                  <c:v>2.0807083000000001E-2</c:v>
-                </c:pt>
-                <c:pt idx="145">
-                  <c:v>0.11154840000000001</c:v>
-                </c:pt>
-                <c:pt idx="146">
-                  <c:v>0.109515892</c:v>
-                </c:pt>
-                <c:pt idx="147">
-                  <c:v>0.219493038</c:v>
-                </c:pt>
-                <c:pt idx="148">
-                  <c:v>0.19972145799999999</c:v>
-                </c:pt>
-                <c:pt idx="149">
-                  <c:v>0.199719594</c:v>
-                </c:pt>
-                <c:pt idx="150">
-                  <c:v>0.17304518899999999</c:v>
-                </c:pt>
-                <c:pt idx="151">
-                  <c:v>0.16896408800000001</c:v>
-                </c:pt>
-                <c:pt idx="152">
-                  <c:v>0.19221940300000001</c:v>
-                </c:pt>
-                <c:pt idx="153">
-                  <c:v>0.190926398</c:v>
-                </c:pt>
-                <c:pt idx="154">
-                  <c:v>0.190926398</c:v>
-                </c:pt>
-                <c:pt idx="155">
-                  <c:v>9.3509376000000005E-2</c:v>
-                </c:pt>
-                <c:pt idx="156">
-                  <c:v>9.1761797000000006E-2</c:v>
-                </c:pt>
-                <c:pt idx="157">
-                  <c:v>0.203965911</c:v>
-                </c:pt>
-                <c:pt idx="158">
-                  <c:v>0.18533301199999999</c:v>
-                </c:pt>
-                <c:pt idx="159">
-                  <c:v>0.18533117599999999</c:v>
-                </c:pt>
-                <c:pt idx="160">
-                  <c:v>0.16114577599999999</c:v>
-                </c:pt>
-                <c:pt idx="161">
-                  <c:v>0.15730787099999999</c:v>
-                </c:pt>
-                <c:pt idx="162">
-                  <c:v>0.181357618</c:v>
-                </c:pt>
-                <c:pt idx="163">
-                  <c:v>0.18012760799999999</c:v>
-                </c:pt>
-                <c:pt idx="164">
-                  <c:v>0.18012760799999999</c:v>
-                </c:pt>
-                <c:pt idx="165">
-                  <c:v>-1.810217E-3</c:v>
-                </c:pt>
-                <c:pt idx="166">
-                  <c:v>0.122960288</c:v>
-                </c:pt>
-                <c:pt idx="167">
-                  <c:v>0.11082344399999999</c:v>
-                </c:pt>
-                <c:pt idx="168">
-                  <c:v>0.110821853</c:v>
-                </c:pt>
-                <c:pt idx="169">
-                  <c:v>0.100323052</c:v>
-                </c:pt>
-                <c:pt idx="170">
-                  <c:v>9.7795498999999994E-2</c:v>
-                </c:pt>
-                <c:pt idx="171">
-                  <c:v>0.126072563</c:v>
-                </c:pt>
-                <c:pt idx="172">
-                  <c:v>0.12517837500000001</c:v>
-                </c:pt>
-                <c:pt idx="173">
-                  <c:v>0.12517837500000001</c:v>
-                </c:pt>
-                <c:pt idx="174">
-                  <c:v>0.122980355</c:v>
-                </c:pt>
-                <c:pt idx="175">
-                  <c:v>0.11084637999999999</c:v>
-                </c:pt>
-                <c:pt idx="176">
-                  <c:v>0.11084482499999999</c:v>
-                </c:pt>
-                <c:pt idx="177">
-                  <c:v>0.100352462</c:v>
-                </c:pt>
-                <c:pt idx="178">
-                  <c:v>9.782573E-2</c:v>
-                </c:pt>
-                <c:pt idx="179">
-                  <c:v>0.12610368399999999</c:v>
-                </c:pt>
-                <c:pt idx="180">
-                  <c:v>0.125209761</c:v>
-                </c:pt>
-                <c:pt idx="181">
-                  <c:v>0.125209761</c:v>
-                </c:pt>
-                <c:pt idx="182">
-                  <c:v>-2.0988679999999998E-3</c:v>
-                </c:pt>
-                <c:pt idx="183">
-                  <c:v>-2.1005080000000001E-3</c:v>
-                </c:pt>
-                <c:pt idx="184">
-                  <c:v>1.0579277E-2</c:v>
-                </c:pt>
-                <c:pt idx="185">
-                  <c:v>1.0171872E-2</c:v>
-                </c:pt>
-                <c:pt idx="186">
-                  <c:v>4.5152949999999997E-2</c:v>
-                </c:pt>
-                <c:pt idx="187">
-                  <c:v>4.4789027000000002E-2</c:v>
-                </c:pt>
-                <c:pt idx="188">
-                  <c:v>4.4789027000000002E-2</c:v>
-                </c:pt>
-                <c:pt idx="189">
-                  <c:v>-2.0775670000000002E-3</c:v>
-                </c:pt>
-                <c:pt idx="190">
-                  <c:v>1.0608655999999999E-2</c:v>
-                </c:pt>
-                <c:pt idx="191">
-                  <c:v>1.0202068999999999E-2</c:v>
-                </c:pt>
-                <c:pt idx="192">
-                  <c:v>4.5184149999999999E-2</c:v>
-                </c:pt>
-                <c:pt idx="193">
-                  <c:v>4.4820490999999997E-2</c:v>
-                </c:pt>
-                <c:pt idx="194">
-                  <c:v>4.4820490999999997E-2</c:v>
-                </c:pt>
-                <c:pt idx="195">
-                  <c:v>1.0610710000000001E-2</c:v>
-                </c:pt>
-                <c:pt idx="196">
-                  <c:v>1.0204179000000001E-2</c:v>
-                </c:pt>
-                <c:pt idx="197">
-                  <c:v>4.5186331000000003E-2</c:v>
-                </c:pt>
-                <c:pt idx="198">
-                  <c:v>4.4822690999999998E-2</c:v>
-                </c:pt>
-                <c:pt idx="199">
-                  <c:v>4.4822690999999998E-2</c:v>
-                </c:pt>
-                <c:pt idx="200">
-                  <c:v>-2.7067739999999999E-3</c:v>
-                </c:pt>
-                <c:pt idx="201">
-                  <c:v>3.3318836999999997E-2</c:v>
-                </c:pt>
-                <c:pt idx="202">
-                  <c:v>3.3037806000000003E-2</c:v>
-                </c:pt>
-                <c:pt idx="203">
-                  <c:v>3.3037806000000003E-2</c:v>
-                </c:pt>
-                <c:pt idx="204">
-                  <c:v>3.3321290000000003E-2</c:v>
-                </c:pt>
-                <c:pt idx="205">
-                  <c:v>3.3040278999999999E-2</c:v>
-                </c:pt>
-                <c:pt idx="206">
-                  <c:v>3.3040278999999999E-2</c:v>
-                </c:pt>
-                <c:pt idx="207">
-                  <c:v>-2.90245E-3</c:v>
-                </c:pt>
-                <c:pt idx="208">
-                  <c:v>-2.90245E-3</c:v>
-                </c:pt>
-                <c:pt idx="209">
-                  <c:v>-2.9008229999999999E-3</c:v>
-                </c:pt>
-              </c:numCache>
-            </c:numRef>
-          </c:val>
-          <c:smooth val="0"/>
-          <c:extLst>
-            <c:ext xmlns:c16="http://schemas.microsoft.com/office/drawing/2014/chart" uri="{C3380CC4-5D6E-409C-BE32-E72D297353CC}">
-              <c16:uniqueId val="{00000001-56B9-41D7-9C23-361238023ECA}"/>
-            </c:ext>
-          </c:extLst>
-        </c:ser>
-        <c:ser>
-          <c:idx val="2"/>
-          <c:order val="2"/>
-          <c:tx>
-            <c:v>MCC-1</c:v>
-          </c:tx>
-          <c:spPr>
-            <a:ln w="19050" cap="rnd">
-              <a:solidFill>
-                <a:schemeClr val="accent6">
-                  <a:lumMod val="50000"/>
-                </a:schemeClr>
-              </a:solidFill>
-              <a:round/>
-            </a:ln>
-            <a:effectLst/>
-          </c:spPr>
-          <c:marker>
-            <c:symbol val="none"/>
-          </c:marker>
-          <c:dPt>
-            <c:idx val="189"/>
-            <c:marker>
-              <c:symbol val="circle"/>
-              <c:size val="10"/>
-              <c:spPr>
-                <a:solidFill>
-                  <a:srgbClr val="FF0000"/>
-                </a:solidFill>
-                <a:ln w="9525">
-                  <a:solidFill>
-                    <a:schemeClr val="tx1"/>
-                  </a:solidFill>
-                </a:ln>
-                <a:effectLst/>
-              </c:spPr>
-            </c:marker>
-            <c:bubble3D val="0"/>
-            <c:extLst>
-              <c:ext xmlns:c16="http://schemas.microsoft.com/office/drawing/2014/chart" uri="{C3380CC4-5D6E-409C-BE32-E72D297353CC}">
-                <c16:uniqueId val="{00000002-56B9-41D7-9C23-361238023ECA}"/>
-              </c:ext>
-            </c:extLst>
-          </c:dPt>
-          <c:dLbls>
-            <c:dLbl>
-              <c:idx val="189"/>
-              <c:layout>
-                <c:manualLayout>
-                  <c:x val="-2.4008625315887648E-2"/>
-                  <c:y val="-0.16305469556243551"/>
-                </c:manualLayout>
-              </c:layout>
-              <c:tx>
-                <c:rich>
-                  <a:bodyPr rot="0" spcFirstLastPara="1" vertOverflow="clip" horzOverflow="clip" vert="horz" wrap="square" lIns="38100" tIns="19050" rIns="38100" bIns="19050" anchor="ctr" anchorCtr="1">
-                    <a:noAutofit/>
-                  </a:bodyPr>
-                  <a:lstStyle/>
-                  <a:p>
-                    <a:pPr>
-                      <a:defRPr sz="900" b="0" i="0" u="none" strike="noStrike" kern="1200" baseline="0">
-                        <a:solidFill>
-                          <a:schemeClr val="dk1">
-                            <a:lumMod val="65000"/>
-                            <a:lumOff val="35000"/>
-                          </a:schemeClr>
-                        </a:solidFill>
-                        <a:latin typeface="+mn-lt"/>
-                        <a:ea typeface="+mn-ea"/>
-                        <a:cs typeface="+mn-cs"/>
-                      </a:defRPr>
-                    </a:pPr>
-                    <a:r>
-                      <a:rPr lang="en-US" sz="1100" dirty="0">
-                        <a:solidFill>
-                          <a:sysClr val="windowText" lastClr="000000"/>
-                        </a:solidFill>
-                      </a:rPr>
-                      <a:t>t</a:t>
-                    </a:r>
-                    <a:r>
-                      <a:rPr lang="en-US" sz="1100" baseline="-25000" dirty="0">
-                        <a:solidFill>
-                          <a:sysClr val="windowText" lastClr="000000"/>
-                        </a:solidFill>
-                      </a:rPr>
-                      <a:t>1</a:t>
-                    </a:r>
-                    <a:r>
-                      <a:rPr lang="en-US" sz="1100" dirty="0">
-                        <a:solidFill>
-                          <a:sysClr val="windowText" lastClr="000000"/>
-                        </a:solidFill>
-                      </a:rPr>
-                      <a:t> = 0.7</a:t>
-                    </a:r>
-                    <a:r>
-                      <a:rPr lang="en-US" sz="1100" baseline="0" dirty="0">
-                        <a:solidFill>
-                          <a:sysClr val="windowText" lastClr="000000"/>
-                        </a:solidFill>
-                      </a:rPr>
-                      <a:t>, t</a:t>
-                    </a:r>
-                    <a:r>
-                      <a:rPr lang="en-US" sz="1100" baseline="-25000" dirty="0">
-                        <a:solidFill>
-                          <a:sysClr val="windowText" lastClr="000000"/>
-                        </a:solidFill>
-                      </a:rPr>
-                      <a:t>2</a:t>
-                    </a:r>
-                    <a:r>
-                      <a:rPr lang="en-US" sz="1100" baseline="0" dirty="0">
-                        <a:solidFill>
-                          <a:sysClr val="windowText" lastClr="000000"/>
-                        </a:solidFill>
-                      </a:rPr>
-                      <a:t>=0.75</a:t>
-                    </a:r>
-                    <a:r>
-                      <a:rPr lang="en-US" sz="1100" dirty="0">
-                        <a:solidFill>
-                          <a:sysClr val="windowText" lastClr="000000"/>
-                        </a:solidFill>
-                      </a:rPr>
-                      <a:t> =&gt; C</a:t>
-                    </a:r>
-                    <a:r>
-                      <a:rPr lang="en-US" sz="1100" baseline="-25000" dirty="0">
-                        <a:solidFill>
-                          <a:sysClr val="windowText" lastClr="000000"/>
-                        </a:solidFill>
-                      </a:rPr>
-                      <a:t>0</a:t>
-                    </a:r>
-                    <a:r>
-                      <a:rPr lang="en-US" sz="1100" dirty="0">
-                        <a:solidFill>
-                          <a:sysClr val="windowText" lastClr="000000"/>
-                        </a:solidFill>
-                      </a:rPr>
-                      <a:t> (</a:t>
-                    </a:r>
-                    <a:r>
-                      <a:rPr lang="en-US" sz="1100" b="0" i="0" u="none" strike="noStrike" baseline="0" dirty="0">
-                        <a:solidFill>
-                          <a:sysClr val="windowText" lastClr="000000"/>
-                        </a:solidFill>
-                        <a:effectLst/>
-                      </a:rPr>
-                      <a:t>0.3537</a:t>
-                    </a:r>
-                    <a:r>
-                      <a:rPr lang="en-US" sz="1100" b="0" i="0" u="none" strike="noStrike" baseline="0" dirty="0">
-                        <a:solidFill>
-                          <a:sysClr val="windowText" lastClr="000000"/>
-                        </a:solidFill>
-                      </a:rPr>
-                      <a:t> ), C</a:t>
-                    </a:r>
-                    <a:r>
-                      <a:rPr lang="en-US" sz="1100" b="0" i="0" u="none" strike="noStrike" baseline="-25000" dirty="0">
-                        <a:solidFill>
-                          <a:sysClr val="windowText" lastClr="000000"/>
-                        </a:solidFill>
-                      </a:rPr>
-                      <a:t>0.5</a:t>
-                    </a:r>
-                    <a:r>
-                      <a:rPr lang="en-US" sz="1100" b="0" i="0" u="none" strike="noStrike" baseline="0" dirty="0">
-                        <a:solidFill>
-                          <a:sysClr val="windowText" lastClr="000000"/>
-                        </a:solidFill>
-                      </a:rPr>
-                      <a:t> (</a:t>
-                    </a:r>
-                    <a:r>
-                      <a:rPr lang="en-US" sz="1100" b="0" i="0" u="none" strike="noStrike" baseline="0" dirty="0">
-                        <a:solidFill>
-                          <a:sysClr val="windowText" lastClr="000000"/>
-                        </a:solidFill>
-                        <a:effectLst/>
-                      </a:rPr>
-                      <a:t>-0.00208), C</a:t>
-                    </a:r>
-                    <a:r>
-                      <a:rPr lang="en-US" sz="1100" b="0" i="0" u="none" strike="noStrike" baseline="-25000" dirty="0">
-                        <a:solidFill>
-                          <a:sysClr val="windowText" lastClr="000000"/>
-                        </a:solidFill>
-                        <a:effectLst/>
-                      </a:rPr>
-                      <a:t>1</a:t>
-                    </a:r>
-                    <a:r>
-                      <a:rPr lang="en-US" sz="1100" b="0" i="0" u="none" strike="noStrike" baseline="0" dirty="0">
-                        <a:solidFill>
-                          <a:sysClr val="windowText" lastClr="000000"/>
-                        </a:solidFill>
-                        <a:effectLst/>
-                      </a:rPr>
-                      <a:t> (0.301477</a:t>
-                    </a:r>
-                    <a:r>
-                      <a:rPr lang="en-US" sz="1100" b="0" i="0" u="none" strike="noStrike" baseline="0" dirty="0">
-                        <a:solidFill>
-                          <a:sysClr val="windowText" lastClr="000000"/>
-                        </a:solidFill>
-                      </a:rPr>
-                      <a:t>)</a:t>
-                    </a:r>
-                    <a:endParaRPr lang="en-US" sz="1100" dirty="0">
-                      <a:solidFill>
-                        <a:sysClr val="windowText" lastClr="000000"/>
-                      </a:solidFill>
-                    </a:endParaRPr>
-                  </a:p>
-                </c:rich>
-              </c:tx>
-              <c:spPr>
-                <a:solidFill>
-                  <a:sysClr val="window" lastClr="FFFFFF"/>
-                </a:solidFill>
-                <a:ln>
-                  <a:solidFill>
-                    <a:sysClr val="windowText" lastClr="000000"/>
-                  </a:solidFill>
-                </a:ln>
-                <a:effectLst/>
-              </c:spPr>
-              <c:txPr>
-                <a:bodyPr rot="0" spcFirstLastPara="1" vertOverflow="clip" horzOverflow="clip" vert="horz" wrap="square" lIns="38100" tIns="19050" rIns="38100" bIns="19050" anchor="ctr" anchorCtr="1">
-                  <a:noAutofit/>
-                </a:bodyPr>
-                <a:lstStyle/>
-                <a:p>
-                  <a:pPr>
-                    <a:defRPr sz="900" b="0" i="0" u="none" strike="noStrike" kern="1200" baseline="0">
-                      <a:solidFill>
-                        <a:schemeClr val="dk1">
-                          <a:lumMod val="65000"/>
-                          <a:lumOff val="35000"/>
-                        </a:schemeClr>
-                      </a:solidFill>
-                      <a:latin typeface="+mn-lt"/>
-                      <a:ea typeface="+mn-ea"/>
-                      <a:cs typeface="+mn-cs"/>
-                    </a:defRPr>
-                  </a:pPr>
-                  <a:endParaRPr lang="en-US"/>
-                </a:p>
-              </c:txPr>
-              <c:showLegendKey val="0"/>
-              <c:showVal val="1"/>
-              <c:showCatName val="1"/>
-              <c:showSerName val="0"/>
-              <c:showPercent val="0"/>
-              <c:showBubbleSize val="0"/>
-              <c:extLst>
-                <c:ext xmlns:c15="http://schemas.microsoft.com/office/drawing/2012/chart" uri="{CE6537A1-D6FC-4f65-9D91-7224C49458BB}">
-                  <c15:spPr xmlns:c15="http://schemas.microsoft.com/office/drawing/2012/chart">
-                    <a:prstGeom prst="wedgeRectCallout">
-                      <a:avLst/>
-                    </a:prstGeom>
-                    <a:noFill/>
-                    <a:ln>
-                      <a:noFill/>
-                    </a:ln>
-                  </c15:spPr>
-                  <c15:layout>
-                    <c:manualLayout>
-                      <c:w val="0.35377211212910653"/>
-                      <c:h val="9.5445097226623768E-2"/>
-                    </c:manualLayout>
-                  </c15:layout>
-                </c:ext>
-                <c:ext xmlns:c16="http://schemas.microsoft.com/office/drawing/2014/chart" uri="{C3380CC4-5D6E-409C-BE32-E72D297353CC}">
-                  <c16:uniqueId val="{00000002-56B9-41D7-9C23-361238023ECA}"/>
-                </c:ext>
-              </c:extLst>
-            </c:dLbl>
+            <c:symbol val="circle"/>
+            <c:size val="7"/>
             <c:spPr>
               <a:solidFill>
-                <a:sysClr val="window" lastClr="FFFFFF"/>
+                <a:schemeClr val="accent1"/>
               </a:solidFill>
-              <a:ln>
+              <a:ln w="9525">
                 <a:solidFill>
                   <a:schemeClr val="tx1"/>
                 </a:solidFill>
               </a:ln>
               <a:effectLst/>
             </c:spPr>
+          </c:marker>
+          <c:dLbls>
+            <c:spPr>
+              <a:noFill/>
+              <a:ln>
+                <a:noFill/>
+              </a:ln>
+              <a:effectLst/>
+            </c:spPr>
             <c:txPr>
-              <a:bodyPr rot="0" spcFirstLastPara="1" vertOverflow="clip" horzOverflow="clip" vert="horz" wrap="square" lIns="38100" tIns="19050" rIns="38100" bIns="19050" anchor="ctr" anchorCtr="1">
+              <a:bodyPr rot="0" spcFirstLastPara="1" vertOverflow="ellipsis" vert="horz" wrap="square" lIns="38100" tIns="19050" rIns="38100" bIns="19050" anchor="ctr" anchorCtr="1">
                 <a:spAutoFit/>
               </a:bodyPr>
               <a:lstStyle/>
               <a:p>
                 <a:pPr>
-                  <a:defRPr sz="900" b="0" i="0" u="none" strike="noStrike" kern="1200" baseline="0">
+                  <a:defRPr sz="1000" b="0" i="0" u="none" strike="noStrike" kern="1200" baseline="0">
                     <a:solidFill>
-                      <a:schemeClr val="dk1">
-                        <a:lumMod val="65000"/>
-                        <a:lumOff val="35000"/>
-                      </a:schemeClr>
+                      <a:schemeClr val="tx1"/>
                     </a:solidFill>
                     <a:latin typeface="+mn-lt"/>
                     <a:ea typeface="+mn-ea"/>
@@ -3384,1300 +527,120 @@
                 <a:endParaRPr lang="en-US"/>
               </a:p>
             </c:txPr>
+            <c:dLblPos val="b"/>
             <c:showLegendKey val="0"/>
-            <c:showVal val="0"/>
+            <c:showVal val="1"/>
             <c:showCatName val="0"/>
             <c:showSerName val="0"/>
             <c:showPercent val="0"/>
             <c:showBubbleSize val="0"/>
+            <c:showLeaderLines val="0"/>
             <c:extLst>
               <c:ext xmlns:c15="http://schemas.microsoft.com/office/drawing/2012/chart" uri="{CE6537A1-D6FC-4f65-9D91-7224C49458BB}">
-                <c15:spPr xmlns:c15="http://schemas.microsoft.com/office/drawing/2012/chart">
-                  <a:prstGeom prst="wedgeRectCallout">
-                    <a:avLst/>
-                  </a:prstGeom>
-                  <a:noFill/>
-                  <a:ln>
-                    <a:noFill/>
-                  </a:ln>
-                </c15:spPr>
-                <c15:showLeaderLines val="0"/>
+                <c15:layout/>
+                <c15:showLeaderLines val="1"/>
+                <c15:leaderLines>
+                  <c:spPr>
+                    <a:ln w="9525" cap="flat" cmpd="sng" algn="ctr">
+                      <a:solidFill>
+                        <a:schemeClr val="tx1">
+                          <a:lumMod val="35000"/>
+                          <a:lumOff val="65000"/>
+                        </a:schemeClr>
+                      </a:solidFill>
+                      <a:round/>
+                    </a:ln>
+                    <a:effectLst/>
+                  </c:spPr>
+                </c15:leaderLines>
               </c:ext>
             </c:extLst>
           </c:dLbls>
           <c:cat>
             <c:strRef>
-              <c:f>'FUZZY-MATCH'!$A$2:$A$211</c:f>
+              <c:f>Sheet2!$A$2:$A$13</c:f>
               <c:strCache>
-                <c:ptCount val="210"/>
+                <c:ptCount val="12"/>
                 <c:pt idx="0">
-                  <c:v>0.0_0.05</c:v>
+                  <c:v>word2vec</c:v>
                 </c:pt>
                 <c:pt idx="1">
-                  <c:v>0.0_0.1</c:v>
+                  <c:v>fuzzy wuzzy</c:v>
                 </c:pt>
                 <c:pt idx="2">
-                  <c:v>0.0_0.15</c:v>
+                  <c:v>bert-base-nli-stsb-mean-tokens</c:v>
                 </c:pt>
                 <c:pt idx="3">
-                  <c:v>0.0_0.2</c:v>
+                  <c:v>bert-large-nli-stsb-mean-tokens</c:v>
                 </c:pt>
                 <c:pt idx="4">
-                  <c:v>0.0_0.25</c:v>
+                  <c:v>roberta-base-nli-stsb-mean-tokens</c:v>
                 </c:pt>
                 <c:pt idx="5">
-                  <c:v>0.0_0.3</c:v>
+                  <c:v>roberta-large-nli-stsb-mean-tokens</c:v>
                 </c:pt>
                 <c:pt idx="6">
-                  <c:v>0.0_0.35</c:v>
+                  <c:v>distilbert-base-nli-stsb-mean-tokens</c:v>
                 </c:pt>
                 <c:pt idx="7">
-                  <c:v>0.0_0.4</c:v>
+                  <c:v>bert-base-nli-mean-tokens</c:v>
                 </c:pt>
                 <c:pt idx="8">
-                  <c:v>0.0_0.45</c:v>
+                  <c:v>bert-large-nli-mean-tokens</c:v>
                 </c:pt>
                 <c:pt idx="9">
-                  <c:v>0.0_0.5</c:v>
+                  <c:v>roberta-base-nli-mean-tokens</c:v>
                 </c:pt>
                 <c:pt idx="10">
-                  <c:v>0.0_0.55</c:v>
+                  <c:v>roberta-large-nli-mean-tokens</c:v>
                 </c:pt>
                 <c:pt idx="11">
-                  <c:v>0.0_0.6</c:v>
-                </c:pt>
-                <c:pt idx="12">
-                  <c:v>0.0_0.65</c:v>
-                </c:pt>
-                <c:pt idx="13">
-                  <c:v>0.0_0.7</c:v>
-                </c:pt>
-                <c:pt idx="14">
-                  <c:v>0.0_0.75</c:v>
-                </c:pt>
-                <c:pt idx="15">
-                  <c:v>0.0_0.8</c:v>
-                </c:pt>
-                <c:pt idx="16">
-                  <c:v>0.0_0.85</c:v>
-                </c:pt>
-                <c:pt idx="17">
-                  <c:v>0.0_0.9</c:v>
-                </c:pt>
-                <c:pt idx="18">
-                  <c:v>0.0_0.95</c:v>
-                </c:pt>
-                <c:pt idx="19">
-                  <c:v>0.0_1.0</c:v>
-                </c:pt>
-                <c:pt idx="20">
-                  <c:v>0.05_0.1</c:v>
-                </c:pt>
-                <c:pt idx="21">
-                  <c:v>0.05_0.15</c:v>
-                </c:pt>
-                <c:pt idx="22">
-                  <c:v>0.05_0.2</c:v>
-                </c:pt>
-                <c:pt idx="23">
-                  <c:v>0.05_0.25</c:v>
-                </c:pt>
-                <c:pt idx="24">
-                  <c:v>0.05_0.3</c:v>
-                </c:pt>
-                <c:pt idx="25">
-                  <c:v>0.05_0.35</c:v>
-                </c:pt>
-                <c:pt idx="26">
-                  <c:v>0.05_0.4</c:v>
-                </c:pt>
-                <c:pt idx="27">
-                  <c:v>0.05_0.45</c:v>
-                </c:pt>
-                <c:pt idx="28">
-                  <c:v>0.05_0.5</c:v>
-                </c:pt>
-                <c:pt idx="29">
-                  <c:v>0.05_0.55</c:v>
-                </c:pt>
-                <c:pt idx="30">
-                  <c:v>0.05_0.6</c:v>
-                </c:pt>
-                <c:pt idx="31">
-                  <c:v>0.05_0.65</c:v>
-                </c:pt>
-                <c:pt idx="32">
-                  <c:v>0.05_0.7</c:v>
-                </c:pt>
-                <c:pt idx="33">
-                  <c:v>0.05_0.75</c:v>
-                </c:pt>
-                <c:pt idx="34">
-                  <c:v>0.05_0.8</c:v>
-                </c:pt>
-                <c:pt idx="35">
-                  <c:v>0.05_0.85</c:v>
-                </c:pt>
-                <c:pt idx="36">
-                  <c:v>0.05_0.9</c:v>
-                </c:pt>
-                <c:pt idx="37">
-                  <c:v>0.05_0.95</c:v>
-                </c:pt>
-                <c:pt idx="38">
-                  <c:v>0.05_1.0</c:v>
-                </c:pt>
-                <c:pt idx="39">
-                  <c:v>0.1_0.15</c:v>
-                </c:pt>
-                <c:pt idx="40">
-                  <c:v>0.1_0.2</c:v>
-                </c:pt>
-                <c:pt idx="41">
-                  <c:v>0.1_0.25</c:v>
-                </c:pt>
-                <c:pt idx="42">
-                  <c:v>0.1_0.3</c:v>
-                </c:pt>
-                <c:pt idx="43">
-                  <c:v>0.1_0.35</c:v>
-                </c:pt>
-                <c:pt idx="44">
-                  <c:v>0.1_0.4</c:v>
-                </c:pt>
-                <c:pt idx="45">
-                  <c:v>0.1_0.45</c:v>
-                </c:pt>
-                <c:pt idx="46">
-                  <c:v>0.1_0.5</c:v>
-                </c:pt>
-                <c:pt idx="47">
-                  <c:v>0.1_0.55</c:v>
-                </c:pt>
-                <c:pt idx="48">
-                  <c:v>0.1_0.6</c:v>
-                </c:pt>
-                <c:pt idx="49">
-                  <c:v>0.1_0.65</c:v>
-                </c:pt>
-                <c:pt idx="50">
-                  <c:v>0.1_0.7</c:v>
-                </c:pt>
-                <c:pt idx="51">
-                  <c:v>0.1_0.75</c:v>
-                </c:pt>
-                <c:pt idx="52">
-                  <c:v>0.1_0.8</c:v>
-                </c:pt>
-                <c:pt idx="53">
-                  <c:v>0.1_0.85</c:v>
-                </c:pt>
-                <c:pt idx="54">
-                  <c:v>0.1_0.9</c:v>
-                </c:pt>
-                <c:pt idx="55">
-                  <c:v>0.1_0.95</c:v>
-                </c:pt>
-                <c:pt idx="56">
-                  <c:v>0.1_1.0</c:v>
-                </c:pt>
-                <c:pt idx="57">
-                  <c:v>0.15_0.2</c:v>
-                </c:pt>
-                <c:pt idx="58">
-                  <c:v>0.15_0.25</c:v>
-                </c:pt>
-                <c:pt idx="59">
-                  <c:v>0.15_0.3</c:v>
-                </c:pt>
-                <c:pt idx="60">
-                  <c:v>0.15_0.35</c:v>
-                </c:pt>
-                <c:pt idx="61">
-                  <c:v>0.15_0.4</c:v>
-                </c:pt>
-                <c:pt idx="62">
-                  <c:v>0.15_0.45</c:v>
-                </c:pt>
-                <c:pt idx="63">
-                  <c:v>0.15_0.5</c:v>
-                </c:pt>
-                <c:pt idx="64">
-                  <c:v>0.15_0.55</c:v>
-                </c:pt>
-                <c:pt idx="65">
-                  <c:v>0.15_0.6</c:v>
-                </c:pt>
-                <c:pt idx="66">
-                  <c:v>0.15_0.65</c:v>
-                </c:pt>
-                <c:pt idx="67">
-                  <c:v>0.15_0.7</c:v>
-                </c:pt>
-                <c:pt idx="68">
-                  <c:v>0.15_0.75</c:v>
-                </c:pt>
-                <c:pt idx="69">
-                  <c:v>0.15_0.8</c:v>
-                </c:pt>
-                <c:pt idx="70">
-                  <c:v>0.15_0.85</c:v>
-                </c:pt>
-                <c:pt idx="71">
-                  <c:v>0.15_0.9</c:v>
-                </c:pt>
-                <c:pt idx="72">
-                  <c:v>0.15_0.95</c:v>
-                </c:pt>
-                <c:pt idx="73">
-                  <c:v>0.15_1.0</c:v>
-                </c:pt>
-                <c:pt idx="74">
-                  <c:v>0.2_0.25</c:v>
-                </c:pt>
-                <c:pt idx="75">
-                  <c:v>0.2_0.3</c:v>
-                </c:pt>
-                <c:pt idx="76">
-                  <c:v>0.2_0.35</c:v>
-                </c:pt>
-                <c:pt idx="77">
-                  <c:v>0.2_0.4</c:v>
-                </c:pt>
-                <c:pt idx="78">
-                  <c:v>0.2_0.45</c:v>
-                </c:pt>
-                <c:pt idx="79">
-                  <c:v>0.2_0.5</c:v>
-                </c:pt>
-                <c:pt idx="80">
-                  <c:v>0.2_0.55</c:v>
-                </c:pt>
-                <c:pt idx="81">
-                  <c:v>0.2_0.6</c:v>
-                </c:pt>
-                <c:pt idx="82">
-                  <c:v>0.2_0.65</c:v>
-                </c:pt>
-                <c:pt idx="83">
-                  <c:v>0.2_0.7</c:v>
-                </c:pt>
-                <c:pt idx="84">
-                  <c:v>0.2_0.75</c:v>
-                </c:pt>
-                <c:pt idx="85">
-                  <c:v>0.2_0.8</c:v>
-                </c:pt>
-                <c:pt idx="86">
-                  <c:v>0.2_0.85</c:v>
-                </c:pt>
-                <c:pt idx="87">
-                  <c:v>0.2_0.9</c:v>
-                </c:pt>
-                <c:pt idx="88">
-                  <c:v>0.2_0.95</c:v>
-                </c:pt>
-                <c:pt idx="89">
-                  <c:v>0.2_1.0</c:v>
-                </c:pt>
-                <c:pt idx="90">
-                  <c:v>0.25_0.3</c:v>
-                </c:pt>
-                <c:pt idx="91">
-                  <c:v>0.25_0.35</c:v>
-                </c:pt>
-                <c:pt idx="92">
-                  <c:v>0.25_0.4</c:v>
-                </c:pt>
-                <c:pt idx="93">
-                  <c:v>0.25_0.45</c:v>
-                </c:pt>
-                <c:pt idx="94">
-                  <c:v>0.25_0.5</c:v>
-                </c:pt>
-                <c:pt idx="95">
-                  <c:v>0.25_0.55</c:v>
-                </c:pt>
-                <c:pt idx="96">
-                  <c:v>0.25_0.6</c:v>
-                </c:pt>
-                <c:pt idx="97">
-                  <c:v>0.25_0.65</c:v>
-                </c:pt>
-                <c:pt idx="98">
-                  <c:v>0.25_0.7</c:v>
-                </c:pt>
-                <c:pt idx="99">
-                  <c:v>0.25_0.75</c:v>
-                </c:pt>
-                <c:pt idx="100">
-                  <c:v>0.25_0.8</c:v>
-                </c:pt>
-                <c:pt idx="101">
-                  <c:v>0.25_0.85</c:v>
-                </c:pt>
-                <c:pt idx="102">
-                  <c:v>0.25_0.9</c:v>
-                </c:pt>
-                <c:pt idx="103">
-                  <c:v>0.25_0.95</c:v>
-                </c:pt>
-                <c:pt idx="104">
-                  <c:v>0.25_1.0</c:v>
-                </c:pt>
-                <c:pt idx="105">
-                  <c:v>0.3_0.35</c:v>
-                </c:pt>
-                <c:pt idx="106">
-                  <c:v>0.3_0.4</c:v>
-                </c:pt>
-                <c:pt idx="107">
-                  <c:v>0.3_0.45</c:v>
-                </c:pt>
-                <c:pt idx="108">
-                  <c:v>0.3_0.5</c:v>
-                </c:pt>
-                <c:pt idx="109">
-                  <c:v>0.3_0.55</c:v>
-                </c:pt>
-                <c:pt idx="110">
-                  <c:v>0.3_0.6</c:v>
-                </c:pt>
-                <c:pt idx="111">
-                  <c:v>0.3_0.65</c:v>
-                </c:pt>
-                <c:pt idx="112">
-                  <c:v>0.3_0.7</c:v>
-                </c:pt>
-                <c:pt idx="113">
-                  <c:v>0.3_0.75</c:v>
-                </c:pt>
-                <c:pt idx="114">
-                  <c:v>0.3_0.8</c:v>
-                </c:pt>
-                <c:pt idx="115">
-                  <c:v>0.3_0.85</c:v>
-                </c:pt>
-                <c:pt idx="116">
-                  <c:v>0.3_0.9</c:v>
-                </c:pt>
-                <c:pt idx="117">
-                  <c:v>0.3_0.95</c:v>
-                </c:pt>
-                <c:pt idx="118">
-                  <c:v>0.3_1.0</c:v>
-                </c:pt>
-                <c:pt idx="119">
-                  <c:v>0.35_0.4</c:v>
-                </c:pt>
-                <c:pt idx="120">
-                  <c:v>0.35_0.45</c:v>
-                </c:pt>
-                <c:pt idx="121">
-                  <c:v>0.35_0.5</c:v>
-                </c:pt>
-                <c:pt idx="122">
-                  <c:v>0.35_0.55</c:v>
-                </c:pt>
-                <c:pt idx="123">
-                  <c:v>0.35_0.6</c:v>
-                </c:pt>
-                <c:pt idx="124">
-                  <c:v>0.35_0.65</c:v>
-                </c:pt>
-                <c:pt idx="125">
-                  <c:v>0.35_0.7</c:v>
-                </c:pt>
-                <c:pt idx="126">
-                  <c:v>0.35_0.75</c:v>
-                </c:pt>
-                <c:pt idx="127">
-                  <c:v>0.35_0.8</c:v>
-                </c:pt>
-                <c:pt idx="128">
-                  <c:v>0.35_0.85</c:v>
-                </c:pt>
-                <c:pt idx="129">
-                  <c:v>0.35_0.9</c:v>
-                </c:pt>
-                <c:pt idx="130">
-                  <c:v>0.35_0.95</c:v>
-                </c:pt>
-                <c:pt idx="131">
-                  <c:v>0.35_1.0</c:v>
-                </c:pt>
-                <c:pt idx="132">
-                  <c:v>0.4_0.45</c:v>
-                </c:pt>
-                <c:pt idx="133">
-                  <c:v>0.4_0.5</c:v>
-                </c:pt>
-                <c:pt idx="134">
-                  <c:v>0.4_0.55</c:v>
-                </c:pt>
-                <c:pt idx="135">
-                  <c:v>0.4_0.6</c:v>
-                </c:pt>
-                <c:pt idx="136">
-                  <c:v>0.4_0.65</c:v>
-                </c:pt>
-                <c:pt idx="137">
-                  <c:v>0.4_0.7</c:v>
-                </c:pt>
-                <c:pt idx="138">
-                  <c:v>0.4_0.75</c:v>
-                </c:pt>
-                <c:pt idx="139">
-                  <c:v>0.4_0.8</c:v>
-                </c:pt>
-                <c:pt idx="140">
-                  <c:v>0.4_0.85</c:v>
-                </c:pt>
-                <c:pt idx="141">
-                  <c:v>0.4_0.9</c:v>
-                </c:pt>
-                <c:pt idx="142">
-                  <c:v>0.4_0.95</c:v>
-                </c:pt>
-                <c:pt idx="143">
-                  <c:v>0.4_1.0</c:v>
-                </c:pt>
-                <c:pt idx="144">
-                  <c:v>0.45_0.5</c:v>
-                </c:pt>
-                <c:pt idx="145">
-                  <c:v>0.45_0.55</c:v>
-                </c:pt>
-                <c:pt idx="146">
-                  <c:v>0.45_0.6</c:v>
-                </c:pt>
-                <c:pt idx="147">
-                  <c:v>0.45_0.65</c:v>
-                </c:pt>
-                <c:pt idx="148">
-                  <c:v>0.45_0.7</c:v>
-                </c:pt>
-                <c:pt idx="149">
-                  <c:v>0.45_0.75</c:v>
-                </c:pt>
-                <c:pt idx="150">
-                  <c:v>0.45_0.8</c:v>
-                </c:pt>
-                <c:pt idx="151">
-                  <c:v>0.45_0.85</c:v>
-                </c:pt>
-                <c:pt idx="152">
-                  <c:v>0.45_0.9</c:v>
-                </c:pt>
-                <c:pt idx="153">
-                  <c:v>0.45_0.95</c:v>
-                </c:pt>
-                <c:pt idx="154">
-                  <c:v>0.45_1.0</c:v>
-                </c:pt>
-                <c:pt idx="155">
-                  <c:v>0.5_0.55</c:v>
-                </c:pt>
-                <c:pt idx="156">
-                  <c:v>0.5_0.6</c:v>
-                </c:pt>
-                <c:pt idx="157">
-                  <c:v>0.5_0.65</c:v>
-                </c:pt>
-                <c:pt idx="158">
-                  <c:v>0.5_0.7</c:v>
-                </c:pt>
-                <c:pt idx="159">
-                  <c:v>0.5_0.75</c:v>
-                </c:pt>
-                <c:pt idx="160">
-                  <c:v>0.5_0.8</c:v>
-                </c:pt>
-                <c:pt idx="161">
-                  <c:v>0.5_0.85</c:v>
-                </c:pt>
-                <c:pt idx="162">
-                  <c:v>0.5_0.9</c:v>
-                </c:pt>
-                <c:pt idx="163">
-                  <c:v>0.5_0.95</c:v>
-                </c:pt>
-                <c:pt idx="164">
-                  <c:v>0.5_1.0</c:v>
-                </c:pt>
-                <c:pt idx="165">
-                  <c:v>0.55_0.6</c:v>
-                </c:pt>
-                <c:pt idx="166">
-                  <c:v>0.55_0.65</c:v>
-                </c:pt>
-                <c:pt idx="167">
-                  <c:v>0.55_0.7</c:v>
-                </c:pt>
-                <c:pt idx="168">
-                  <c:v>0.55_0.75</c:v>
-                </c:pt>
-                <c:pt idx="169">
-                  <c:v>0.55_0.8</c:v>
-                </c:pt>
-                <c:pt idx="170">
-                  <c:v>0.55_0.85</c:v>
-                </c:pt>
-                <c:pt idx="171">
-                  <c:v>0.55_0.9</c:v>
-                </c:pt>
-                <c:pt idx="172">
-                  <c:v>0.55_0.95</c:v>
-                </c:pt>
-                <c:pt idx="173">
-                  <c:v>0.55_1.0</c:v>
-                </c:pt>
-                <c:pt idx="174">
-                  <c:v>0.6_0.65</c:v>
-                </c:pt>
-                <c:pt idx="175">
-                  <c:v>0.6_0.7</c:v>
-                </c:pt>
-                <c:pt idx="176">
-                  <c:v>0.6_0.75</c:v>
-                </c:pt>
-                <c:pt idx="177">
-                  <c:v>0.6_0.8</c:v>
-                </c:pt>
-                <c:pt idx="178">
-                  <c:v>0.6_0.85</c:v>
-                </c:pt>
-                <c:pt idx="179">
-                  <c:v>0.6_0.9</c:v>
-                </c:pt>
-                <c:pt idx="180">
-                  <c:v>0.6_0.95</c:v>
-                </c:pt>
-                <c:pt idx="181">
-                  <c:v>0.6_1.0</c:v>
-                </c:pt>
-                <c:pt idx="182">
-                  <c:v>0.65_0.7</c:v>
-                </c:pt>
-                <c:pt idx="183">
-                  <c:v>0.65_0.75</c:v>
-                </c:pt>
-                <c:pt idx="184">
-                  <c:v>0.65_0.8</c:v>
-                </c:pt>
-                <c:pt idx="185">
-                  <c:v>0.65_0.85</c:v>
-                </c:pt>
-                <c:pt idx="186">
-                  <c:v>0.65_0.9</c:v>
-                </c:pt>
-                <c:pt idx="187">
-                  <c:v>0.65_0.95</c:v>
-                </c:pt>
-                <c:pt idx="188">
-                  <c:v>0.65_1.0</c:v>
-                </c:pt>
-                <c:pt idx="189">
-                  <c:v>0.7_0.75</c:v>
-                </c:pt>
-                <c:pt idx="190">
-                  <c:v>0.7_0.8</c:v>
-                </c:pt>
-                <c:pt idx="191">
-                  <c:v>0.7_0.85</c:v>
-                </c:pt>
-                <c:pt idx="192">
-                  <c:v>0.7_0.9</c:v>
-                </c:pt>
-                <c:pt idx="193">
-                  <c:v>0.7_0.95</c:v>
-                </c:pt>
-                <c:pt idx="194">
-                  <c:v>0.7_1.0</c:v>
-                </c:pt>
-                <c:pt idx="195">
-                  <c:v>0.75_0.8</c:v>
-                </c:pt>
-                <c:pt idx="196">
-                  <c:v>0.75_0.85</c:v>
-                </c:pt>
-                <c:pt idx="197">
-                  <c:v>0.75_0.9</c:v>
-                </c:pt>
-                <c:pt idx="198">
-                  <c:v>0.75_0.95</c:v>
-                </c:pt>
-                <c:pt idx="199">
-                  <c:v>0.75_1.0</c:v>
-                </c:pt>
-                <c:pt idx="200">
-                  <c:v>0.8_0.85</c:v>
-                </c:pt>
-                <c:pt idx="201">
-                  <c:v>0.8_0.9</c:v>
-                </c:pt>
-                <c:pt idx="202">
-                  <c:v>0.8_0.95</c:v>
-                </c:pt>
-                <c:pt idx="203">
-                  <c:v>0.8_1.0</c:v>
-                </c:pt>
-                <c:pt idx="204">
-                  <c:v>0.85_0.9</c:v>
-                </c:pt>
-                <c:pt idx="205">
-                  <c:v>0.85_0.95</c:v>
-                </c:pt>
-                <c:pt idx="206">
-                  <c:v>0.85_1.0</c:v>
-                </c:pt>
-                <c:pt idx="207">
-                  <c:v>0.9_0.95</c:v>
-                </c:pt>
-                <c:pt idx="208">
-                  <c:v>0.9_1.0</c:v>
-                </c:pt>
-                <c:pt idx="209">
-                  <c:v>0.95_1.0</c:v>
+                  <c:v>distilbert-base-nli-mean-tokens</c:v>
                 </c:pt>
               </c:strCache>
             </c:strRef>
           </c:cat>
           <c:val>
             <c:numRef>
-              <c:f>'FUZZY-MATCH'!$D$2:$D$211</c:f>
+              <c:f>Sheet2!$B$2:$B$13</c:f>
               <c:numCache>
                 <c:formatCode>General</c:formatCode>
-                <c:ptCount val="210"/>
+                <c:ptCount val="12"/>
                 <c:pt idx="0">
-                  <c:v>2.1818005000000001E-2</c:v>
+                  <c:v>0.05</c:v>
                 </c:pt>
                 <c:pt idx="1">
-                  <c:v>2.2035697999999999E-2</c:v>
+                  <c:v>0.7</c:v>
                 </c:pt>
                 <c:pt idx="2">
-                  <c:v>2.6039874000000001E-2</c:v>
+                  <c:v>0.85</c:v>
                 </c:pt>
                 <c:pt idx="3">
-                  <c:v>2.7096927999999999E-2</c:v>
+                  <c:v>0.85</c:v>
                 </c:pt>
                 <c:pt idx="4">
-                  <c:v>3.2516283999999999E-2</c:v>
+                  <c:v>0.85</c:v>
                 </c:pt>
                 <c:pt idx="5">
-                  <c:v>2.2379873000000002E-2</c:v>
+                  <c:v>0.85</c:v>
                 </c:pt>
                 <c:pt idx="6">
-                  <c:v>2.1386252000000001E-2</c:v>
+                  <c:v>0.85</c:v>
                 </c:pt>
                 <c:pt idx="7">
-                  <c:v>2.3632707999999999E-2</c:v>
+                  <c:v>0.9</c:v>
                 </c:pt>
                 <c:pt idx="8">
-                  <c:v>2.2343249999999999E-2</c:v>
+                  <c:v>0.75</c:v>
                 </c:pt>
                 <c:pt idx="9">
-                  <c:v>2.2641428000000002E-2</c:v>
+                  <c:v>0.9</c:v>
                 </c:pt>
                 <c:pt idx="10">
-                  <c:v>1.7234039E-2</c:v>
+                  <c:v>0.9</c:v>
                 </c:pt>
                 <c:pt idx="11">
-                  <c:v>1.6127382999999999E-2</c:v>
-                </c:pt>
-                <c:pt idx="12">
-                  <c:v>1.3657581E-2</c:v>
-                </c:pt>
-                <c:pt idx="13">
-                  <c:v>4.4085620000000004E-3</c:v>
-                </c:pt>
-                <c:pt idx="14">
-                  <c:v>4.4282460000000003E-3</c:v>
-                </c:pt>
-                <c:pt idx="15">
-                  <c:v>-2.4450743E-2</c:v>
-                </c:pt>
-                <c:pt idx="16">
-                  <c:v>-2.8486935000000001E-2</c:v>
-                </c:pt>
-                <c:pt idx="17">
-                  <c:v>-3.9300228999999999E-2</c:v>
-                </c:pt>
-                <c:pt idx="18">
-                  <c:v>-4.063485E-2</c:v>
-                </c:pt>
-                <c:pt idx="19">
-                  <c:v>-4.063485E-2</c:v>
-                </c:pt>
-                <c:pt idx="20">
-                  <c:v>2.4805529999999999E-2</c:v>
-                </c:pt>
-                <c:pt idx="21">
-                  <c:v>2.9189158E-2</c:v>
-                </c:pt>
-                <c:pt idx="22">
-                  <c:v>3.0521283E-2</c:v>
-                </c:pt>
-                <c:pt idx="23">
-                  <c:v>3.6348564999999999E-2</c:v>
-                </c:pt>
-                <c:pt idx="24">
-                  <c:v>2.6306216E-2</c:v>
-                </c:pt>
-                <c:pt idx="25">
-                  <c:v>2.5330674000000001E-2</c:v>
-                </c:pt>
-                <c:pt idx="26">
-                  <c:v>2.7619411999999999E-2</c:v>
-                </c:pt>
-                <c:pt idx="27">
-                  <c:v>2.6266563E-2</c:v>
-                </c:pt>
-                <c:pt idx="28">
-                  <c:v>2.6568416000000001E-2</c:v>
-                </c:pt>
-                <c:pt idx="29">
-                  <c:v>2.0958807999999999E-2</c:v>
-                </c:pt>
-                <c:pt idx="30">
-                  <c:v>1.9812585000000001E-2</c:v>
-                </c:pt>
-                <c:pt idx="31">
-                  <c:v>1.7261652999999998E-2</c:v>
-                </c:pt>
-                <c:pt idx="32">
-                  <c:v>7.7241310000000004E-3</c:v>
-                </c:pt>
-                <c:pt idx="33">
-                  <c:v>7.743822E-3</c:v>
-                </c:pt>
-                <c:pt idx="34">
-                  <c:v>-2.2029647999999999E-2</c:v>
-                </c:pt>
-                <c:pt idx="35">
-                  <c:v>-2.6191274E-2</c:v>
-                </c:pt>
-                <c:pt idx="36">
-                  <c:v>-3.7339287999999998E-2</c:v>
-                </c:pt>
-                <c:pt idx="37">
-                  <c:v>-3.8715964999999998E-2</c:v>
-                </c:pt>
-                <c:pt idx="38">
-                  <c:v>-3.8715964999999998E-2</c:v>
-                </c:pt>
-                <c:pt idx="39">
-                  <c:v>2.9258337999999998E-2</c:v>
-                </c:pt>
-                <c:pt idx="40">
-                  <c:v>3.0596354999999999E-2</c:v>
-                </c:pt>
-                <c:pt idx="41">
-                  <c:v>3.6432302999999999E-2</c:v>
-                </c:pt>
-                <c:pt idx="42">
-                  <c:v>2.6391569E-2</c:v>
-                </c:pt>
-                <c:pt idx="43">
-                  <c:v>2.5416039000000001E-2</c:v>
-                </c:pt>
-                <c:pt idx="44">
-                  <c:v>2.7705594E-2</c:v>
-                </c:pt>
-                <c:pt idx="45">
-                  <c:v>2.6351255000000001E-2</c:v>
-                </c:pt>
-                <c:pt idx="46">
-                  <c:v>2.6653174000000002E-2</c:v>
-                </c:pt>
-                <c:pt idx="47">
-                  <c:v>2.1039062000000001E-2</c:v>
-                </c:pt>
-                <c:pt idx="48">
-                  <c:v>1.9891966000000001E-2</c:v>
-                </c:pt>
-                <c:pt idx="49">
-                  <c:v>1.7339255000000001E-2</c:v>
-                </c:pt>
-                <c:pt idx="50">
-                  <c:v>7.7954340000000004E-3</c:v>
-                </c:pt>
-                <c:pt idx="51">
-                  <c:v>7.8151230000000002E-3</c:v>
-                </c:pt>
-                <c:pt idx="52">
-                  <c:v>-2.1977862000000001E-2</c:v>
-                </c:pt>
-                <c:pt idx="53">
-                  <c:v>-2.6142223999999999E-2</c:v>
-                </c:pt>
-                <c:pt idx="54">
-                  <c:v>-3.7297540999999997E-2</c:v>
-                </c:pt>
-                <c:pt idx="55">
-                  <c:v>-3.8675134999999999E-2</c:v>
-                </c:pt>
-                <c:pt idx="56">
-                  <c:v>-3.8675134999999999E-2</c:v>
-                </c:pt>
-                <c:pt idx="57">
-                  <c:v>3.2253130999999997E-2</c:v>
-                </c:pt>
-                <c:pt idx="58">
-                  <c:v>3.8277383999999998E-2</c:v>
-                </c:pt>
-                <c:pt idx="59">
-                  <c:v>2.8267606000000001E-2</c:v>
-                </c:pt>
-                <c:pt idx="60">
-                  <c:v>2.7288434E-2</c:v>
-                </c:pt>
-                <c:pt idx="61">
-                  <c:v>2.9594901E-2</c:v>
-                </c:pt>
-                <c:pt idx="62">
-                  <c:v>2.820667E-2</c:v>
-                </c:pt>
-                <c:pt idx="63">
-                  <c:v>2.8509929999999999E-2</c:v>
-                </c:pt>
-                <c:pt idx="64">
-                  <c:v>2.2795732999999999E-2</c:v>
-                </c:pt>
-                <c:pt idx="65">
-                  <c:v>2.1629325000000001E-2</c:v>
-                </c:pt>
-                <c:pt idx="66">
-                  <c:v>1.9037366999999999E-2</c:v>
-                </c:pt>
-                <c:pt idx="67">
-                  <c:v>9.3547609999999996E-3</c:v>
-                </c:pt>
-                <c:pt idx="68">
-                  <c:v>9.3744350000000004E-3</c:v>
-                </c:pt>
-                <c:pt idx="69">
-                  <c:v>-2.0848274999999999E-2</c:v>
-                </c:pt>
-                <c:pt idx="70">
-                  <c:v>-2.5072898E-2</c:v>
-                </c:pt>
-                <c:pt idx="71">
-                  <c:v>-3.6389007000000001E-2</c:v>
-                </c:pt>
-                <c:pt idx="72">
-                  <c:v>-3.7786813000000002E-2</c:v>
-                </c:pt>
-                <c:pt idx="73">
-                  <c:v>-3.7786813000000002E-2</c:v>
-                </c:pt>
-                <c:pt idx="74">
-                  <c:v>4.0416228999999998E-2</c:v>
-                </c:pt>
-                <c:pt idx="75">
-                  <c:v>3.043154E-2</c:v>
-                </c:pt>
-                <c:pt idx="76">
-                  <c:v>2.9439146999999999E-2</c:v>
-                </c:pt>
-                <c:pt idx="77">
-                  <c:v>3.1762771000000002E-2</c:v>
-                </c:pt>
-                <c:pt idx="78">
-                  <c:v>3.0332876000000002E-2</c:v>
-                </c:pt>
-                <c:pt idx="79">
-                  <c:v>3.063739E-2</c:v>
-                </c:pt>
-                <c:pt idx="80">
-                  <c:v>2.4805282000000001E-2</c:v>
-                </c:pt>
-                <c:pt idx="81">
-                  <c:v>2.3616307999999999E-2</c:v>
-                </c:pt>
-                <c:pt idx="82">
-                  <c:v>2.0978726E-2</c:v>
-                </c:pt>
-                <c:pt idx="83">
-                  <c:v>1.1135318999999999E-2</c:v>
-                </c:pt>
-                <c:pt idx="84">
-                  <c:v>1.1154961E-2</c:v>
-                </c:pt>
-                <c:pt idx="85">
-                  <c:v>-1.9565267000000001E-2</c:v>
-                </c:pt>
-                <c:pt idx="86">
-                  <c:v>-2.3859658999999998E-2</c:v>
-                </c:pt>
-                <c:pt idx="87">
-                  <c:v>-3.5361926000000002E-2</c:v>
-                </c:pt>
-                <c:pt idx="88">
-                  <c:v>-3.6783138999999999E-2</c:v>
-                </c:pt>
-                <c:pt idx="89">
-                  <c:v>-3.6783138999999999E-2</c:v>
-                </c:pt>
-                <c:pt idx="90">
-                  <c:v>3.5375438000000002E-2</c:v>
-                </c:pt>
-                <c:pt idx="91">
-                  <c:v>3.4318939E-2</c:v>
-                </c:pt>
-                <c:pt idx="92">
-                  <c:v>3.6673175000000002E-2</c:v>
-                </c:pt>
-                <c:pt idx="93">
-                  <c:v>3.5138709999999997E-2</c:v>
-                </c:pt>
-                <c:pt idx="94">
-                  <c:v>3.5445047E-2</c:v>
-                </c:pt>
-                <c:pt idx="95">
-                  <c:v>2.9334542000000002E-2</c:v>
-                </c:pt>
-                <c:pt idx="96">
-                  <c:v>2.8092941999999999E-2</c:v>
-                </c:pt>
-                <c:pt idx="97">
-                  <c:v>2.5349790000000001E-2</c:v>
-                </c:pt>
-                <c:pt idx="98">
-                  <c:v>1.5136161E-2</c:v>
-                </c:pt>
-                <c:pt idx="99">
-                  <c:v>1.5155686E-2</c:v>
-                </c:pt>
-                <c:pt idx="100">
-                  <c:v>-1.6708756000000002E-2</c:v>
-                </c:pt>
-                <c:pt idx="101">
-                  <c:v>-2.1163617999999999E-2</c:v>
-                </c:pt>
-                <c:pt idx="102">
-                  <c:v>-3.3094041999999997E-2</c:v>
-                </c:pt>
-                <c:pt idx="103">
-                  <c:v>-3.4569112999999999E-2</c:v>
-                </c:pt>
-                <c:pt idx="104">
-                  <c:v>-3.4569112999999999E-2</c:v>
-                </c:pt>
-                <c:pt idx="105">
-                  <c:v>4.6426356000000002E-2</c:v>
-                </c:pt>
-                <c:pt idx="106">
-                  <c:v>4.8814599E-2</c:v>
-                </c:pt>
-                <c:pt idx="107">
-                  <c:v>4.6969634000000003E-2</c:v>
-                </c:pt>
-                <c:pt idx="108">
-                  <c:v>4.7275530000000003E-2</c:v>
-                </c:pt>
-                <c:pt idx="109">
-                  <c:v>4.0418397000000002E-2</c:v>
-                </c:pt>
-                <c:pt idx="110">
-                  <c:v>3.9038767000000002E-2</c:v>
-                </c:pt>
-                <c:pt idx="111">
-                  <c:v>3.6022508000000002E-2</c:v>
-                </c:pt>
-                <c:pt idx="112">
-                  <c:v>2.4859576000000001E-2</c:v>
-                </c:pt>
-                <c:pt idx="113">
-                  <c:v>2.4878603999999999E-2</c:v>
-                </c:pt>
-                <c:pt idx="114">
-                  <c:v>-9.9147709999999993E-3</c:v>
-                </c:pt>
-                <c:pt idx="115">
-                  <c:v>-1.4780557E-2</c:v>
-                </c:pt>
-                <c:pt idx="116">
-                  <c:v>-2.7807505E-2</c:v>
-                </c:pt>
-                <c:pt idx="117">
-                  <c:v>-2.9420611999999999E-2</c:v>
-                </c:pt>
-                <c:pt idx="118">
-                  <c:v>-2.9420611999999999E-2</c:v>
-                </c:pt>
-                <c:pt idx="119">
-                  <c:v>7.5079150999999997E-2</c:v>
-                </c:pt>
-                <c:pt idx="120">
-                  <c:v>7.2385503000000004E-2</c:v>
-                </c:pt>
-                <c:pt idx="121">
-                  <c:v>7.2675543999999995E-2</c:v>
-                </c:pt>
-                <c:pt idx="122">
-                  <c:v>6.3996959000000006E-2</c:v>
-                </c:pt>
-                <c:pt idx="123">
-                  <c:v>6.2289529000000003E-2</c:v>
-                </c:pt>
-                <c:pt idx="124">
-                  <c:v>5.8634499999999999E-2</c:v>
-                </c:pt>
-                <c:pt idx="125">
-                  <c:v>4.5272320999999997E-2</c:v>
-                </c:pt>
-                <c:pt idx="126">
-                  <c:v>4.5289727000000002E-2</c:v>
-                </c:pt>
-                <c:pt idx="127">
-                  <c:v>3.7146890000000002E-3</c:v>
-                </c:pt>
-                <c:pt idx="128">
-                  <c:v>-2.104107E-3</c:v>
-                </c:pt>
-                <c:pt idx="129">
-                  <c:v>-1.7676118000000001E-2</c:v>
-                </c:pt>
-                <c:pt idx="130">
-                  <c:v>-1.9609916000000002E-2</c:v>
-                </c:pt>
-                <c:pt idx="131">
-                  <c:v>-1.9609916000000002E-2</c:v>
-                </c:pt>
-                <c:pt idx="132">
-                  <c:v>8.8815014999999997E-2</c:v>
-                </c:pt>
-                <c:pt idx="133">
-                  <c:v>8.9089553000000002E-2</c:v>
-                </c:pt>
-                <c:pt idx="134">
-                  <c:v>7.9128540999999997E-2</c:v>
-                </c:pt>
-                <c:pt idx="135">
-                  <c:v>7.7193166999999993E-2</c:v>
-                </c:pt>
-                <c:pt idx="136">
-                  <c:v>7.3096243000000005E-2</c:v>
-                </c:pt>
-                <c:pt idx="137">
-                  <c:v>5.8216433999999997E-2</c:v>
-                </c:pt>
-                <c:pt idx="138">
-                  <c:v>5.8232659999999999E-2</c:v>
-                </c:pt>
-                <c:pt idx="139">
-                  <c:v>1.196729E-2</c:v>
-                </c:pt>
-                <c:pt idx="140">
-                  <c:v>5.4876100000000004E-3</c:v>
-                </c:pt>
-                <c:pt idx="141">
-                  <c:v>-1.1851812E-2</c:v>
-                </c:pt>
-                <c:pt idx="142">
-                  <c:v>-1.4008457E-2</c:v>
-                </c:pt>
-                <c:pt idx="143">
-                  <c:v>-1.4008457E-2</c:v>
-                </c:pt>
-                <c:pt idx="144">
-                  <c:v>0.12052592600000001</c:v>
-                </c:pt>
-                <c:pt idx="145">
-                  <c:v>0.10798087100000001</c:v>
-                </c:pt>
-                <c:pt idx="146">
-                  <c:v>0.10558734</c:v>
-                </c:pt>
-                <c:pt idx="147">
-                  <c:v>0.10060092399999999</c:v>
-                </c:pt>
-                <c:pt idx="148">
-                  <c:v>8.2658776000000003E-2</c:v>
-                </c:pt>
-                <c:pt idx="149">
-                  <c:v>8.2672831000000002E-2</c:v>
-                </c:pt>
-                <c:pt idx="150">
-                  <c:v>2.6894619000000002E-2</c:v>
-                </c:pt>
-                <c:pt idx="151">
-                  <c:v>1.9068867E-2</c:v>
-                </c:pt>
-                <c:pt idx="152">
-                  <c:v>-1.8782339999999999E-3</c:v>
-                </c:pt>
-                <c:pt idx="153">
-                  <c:v>-4.4901339999999998E-3</c:v>
-                </c:pt>
-                <c:pt idx="154">
-                  <c:v>-4.4901339999999998E-3</c:v>
-                </c:pt>
-                <c:pt idx="155">
-                  <c:v>0.113820593</c:v>
-                </c:pt>
-                <c:pt idx="156">
-                  <c:v>0.111331819</c:v>
-                </c:pt>
-                <c:pt idx="157">
-                  <c:v>0.106159985</c:v>
-                </c:pt>
-                <c:pt idx="158">
-                  <c:v>8.7577480999999999E-2</c:v>
-                </c:pt>
-                <c:pt idx="159">
-                  <c:v>8.7591128000000004E-2</c:v>
-                </c:pt>
-                <c:pt idx="160">
-                  <c:v>2.9813870999999999E-2</c:v>
-                </c:pt>
-                <c:pt idx="161">
-                  <c:v>2.1704147E-2</c:v>
-                </c:pt>
-                <c:pt idx="162" formatCode="0.00E+00">
-                  <c:v>-5.5400000000000003E-6</c:v>
-                </c:pt>
-                <c:pt idx="163">
-                  <c:v>-2.7137490000000001E-3</c:v>
-                </c:pt>
-                <c:pt idx="164">
-                  <c:v>-2.7137490000000001E-3</c:v>
-                </c:pt>
-                <c:pt idx="165">
-                  <c:v>0.20752168100000001</c:v>
-                </c:pt>
-                <c:pt idx="166">
-                  <c:v>0.19915823099999999</c:v>
-                </c:pt>
-                <c:pt idx="167">
-                  <c:v>0.16942623400000001</c:v>
-                </c:pt>
-                <c:pt idx="168">
-                  <c:v>0.16943487600000001</c:v>
-                </c:pt>
-                <c:pt idx="169">
-                  <c:v>7.6112873999999997E-2</c:v>
-                </c:pt>
-                <c:pt idx="170">
-                  <c:v>6.2866978000000004E-2</c:v>
-                </c:pt>
-                <c:pt idx="171">
-                  <c:v>2.7250132999999999E-2</c:v>
-                </c:pt>
-                <c:pt idx="172">
-                  <c:v>2.2776390000000001E-2</c:v>
-                </c:pt>
-                <c:pt idx="173">
-                  <c:v>2.2776390000000001E-2</c:v>
-                </c:pt>
-                <c:pt idx="174">
-                  <c:v>0.22904715</c:v>
-                </c:pt>
-                <c:pt idx="175">
-                  <c:v>0.195731183</c:v>
-                </c:pt>
-                <c:pt idx="176">
-                  <c:v>0.195738781</c:v>
-                </c:pt>
-                <c:pt idx="177">
-                  <c:v>9.0604618999999997E-2</c:v>
-                </c:pt>
-                <c:pt idx="178">
-                  <c:v>7.5604347000000002E-2</c:v>
-                </c:pt>
-                <c:pt idx="179">
-                  <c:v>3.5174887000000002E-2</c:v>
-                </c:pt>
-                <c:pt idx="180">
-                  <c:v>3.0084406000000001E-2</c:v>
-                </c:pt>
-                <c:pt idx="181">
-                  <c:v>3.0084406000000001E-2</c:v>
-                </c:pt>
-                <c:pt idx="182">
-                  <c:v>0.23397298699999999</c:v>
-                </c:pt>
-                <c:pt idx="183">
-                  <c:v>0.23397937399999999</c:v>
-                </c:pt>
-                <c:pt idx="184">
-                  <c:v>0.111725571</c:v>
-                </c:pt>
-                <c:pt idx="185">
-                  <c:v>9.4125310000000004E-2</c:v>
-                </c:pt>
-                <c:pt idx="186">
-                  <c:v>4.6486939999999997E-2</c:v>
-                </c:pt>
-                <c:pt idx="187">
-                  <c:v>4.0464907000000001E-2</c:v>
-                </c:pt>
-                <c:pt idx="188">
-                  <c:v>4.0464907000000001E-2</c:v>
-                </c:pt>
-                <c:pt idx="189">
-                  <c:v>0.30147734999999998</c:v>
-                </c:pt>
-                <c:pt idx="190">
-                  <c:v>0.14980974599999999</c:v>
-                </c:pt>
-                <c:pt idx="191">
-                  <c:v>0.12753194700000001</c:v>
-                </c:pt>
-                <c:pt idx="192">
-                  <c:v>6.6627983000000002E-2</c:v>
-                </c:pt>
-                <c:pt idx="193">
-                  <c:v>5.8860455999999998E-2</c:v>
-                </c:pt>
-                <c:pt idx="194">
-                  <c:v>5.8860455999999998E-2</c:v>
-                </c:pt>
-                <c:pt idx="195">
-                  <c:v>0.15409592499999999</c:v>
-                </c:pt>
-                <c:pt idx="196">
-                  <c:v>0.13129995999999999</c:v>
-                </c:pt>
-                <c:pt idx="197">
-                  <c:v>6.8897641999999995E-2</c:v>
-                </c:pt>
-                <c:pt idx="198">
-                  <c:v>6.0929863000000001E-2</c:v>
-                </c:pt>
-                <c:pt idx="199">
-                  <c:v>6.0929863000000001E-2</c:v>
-                </c:pt>
-                <c:pt idx="200">
-                  <c:v>0.20498308100000001</c:v>
-                </c:pt>
-                <c:pt idx="201">
-                  <c:v>0.114239495</c:v>
-                </c:pt>
-                <c:pt idx="202">
-                  <c:v>0.102311232</c:v>
-                </c:pt>
-                <c:pt idx="203">
-                  <c:v>0.102311232</c:v>
-                </c:pt>
-                <c:pt idx="204">
-                  <c:v>0.12209010300000001</c:v>
-                </c:pt>
-                <c:pt idx="205">
-                  <c:v>0.109504976</c:v>
-                </c:pt>
-                <c:pt idx="206">
-                  <c:v>0.109504976</c:v>
-                </c:pt>
-                <c:pt idx="207">
-                  <c:v>0.11076804699999999</c:v>
-                </c:pt>
-                <c:pt idx="208">
-                  <c:v>0.11076804699999999</c:v>
-                </c:pt>
-                <c:pt idx="209">
-                  <c:v>0.117226596</c:v>
+                  <c:v>0.9</c:v>
                 </c:pt>
               </c:numCache>
             </c:numRef>
@@ -4685,130 +648,251 @@
           <c:smooth val="0"/>
           <c:extLst>
             <c:ext xmlns:c16="http://schemas.microsoft.com/office/drawing/2014/chart" uri="{C3380CC4-5D6E-409C-BE32-E72D297353CC}">
-              <c16:uniqueId val="{00000003-56B9-41D7-9C23-361238023ECA}"/>
+              <c16:uniqueId val="{00000000-6918-48DC-906D-A55D0A9439FB}"/>
             </c:ext>
           </c:extLst>
         </c:ser>
-        <c:dLbls>
-          <c:showLegendKey val="0"/>
-          <c:showVal val="0"/>
-          <c:showCatName val="0"/>
-          <c:showSerName val="0"/>
-          <c:showPercent val="0"/>
-          <c:showBubbleSize val="0"/>
-        </c:dLbls>
-        <c:smooth val="0"/>
-        <c:axId val="1565387487"/>
-        <c:axId val="1565382079"/>
-      </c:lineChart>
-      <c:catAx>
-        <c:axId val="1565387487"/>
-        <c:scaling>
-          <c:orientation val="minMax"/>
-        </c:scaling>
-        <c:delete val="0"/>
-        <c:axPos val="b"/>
-        <c:title>
+        <c:ser>
+          <c:idx val="1"/>
+          <c:order val="1"/>
           <c:tx>
-            <c:rich>
-              <a:bodyPr rot="0" spcFirstLastPara="1" vertOverflow="ellipsis" vert="horz" wrap="square" anchor="ctr" anchorCtr="1"/>
+            <c:strRef>
+              <c:f>Sheet2!$C$1</c:f>
+              <c:strCache>
+                <c:ptCount val="1"/>
+                <c:pt idx="0">
+                  <c:v>t2</c:v>
+                </c:pt>
+              </c:strCache>
+            </c:strRef>
+          </c:tx>
+          <c:spPr>
+            <a:ln w="28575" cap="rnd">
+              <a:noFill/>
+              <a:round/>
+            </a:ln>
+            <a:effectLst/>
+          </c:spPr>
+          <c:marker>
+            <c:symbol val="diamond"/>
+            <c:size val="6"/>
+            <c:spPr>
+              <a:solidFill>
+                <a:schemeClr val="accent2"/>
+              </a:solidFill>
+              <a:ln w="9525">
+                <a:solidFill>
+                  <a:schemeClr val="tx1"/>
+                </a:solidFill>
+              </a:ln>
+              <a:effectLst/>
+            </c:spPr>
+          </c:marker>
+          <c:dLbls>
+            <c:spPr>
+              <a:noFill/>
+              <a:ln>
+                <a:noFill/>
+              </a:ln>
+              <a:effectLst/>
+            </c:spPr>
+            <c:txPr>
+              <a:bodyPr rot="0" spcFirstLastPara="1" vertOverflow="ellipsis" vert="horz" wrap="square" lIns="38100" tIns="19050" rIns="38100" bIns="19050" anchor="ctr" anchorCtr="1">
+                <a:spAutoFit/>
+              </a:bodyPr>
               <a:lstStyle/>
               <a:p>
                 <a:pPr>
                   <a:defRPr sz="1000" b="0" i="0" u="none" strike="noStrike" kern="1200" baseline="0">
                     <a:solidFill>
-                      <a:schemeClr val="tx1">
-                        <a:lumMod val="65000"/>
-                        <a:lumOff val="35000"/>
-                      </a:schemeClr>
+                      <a:schemeClr val="tx1"/>
                     </a:solidFill>
                     <a:latin typeface="+mn-lt"/>
                     <a:ea typeface="+mn-ea"/>
                     <a:cs typeface="+mn-cs"/>
                   </a:defRPr>
                 </a:pPr>
-                <a:r>
-                  <a:rPr lang="en-US">
-                    <a:solidFill>
-                      <a:sysClr val="windowText" lastClr="000000"/>
-                    </a:solidFill>
-                  </a:rPr>
-                  <a:t>Thresholds (t</a:t>
-                </a:r>
-                <a:r>
-                  <a:rPr lang="en-US" baseline="-25000">
-                    <a:solidFill>
-                      <a:sysClr val="windowText" lastClr="000000"/>
-                    </a:solidFill>
-                  </a:rPr>
-                  <a:t>1</a:t>
-                </a:r>
-                <a:r>
-                  <a:rPr lang="en-US">
-                    <a:solidFill>
-                      <a:sysClr val="windowText" lastClr="000000"/>
-                    </a:solidFill>
-                  </a:rPr>
-                  <a:t>_t</a:t>
-                </a:r>
-                <a:r>
-                  <a:rPr lang="en-US" baseline="-25000">
-                    <a:solidFill>
-                      <a:sysClr val="windowText" lastClr="000000"/>
-                    </a:solidFill>
-                  </a:rPr>
-                  <a:t>2</a:t>
-                </a:r>
-                <a:r>
-                  <a:rPr lang="en-US" baseline="0">
-                    <a:solidFill>
-                      <a:sysClr val="windowText" lastClr="000000"/>
-                    </a:solidFill>
-                  </a:rPr>
-                  <a:t>)</a:t>
-                </a:r>
-                <a:endParaRPr lang="en-US" baseline="-25000">
-                  <a:solidFill>
-                    <a:sysClr val="windowText" lastClr="000000"/>
-                  </a:solidFill>
-                </a:endParaRPr>
+                <a:endParaRPr lang="en-US"/>
               </a:p>
-            </c:rich>
-          </c:tx>
-          <c:layout/>
-          <c:overlay val="0"/>
+            </c:txPr>
+            <c:dLblPos val="t"/>
+            <c:showLegendKey val="0"/>
+            <c:showVal val="1"/>
+            <c:showCatName val="0"/>
+            <c:showSerName val="0"/>
+            <c:showPercent val="0"/>
+            <c:showBubbleSize val="0"/>
+            <c:showLeaderLines val="0"/>
+            <c:extLst>
+              <c:ext xmlns:c15="http://schemas.microsoft.com/office/drawing/2012/chart" uri="{CE6537A1-D6FC-4f65-9D91-7224C49458BB}">
+                <c15:layout/>
+                <c15:showLeaderLines val="1"/>
+                <c15:leaderLines>
+                  <c:spPr>
+                    <a:ln w="9525" cap="flat" cmpd="sng" algn="ctr">
+                      <a:solidFill>
+                        <a:schemeClr val="tx1">
+                          <a:lumMod val="35000"/>
+                          <a:lumOff val="65000"/>
+                        </a:schemeClr>
+                      </a:solidFill>
+                      <a:round/>
+                    </a:ln>
+                    <a:effectLst/>
+                  </c:spPr>
+                </c15:leaderLines>
+              </c:ext>
+            </c:extLst>
+          </c:dLbls>
+          <c:cat>
+            <c:strRef>
+              <c:f>Sheet2!$A$2:$A$13</c:f>
+              <c:strCache>
+                <c:ptCount val="12"/>
+                <c:pt idx="0">
+                  <c:v>word2vec</c:v>
+                </c:pt>
+                <c:pt idx="1">
+                  <c:v>fuzzy wuzzy</c:v>
+                </c:pt>
+                <c:pt idx="2">
+                  <c:v>bert-base-nli-stsb-mean-tokens</c:v>
+                </c:pt>
+                <c:pt idx="3">
+                  <c:v>bert-large-nli-stsb-mean-tokens</c:v>
+                </c:pt>
+                <c:pt idx="4">
+                  <c:v>roberta-base-nli-stsb-mean-tokens</c:v>
+                </c:pt>
+                <c:pt idx="5">
+                  <c:v>roberta-large-nli-stsb-mean-tokens</c:v>
+                </c:pt>
+                <c:pt idx="6">
+                  <c:v>distilbert-base-nli-stsb-mean-tokens</c:v>
+                </c:pt>
+                <c:pt idx="7">
+                  <c:v>bert-base-nli-mean-tokens</c:v>
+                </c:pt>
+                <c:pt idx="8">
+                  <c:v>bert-large-nli-mean-tokens</c:v>
+                </c:pt>
+                <c:pt idx="9">
+                  <c:v>roberta-base-nli-mean-tokens</c:v>
+                </c:pt>
+                <c:pt idx="10">
+                  <c:v>roberta-large-nli-mean-tokens</c:v>
+                </c:pt>
+                <c:pt idx="11">
+                  <c:v>distilbert-base-nli-mean-tokens</c:v>
+                </c:pt>
+              </c:strCache>
+            </c:strRef>
+          </c:cat>
+          <c:val>
+            <c:numRef>
+              <c:f>Sheet2!$C$2:$C$13</c:f>
+              <c:numCache>
+                <c:formatCode>General</c:formatCode>
+                <c:ptCount val="12"/>
+                <c:pt idx="0">
+                  <c:v>0.1</c:v>
+                </c:pt>
+                <c:pt idx="1">
+                  <c:v>0.75</c:v>
+                </c:pt>
+                <c:pt idx="2">
+                  <c:v>0.9</c:v>
+                </c:pt>
+                <c:pt idx="3">
+                  <c:v>0.9</c:v>
+                </c:pt>
+                <c:pt idx="4">
+                  <c:v>0.9</c:v>
+                </c:pt>
+                <c:pt idx="5">
+                  <c:v>0.9</c:v>
+                </c:pt>
+                <c:pt idx="6">
+                  <c:v>0.9</c:v>
+                </c:pt>
+                <c:pt idx="7">
+                  <c:v>0.95</c:v>
+                </c:pt>
+                <c:pt idx="8">
+                  <c:v>0.9</c:v>
+                </c:pt>
+                <c:pt idx="9">
+                  <c:v>0.95</c:v>
+                </c:pt>
+                <c:pt idx="10">
+                  <c:v>0.95</c:v>
+                </c:pt>
+                <c:pt idx="11">
+                  <c:v>0.95</c:v>
+                </c:pt>
+              </c:numCache>
+            </c:numRef>
+          </c:val>
+          <c:smooth val="0"/>
+          <c:extLst>
+            <c:ext xmlns:c16="http://schemas.microsoft.com/office/drawing/2014/chart" uri="{C3380CC4-5D6E-409C-BE32-E72D297353CC}">
+              <c16:uniqueId val="{00000001-6918-48DC-906D-A55D0A9439FB}"/>
+            </c:ext>
+          </c:extLst>
+        </c:ser>
+        <c:dLbls>
+          <c:dLblPos val="t"/>
+          <c:showLegendKey val="0"/>
+          <c:showVal val="1"/>
+          <c:showCatName val="0"/>
+          <c:showSerName val="0"/>
+          <c:showPercent val="0"/>
+          <c:showBubbleSize val="0"/>
+        </c:dLbls>
+        <c:marker val="1"/>
+        <c:smooth val="0"/>
+        <c:axId val="224721743"/>
+        <c:axId val="224706351"/>
+      </c:lineChart>
+      <c:catAx>
+        <c:axId val="224721743"/>
+        <c:scaling>
+          <c:orientation val="minMax"/>
+        </c:scaling>
+        <c:delete val="0"/>
+        <c:axPos val="b"/>
+        <c:majorGridlines>
           <c:spPr>
-            <a:noFill/>
-            <a:ln>
-              <a:noFill/>
+            <a:ln w="9525" cap="flat" cmpd="sng" algn="ctr">
+              <a:solidFill>
+                <a:schemeClr val="tx1">
+                  <a:lumMod val="15000"/>
+                  <a:lumOff val="85000"/>
+                </a:schemeClr>
+              </a:solidFill>
+              <a:round/>
             </a:ln>
             <a:effectLst/>
           </c:spPr>
-          <c:txPr>
-            <a:bodyPr rot="0" spcFirstLastPara="1" vertOverflow="ellipsis" vert="horz" wrap="square" anchor="ctr" anchorCtr="1"/>
-            <a:lstStyle/>
-            <a:p>
-              <a:pPr>
-                <a:defRPr sz="1000" b="0" i="0" u="none" strike="noStrike" kern="1200" baseline="0">
-                  <a:solidFill>
-                    <a:schemeClr val="tx1">
-                      <a:lumMod val="65000"/>
-                      <a:lumOff val="35000"/>
-                    </a:schemeClr>
-                  </a:solidFill>
-                  <a:latin typeface="+mn-lt"/>
-                  <a:ea typeface="+mn-ea"/>
-                  <a:cs typeface="+mn-cs"/>
-                </a:defRPr>
-              </a:pPr>
-              <a:endParaRPr lang="en-US"/>
-            </a:p>
-          </c:txPr>
-        </c:title>
+        </c:majorGridlines>
+        <c:minorGridlines>
+          <c:spPr>
+            <a:ln w="9525" cap="flat" cmpd="sng" algn="ctr">
+              <a:solidFill>
+                <a:schemeClr val="tx1">
+                  <a:lumMod val="5000"/>
+                  <a:lumOff val="95000"/>
+                </a:schemeClr>
+              </a:solidFill>
+              <a:round/>
+            </a:ln>
+            <a:effectLst/>
+          </c:spPr>
+        </c:minorGridlines>
         <c:numFmt formatCode="General" sourceLinked="1"/>
         <c:majorTickMark val="none"/>
         <c:minorTickMark val="none"/>
-        <c:tickLblPos val="low"/>
+        <c:tickLblPos val="nextTo"/>
         <c:spPr>
           <a:noFill/>
           <a:ln w="9525" cap="flat" cmpd="sng" algn="ctr">
@@ -4839,23 +923,34 @@
             <a:endParaRPr lang="en-US"/>
           </a:p>
         </c:txPr>
-        <c:crossAx val="1565382079"/>
+        <c:crossAx val="224706351"/>
         <c:crosses val="autoZero"/>
         <c:auto val="1"/>
         <c:lblAlgn val="ctr"/>
         <c:lblOffset val="100"/>
-        <c:tickLblSkip val="10"/>
         <c:noMultiLvlLbl val="0"/>
       </c:catAx>
       <c:valAx>
-        <c:axId val="1565382079"/>
+        <c:axId val="224706351"/>
         <c:scaling>
           <c:orientation val="minMax"/>
-          <c:max val="1"/>
-          <c:min val="-1"/>
         </c:scaling>
         <c:delete val="0"/>
         <c:axPos val="l"/>
+        <c:majorGridlines>
+          <c:spPr>
+            <a:ln w="9525" cap="flat" cmpd="sng" algn="ctr">
+              <a:solidFill>
+                <a:schemeClr val="tx1">
+                  <a:lumMod val="15000"/>
+                  <a:lumOff val="85000"/>
+                </a:schemeClr>
+              </a:solidFill>
+              <a:round/>
+            </a:ln>
+            <a:effectLst/>
+          </c:spPr>
+        </c:majorGridlines>
         <c:title>
           <c:tx>
             <c:rich>
@@ -4878,24 +973,11 @@
                 <a:r>
                   <a:rPr lang="en-US">
                     <a:solidFill>
-                      <a:sysClr val="windowText" lastClr="000000"/>
+                      <a:schemeClr val="tx1"/>
                     </a:solidFill>
                   </a:rPr>
-                  <a:t>MCC</a:t>
+                  <a:t>Threshods</a:t>
                 </a:r>
-                <a:r>
-                  <a:rPr lang="en-US" baseline="0">
-                    <a:solidFill>
-                      <a:sysClr val="windowText" lastClr="000000"/>
-                    </a:solidFill>
-                  </a:rPr>
-                  <a:t> Score</a:t>
-                </a:r>
-                <a:endParaRPr lang="en-US">
-                  <a:solidFill>
-                    <a:sysClr val="windowText" lastClr="000000"/>
-                  </a:solidFill>
-                </a:endParaRPr>
               </a:p>
             </c:rich>
           </c:tx>
@@ -4957,10 +1039,9 @@
             <a:endParaRPr lang="en-US"/>
           </a:p>
         </c:txPr>
-        <c:crossAx val="1565387487"/>
+        <c:crossAx val="224721743"/>
         <c:crosses val="autoZero"/>
         <c:crossBetween val="between"/>
-        <c:majorUnit val="0.5"/>
       </c:valAx>
       <c:spPr>
         <a:noFill/>
@@ -4986,7 +1067,7 @@
         <a:lstStyle/>
         <a:p>
           <a:pPr>
-            <a:defRPr sz="1000" b="0" i="0" u="none" strike="noStrike" kern="1200" baseline="0">
+            <a:defRPr sz="900" b="0" i="0" u="none" strike="noStrike" kern="1200" baseline="0">
               <a:solidFill>
                 <a:schemeClr val="tx1"/>
               </a:solidFill>
@@ -20988,7 +17069,7 @@
     <mc:Choice Requires="p14">
       <p:transition spd="slow" p14:dur="2000"/>
     </mc:Choice>
-    <mc:Fallback xmlns:p15="http://schemas.microsoft.com/office/powerpoint/2012/main" xmlns="">
+    <mc:Fallback xmlns="" xmlns:p15="http://schemas.microsoft.com/office/powerpoint/2012/main">
       <p:transition spd="slow"/>
     </mc:Fallback>
   </mc:AlternateContent>
@@ -22525,7 +18606,7 @@
     <mc:Choice Requires="p14">
       <p:transition spd="slow" p14:dur="2000"/>
     </mc:Choice>
-    <mc:Fallback xmlns:p15="http://schemas.microsoft.com/office/powerpoint/2012/main" xmlns="">
+    <mc:Fallback xmlns="" xmlns:p15="http://schemas.microsoft.com/office/powerpoint/2012/main">
       <p:transition spd="slow"/>
     </mc:Fallback>
   </mc:AlternateContent>
@@ -23160,7 +19241,7 @@
     <mc:Choice Requires="p14">
       <p:transition spd="slow" p14:dur="2000"/>
     </mc:Choice>
-    <mc:Fallback xmlns:p15="http://schemas.microsoft.com/office/powerpoint/2012/main" xmlns="">
+    <mc:Fallback xmlns="" xmlns:p15="http://schemas.microsoft.com/office/powerpoint/2012/main">
       <p:transition spd="slow"/>
     </mc:Fallback>
   </mc:AlternateContent>
@@ -26681,7 +22762,7 @@
     <mc:Choice Requires="p14">
       <p:transition spd="slow" p14:dur="2000"/>
     </mc:Choice>
-    <mc:Fallback xmlns:p15="http://schemas.microsoft.com/office/powerpoint/2012/main" xmlns="">
+    <mc:Fallback xmlns="" xmlns:p15="http://schemas.microsoft.com/office/powerpoint/2012/main">
       <p:transition spd="slow"/>
     </mc:Fallback>
   </mc:AlternateContent>
@@ -28951,7 +25032,7 @@
     <mc:Choice Requires="p14">
       <p:transition spd="slow" p14:dur="2000"/>
     </mc:Choice>
-    <mc:Fallback xmlns:p15="http://schemas.microsoft.com/office/powerpoint/2012/main" xmlns="">
+    <mc:Fallback xmlns="" xmlns:p15="http://schemas.microsoft.com/office/powerpoint/2012/main">
       <p:transition spd="slow"/>
     </mc:Fallback>
   </mc:AlternateContent>
@@ -31211,7 +27292,7 @@
     <mc:Choice Requires="p14">
       <p:transition spd="slow" p14:dur="2000"/>
     </mc:Choice>
-    <mc:Fallback xmlns:p15="http://schemas.microsoft.com/office/powerpoint/2012/main" xmlns="">
+    <mc:Fallback xmlns="" xmlns:p15="http://schemas.microsoft.com/office/powerpoint/2012/main">
       <p:transition spd="slow"/>
     </mc:Fallback>
   </mc:AlternateContent>
@@ -31298,21 +27379,21 @@
       </p:grpSpPr>
       <p:graphicFrame>
         <p:nvGraphicFramePr>
-          <p:cNvPr id="8" name="Chart 7"/>
+          <p:cNvPr id="4" name="Chart 3"/>
           <p:cNvGraphicFramePr>
             <a:graphicFrameLocks/>
           </p:cNvGraphicFramePr>
           <p:nvPr>
             <p:extLst>
               <p:ext uri="{D42A27DB-BD31-4B8C-83A1-F6EECF244321}">
-                <p14:modId xmlns:p14="http://schemas.microsoft.com/office/powerpoint/2010/main" val="4086800520"/>
+                <p14:modId xmlns:p14="http://schemas.microsoft.com/office/powerpoint/2010/main" val="654955433"/>
               </p:ext>
             </p:extLst>
           </p:nvPr>
         </p:nvGraphicFramePr>
         <p:xfrm>
-          <a:off x="945173" y="79497"/>
-          <a:ext cx="10248900" cy="3076575"/>
+          <a:off x="2531268" y="1290161"/>
+          <a:ext cx="7129463" cy="4277678"/>
         </p:xfrm>
         <a:graphic>
           <a:graphicData uri="http://schemas.openxmlformats.org/drawingml/2006/chart">
@@ -31704,7 +27785,7 @@
     <mc:Choice Requires="p14">
       <p:transition spd="slow" p14:dur="2000"/>
     </mc:Choice>
-    <mc:Fallback xmlns:p15="http://schemas.microsoft.com/office/powerpoint/2012/main" xmlns="">
+    <mc:Fallback xmlns="" xmlns:p15="http://schemas.microsoft.com/office/powerpoint/2012/main">
       <p:transition spd="slow"/>
     </mc:Fallback>
   </mc:AlternateContent>
@@ -34608,7 +30689,7 @@
     <mc:Choice Requires="p14">
       <p:transition spd="slow" p14:dur="2000"/>
     </mc:Choice>
-    <mc:Fallback xmlns:p15="http://schemas.microsoft.com/office/powerpoint/2012/main" xmlns="">
+    <mc:Fallback xmlns="" xmlns:p15="http://schemas.microsoft.com/office/powerpoint/2012/main">
       <p:transition spd="slow"/>
     </mc:Fallback>
   </mc:AlternateContent>
@@ -37269,7 +33350,7 @@
     <mc:Choice Requires="p14">
       <p:transition spd="slow" p14:dur="2000"/>
     </mc:Choice>
-    <mc:Fallback xmlns:p15="http://schemas.microsoft.com/office/powerpoint/2012/main" xmlns="">
+    <mc:Fallback xmlns="" xmlns:p15="http://schemas.microsoft.com/office/powerpoint/2012/main">
       <p:transition spd="slow"/>
     </mc:Fallback>
   </mc:AlternateContent>
@@ -43869,7 +39950,7 @@
     <mc:Choice Requires="p14">
       <p:transition spd="slow" p14:dur="2000"/>
     </mc:Choice>
-    <mc:Fallback xmlns:p15="http://schemas.microsoft.com/office/powerpoint/2012/main" xmlns="">
+    <mc:Fallback xmlns="" xmlns:p15="http://schemas.microsoft.com/office/powerpoint/2012/main">
       <p:transition spd="slow"/>
     </mc:Fallback>
   </mc:AlternateContent>
@@ -48922,7 +45003,7 @@
     <mc:Choice Requires="p14">
       <p:transition spd="slow" p14:dur="2000"/>
     </mc:Choice>
-    <mc:Fallback xmlns:p15="http://schemas.microsoft.com/office/powerpoint/2012/main" xmlns="">
+    <mc:Fallback xmlns="" xmlns:p15="http://schemas.microsoft.com/office/powerpoint/2012/main">
       <p:transition spd="slow"/>
     </mc:Fallback>
   </mc:AlternateContent>
@@ -49070,7 +45151,7 @@
     <mc:Choice Requires="p14">
       <p:transition spd="slow" p14:dur="2000"/>
     </mc:Choice>
-    <mc:Fallback xmlns:p15="http://schemas.microsoft.com/office/powerpoint/2012/main" xmlns="">
+    <mc:Fallback xmlns="" xmlns:p15="http://schemas.microsoft.com/office/powerpoint/2012/main">
       <p:transition spd="slow"/>
     </mc:Fallback>
   </mc:AlternateContent>
@@ -49633,7 +45714,7 @@
     <mc:Choice Requires="p14">
       <p:transition spd="slow" p14:dur="2000"/>
     </mc:Choice>
-    <mc:Fallback xmlns:p15="http://schemas.microsoft.com/office/powerpoint/2012/main" xmlns="">
+    <mc:Fallback xmlns="" xmlns:p15="http://schemas.microsoft.com/office/powerpoint/2012/main">
       <p:transition spd="slow"/>
     </mc:Fallback>
   </mc:AlternateContent>
@@ -51530,7 +47611,7 @@
     <mc:Choice Requires="p14">
       <p:transition spd="slow" p14:dur="2000"/>
     </mc:Choice>
-    <mc:Fallback xmlns:p15="http://schemas.microsoft.com/office/powerpoint/2012/main" xmlns="">
+    <mc:Fallback xmlns="" xmlns:p15="http://schemas.microsoft.com/office/powerpoint/2012/main">
       <p:transition spd="slow"/>
     </mc:Fallback>
   </mc:AlternateContent>
@@ -54333,7 +50414,7 @@
     <mc:Choice Requires="p14">
       <p:transition spd="slow" p14:dur="2000"/>
     </mc:Choice>
-    <mc:Fallback xmlns:p15="http://schemas.microsoft.com/office/powerpoint/2012/main" xmlns="">
+    <mc:Fallback xmlns="" xmlns:p15="http://schemas.microsoft.com/office/powerpoint/2012/main">
       <p:transition spd="slow"/>
     </mc:Fallback>
   </mc:AlternateContent>

--- a/Presentations/EMR Interroperability V0.2.pptx
+++ b/Presentations/EMR Interroperability V0.2.pptx
@@ -7,7 +7,7 @@
     <p:sldMasterId id="2147483674" r:id="rId3"/>
   </p:sldMasterIdLst>
   <p:notesMasterIdLst>
-    <p:notesMasterId r:id="rId21"/>
+    <p:notesMasterId r:id="rId22"/>
   </p:notesMasterIdLst>
   <p:sldIdLst>
     <p:sldId id="256" r:id="rId4"/>
@@ -26,7 +26,8 @@
     <p:sldId id="269" r:id="rId17"/>
     <p:sldId id="271" r:id="rId18"/>
     <p:sldId id="272" r:id="rId19"/>
-    <p:sldId id="270" r:id="rId20"/>
+    <p:sldId id="273" r:id="rId20"/>
+    <p:sldId id="270" r:id="rId21"/>
   </p:sldIdLst>
   <p:sldSz cx="12192000" cy="6858000"/>
   <p:notesSz cx="6797675" cy="9929813"/>
@@ -217,7 +218,6 @@
             <c:showLeaderLines val="0"/>
             <c:extLst>
               <c:ext xmlns:c15="http://schemas.microsoft.com/office/drawing/2012/chart" uri="{CE6537A1-D6FC-4f65-9D91-7224C49458BB}">
-                <c15:layout/>
                 <c15:showLeaderLines val="1"/>
                 <c15:leaderLines>
                   <c:spPr>
@@ -1107,6 +1107,538 @@
 </c:chartSpace>
 </file>
 
+<file path=ppt/charts/chart3.xml><?xml version="1.0" encoding="utf-8"?>
+<c:chartSpace xmlns:c="http://schemas.openxmlformats.org/drawingml/2006/chart" xmlns:a="http://schemas.openxmlformats.org/drawingml/2006/main" xmlns:r="http://schemas.openxmlformats.org/officeDocument/2006/relationships" xmlns:c16r2="http://schemas.microsoft.com/office/drawing/2015/06/chart">
+  <c:date1904 val="0"/>
+  <c:lang val="en-US"/>
+  <c:roundedCorners val="0"/>
+  <mc:AlternateContent xmlns:mc="http://schemas.openxmlformats.org/markup-compatibility/2006">
+    <mc:Choice xmlns:c14="http://schemas.microsoft.com/office/drawing/2007/8/2/chart" Requires="c14">
+      <c14:style val="102"/>
+    </mc:Choice>
+    <mc:Fallback>
+      <c:style val="2"/>
+    </mc:Fallback>
+  </mc:AlternateContent>
+  <c:chart>
+    <c:autoTitleDeleted val="1"/>
+    <c:plotArea>
+      <c:layout/>
+      <c:barChart>
+        <c:barDir val="col"/>
+        <c:grouping val="clustered"/>
+        <c:varyColors val="0"/>
+        <c:ser>
+          <c:idx val="0"/>
+          <c:order val="0"/>
+          <c:tx>
+            <c:strRef>
+              <c:f>Sheet1!$B$1</c:f>
+              <c:strCache>
+                <c:ptCount val="1"/>
+                <c:pt idx="0">
+                  <c:v>MCC Score</c:v>
+                </c:pt>
+              </c:strCache>
+            </c:strRef>
+          </c:tx>
+          <c:spPr>
+            <a:pattFill prst="pct90">
+              <a:fgClr>
+                <a:schemeClr val="accent1"/>
+              </a:fgClr>
+              <a:bgClr>
+                <a:schemeClr val="bg1"/>
+              </a:bgClr>
+            </a:pattFill>
+            <a:ln>
+              <a:solidFill>
+                <a:schemeClr val="tx1"/>
+              </a:solidFill>
+            </a:ln>
+            <a:effectLst/>
+          </c:spPr>
+          <c:invertIfNegative val="0"/>
+          <c:dLbls>
+            <c:spPr>
+              <a:noFill/>
+              <a:ln>
+                <a:noFill/>
+              </a:ln>
+              <a:effectLst/>
+            </c:spPr>
+            <c:txPr>
+              <a:bodyPr rot="-5400000" spcFirstLastPara="1" vertOverflow="ellipsis" wrap="square" lIns="38100" tIns="19050" rIns="38100" bIns="19050" anchor="ctr" anchorCtr="1">
+                <a:spAutoFit/>
+              </a:bodyPr>
+              <a:lstStyle/>
+              <a:p>
+                <a:pPr>
+                  <a:defRPr sz="1000" b="0" i="0" u="none" strike="noStrike" kern="1200" baseline="0">
+                    <a:solidFill>
+                      <a:schemeClr val="tx1"/>
+                    </a:solidFill>
+                    <a:latin typeface="+mn-lt"/>
+                    <a:ea typeface="+mn-ea"/>
+                    <a:cs typeface="+mn-cs"/>
+                  </a:defRPr>
+                </a:pPr>
+                <a:endParaRPr lang="en-US"/>
+              </a:p>
+            </c:txPr>
+            <c:dLblPos val="outEnd"/>
+            <c:showLegendKey val="0"/>
+            <c:showVal val="1"/>
+            <c:showCatName val="0"/>
+            <c:showSerName val="0"/>
+            <c:showPercent val="0"/>
+            <c:showBubbleSize val="0"/>
+            <c:showLeaderLines val="0"/>
+            <c:extLst>
+              <c:ext xmlns:c15="http://schemas.microsoft.com/office/drawing/2012/chart" uri="{CE6537A1-D6FC-4f65-9D91-7224C49458BB}">
+                <c15:layout/>
+                <c15:showLeaderLines val="1"/>
+                <c15:leaderLines>
+                  <c:spPr>
+                    <a:ln w="9525" cap="flat" cmpd="sng" algn="ctr">
+                      <a:solidFill>
+                        <a:schemeClr val="tx1">
+                          <a:lumMod val="35000"/>
+                          <a:lumOff val="65000"/>
+                        </a:schemeClr>
+                      </a:solidFill>
+                      <a:round/>
+                    </a:ln>
+                    <a:effectLst/>
+                  </c:spPr>
+                </c15:leaderLines>
+              </c:ext>
+            </c:extLst>
+          </c:dLbls>
+          <c:cat>
+            <c:strRef>
+              <c:f>Sheet1!$A$2:$A$13</c:f>
+              <c:strCache>
+                <c:ptCount val="12"/>
+                <c:pt idx="0">
+                  <c:v>word2vec</c:v>
+                </c:pt>
+                <c:pt idx="1">
+                  <c:v>fuzzy wuzzy</c:v>
+                </c:pt>
+                <c:pt idx="2">
+                  <c:v>bert-base-nli-ststb-mean-tokens</c:v>
+                </c:pt>
+                <c:pt idx="3">
+                  <c:v>bert-large-nli-stsb-mean-tokens</c:v>
+                </c:pt>
+                <c:pt idx="4">
+                  <c:v>roberta-base-nli-sts-mean-tokens</c:v>
+                </c:pt>
+                <c:pt idx="5">
+                  <c:v>roberta-large-nli-stsb-mean-tokens</c:v>
+                </c:pt>
+                <c:pt idx="6">
+                  <c:v>distilbert-base-nli-stsb-mean-tokens</c:v>
+                </c:pt>
+                <c:pt idx="7">
+                  <c:v>bert-base-nli-mean-tokens</c:v>
+                </c:pt>
+                <c:pt idx="8">
+                  <c:v>bert-large-nli-mean-tokens</c:v>
+                </c:pt>
+                <c:pt idx="9">
+                  <c:v>roberta-base-nli-mean-tokens</c:v>
+                </c:pt>
+                <c:pt idx="10">
+                  <c:v>roberta-large-nli-mean-tokens</c:v>
+                </c:pt>
+                <c:pt idx="11">
+                  <c:v>distilbert-base-nli-mean-tokens</c:v>
+                </c:pt>
+              </c:strCache>
+            </c:strRef>
+          </c:cat>
+          <c:val>
+            <c:numRef>
+              <c:f>Sheet1!$B$2:$B$13</c:f>
+              <c:numCache>
+                <c:formatCode>General</c:formatCode>
+                <c:ptCount val="12"/>
+                <c:pt idx="0">
+                  <c:v>0.02</c:v>
+                </c:pt>
+                <c:pt idx="1">
+                  <c:v>0.3</c:v>
+                </c:pt>
+                <c:pt idx="2">
+                  <c:v>0.28999999999999998</c:v>
+                </c:pt>
+                <c:pt idx="3">
+                  <c:v>0.39</c:v>
+                </c:pt>
+                <c:pt idx="4">
+                  <c:v>0.31</c:v>
+                </c:pt>
+                <c:pt idx="5">
+                  <c:v>0.48</c:v>
+                </c:pt>
+                <c:pt idx="6">
+                  <c:v>0.28999999999999998</c:v>
+                </c:pt>
+                <c:pt idx="7">
+                  <c:v>0.27</c:v>
+                </c:pt>
+                <c:pt idx="8">
+                  <c:v>0.06</c:v>
+                </c:pt>
+                <c:pt idx="9">
+                  <c:v>0.17</c:v>
+                </c:pt>
+                <c:pt idx="10">
+                  <c:v>0.28999999999999998</c:v>
+                </c:pt>
+                <c:pt idx="11">
+                  <c:v>0.28000000000000003</c:v>
+                </c:pt>
+              </c:numCache>
+            </c:numRef>
+          </c:val>
+          <c:extLst>
+            <c:ext xmlns:c16="http://schemas.microsoft.com/office/drawing/2014/chart" uri="{C3380CC4-5D6E-409C-BE32-E72D297353CC}">
+              <c16:uniqueId val="{00000000-BF36-44DD-9A5B-BEE080C106BD}"/>
+            </c:ext>
+          </c:extLst>
+        </c:ser>
+        <c:ser>
+          <c:idx val="1"/>
+          <c:order val="1"/>
+          <c:tx>
+            <c:strRef>
+              <c:f>Sheet1!$C$1</c:f>
+              <c:strCache>
+                <c:ptCount val="1"/>
+                <c:pt idx="0">
+                  <c:v>Kappa Score</c:v>
+                </c:pt>
+              </c:strCache>
+            </c:strRef>
+          </c:tx>
+          <c:spPr>
+            <a:solidFill>
+              <a:srgbClr val="C0504D"/>
+            </a:solidFill>
+            <a:ln>
+              <a:solidFill>
+                <a:schemeClr val="tx1"/>
+              </a:solidFill>
+            </a:ln>
+            <a:effectLst/>
+          </c:spPr>
+          <c:invertIfNegative val="0"/>
+          <c:dLbls>
+            <c:spPr>
+              <a:noFill/>
+              <a:ln>
+                <a:noFill/>
+              </a:ln>
+              <a:effectLst/>
+            </c:spPr>
+            <c:txPr>
+              <a:bodyPr rot="-5400000" spcFirstLastPara="1" vertOverflow="ellipsis" wrap="square" lIns="38100" tIns="19050" rIns="38100" bIns="19050" anchor="ctr" anchorCtr="1">
+                <a:spAutoFit/>
+              </a:bodyPr>
+              <a:lstStyle/>
+              <a:p>
+                <a:pPr>
+                  <a:defRPr sz="1000" b="0" i="0" u="none" strike="noStrike" kern="1200" baseline="0">
+                    <a:solidFill>
+                      <a:schemeClr val="tx1"/>
+                    </a:solidFill>
+                    <a:latin typeface="+mn-lt"/>
+                    <a:ea typeface="+mn-ea"/>
+                    <a:cs typeface="+mn-cs"/>
+                  </a:defRPr>
+                </a:pPr>
+                <a:endParaRPr lang="en-US"/>
+              </a:p>
+            </c:txPr>
+            <c:dLblPos val="outEnd"/>
+            <c:showLegendKey val="0"/>
+            <c:showVal val="1"/>
+            <c:showCatName val="0"/>
+            <c:showSerName val="0"/>
+            <c:showPercent val="0"/>
+            <c:showBubbleSize val="0"/>
+            <c:showLeaderLines val="0"/>
+            <c:extLst>
+              <c:ext xmlns:c15="http://schemas.microsoft.com/office/drawing/2012/chart" uri="{CE6537A1-D6FC-4f65-9D91-7224C49458BB}">
+                <c15:layout/>
+                <c15:showLeaderLines val="1"/>
+                <c15:leaderLines>
+                  <c:spPr>
+                    <a:ln w="9525" cap="flat" cmpd="sng" algn="ctr">
+                      <a:solidFill>
+                        <a:schemeClr val="tx1">
+                          <a:lumMod val="35000"/>
+                          <a:lumOff val="65000"/>
+                        </a:schemeClr>
+                      </a:solidFill>
+                      <a:round/>
+                    </a:ln>
+                    <a:effectLst/>
+                  </c:spPr>
+                </c15:leaderLines>
+              </c:ext>
+            </c:extLst>
+          </c:dLbls>
+          <c:cat>
+            <c:strRef>
+              <c:f>Sheet1!$A$2:$A$13</c:f>
+              <c:strCache>
+                <c:ptCount val="12"/>
+                <c:pt idx="0">
+                  <c:v>word2vec</c:v>
+                </c:pt>
+                <c:pt idx="1">
+                  <c:v>fuzzy wuzzy</c:v>
+                </c:pt>
+                <c:pt idx="2">
+                  <c:v>bert-base-nli-ststb-mean-tokens</c:v>
+                </c:pt>
+                <c:pt idx="3">
+                  <c:v>bert-large-nli-stsb-mean-tokens</c:v>
+                </c:pt>
+                <c:pt idx="4">
+                  <c:v>roberta-base-nli-sts-mean-tokens</c:v>
+                </c:pt>
+                <c:pt idx="5">
+                  <c:v>roberta-large-nli-stsb-mean-tokens</c:v>
+                </c:pt>
+                <c:pt idx="6">
+                  <c:v>distilbert-base-nli-stsb-mean-tokens</c:v>
+                </c:pt>
+                <c:pt idx="7">
+                  <c:v>bert-base-nli-mean-tokens</c:v>
+                </c:pt>
+                <c:pt idx="8">
+                  <c:v>bert-large-nli-mean-tokens</c:v>
+                </c:pt>
+                <c:pt idx="9">
+                  <c:v>roberta-base-nli-mean-tokens</c:v>
+                </c:pt>
+                <c:pt idx="10">
+                  <c:v>roberta-large-nli-mean-tokens</c:v>
+                </c:pt>
+                <c:pt idx="11">
+                  <c:v>distilbert-base-nli-mean-tokens</c:v>
+                </c:pt>
+              </c:strCache>
+            </c:strRef>
+          </c:cat>
+          <c:val>
+            <c:numRef>
+              <c:f>Sheet1!$C$2:$C$13</c:f>
+              <c:numCache>
+                <c:formatCode>General</c:formatCode>
+                <c:ptCount val="12"/>
+                <c:pt idx="0">
+                  <c:v>0.01</c:v>
+                </c:pt>
+                <c:pt idx="1">
+                  <c:v>0.27</c:v>
+                </c:pt>
+                <c:pt idx="2">
+                  <c:v>0.27</c:v>
+                </c:pt>
+                <c:pt idx="3">
+                  <c:v>0.39</c:v>
+                </c:pt>
+                <c:pt idx="4">
+                  <c:v>0.31</c:v>
+                </c:pt>
+                <c:pt idx="5">
+                  <c:v>0.47</c:v>
+                </c:pt>
+                <c:pt idx="6">
+                  <c:v>0.28000000000000003</c:v>
+                </c:pt>
+                <c:pt idx="7">
+                  <c:v>0.26</c:v>
+                </c:pt>
+                <c:pt idx="8">
+                  <c:v>0.01</c:v>
+                </c:pt>
+                <c:pt idx="9">
+                  <c:v>0.13</c:v>
+                </c:pt>
+                <c:pt idx="10">
+                  <c:v>0.28000000000000003</c:v>
+                </c:pt>
+                <c:pt idx="11">
+                  <c:v>0.27</c:v>
+                </c:pt>
+              </c:numCache>
+            </c:numRef>
+          </c:val>
+          <c:extLst>
+            <c:ext xmlns:c16="http://schemas.microsoft.com/office/drawing/2014/chart" uri="{C3380CC4-5D6E-409C-BE32-E72D297353CC}">
+              <c16:uniqueId val="{00000001-BF36-44DD-9A5B-BEE080C106BD}"/>
+            </c:ext>
+          </c:extLst>
+        </c:ser>
+        <c:dLbls>
+          <c:dLblPos val="outEnd"/>
+          <c:showLegendKey val="0"/>
+          <c:showVal val="1"/>
+          <c:showCatName val="0"/>
+          <c:showSerName val="0"/>
+          <c:showPercent val="0"/>
+          <c:showBubbleSize val="0"/>
+        </c:dLbls>
+        <c:gapWidth val="225"/>
+        <c:overlap val="-27"/>
+        <c:axId val="879217023"/>
+        <c:axId val="879219103"/>
+      </c:barChart>
+      <c:catAx>
+        <c:axId val="879217023"/>
+        <c:scaling>
+          <c:orientation val="minMax"/>
+        </c:scaling>
+        <c:delete val="0"/>
+        <c:axPos val="b"/>
+        <c:majorGridlines>
+          <c:spPr>
+            <a:ln w="9525" cap="flat" cmpd="sng" algn="ctr">
+              <a:solidFill>
+                <a:schemeClr val="tx1">
+                  <a:lumMod val="15000"/>
+                  <a:lumOff val="85000"/>
+                </a:schemeClr>
+              </a:solidFill>
+              <a:round/>
+            </a:ln>
+            <a:effectLst/>
+          </c:spPr>
+        </c:majorGridlines>
+        <c:numFmt formatCode="General" sourceLinked="1"/>
+        <c:majorTickMark val="none"/>
+        <c:minorTickMark val="none"/>
+        <c:tickLblPos val="nextTo"/>
+        <c:spPr>
+          <a:noFill/>
+          <a:ln w="9525" cap="flat" cmpd="sng" algn="ctr">
+            <a:solidFill>
+              <a:schemeClr val="tx1"/>
+            </a:solidFill>
+            <a:round/>
+          </a:ln>
+          <a:effectLst/>
+        </c:spPr>
+        <c:txPr>
+          <a:bodyPr rot="-60000000" spcFirstLastPara="1" vertOverflow="ellipsis" vert="horz" wrap="square" anchor="ctr" anchorCtr="1"/>
+          <a:lstStyle/>
+          <a:p>
+            <a:pPr>
+              <a:defRPr sz="1000" b="0" i="0" u="none" strike="noStrike" kern="1200" baseline="0">
+                <a:solidFill>
+                  <a:schemeClr val="tx1"/>
+                </a:solidFill>
+                <a:latin typeface="+mn-lt"/>
+                <a:ea typeface="+mn-ea"/>
+                <a:cs typeface="+mn-cs"/>
+              </a:defRPr>
+            </a:pPr>
+            <a:endParaRPr lang="en-US"/>
+          </a:p>
+        </c:txPr>
+        <c:crossAx val="879219103"/>
+        <c:crosses val="autoZero"/>
+        <c:auto val="1"/>
+        <c:lblAlgn val="ctr"/>
+        <c:lblOffset val="100"/>
+        <c:noMultiLvlLbl val="0"/>
+      </c:catAx>
+      <c:valAx>
+        <c:axId val="879219103"/>
+        <c:scaling>
+          <c:orientation val="minMax"/>
+        </c:scaling>
+        <c:delete val="1"/>
+        <c:axPos val="l"/>
+        <c:numFmt formatCode="General" sourceLinked="1"/>
+        <c:majorTickMark val="none"/>
+        <c:minorTickMark val="none"/>
+        <c:tickLblPos val="nextTo"/>
+        <c:crossAx val="879217023"/>
+        <c:crosses val="autoZero"/>
+        <c:crossBetween val="between"/>
+      </c:valAx>
+      <c:spPr>
+        <a:noFill/>
+        <a:ln>
+          <a:noFill/>
+        </a:ln>
+        <a:effectLst/>
+      </c:spPr>
+    </c:plotArea>
+    <c:legend>
+      <c:legendPos val="b"/>
+      <c:layout/>
+      <c:overlay val="0"/>
+      <c:spPr>
+        <a:noFill/>
+        <a:ln>
+          <a:noFill/>
+        </a:ln>
+        <a:effectLst/>
+      </c:spPr>
+      <c:txPr>
+        <a:bodyPr rot="0" spcFirstLastPara="1" vertOverflow="ellipsis" vert="horz" wrap="square" anchor="ctr" anchorCtr="1"/>
+        <a:lstStyle/>
+        <a:p>
+          <a:pPr>
+            <a:defRPr sz="1000" b="0" i="0" u="none" strike="noStrike" kern="1200" baseline="0">
+              <a:solidFill>
+                <a:schemeClr val="tx1"/>
+              </a:solidFill>
+              <a:latin typeface="+mn-lt"/>
+              <a:ea typeface="+mn-ea"/>
+              <a:cs typeface="+mn-cs"/>
+            </a:defRPr>
+          </a:pPr>
+          <a:endParaRPr lang="en-US"/>
+        </a:p>
+      </c:txPr>
+    </c:legend>
+    <c:plotVisOnly val="1"/>
+    <c:dispBlanksAs val="gap"/>
+    <c:showDLblsOverMax val="0"/>
+  </c:chart>
+  <c:spPr>
+    <a:noFill/>
+    <a:ln>
+      <a:noFill/>
+    </a:ln>
+    <a:effectLst/>
+  </c:spPr>
+  <c:txPr>
+    <a:bodyPr/>
+    <a:lstStyle/>
+    <a:p>
+      <a:pPr>
+        <a:defRPr/>
+      </a:pPr>
+      <a:endParaRPr lang="en-US"/>
+    </a:p>
+  </c:txPr>
+  <c:externalData r:id="rId3">
+    <c:autoUpdate val="0"/>
+  </c:externalData>
+</c:chartSpace>
+</file>
+
 <file path=ppt/charts/colors1.xml><?xml version="1.0" encoding="utf-8"?>
 <cs:colorStyle xmlns:cs="http://schemas.microsoft.com/office/drawing/2012/chartStyle" xmlns:a="http://schemas.openxmlformats.org/drawingml/2006/main" meth="cycle" id="10">
   <a:schemeClr val="accent1"/>
@@ -1148,6 +1680,46 @@
 </file>
 
 <file path=ppt/charts/colors2.xml><?xml version="1.0" encoding="utf-8"?>
+<cs:colorStyle xmlns:cs="http://schemas.microsoft.com/office/drawing/2012/chartStyle" xmlns:a="http://schemas.openxmlformats.org/drawingml/2006/main" meth="cycle" id="10">
+  <a:schemeClr val="accent1"/>
+  <a:schemeClr val="accent2"/>
+  <a:schemeClr val="accent3"/>
+  <a:schemeClr val="accent4"/>
+  <a:schemeClr val="accent5"/>
+  <a:schemeClr val="accent6"/>
+  <cs:variation/>
+  <cs:variation>
+    <a:lumMod val="60000"/>
+  </cs:variation>
+  <cs:variation>
+    <a:lumMod val="80000"/>
+    <a:lumOff val="20000"/>
+  </cs:variation>
+  <cs:variation>
+    <a:lumMod val="80000"/>
+  </cs:variation>
+  <cs:variation>
+    <a:lumMod val="60000"/>
+    <a:lumOff val="40000"/>
+  </cs:variation>
+  <cs:variation>
+    <a:lumMod val="50000"/>
+  </cs:variation>
+  <cs:variation>
+    <a:lumMod val="70000"/>
+    <a:lumOff val="30000"/>
+  </cs:variation>
+  <cs:variation>
+    <a:lumMod val="70000"/>
+  </cs:variation>
+  <cs:variation>
+    <a:lumMod val="50000"/>
+    <a:lumOff val="50000"/>
+  </cs:variation>
+</cs:colorStyle>
+</file>
+
+<file path=ppt/charts/colors3.xml><?xml version="1.0" encoding="utf-8"?>
 <cs:colorStyle xmlns:cs="http://schemas.microsoft.com/office/drawing/2012/chartStyle" xmlns:a="http://schemas.openxmlformats.org/drawingml/2006/main" meth="cycle" id="10">
   <a:schemeClr val="accent1"/>
   <a:schemeClr val="accent2"/>
@@ -1692,6 +2264,509 @@
 
 <file path=ppt/charts/style2.xml><?xml version="1.0" encoding="utf-8"?>
 <cs:chartStyle xmlns:cs="http://schemas.microsoft.com/office/drawing/2012/chartStyle" xmlns:a="http://schemas.openxmlformats.org/drawingml/2006/main" id="332">
+  <cs:axisTitle>
+    <cs:lnRef idx="0"/>
+    <cs:fillRef idx="0"/>
+    <cs:effectRef idx="0"/>
+    <cs:fontRef idx="minor">
+      <a:schemeClr val="tx1">
+        <a:lumMod val="65000"/>
+        <a:lumOff val="35000"/>
+      </a:schemeClr>
+    </cs:fontRef>
+    <cs:defRPr sz="1000" kern="1200"/>
+  </cs:axisTitle>
+  <cs:categoryAxis>
+    <cs:lnRef idx="0"/>
+    <cs:fillRef idx="0"/>
+    <cs:effectRef idx="0"/>
+    <cs:fontRef idx="minor">
+      <a:schemeClr val="tx1">
+        <a:lumMod val="65000"/>
+        <a:lumOff val="35000"/>
+      </a:schemeClr>
+    </cs:fontRef>
+    <cs:spPr>
+      <a:ln w="9525" cap="flat" cmpd="sng" algn="ctr">
+        <a:solidFill>
+          <a:schemeClr val="tx1">
+            <a:lumMod val="15000"/>
+            <a:lumOff val="85000"/>
+          </a:schemeClr>
+        </a:solidFill>
+        <a:round/>
+      </a:ln>
+    </cs:spPr>
+    <cs:defRPr sz="900" kern="1200"/>
+  </cs:categoryAxis>
+  <cs:chartArea mods="allowNoFillOverride allowNoLineOverride">
+    <cs:lnRef idx="0"/>
+    <cs:fillRef idx="0"/>
+    <cs:effectRef idx="0"/>
+    <cs:fontRef idx="minor">
+      <a:schemeClr val="tx1"/>
+    </cs:fontRef>
+    <cs:spPr>
+      <a:solidFill>
+        <a:schemeClr val="bg1"/>
+      </a:solidFill>
+      <a:ln w="9525" cap="flat" cmpd="sng" algn="ctr">
+        <a:solidFill>
+          <a:schemeClr val="tx1">
+            <a:lumMod val="15000"/>
+            <a:lumOff val="85000"/>
+          </a:schemeClr>
+        </a:solidFill>
+        <a:round/>
+      </a:ln>
+    </cs:spPr>
+    <cs:defRPr sz="1000" kern="1200"/>
+  </cs:chartArea>
+  <cs:dataLabel>
+    <cs:lnRef idx="0"/>
+    <cs:fillRef idx="0"/>
+    <cs:effectRef idx="0"/>
+    <cs:fontRef idx="minor">
+      <a:schemeClr val="tx1">
+        <a:lumMod val="75000"/>
+        <a:lumOff val="25000"/>
+      </a:schemeClr>
+    </cs:fontRef>
+    <cs:defRPr sz="900" kern="1200"/>
+  </cs:dataLabel>
+  <cs:dataLabelCallout>
+    <cs:lnRef idx="0"/>
+    <cs:fillRef idx="0"/>
+    <cs:effectRef idx="0"/>
+    <cs:fontRef idx="minor">
+      <a:schemeClr val="dk1">
+        <a:lumMod val="65000"/>
+        <a:lumOff val="35000"/>
+      </a:schemeClr>
+    </cs:fontRef>
+    <cs:spPr>
+      <a:solidFill>
+        <a:schemeClr val="lt1"/>
+      </a:solidFill>
+      <a:ln>
+        <a:solidFill>
+          <a:schemeClr val="dk1">
+            <a:lumMod val="25000"/>
+            <a:lumOff val="75000"/>
+          </a:schemeClr>
+        </a:solidFill>
+      </a:ln>
+    </cs:spPr>
+    <cs:defRPr sz="900" kern="1200"/>
+    <cs:bodyPr rot="0" spcFirstLastPara="1" vertOverflow="clip" horzOverflow="clip" vert="horz" wrap="square" lIns="36576" tIns="18288" rIns="36576" bIns="18288" anchor="ctr" anchorCtr="1">
+      <a:spAutoFit/>
+    </cs:bodyPr>
+  </cs:dataLabelCallout>
+  <cs:dataPoint>
+    <cs:lnRef idx="0"/>
+    <cs:fillRef idx="1">
+      <cs:styleClr val="auto"/>
+    </cs:fillRef>
+    <cs:effectRef idx="0"/>
+    <cs:fontRef idx="minor">
+      <a:schemeClr val="tx1"/>
+    </cs:fontRef>
+  </cs:dataPoint>
+  <cs:dataPoint3D>
+    <cs:lnRef idx="0"/>
+    <cs:fillRef idx="1">
+      <cs:styleClr val="auto"/>
+    </cs:fillRef>
+    <cs:effectRef idx="0"/>
+    <cs:fontRef idx="minor">
+      <a:schemeClr val="tx1"/>
+    </cs:fontRef>
+  </cs:dataPoint3D>
+  <cs:dataPointLine>
+    <cs:lnRef idx="0">
+      <cs:styleClr val="auto"/>
+    </cs:lnRef>
+    <cs:fillRef idx="1"/>
+    <cs:effectRef idx="0"/>
+    <cs:fontRef idx="minor">
+      <a:schemeClr val="tx1"/>
+    </cs:fontRef>
+    <cs:spPr>
+      <a:ln w="28575" cap="rnd">
+        <a:solidFill>
+          <a:schemeClr val="phClr"/>
+        </a:solidFill>
+        <a:round/>
+      </a:ln>
+    </cs:spPr>
+  </cs:dataPointLine>
+  <cs:dataPointMarker>
+    <cs:lnRef idx="0">
+      <cs:styleClr val="auto"/>
+    </cs:lnRef>
+    <cs:fillRef idx="1">
+      <cs:styleClr val="auto"/>
+    </cs:fillRef>
+    <cs:effectRef idx="0"/>
+    <cs:fontRef idx="minor">
+      <a:schemeClr val="tx1"/>
+    </cs:fontRef>
+    <cs:spPr>
+      <a:ln w="9525">
+        <a:solidFill>
+          <a:schemeClr val="phClr"/>
+        </a:solidFill>
+      </a:ln>
+    </cs:spPr>
+  </cs:dataPointMarker>
+  <cs:dataPointMarkerLayout symbol="circle" size="5"/>
+  <cs:dataPointWireframe>
+    <cs:lnRef idx="0">
+      <cs:styleClr val="auto"/>
+    </cs:lnRef>
+    <cs:fillRef idx="1"/>
+    <cs:effectRef idx="0"/>
+    <cs:fontRef idx="minor">
+      <a:schemeClr val="tx1"/>
+    </cs:fontRef>
+    <cs:spPr>
+      <a:ln w="9525" cap="rnd">
+        <a:solidFill>
+          <a:schemeClr val="phClr"/>
+        </a:solidFill>
+        <a:round/>
+      </a:ln>
+    </cs:spPr>
+  </cs:dataPointWireframe>
+  <cs:dataTable>
+    <cs:lnRef idx="0"/>
+    <cs:fillRef idx="0"/>
+    <cs:effectRef idx="0"/>
+    <cs:fontRef idx="minor">
+      <a:schemeClr val="tx1">
+        <a:lumMod val="65000"/>
+        <a:lumOff val="35000"/>
+      </a:schemeClr>
+    </cs:fontRef>
+    <cs:spPr>
+      <a:noFill/>
+      <a:ln w="9525" cap="flat" cmpd="sng" algn="ctr">
+        <a:solidFill>
+          <a:schemeClr val="tx1">
+            <a:lumMod val="15000"/>
+            <a:lumOff val="85000"/>
+          </a:schemeClr>
+        </a:solidFill>
+        <a:round/>
+      </a:ln>
+    </cs:spPr>
+    <cs:defRPr sz="900" kern="1200"/>
+  </cs:dataTable>
+  <cs:downBar>
+    <cs:lnRef idx="0"/>
+    <cs:fillRef idx="0"/>
+    <cs:effectRef idx="0"/>
+    <cs:fontRef idx="minor">
+      <a:schemeClr val="dk1"/>
+    </cs:fontRef>
+    <cs:spPr>
+      <a:solidFill>
+        <a:schemeClr val="dk1">
+          <a:lumMod val="65000"/>
+          <a:lumOff val="35000"/>
+        </a:schemeClr>
+      </a:solidFill>
+      <a:ln w="9525">
+        <a:solidFill>
+          <a:schemeClr val="tx1">
+            <a:lumMod val="65000"/>
+            <a:lumOff val="35000"/>
+          </a:schemeClr>
+        </a:solidFill>
+      </a:ln>
+    </cs:spPr>
+  </cs:downBar>
+  <cs:dropLine>
+    <cs:lnRef idx="0"/>
+    <cs:fillRef idx="0"/>
+    <cs:effectRef idx="0"/>
+    <cs:fontRef idx="minor">
+      <a:schemeClr val="tx1"/>
+    </cs:fontRef>
+    <cs:spPr>
+      <a:ln w="9525" cap="flat" cmpd="sng" algn="ctr">
+        <a:solidFill>
+          <a:schemeClr val="tx1">
+            <a:lumMod val="35000"/>
+            <a:lumOff val="65000"/>
+          </a:schemeClr>
+        </a:solidFill>
+        <a:round/>
+      </a:ln>
+    </cs:spPr>
+  </cs:dropLine>
+  <cs:errorBar>
+    <cs:lnRef idx="0"/>
+    <cs:fillRef idx="0"/>
+    <cs:effectRef idx="0"/>
+    <cs:fontRef idx="minor">
+      <a:schemeClr val="tx1"/>
+    </cs:fontRef>
+    <cs:spPr>
+      <a:ln w="9525" cap="flat" cmpd="sng" algn="ctr">
+        <a:solidFill>
+          <a:schemeClr val="tx1">
+            <a:lumMod val="65000"/>
+            <a:lumOff val="35000"/>
+          </a:schemeClr>
+        </a:solidFill>
+        <a:round/>
+      </a:ln>
+    </cs:spPr>
+  </cs:errorBar>
+  <cs:floor>
+    <cs:lnRef idx="0"/>
+    <cs:fillRef idx="0"/>
+    <cs:effectRef idx="0"/>
+    <cs:fontRef idx="minor">
+      <a:schemeClr val="tx1"/>
+    </cs:fontRef>
+    <cs:spPr>
+      <a:noFill/>
+      <a:ln>
+        <a:noFill/>
+      </a:ln>
+    </cs:spPr>
+  </cs:floor>
+  <cs:gridlineMajor>
+    <cs:lnRef idx="0"/>
+    <cs:fillRef idx="0"/>
+    <cs:effectRef idx="0"/>
+    <cs:fontRef idx="minor">
+      <a:schemeClr val="tx1"/>
+    </cs:fontRef>
+    <cs:spPr>
+      <a:ln w="9525" cap="flat" cmpd="sng" algn="ctr">
+        <a:solidFill>
+          <a:schemeClr val="tx1">
+            <a:lumMod val="15000"/>
+            <a:lumOff val="85000"/>
+          </a:schemeClr>
+        </a:solidFill>
+        <a:round/>
+      </a:ln>
+    </cs:spPr>
+  </cs:gridlineMajor>
+  <cs:gridlineMinor>
+    <cs:lnRef idx="0"/>
+    <cs:fillRef idx="0"/>
+    <cs:effectRef idx="0"/>
+    <cs:fontRef idx="minor">
+      <a:schemeClr val="tx1"/>
+    </cs:fontRef>
+    <cs:spPr>
+      <a:ln w="9525" cap="flat" cmpd="sng" algn="ctr">
+        <a:solidFill>
+          <a:schemeClr val="tx1">
+            <a:lumMod val="5000"/>
+            <a:lumOff val="95000"/>
+          </a:schemeClr>
+        </a:solidFill>
+        <a:round/>
+      </a:ln>
+    </cs:spPr>
+  </cs:gridlineMinor>
+  <cs:hiLoLine>
+    <cs:lnRef idx="0"/>
+    <cs:fillRef idx="0"/>
+    <cs:effectRef idx="0"/>
+    <cs:fontRef idx="minor">
+      <a:schemeClr val="tx1"/>
+    </cs:fontRef>
+    <cs:spPr>
+      <a:ln w="9525" cap="flat" cmpd="sng" algn="ctr">
+        <a:solidFill>
+          <a:schemeClr val="tx1">
+            <a:lumMod val="75000"/>
+            <a:lumOff val="25000"/>
+          </a:schemeClr>
+        </a:solidFill>
+        <a:round/>
+      </a:ln>
+    </cs:spPr>
+  </cs:hiLoLine>
+  <cs:leaderLine>
+    <cs:lnRef idx="0"/>
+    <cs:fillRef idx="0"/>
+    <cs:effectRef idx="0"/>
+    <cs:fontRef idx="minor">
+      <a:schemeClr val="tx1"/>
+    </cs:fontRef>
+    <cs:spPr>
+      <a:ln w="9525" cap="flat" cmpd="sng" algn="ctr">
+        <a:solidFill>
+          <a:schemeClr val="tx1">
+            <a:lumMod val="35000"/>
+            <a:lumOff val="65000"/>
+          </a:schemeClr>
+        </a:solidFill>
+        <a:round/>
+      </a:ln>
+    </cs:spPr>
+  </cs:leaderLine>
+  <cs:legend>
+    <cs:lnRef idx="0"/>
+    <cs:fillRef idx="0"/>
+    <cs:effectRef idx="0"/>
+    <cs:fontRef idx="minor">
+      <a:schemeClr val="tx1">
+        <a:lumMod val="65000"/>
+        <a:lumOff val="35000"/>
+      </a:schemeClr>
+    </cs:fontRef>
+    <cs:defRPr sz="900" kern="1200"/>
+  </cs:legend>
+  <cs:plotArea mods="allowNoFillOverride allowNoLineOverride">
+    <cs:lnRef idx="0"/>
+    <cs:fillRef idx="0"/>
+    <cs:effectRef idx="0"/>
+    <cs:fontRef idx="minor">
+      <a:schemeClr val="tx1"/>
+    </cs:fontRef>
+  </cs:plotArea>
+  <cs:plotArea3D mods="allowNoFillOverride allowNoLineOverride">
+    <cs:lnRef idx="0"/>
+    <cs:fillRef idx="0"/>
+    <cs:effectRef idx="0"/>
+    <cs:fontRef idx="minor">
+      <a:schemeClr val="tx1"/>
+    </cs:fontRef>
+  </cs:plotArea3D>
+  <cs:seriesAxis>
+    <cs:lnRef idx="0"/>
+    <cs:fillRef idx="0"/>
+    <cs:effectRef idx="0"/>
+    <cs:fontRef idx="minor">
+      <a:schemeClr val="tx1">
+        <a:lumMod val="65000"/>
+        <a:lumOff val="35000"/>
+      </a:schemeClr>
+    </cs:fontRef>
+    <cs:defRPr sz="900" kern="1200"/>
+  </cs:seriesAxis>
+  <cs:seriesLine>
+    <cs:lnRef idx="0"/>
+    <cs:fillRef idx="0"/>
+    <cs:effectRef idx="0"/>
+    <cs:fontRef idx="minor">
+      <a:schemeClr val="tx1"/>
+    </cs:fontRef>
+    <cs:spPr>
+      <a:ln w="9525" cap="flat" cmpd="sng" algn="ctr">
+        <a:solidFill>
+          <a:schemeClr val="tx1">
+            <a:lumMod val="35000"/>
+            <a:lumOff val="65000"/>
+          </a:schemeClr>
+        </a:solidFill>
+        <a:round/>
+      </a:ln>
+    </cs:spPr>
+  </cs:seriesLine>
+  <cs:title>
+    <cs:lnRef idx="0"/>
+    <cs:fillRef idx="0"/>
+    <cs:effectRef idx="0"/>
+    <cs:fontRef idx="minor">
+      <a:schemeClr val="tx1">
+        <a:lumMod val="65000"/>
+        <a:lumOff val="35000"/>
+      </a:schemeClr>
+    </cs:fontRef>
+    <cs:defRPr sz="1400" b="0" kern="1200" spc="0" baseline="0"/>
+  </cs:title>
+  <cs:trendline>
+    <cs:lnRef idx="0">
+      <cs:styleClr val="auto"/>
+    </cs:lnRef>
+    <cs:fillRef idx="0"/>
+    <cs:effectRef idx="0"/>
+    <cs:fontRef idx="minor">
+      <a:schemeClr val="tx1"/>
+    </cs:fontRef>
+    <cs:spPr>
+      <a:ln w="19050" cap="rnd">
+        <a:solidFill>
+          <a:schemeClr val="phClr"/>
+        </a:solidFill>
+        <a:prstDash val="sysDot"/>
+      </a:ln>
+    </cs:spPr>
+  </cs:trendline>
+  <cs:trendlineLabel>
+    <cs:lnRef idx="0"/>
+    <cs:fillRef idx="0"/>
+    <cs:effectRef idx="0"/>
+    <cs:fontRef idx="minor">
+      <a:schemeClr val="tx1">
+        <a:lumMod val="65000"/>
+        <a:lumOff val="35000"/>
+      </a:schemeClr>
+    </cs:fontRef>
+    <cs:defRPr sz="900" kern="1200"/>
+  </cs:trendlineLabel>
+  <cs:upBar>
+    <cs:lnRef idx="0"/>
+    <cs:fillRef idx="0"/>
+    <cs:effectRef idx="0"/>
+    <cs:fontRef idx="minor">
+      <a:schemeClr val="dk1"/>
+    </cs:fontRef>
+    <cs:spPr>
+      <a:solidFill>
+        <a:schemeClr val="lt1"/>
+      </a:solidFill>
+      <a:ln w="9525">
+        <a:solidFill>
+          <a:schemeClr val="tx1">
+            <a:lumMod val="15000"/>
+            <a:lumOff val="85000"/>
+          </a:schemeClr>
+        </a:solidFill>
+      </a:ln>
+    </cs:spPr>
+  </cs:upBar>
+  <cs:valueAxis>
+    <cs:lnRef idx="0"/>
+    <cs:fillRef idx="0"/>
+    <cs:effectRef idx="0"/>
+    <cs:fontRef idx="minor">
+      <a:schemeClr val="tx1">
+        <a:lumMod val="65000"/>
+        <a:lumOff val="35000"/>
+      </a:schemeClr>
+    </cs:fontRef>
+    <cs:defRPr sz="900" kern="1200"/>
+  </cs:valueAxis>
+  <cs:wall>
+    <cs:lnRef idx="0"/>
+    <cs:fillRef idx="0"/>
+    <cs:effectRef idx="0"/>
+    <cs:fontRef idx="minor">
+      <a:schemeClr val="tx1"/>
+    </cs:fontRef>
+    <cs:spPr>
+      <a:noFill/>
+      <a:ln>
+        <a:noFill/>
+      </a:ln>
+    </cs:spPr>
+  </cs:wall>
+</cs:chartStyle>
+</file>
+
+<file path=ppt/charts/style3.xml><?xml version="1.0" encoding="utf-8"?>
+<cs:chartStyle xmlns:cs="http://schemas.microsoft.com/office/drawing/2012/chartStyle" xmlns:a="http://schemas.openxmlformats.org/drawingml/2006/main" id="201">
   <cs:axisTitle>
     <cs:lnRef idx="0"/>
     <cs:fillRef idx="0"/>
@@ -17069,7 +18144,7 @@
     <mc:Choice Requires="p14">
       <p:transition spd="slow" p14:dur="2000"/>
     </mc:Choice>
-    <mc:Fallback xmlns="" xmlns:p15="http://schemas.microsoft.com/office/powerpoint/2012/main">
+    <mc:Fallback xmlns:p15="http://schemas.microsoft.com/office/powerpoint/2012/main" xmlns="">
       <p:transition spd="slow"/>
     </mc:Fallback>
   </mc:AlternateContent>
@@ -18606,7 +19681,7 @@
     <mc:Choice Requires="p14">
       <p:transition spd="slow" p14:dur="2000"/>
     </mc:Choice>
-    <mc:Fallback xmlns="" xmlns:p15="http://schemas.microsoft.com/office/powerpoint/2012/main">
+    <mc:Fallback xmlns:p15="http://schemas.microsoft.com/office/powerpoint/2012/main" xmlns="">
       <p:transition spd="slow"/>
     </mc:Fallback>
   </mc:AlternateContent>
@@ -19241,7 +20316,7 @@
     <mc:Choice Requires="p14">
       <p:transition spd="slow" p14:dur="2000"/>
     </mc:Choice>
-    <mc:Fallback xmlns="" xmlns:p15="http://schemas.microsoft.com/office/powerpoint/2012/main">
+    <mc:Fallback xmlns:p15="http://schemas.microsoft.com/office/powerpoint/2012/main" xmlns="">
       <p:transition spd="slow"/>
     </mc:Fallback>
   </mc:AlternateContent>
@@ -22762,7 +23837,7 @@
     <mc:Choice Requires="p14">
       <p:transition spd="slow" p14:dur="2000"/>
     </mc:Choice>
-    <mc:Fallback xmlns="" xmlns:p15="http://schemas.microsoft.com/office/powerpoint/2012/main">
+    <mc:Fallback xmlns:p15="http://schemas.microsoft.com/office/powerpoint/2012/main" xmlns="">
       <p:transition spd="slow"/>
     </mc:Fallback>
   </mc:AlternateContent>
@@ -25032,7 +26107,7 @@
     <mc:Choice Requires="p14">
       <p:transition spd="slow" p14:dur="2000"/>
     </mc:Choice>
-    <mc:Fallback xmlns="" xmlns:p15="http://schemas.microsoft.com/office/powerpoint/2012/main">
+    <mc:Fallback xmlns:p15="http://schemas.microsoft.com/office/powerpoint/2012/main" xmlns="">
       <p:transition spd="slow"/>
     </mc:Fallback>
   </mc:AlternateContent>
@@ -27292,7 +28367,7 @@
     <mc:Choice Requires="p14">
       <p:transition spd="slow" p14:dur="2000"/>
     </mc:Choice>
-    <mc:Fallback xmlns="" xmlns:p15="http://schemas.microsoft.com/office/powerpoint/2012/main">
+    <mc:Fallback xmlns:p15="http://schemas.microsoft.com/office/powerpoint/2012/main" xmlns="">
       <p:transition spd="slow"/>
     </mc:Fallback>
   </mc:AlternateContent>
@@ -27415,6 +28490,60 @@
 </file>
 
 <file path=ppt/slides/slide17.xml><?xml version="1.0" encoding="utf-8"?>
+<p:sld xmlns:a="http://schemas.openxmlformats.org/drawingml/2006/main" xmlns:r="http://schemas.openxmlformats.org/officeDocument/2006/relationships" xmlns:p="http://schemas.openxmlformats.org/presentationml/2006/main">
+  <p:cSld>
+    <p:spTree>
+      <p:nvGrpSpPr>
+        <p:cNvPr id="1" name=""/>
+        <p:cNvGrpSpPr/>
+        <p:nvPr/>
+      </p:nvGrpSpPr>
+      <p:grpSpPr>
+        <a:xfrm>
+          <a:off x="0" y="0"/>
+          <a:ext cx="0" cy="0"/>
+          <a:chOff x="0" y="0"/>
+          <a:chExt cx="0" cy="0"/>
+        </a:xfrm>
+      </p:grpSpPr>
+      <p:graphicFrame>
+        <p:nvGraphicFramePr>
+          <p:cNvPr id="4" name="Chart 3"/>
+          <p:cNvGraphicFramePr>
+            <a:graphicFrameLocks/>
+          </p:cNvGraphicFramePr>
+          <p:nvPr>
+            <p:extLst>
+              <p:ext uri="{D42A27DB-BD31-4B8C-83A1-F6EECF244321}">
+                <p14:modId xmlns:p14="http://schemas.microsoft.com/office/powerpoint/2010/main" val="3204221222"/>
+              </p:ext>
+            </p:extLst>
+          </p:nvPr>
+        </p:nvGraphicFramePr>
+        <p:xfrm>
+          <a:off x="2505075" y="1134208"/>
+          <a:ext cx="7181850" cy="4028342"/>
+        </p:xfrm>
+        <a:graphic>
+          <a:graphicData uri="http://schemas.openxmlformats.org/drawingml/2006/chart">
+            <c:chart xmlns:c="http://schemas.openxmlformats.org/drawingml/2006/chart" xmlns:r="http://schemas.openxmlformats.org/officeDocument/2006/relationships" r:id="rId2"/>
+          </a:graphicData>
+        </a:graphic>
+      </p:graphicFrame>
+    </p:spTree>
+    <p:extLst>
+      <p:ext uri="{BB962C8B-B14F-4D97-AF65-F5344CB8AC3E}">
+        <p14:creationId xmlns:p14="http://schemas.microsoft.com/office/powerpoint/2010/main" val="1214922943"/>
+      </p:ext>
+    </p:extLst>
+  </p:cSld>
+  <p:clrMapOvr>
+    <a:masterClrMapping/>
+  </p:clrMapOvr>
+</p:sld>
+</file>
+
+<file path=ppt/slides/slide18.xml><?xml version="1.0" encoding="utf-8"?>
 <p:sld xmlns:a="http://schemas.openxmlformats.org/drawingml/2006/main" xmlns:r="http://schemas.openxmlformats.org/officeDocument/2006/relationships" xmlns:p="http://schemas.openxmlformats.org/presentationml/2006/main">
   <p:cSld>
     <p:spTree>
@@ -27785,7 +28914,7 @@
     <mc:Choice Requires="p14">
       <p:transition spd="slow" p14:dur="2000"/>
     </mc:Choice>
-    <mc:Fallback xmlns="" xmlns:p15="http://schemas.microsoft.com/office/powerpoint/2012/main">
+    <mc:Fallback xmlns:p15="http://schemas.microsoft.com/office/powerpoint/2012/main" xmlns="">
       <p:transition spd="slow"/>
     </mc:Fallback>
   </mc:AlternateContent>
@@ -30689,7 +31818,7 @@
     <mc:Choice Requires="p14">
       <p:transition spd="slow" p14:dur="2000"/>
     </mc:Choice>
-    <mc:Fallback xmlns="" xmlns:p15="http://schemas.microsoft.com/office/powerpoint/2012/main">
+    <mc:Fallback xmlns:p15="http://schemas.microsoft.com/office/powerpoint/2012/main" xmlns="">
       <p:transition spd="slow"/>
     </mc:Fallback>
   </mc:AlternateContent>
@@ -33350,7 +34479,7 @@
     <mc:Choice Requires="p14">
       <p:transition spd="slow" p14:dur="2000"/>
     </mc:Choice>
-    <mc:Fallback xmlns="" xmlns:p15="http://schemas.microsoft.com/office/powerpoint/2012/main">
+    <mc:Fallback xmlns:p15="http://schemas.microsoft.com/office/powerpoint/2012/main" xmlns="">
       <p:transition spd="slow"/>
     </mc:Fallback>
   </mc:AlternateContent>
@@ -39950,7 +41079,7 @@
     <mc:Choice Requires="p14">
       <p:transition spd="slow" p14:dur="2000"/>
     </mc:Choice>
-    <mc:Fallback xmlns="" xmlns:p15="http://schemas.microsoft.com/office/powerpoint/2012/main">
+    <mc:Fallback xmlns:p15="http://schemas.microsoft.com/office/powerpoint/2012/main" xmlns="">
       <p:transition spd="slow"/>
     </mc:Fallback>
   </mc:AlternateContent>
@@ -45003,7 +46132,7 @@
     <mc:Choice Requires="p14">
       <p:transition spd="slow" p14:dur="2000"/>
     </mc:Choice>
-    <mc:Fallback xmlns="" xmlns:p15="http://schemas.microsoft.com/office/powerpoint/2012/main">
+    <mc:Fallback xmlns:p15="http://schemas.microsoft.com/office/powerpoint/2012/main" xmlns="">
       <p:transition spd="slow"/>
     </mc:Fallback>
   </mc:AlternateContent>
@@ -45151,7 +46280,7 @@
     <mc:Choice Requires="p14">
       <p:transition spd="slow" p14:dur="2000"/>
     </mc:Choice>
-    <mc:Fallback xmlns="" xmlns:p15="http://schemas.microsoft.com/office/powerpoint/2012/main">
+    <mc:Fallback xmlns:p15="http://schemas.microsoft.com/office/powerpoint/2012/main" xmlns="">
       <p:transition spd="slow"/>
     </mc:Fallback>
   </mc:AlternateContent>
@@ -45714,7 +46843,7 @@
     <mc:Choice Requires="p14">
       <p:transition spd="slow" p14:dur="2000"/>
     </mc:Choice>
-    <mc:Fallback xmlns="" xmlns:p15="http://schemas.microsoft.com/office/powerpoint/2012/main">
+    <mc:Fallback xmlns:p15="http://schemas.microsoft.com/office/powerpoint/2012/main" xmlns="">
       <p:transition spd="slow"/>
     </mc:Fallback>
   </mc:AlternateContent>
@@ -47611,7 +48740,7 @@
     <mc:Choice Requires="p14">
       <p:transition spd="slow" p14:dur="2000"/>
     </mc:Choice>
-    <mc:Fallback xmlns="" xmlns:p15="http://schemas.microsoft.com/office/powerpoint/2012/main">
+    <mc:Fallback xmlns:p15="http://schemas.microsoft.com/office/powerpoint/2012/main" xmlns="">
       <p:transition spd="slow"/>
     </mc:Fallback>
   </mc:AlternateContent>
@@ -50414,7 +51543,7 @@
     <mc:Choice Requires="p14">
       <p:transition spd="slow" p14:dur="2000"/>
     </mc:Choice>
-    <mc:Fallback xmlns="" xmlns:p15="http://schemas.microsoft.com/office/powerpoint/2012/main">
+    <mc:Fallback xmlns:p15="http://schemas.microsoft.com/office/powerpoint/2012/main" xmlns="">
       <p:transition spd="slow"/>
     </mc:Fallback>
   </mc:AlternateContent>
